--- a/Présentation du titre pro/Dossier Professionnel v1.pptx
+++ b/Présentation du titre pro/Dossier Professionnel v1.pptx
@@ -6,7 +6,7 @@
     <p:sldMasterId id="2147483661" r:id="rId2"/>
   </p:sldMasterIdLst>
   <p:notesMasterIdLst>
-    <p:notesMasterId r:id="rId35"/>
+    <p:notesMasterId r:id="rId34"/>
   </p:notesMasterIdLst>
   <p:sldIdLst>
     <p:sldId id="256" r:id="rId3"/>
@@ -34,13 +34,12 @@
     <p:sldId id="266" r:id="rId25"/>
     <p:sldId id="265" r:id="rId26"/>
     <p:sldId id="267" r:id="rId27"/>
-    <p:sldId id="260" r:id="rId28"/>
+    <p:sldId id="298" r:id="rId28"/>
     <p:sldId id="268" r:id="rId29"/>
     <p:sldId id="270" r:id="rId30"/>
-    <p:sldId id="271" r:id="rId31"/>
-    <p:sldId id="272" r:id="rId32"/>
-    <p:sldId id="275" r:id="rId33"/>
-    <p:sldId id="281" r:id="rId34"/>
+    <p:sldId id="272" r:id="rId31"/>
+    <p:sldId id="275" r:id="rId32"/>
+    <p:sldId id="281" r:id="rId33"/>
   </p:sldIdLst>
   <p:sldSz cx="12192000" cy="6858000"/>
   <p:notesSz cx="6858000" cy="9144000"/>
@@ -2959,7 +2958,31 @@
                 <a:ea typeface="+mn-ea"/>
                 <a:cs typeface="+mn-cs"/>
               </a:rPr>
-              <a:t> le front &amp; python/</a:t>
+              <a:t> le </a:t>
+            </a:r>
+            <a:r>
+              <a:rPr lang="fr-FR" sz="1200" kern="1200" baseline="0" dirty="0" smtClean="0">
+                <a:solidFill>
+                  <a:schemeClr val="tx1"/>
+                </a:solidFill>
+                <a:effectLst/>
+                <a:latin typeface="+mn-lt"/>
+                <a:ea typeface="+mn-ea"/>
+                <a:cs typeface="+mn-cs"/>
+              </a:rPr>
+              <a:t>front end &amp; </a:t>
+            </a:r>
+            <a:r>
+              <a:rPr lang="fr-FR" sz="1200" kern="1200" baseline="0" dirty="0" smtClean="0">
+                <a:solidFill>
+                  <a:schemeClr val="tx1"/>
+                </a:solidFill>
+                <a:effectLst/>
+                <a:latin typeface="+mn-lt"/>
+                <a:ea typeface="+mn-ea"/>
+                <a:cs typeface="+mn-cs"/>
+              </a:rPr>
+              <a:t>python/</a:t>
             </a:r>
             <a:r>
               <a:rPr lang="fr-FR" sz="1200" kern="1200" baseline="0" dirty="0" err="1" smtClean="0">
@@ -2983,7 +3006,19 @@
                 <a:ea typeface="+mn-ea"/>
                 <a:cs typeface="+mn-cs"/>
               </a:rPr>
-              <a:t> pour le back </a:t>
+              <a:t> pour le </a:t>
+            </a:r>
+            <a:r>
+              <a:rPr lang="fr-FR" sz="1200" kern="1200" baseline="0" dirty="0" smtClean="0">
+                <a:solidFill>
+                  <a:schemeClr val="tx1"/>
+                </a:solidFill>
+                <a:effectLst/>
+                <a:latin typeface="+mn-lt"/>
+                <a:ea typeface="+mn-ea"/>
+                <a:cs typeface="+mn-cs"/>
+              </a:rPr>
+              <a:t>back end</a:t>
             </a:r>
             <a:endParaRPr lang="fr-FR" sz="2000" b="0" strike="noStrike" spc="-1" dirty="0">
               <a:latin typeface="Arial"/>
@@ -3092,7 +3127,7 @@
         <p:spPr>
           <a:xfrm>
             <a:off x="685800" y="1143000"/>
-            <a:ext cx="5485680" cy="3085560"/>
+            <a:ext cx="5486400" cy="3086100"/>
           </a:xfrm>
           <a:prstGeom prst="rect">
             <a:avLst/>
@@ -3142,7 +3177,19 @@
               <a:rPr lang="fr-FR" sz="2000" b="0" strike="noStrike" spc="-1" baseline="0" dirty="0" smtClean="0">
                 <a:latin typeface="Arial"/>
               </a:rPr>
-              <a:t>L’utilisateur lui peut faire cela en plus du faite qu’il puisse interagir avec sont compte utilisateur, avec ses annonces </a:t>
+              <a:t>L’utilisateur lui </a:t>
+            </a:r>
+            <a:r>
+              <a:rPr lang="fr-FR" sz="2000" b="0" strike="noStrike" spc="-1" baseline="0" dirty="0" smtClean="0">
+                <a:latin typeface="Arial"/>
+              </a:rPr>
+              <a:t>hérite de cela </a:t>
+            </a:r>
+            <a:r>
+              <a:rPr lang="fr-FR" sz="2000" b="0" strike="noStrike" spc="-1" baseline="0" dirty="0" smtClean="0">
+                <a:latin typeface="Arial"/>
+              </a:rPr>
+              <a:t>en plus du faite qu’il puisse interagir avec sont compte utilisateur, avec ses annonces </a:t>
             </a:r>
             <a:r>
               <a:rPr lang="fr-FR" sz="2000" b="0" strike="noStrike" spc="-1" baseline="0" dirty="0" err="1" smtClean="0">
@@ -3318,7 +3365,15 @@
             </a:r>
             <a:r>
               <a:rPr lang="fr-FR" dirty="0" smtClean="0"/>
-              <a:t> sont les information de l’utilisateur a savoir son nom, prénom </a:t>
+              <a:t> sont les </a:t>
+            </a:r>
+            <a:r>
+              <a:rPr lang="fr-FR" dirty="0" smtClean="0"/>
+              <a:t>informations </a:t>
+            </a:r>
+            <a:r>
+              <a:rPr lang="fr-FR" dirty="0" smtClean="0"/>
+              <a:t>de l’utilisateur a savoir son nom, prénom </a:t>
             </a:r>
             <a:r>
               <a:rPr lang="fr-FR" dirty="0" err="1" smtClean="0"/>
@@ -3336,6 +3391,35 @@
               <a:rPr lang="fr-FR" dirty="0" smtClean="0"/>
               <a:t>..</a:t>
             </a:r>
+          </a:p>
+          <a:p>
+            <a:endParaRPr lang="fr-FR" dirty="0" smtClean="0"/>
+          </a:p>
+          <a:p>
+            <a:pPr marL="0" marR="0" indent="0" algn="l" defTabSz="914400" rtl="0" eaLnBrk="1" fontAlgn="auto" latinLnBrk="0" hangingPunct="1">
+              <a:lnSpc>
+                <a:spcPct val="100000"/>
+              </a:lnSpc>
+              <a:spcBef>
+                <a:spcPts val="0"/>
+              </a:spcBef>
+              <a:spcAft>
+                <a:spcPts val="0"/>
+              </a:spcAft>
+              <a:buClrTx/>
+              <a:buSzTx/>
+              <a:buFontTx/>
+              <a:buNone/>
+              <a:tabLst/>
+              <a:defRPr/>
+            </a:pPr>
+            <a:r>
+              <a:rPr lang="fr-FR" dirty="0" smtClean="0"/>
+              <a:t>Pour établir le Modèle Logique des Données j’ai utilisé le mcd préalablement créé pour mettre en valeur les relation entre les entité.</a:t>
+            </a:r>
+          </a:p>
+          <a:p>
+            <a:endParaRPr lang="fr-FR" dirty="0" smtClean="0"/>
           </a:p>
           <a:p>
             <a:endParaRPr lang="fr-FR" dirty="0"/>
@@ -3434,7 +3518,25 @@
           <a:p>
             <a:r>
               <a:rPr lang="fr-FR" dirty="0" smtClean="0"/>
-              <a:t>Modèle Logique des Données </a:t>
+              <a:t>Les diagrammes</a:t>
+            </a:r>
+            <a:r>
+              <a:rPr lang="fr-FR" baseline="0" dirty="0" smtClean="0"/>
+              <a:t> suivant sont des </a:t>
+            </a:r>
+            <a:r>
+              <a:rPr lang="fr-FR" dirty="0" smtClean="0"/>
+              <a:t>Schéma</a:t>
+            </a:r>
+            <a:r>
+              <a:rPr lang="fr-FR" baseline="0" dirty="0" smtClean="0"/>
+              <a:t> algorithmique représentant les différente étapes lors d’une connexion</a:t>
+            </a:r>
+          </a:p>
+          <a:p>
+            <a:r>
+              <a:rPr lang="fr-FR" baseline="0" dirty="0" smtClean="0"/>
+              <a:t>(a droite le diagramme d’activité &amp; a gauche le diagramme séquentiel) </a:t>
             </a:r>
             <a:endParaRPr lang="fr-FR" dirty="0"/>
           </a:p>
@@ -3471,7 +3573,7 @@
     </p:spTree>
     <p:extLst>
       <p:ext uri="{BB962C8B-B14F-4D97-AF65-F5344CB8AC3E}">
-        <p14:creationId xmlns:p14="http://schemas.microsoft.com/office/powerpoint/2010/main" val="2107433859"/>
+        <p14:creationId xmlns:p14="http://schemas.microsoft.com/office/powerpoint/2010/main" val="2656744876"/>
       </p:ext>
     </p:extLst>
   </p:cSld>
@@ -3698,8 +3800,154 @@
             </a:r>
             <a:r>
               <a:rPr lang="fr-FR" baseline="0" dirty="0" smtClean="0"/>
-              <a:t> a cette présentation un bout de code HTML d’un formulaire actuellement présent dans mon projet ace développeur </a:t>
-            </a:r>
+              <a:t> a cette </a:t>
+            </a:r>
+            <a:r>
+              <a:rPr lang="fr-FR" baseline="0" dirty="0" smtClean="0"/>
+              <a:t>présentation </a:t>
+            </a:r>
+            <a:r>
+              <a:rPr lang="fr-FR" baseline="0" dirty="0" smtClean="0"/>
+              <a:t>un bout de code HTML d’un formulaire actuellement présent dans mon projet ace développeur </a:t>
+            </a:r>
+            <a:endParaRPr lang="fr-FR" baseline="0" dirty="0" smtClean="0"/>
+          </a:p>
+          <a:p>
+            <a:endParaRPr lang="fr-FR" baseline="0" dirty="0" smtClean="0"/>
+          </a:p>
+          <a:p>
+            <a:r>
+              <a:rPr lang="fr-FR" dirty="0" smtClean="0"/>
+              <a:t>Le voici :</a:t>
+            </a:r>
+          </a:p>
+          <a:p>
+            <a:r>
+              <a:rPr lang="fr-FR" dirty="0" smtClean="0"/>
+              <a:t>L’input de type</a:t>
+            </a:r>
+            <a:r>
+              <a:rPr lang="fr-FR" baseline="0" dirty="0" smtClean="0"/>
+              <a:t> radio permet de créer des </a:t>
+            </a:r>
+            <a:r>
+              <a:rPr lang="fr-FR" dirty="0" smtClean="0"/>
+              <a:t>boutons représentés par des cercles remplis lorsqu'ils sont sélectionnés &amp; vide quand cela n’est pas le cas</a:t>
+            </a:r>
+            <a:r>
+              <a:rPr lang="fr-FR" baseline="0" dirty="0" smtClean="0"/>
+              <a:t> </a:t>
+            </a:r>
+          </a:p>
+          <a:p>
+            <a:r>
+              <a:rPr lang="fr-FR" baseline="0" dirty="0" smtClean="0"/>
+              <a:t>Il est généralement </a:t>
+            </a:r>
+            <a:r>
+              <a:rPr lang="fr-FR" dirty="0" smtClean="0"/>
+              <a:t>utilisés pour construire des groupes d'options parmi lesquelles on ne peut choisir qu'une valeur. </a:t>
+            </a:r>
+          </a:p>
+          <a:p>
+            <a:r>
+              <a:rPr lang="fr-FR" dirty="0" smtClean="0"/>
+              <a:t>En l'occurrence pour choisir</a:t>
+            </a:r>
+            <a:r>
+              <a:rPr lang="fr-FR" baseline="0" dirty="0" smtClean="0"/>
+              <a:t> madame ou monsieur .</a:t>
+            </a:r>
+          </a:p>
+          <a:p>
+            <a:endParaRPr lang="fr-FR" baseline="0" dirty="0" smtClean="0"/>
+          </a:p>
+          <a:p>
+            <a:pPr marL="0" marR="0" indent="0" algn="l" defTabSz="914400" rtl="0" eaLnBrk="1" fontAlgn="auto" latinLnBrk="0" hangingPunct="1">
+              <a:lnSpc>
+                <a:spcPct val="100000"/>
+              </a:lnSpc>
+              <a:spcBef>
+                <a:spcPts val="0"/>
+              </a:spcBef>
+              <a:spcAft>
+                <a:spcPts val="0"/>
+              </a:spcAft>
+              <a:buClrTx/>
+              <a:buSzTx/>
+              <a:buFontTx/>
+              <a:buNone/>
+              <a:tabLst/>
+              <a:defRPr/>
+            </a:pPr>
+            <a:r>
+              <a:rPr lang="fr-FR" dirty="0" smtClean="0"/>
+              <a:t>Concernent l’input de type texte des restriction on été définit afin</a:t>
+            </a:r>
+            <a:r>
+              <a:rPr lang="fr-FR" baseline="0" dirty="0" smtClean="0"/>
+              <a:t> que l’utilisateur ne puis pas faire n’importe quoi .</a:t>
+            </a:r>
+          </a:p>
+          <a:p>
+            <a:pPr marL="0" marR="0" indent="0" algn="l" defTabSz="914400" rtl="0" eaLnBrk="1" fontAlgn="auto" latinLnBrk="0" hangingPunct="1">
+              <a:lnSpc>
+                <a:spcPct val="100000"/>
+              </a:lnSpc>
+              <a:spcBef>
+                <a:spcPts val="0"/>
+              </a:spcBef>
+              <a:spcAft>
+                <a:spcPts val="0"/>
+              </a:spcAft>
+              <a:buClrTx/>
+              <a:buSzTx/>
+              <a:buFontTx/>
+              <a:buNone/>
+              <a:tabLst/>
+              <a:defRPr/>
+            </a:pPr>
+            <a:r>
+              <a:rPr lang="fr-FR" baseline="0" dirty="0" smtClean="0"/>
+              <a:t>Dans le cas du prénom le nombre de lettre maximum que l’utilisateur est autorisé a mettre est de 20  définit par « </a:t>
+            </a:r>
+            <a:r>
+              <a:rPr lang="fr-FR" baseline="0" dirty="0" err="1" smtClean="0"/>
+              <a:t>maxlength</a:t>
+            </a:r>
+            <a:r>
+              <a:rPr lang="fr-FR" baseline="0" dirty="0" smtClean="0"/>
+              <a:t> » de </a:t>
+            </a:r>
+            <a:r>
+              <a:rPr lang="fr-FR" baseline="0" dirty="0" err="1" smtClean="0"/>
+              <a:t>meme</a:t>
+            </a:r>
+            <a:r>
+              <a:rPr lang="fr-FR" baseline="0" dirty="0" smtClean="0"/>
+              <a:t> que le nombre minimum </a:t>
+            </a:r>
+            <a:r>
+              <a:rPr lang="fr-FR" baseline="0" dirty="0" err="1" smtClean="0"/>
+              <a:t>definit</a:t>
+            </a:r>
+            <a:r>
+              <a:rPr lang="fr-FR" baseline="0" dirty="0" smtClean="0"/>
+              <a:t> par « </a:t>
+            </a:r>
+            <a:r>
+              <a:rPr lang="fr-FR" baseline="0" dirty="0" err="1" smtClean="0"/>
+              <a:t>minlength</a:t>
+            </a:r>
+            <a:r>
+              <a:rPr lang="fr-FR" baseline="0" dirty="0" smtClean="0"/>
+              <a:t> » et de 2 .</a:t>
+            </a:r>
+          </a:p>
+          <a:p>
+            <a:endParaRPr lang="fr-FR" dirty="0" smtClean="0"/>
+          </a:p>
+          <a:p>
             <a:endParaRPr lang="fr-FR" dirty="0"/>
           </a:p>
         </p:txBody>
@@ -3796,130 +4044,43 @@
           <a:p>
             <a:r>
               <a:rPr lang="fr-FR" dirty="0" smtClean="0"/>
-              <a:t>Le voici :</a:t>
-            </a:r>
-          </a:p>
-          <a:p>
+              <a:t>L’input de type « file » permettent à un utilisateur de sélectionner un ou plusieurs fichiers depuis leur appareil et de les uploader les fichier autorisé sont définit grâce a « </a:t>
+            </a:r>
+            <a:r>
+              <a:rPr lang="fr-FR" dirty="0" err="1" smtClean="0"/>
+              <a:t>accept</a:t>
+            </a:r>
             <a:r>
               <a:rPr lang="fr-FR" dirty="0" smtClean="0"/>
-              <a:t>L’input de type</a:t>
+              <a:t>= le nom des extension » en l’occurrence</a:t>
             </a:r>
             <a:r>
               <a:rPr lang="fr-FR" baseline="0" dirty="0" smtClean="0"/>
-              <a:t> radio permet de créer des </a:t>
-            </a:r>
-            <a:r>
-              <a:rPr lang="fr-FR" dirty="0" smtClean="0"/>
-              <a:t>boutons représentés par des cercles remplis lorsqu'ils sont sélectionnés &amp; vide quand cela n’est pas le cas</a:t>
+              <a:t> .</a:t>
+            </a:r>
+            <a:r>
+              <a:rPr lang="fr-FR" baseline="0" dirty="0" err="1" smtClean="0"/>
+              <a:t>jpg</a:t>
             </a:r>
             <a:r>
               <a:rPr lang="fr-FR" baseline="0" dirty="0" smtClean="0"/>
-              <a:t> </a:t>
-            </a:r>
-          </a:p>
-          <a:p>
+              <a:t> .</a:t>
+            </a:r>
+            <a:r>
+              <a:rPr lang="fr-FR" baseline="0" dirty="0" err="1" smtClean="0"/>
+              <a:t>png</a:t>
+            </a:r>
             <a:r>
               <a:rPr lang="fr-FR" baseline="0" dirty="0" smtClean="0"/>
-              <a:t>Il est généralement </a:t>
-            </a:r>
-            <a:r>
-              <a:rPr lang="fr-FR" dirty="0" smtClean="0"/>
-              <a:t>utilisés pour construire des groupes d'options parmi lesquelles on ne peut choisir qu'une valeur. </a:t>
-            </a:r>
-          </a:p>
-          <a:p>
-            <a:r>
-              <a:rPr lang="fr-FR" dirty="0" smtClean="0"/>
-              <a:t>En l'occurrence pour choisir</a:t>
+              <a:t> pour les images et .</a:t>
+            </a:r>
+            <a:r>
+              <a:rPr lang="fr-FR" baseline="0" dirty="0" err="1" smtClean="0"/>
+              <a:t>gif</a:t>
             </a:r>
             <a:r>
               <a:rPr lang="fr-FR" baseline="0" dirty="0" smtClean="0"/>
-              <a:t> madame ou monsieur .</a:t>
-            </a:r>
-          </a:p>
-          <a:p>
-            <a:endParaRPr lang="fr-FR" baseline="0" dirty="0" smtClean="0"/>
-          </a:p>
-          <a:p>
-            <a:pPr marL="0" marR="0" indent="0" algn="l" defTabSz="914400" rtl="0" eaLnBrk="1" fontAlgn="auto" latinLnBrk="0" hangingPunct="1">
-              <a:lnSpc>
-                <a:spcPct val="100000"/>
-              </a:lnSpc>
-              <a:spcBef>
-                <a:spcPts val="0"/>
-              </a:spcBef>
-              <a:spcAft>
-                <a:spcPts val="0"/>
-              </a:spcAft>
-              <a:buClrTx/>
-              <a:buSzTx/>
-              <a:buFontTx/>
-              <a:buNone/>
-              <a:tabLst/>
-              <a:defRPr/>
-            </a:pPr>
-            <a:r>
-              <a:rPr lang="fr-FR" dirty="0" smtClean="0"/>
-              <a:t>Concernent l’input de type texte des restriction on été définit afin</a:t>
-            </a:r>
-            <a:r>
-              <a:rPr lang="fr-FR" baseline="0" dirty="0" smtClean="0"/>
-              <a:t> que l’utilisateur ne puis pas faire n’importe quoi .</a:t>
-            </a:r>
-          </a:p>
-          <a:p>
-            <a:pPr marL="0" marR="0" indent="0" algn="l" defTabSz="914400" rtl="0" eaLnBrk="1" fontAlgn="auto" latinLnBrk="0" hangingPunct="1">
-              <a:lnSpc>
-                <a:spcPct val="100000"/>
-              </a:lnSpc>
-              <a:spcBef>
-                <a:spcPts val="0"/>
-              </a:spcBef>
-              <a:spcAft>
-                <a:spcPts val="0"/>
-              </a:spcAft>
-              <a:buClrTx/>
-              <a:buSzTx/>
-              <a:buFontTx/>
-              <a:buNone/>
-              <a:tabLst/>
-              <a:defRPr/>
-            </a:pPr>
-            <a:r>
-              <a:rPr lang="fr-FR" baseline="0" dirty="0" smtClean="0"/>
-              <a:t>Dans le cas du prénom le nombre de lettre maximum que l’utilisateur est autorisé a mettre est de 20  définit par « </a:t>
-            </a:r>
-            <a:r>
-              <a:rPr lang="fr-FR" baseline="0" dirty="0" err="1" smtClean="0"/>
-              <a:t>maxlength</a:t>
-            </a:r>
-            <a:r>
-              <a:rPr lang="fr-FR" baseline="0" dirty="0" smtClean="0"/>
-              <a:t> » de </a:t>
-            </a:r>
-            <a:r>
-              <a:rPr lang="fr-FR" baseline="0" dirty="0" err="1" smtClean="0"/>
-              <a:t>meme</a:t>
-            </a:r>
-            <a:r>
-              <a:rPr lang="fr-FR" baseline="0" dirty="0" smtClean="0"/>
-              <a:t> que le nombre minimum </a:t>
-            </a:r>
-            <a:r>
-              <a:rPr lang="fr-FR" baseline="0" dirty="0" err="1" smtClean="0"/>
-              <a:t>definit</a:t>
-            </a:r>
-            <a:r>
-              <a:rPr lang="fr-FR" baseline="0" dirty="0" smtClean="0"/>
-              <a:t> par « </a:t>
-            </a:r>
-            <a:r>
-              <a:rPr lang="fr-FR" baseline="0" dirty="0" err="1" smtClean="0"/>
-              <a:t>minlength</a:t>
-            </a:r>
-            <a:r>
-              <a:rPr lang="fr-FR" baseline="0" dirty="0" smtClean="0"/>
-              <a:t> » et de 2 .</a:t>
+              <a:t> pour les image animés </a:t>
             </a:r>
           </a:p>
           <a:p>
@@ -3958,7 +4119,7 @@
     </p:spTree>
     <p:extLst>
       <p:ext uri="{BB962C8B-B14F-4D97-AF65-F5344CB8AC3E}">
-        <p14:creationId xmlns:p14="http://schemas.microsoft.com/office/powerpoint/2010/main" val="2735525318"/>
+        <p14:creationId xmlns:p14="http://schemas.microsoft.com/office/powerpoint/2010/main" val="3429599279"/>
       </p:ext>
     </p:extLst>
   </p:cSld>
@@ -4242,46 +4403,16 @@
           <a:p>
             <a:r>
               <a:rPr lang="fr-FR" dirty="0" smtClean="0"/>
-              <a:t>L’input de type « file » permettent à un utilisateur de sélectionner un ou plusieurs fichiers depuis leur appareil et de les uploader les fichier autorisé sont définit grâce a « </a:t>
+              <a:t>Voici le résultat avec du </a:t>
             </a:r>
             <a:r>
               <a:rPr lang="fr-FR" dirty="0" err="1" smtClean="0"/>
-              <a:t>accept</a:t>
+              <a:t>Css</a:t>
             </a:r>
             <a:r>
               <a:rPr lang="fr-FR" dirty="0" smtClean="0"/>
-              <a:t>= le nom des extension » en l’occurrence</a:t>
-            </a:r>
-            <a:r>
-              <a:rPr lang="fr-FR" baseline="0" dirty="0" smtClean="0"/>
-              <a:t> .</a:t>
-            </a:r>
-            <a:r>
-              <a:rPr lang="fr-FR" baseline="0" dirty="0" err="1" smtClean="0"/>
-              <a:t>jpg</a:t>
-            </a:r>
-            <a:r>
-              <a:rPr lang="fr-FR" baseline="0" dirty="0" smtClean="0"/>
-              <a:t> .</a:t>
-            </a:r>
-            <a:r>
-              <a:rPr lang="fr-FR" baseline="0" dirty="0" err="1" smtClean="0"/>
-              <a:t>png</a:t>
-            </a:r>
-            <a:r>
-              <a:rPr lang="fr-FR" baseline="0" dirty="0" smtClean="0"/>
-              <a:t> pour les images et .</a:t>
-            </a:r>
-            <a:r>
-              <a:rPr lang="fr-FR" baseline="0" dirty="0" err="1" smtClean="0"/>
-              <a:t>gif</a:t>
-            </a:r>
-            <a:r>
-              <a:rPr lang="fr-FR" baseline="0" dirty="0" smtClean="0"/>
-              <a:t> pour les image animés </a:t>
-            </a:r>
-          </a:p>
-          <a:p>
+              <a:t> pour mettre un peu de la couleur aux tous .</a:t>
+            </a:r>
             <a:endParaRPr lang="fr-FR" dirty="0"/>
           </a:p>
         </p:txBody>
@@ -4317,7 +4448,7 @@
     </p:spTree>
     <p:extLst>
       <p:ext uri="{BB962C8B-B14F-4D97-AF65-F5344CB8AC3E}">
-        <p14:creationId xmlns:p14="http://schemas.microsoft.com/office/powerpoint/2010/main" val="3429599279"/>
+        <p14:creationId xmlns:p14="http://schemas.microsoft.com/office/powerpoint/2010/main" val="2625164785"/>
       </p:ext>
     </p:extLst>
   </p:cSld>
@@ -4378,16 +4509,10 @@
           <a:p>
             <a:r>
               <a:rPr lang="fr-FR" dirty="0" smtClean="0"/>
-              <a:t>Voici le résultat avec du </a:t>
-            </a:r>
-            <a:r>
-              <a:rPr lang="fr-FR" dirty="0" err="1" smtClean="0"/>
-              <a:t>Css</a:t>
-            </a:r>
-            <a:r>
-              <a:rPr lang="fr-FR" dirty="0" smtClean="0"/>
-              <a:t> pour mettre un peu de la couleur aux tous .</a:t>
-            </a:r>
+              <a:t>En conclusion cette aventure qu’est ce projet est un challenge des plus passionnant qui m’apportera une monté en compétence ainsi qu’en expérience .</a:t>
+            </a:r>
+          </a:p>
+          <a:p>
             <a:endParaRPr lang="fr-FR" dirty="0"/>
           </a:p>
         </p:txBody>
@@ -4413,114 +4538,6 @@
                 <a:latin typeface="Times New Roman"/>
               </a:rPr>
               <a:t>31</a:t>
-            </a:fld>
-            <a:endParaRPr lang="fr-FR" sz="1400" b="0" strike="noStrike" spc="-1">
-              <a:latin typeface="Times New Roman"/>
-            </a:endParaRPr>
-          </a:p>
-        </p:txBody>
-      </p:sp>
-    </p:spTree>
-    <p:extLst>
-      <p:ext uri="{BB962C8B-B14F-4D97-AF65-F5344CB8AC3E}">
-        <p14:creationId xmlns:p14="http://schemas.microsoft.com/office/powerpoint/2010/main" val="2625164785"/>
-      </p:ext>
-    </p:extLst>
-  </p:cSld>
-  <p:clrMapOvr>
-    <a:masterClrMapping/>
-  </p:clrMapOvr>
-</p:notes>
-</file>
-
-<file path=ppt/notesSlides/notesSlide32.xml><?xml version="1.0" encoding="utf-8"?>
-<p:notes xmlns:a="http://schemas.openxmlformats.org/drawingml/2006/main" xmlns:r="http://schemas.openxmlformats.org/officeDocument/2006/relationships" xmlns:p="http://schemas.openxmlformats.org/presentationml/2006/main">
-  <p:cSld>
-    <p:spTree>
-      <p:nvGrpSpPr>
-        <p:cNvPr id="1" name=""/>
-        <p:cNvGrpSpPr/>
-        <p:nvPr/>
-      </p:nvGrpSpPr>
-      <p:grpSpPr>
-        <a:xfrm>
-          <a:off x="0" y="0"/>
-          <a:ext cx="0" cy="0"/>
-          <a:chOff x="0" y="0"/>
-          <a:chExt cx="0" cy="0"/>
-        </a:xfrm>
-      </p:grpSpPr>
-      <p:sp>
-        <p:nvSpPr>
-          <p:cNvPr id="2" name="Espace réservé de l'image des diapositives 1"/>
-          <p:cNvSpPr>
-            <a:spLocks noGrp="1" noRot="1" noChangeAspect="1"/>
-          </p:cNvSpPr>
-          <p:nvPr>
-            <p:ph type="sldImg"/>
-          </p:nvPr>
-        </p:nvSpPr>
-        <p:spPr>
-          <a:xfrm>
-            <a:off x="217488" y="812800"/>
-            <a:ext cx="7124700" cy="4008438"/>
-          </a:xfrm>
-        </p:spPr>
-      </p:sp>
-      <p:sp>
-        <p:nvSpPr>
-          <p:cNvPr id="3" name="Espace réservé des commentaires 2"/>
-          <p:cNvSpPr>
-            <a:spLocks noGrp="1"/>
-          </p:cNvSpPr>
-          <p:nvPr>
-            <p:ph type="body" idx="1"/>
-          </p:nvPr>
-        </p:nvSpPr>
-        <p:spPr/>
-        <p:txBody>
-          <a:bodyPr/>
-          <a:lstStyle/>
-          <a:p>
-            <a:r>
-              <a:rPr lang="fr-FR" dirty="0" smtClean="0"/>
-              <a:t>En conclusion cette </a:t>
-            </a:r>
-            <a:r>
-              <a:rPr lang="fr-FR" dirty="0" smtClean="0"/>
-              <a:t>aventure qu’est </a:t>
-            </a:r>
-            <a:r>
-              <a:rPr lang="fr-FR" dirty="0" smtClean="0"/>
-              <a:t>ce projet est un challenge des plus passionnant qui m’apportera une monté en compétence ainsi qu’en expérience .</a:t>
-            </a:r>
-          </a:p>
-          <a:p>
-            <a:endParaRPr lang="fr-FR" dirty="0"/>
-          </a:p>
-        </p:txBody>
-      </p:sp>
-      <p:sp>
-        <p:nvSpPr>
-          <p:cNvPr id="4" name="Espace réservé du numéro de diapositive 3"/>
-          <p:cNvSpPr>
-            <a:spLocks noGrp="1"/>
-          </p:cNvSpPr>
-          <p:nvPr>
-            <p:ph type="sldNum" idx="10"/>
-          </p:nvPr>
-        </p:nvSpPr>
-        <p:spPr/>
-        <p:txBody>
-          <a:bodyPr/>
-          <a:lstStyle/>
-          <a:p>
-            <a:pPr algn="r"/>
-            <a:fld id="{4C8961B9-9BF0-44A4-A706-205F40A8B952}" type="slidenum">
-              <a:rPr lang="fr-FR" sz="1400" b="0" strike="noStrike" spc="-1" smtClean="0">
-                <a:latin typeface="Times New Roman"/>
-              </a:rPr>
-              <a:t>32</a:t>
             </a:fld>
             <a:endParaRPr lang="fr-FR" sz="1400" b="0" strike="noStrike" spc="-1">
               <a:latin typeface="Times New Roman"/>
@@ -10644,7 +10661,7 @@
         <p:fade/>
       </p:transition>
     </mc:Choice>
-    <mc:Fallback xmlns="" xmlns:p15="http://schemas.microsoft.com/office/powerpoint/2012/main">
+    <mc:Fallback xmlns:p15="http://schemas.microsoft.com/office/powerpoint/2012/main" xmlns="">
       <p:transition spd="med">
         <p:fade/>
       </p:transition>
@@ -10864,13 +10881,13 @@
   <p:clrMapOvr>
     <a:masterClrMapping/>
   </p:clrMapOvr>
-  <mc:AlternateContent xmlns:mc="http://schemas.openxmlformats.org/markup-compatibility/2006">
-    <mc:Choice xmlns:p14="http://schemas.microsoft.com/office/powerpoint/2010/main" Requires="p14">
+  <mc:AlternateContent xmlns:mc="http://schemas.openxmlformats.org/markup-compatibility/2006" xmlns:p14="http://schemas.microsoft.com/office/powerpoint/2010/main">
+    <mc:Choice Requires="p14">
       <p:transition spd="med" p14:dur="700">
         <p:fade/>
       </p:transition>
     </mc:Choice>
-    <mc:Fallback>
+    <mc:Fallback xmlns="">
       <p:transition spd="med">
         <p:fade/>
       </p:transition>
@@ -11133,13 +11150,13 @@
   <p:clrMapOvr>
     <a:masterClrMapping/>
   </p:clrMapOvr>
-  <mc:AlternateContent xmlns:mc="http://schemas.openxmlformats.org/markup-compatibility/2006">
-    <mc:Choice xmlns:p14="http://schemas.microsoft.com/office/powerpoint/2010/main" Requires="p14">
+  <mc:AlternateContent xmlns:mc="http://schemas.openxmlformats.org/markup-compatibility/2006" xmlns:p14="http://schemas.microsoft.com/office/powerpoint/2010/main">
+    <mc:Choice Requires="p14">
       <p:transition spd="med" p14:dur="700">
         <p:fade/>
       </p:transition>
     </mc:Choice>
-    <mc:Fallback>
+    <mc:Fallback xmlns="">
       <p:transition spd="med">
         <p:fade/>
       </p:transition>
@@ -11359,13 +11376,13 @@
   <p:clrMapOvr>
     <a:masterClrMapping/>
   </p:clrMapOvr>
-  <mc:AlternateContent xmlns:mc="http://schemas.openxmlformats.org/markup-compatibility/2006">
-    <mc:Choice xmlns:p14="http://schemas.microsoft.com/office/powerpoint/2010/main" Requires="p14">
+  <mc:AlternateContent xmlns:mc="http://schemas.openxmlformats.org/markup-compatibility/2006" xmlns:p14="http://schemas.microsoft.com/office/powerpoint/2010/main">
+    <mc:Choice Requires="p14">
       <p:transition spd="med" p14:dur="700">
         <p:fade/>
       </p:transition>
     </mc:Choice>
-    <mc:Fallback>
+    <mc:Fallback xmlns="">
       <p:transition spd="med">
         <p:fade/>
       </p:transition>
@@ -11615,13 +11632,13 @@
   <p:clrMapOvr>
     <a:masterClrMapping/>
   </p:clrMapOvr>
-  <mc:AlternateContent xmlns:mc="http://schemas.openxmlformats.org/markup-compatibility/2006">
-    <mc:Choice xmlns:p14="http://schemas.microsoft.com/office/powerpoint/2010/main" Requires="p14">
+  <mc:AlternateContent xmlns:mc="http://schemas.openxmlformats.org/markup-compatibility/2006" xmlns:p14="http://schemas.microsoft.com/office/powerpoint/2010/main">
+    <mc:Choice Requires="p14">
       <p:transition spd="med" p14:dur="700">
         <p:fade/>
       </p:transition>
     </mc:Choice>
-    <mc:Fallback>
+    <mc:Fallback xmlns="">
       <p:transition spd="med">
         <p:fade/>
       </p:transition>
@@ -11841,13 +11858,13 @@
   <p:clrMapOvr>
     <a:masterClrMapping/>
   </p:clrMapOvr>
-  <mc:AlternateContent xmlns:mc="http://schemas.openxmlformats.org/markup-compatibility/2006">
-    <mc:Choice xmlns:p14="http://schemas.microsoft.com/office/powerpoint/2010/main" Requires="p14">
+  <mc:AlternateContent xmlns:mc="http://schemas.openxmlformats.org/markup-compatibility/2006" xmlns:p14="http://schemas.microsoft.com/office/powerpoint/2010/main">
+    <mc:Choice Requires="p14">
       <p:transition spd="med" p14:dur="700">
         <p:fade/>
       </p:transition>
     </mc:Choice>
-    <mc:Fallback>
+    <mc:Fallback xmlns="">
       <p:transition spd="med">
         <p:fade/>
       </p:transition>
@@ -12097,13 +12114,13 @@
   <p:clrMapOvr>
     <a:masterClrMapping/>
   </p:clrMapOvr>
-  <mc:AlternateContent xmlns:mc="http://schemas.openxmlformats.org/markup-compatibility/2006">
-    <mc:Choice xmlns:p14="http://schemas.microsoft.com/office/powerpoint/2010/main" Requires="p14">
+  <mc:AlternateContent xmlns:mc="http://schemas.openxmlformats.org/markup-compatibility/2006" xmlns:p14="http://schemas.microsoft.com/office/powerpoint/2010/main">
+    <mc:Choice Requires="p14">
       <p:transition spd="med" p14:dur="700">
         <p:fade/>
       </p:transition>
     </mc:Choice>
-    <mc:Fallback>
+    <mc:Fallback xmlns="">
       <p:transition spd="med">
         <p:fade/>
       </p:transition>
@@ -12323,13 +12340,13 @@
   <p:clrMapOvr>
     <a:masterClrMapping/>
   </p:clrMapOvr>
-  <mc:AlternateContent xmlns:mc="http://schemas.openxmlformats.org/markup-compatibility/2006">
-    <mc:Choice xmlns:p14="http://schemas.microsoft.com/office/powerpoint/2010/main" Requires="p14">
+  <mc:AlternateContent xmlns:mc="http://schemas.openxmlformats.org/markup-compatibility/2006" xmlns:p14="http://schemas.microsoft.com/office/powerpoint/2010/main">
+    <mc:Choice Requires="p14">
       <p:transition spd="med" p14:dur="700">
         <p:fade/>
       </p:transition>
     </mc:Choice>
-    <mc:Fallback>
+    <mc:Fallback xmlns="">
       <p:transition spd="med">
         <p:fade/>
       </p:transition>
@@ -12579,13 +12596,13 @@
   <p:clrMapOvr>
     <a:masterClrMapping/>
   </p:clrMapOvr>
-  <mc:AlternateContent xmlns:mc="http://schemas.openxmlformats.org/markup-compatibility/2006">
-    <mc:Choice xmlns:p14="http://schemas.microsoft.com/office/powerpoint/2010/main" Requires="p14">
+  <mc:AlternateContent xmlns:mc="http://schemas.openxmlformats.org/markup-compatibility/2006" xmlns:p14="http://schemas.microsoft.com/office/powerpoint/2010/main">
+    <mc:Choice Requires="p14">
       <p:transition spd="med" p14:dur="700">
         <p:fade/>
       </p:transition>
     </mc:Choice>
-    <mc:Fallback>
+    <mc:Fallback xmlns="">
       <p:transition spd="med">
         <p:fade/>
       </p:transition>
@@ -12805,13 +12822,13 @@
   <p:clrMapOvr>
     <a:masterClrMapping/>
   </p:clrMapOvr>
-  <mc:AlternateContent xmlns:mc="http://schemas.openxmlformats.org/markup-compatibility/2006">
-    <mc:Choice xmlns:p14="http://schemas.microsoft.com/office/powerpoint/2010/main" Requires="p14">
+  <mc:AlternateContent xmlns:mc="http://schemas.openxmlformats.org/markup-compatibility/2006" xmlns:p14="http://schemas.microsoft.com/office/powerpoint/2010/main">
+    <mc:Choice Requires="p14">
       <p:transition spd="med" p14:dur="700">
         <p:fade/>
       </p:transition>
     </mc:Choice>
-    <mc:Fallback>
+    <mc:Fallback xmlns="">
       <p:transition spd="med">
         <p:fade/>
       </p:transition>
@@ -13047,7 +13064,7 @@
         <p:fade/>
       </p:transition>
     </mc:Choice>
-    <mc:Fallback xmlns="" xmlns:p15="http://schemas.microsoft.com/office/powerpoint/2012/main">
+    <mc:Fallback xmlns:p15="http://schemas.microsoft.com/office/powerpoint/2012/main" xmlns="">
       <p:transition spd="med">
         <p:fade/>
       </p:transition>
@@ -13382,7 +13399,7 @@
         <p:fade/>
       </p:transition>
     </mc:Choice>
-    <mc:Fallback xmlns="" xmlns:p15="http://schemas.microsoft.com/office/powerpoint/2012/main">
+    <mc:Fallback xmlns:p15="http://schemas.microsoft.com/office/powerpoint/2012/main" xmlns="">
       <p:transition spd="med">
         <p:fade/>
       </p:transition>
@@ -13549,7 +13566,7 @@
         <p:fade/>
       </p:transition>
     </mc:Choice>
-    <mc:Fallback xmlns="" xmlns:p15="http://schemas.microsoft.com/office/powerpoint/2012/main">
+    <mc:Fallback xmlns:p15="http://schemas.microsoft.com/office/powerpoint/2012/main" xmlns="">
       <p:transition spd="med">
         <p:fade/>
       </p:transition>
@@ -13616,7 +13633,7 @@
         <p:fade/>
       </p:transition>
     </mc:Choice>
-    <mc:Fallback xmlns="" xmlns:p15="http://schemas.microsoft.com/office/powerpoint/2012/main">
+    <mc:Fallback xmlns:p15="http://schemas.microsoft.com/office/powerpoint/2012/main" xmlns="">
       <p:transition spd="med">
         <p:fade/>
       </p:transition>
@@ -13831,7 +13848,7 @@
         <p:fade/>
       </p:transition>
     </mc:Choice>
-    <mc:Fallback xmlns="" xmlns:p15="http://schemas.microsoft.com/office/powerpoint/2012/main">
+    <mc:Fallback xmlns:p15="http://schemas.microsoft.com/office/powerpoint/2012/main" xmlns="">
       <p:transition spd="med">
         <p:fade/>
       </p:transition>
@@ -14115,7 +14132,7 @@
         <p:fade/>
       </p:transition>
     </mc:Choice>
-    <mc:Fallback xmlns="" xmlns:p15="http://schemas.microsoft.com/office/powerpoint/2012/main">
+    <mc:Fallback xmlns:p15="http://schemas.microsoft.com/office/powerpoint/2012/main" xmlns="">
       <p:transition spd="med">
         <p:fade/>
       </p:transition>
@@ -14305,7 +14322,7 @@
         <p:fade/>
       </p:transition>
     </mc:Choice>
-    <mc:Fallback xmlns="" xmlns:p15="http://schemas.microsoft.com/office/powerpoint/2012/main">
+    <mc:Fallback xmlns:p15="http://schemas.microsoft.com/office/powerpoint/2012/main" xmlns="">
       <p:transition spd="med">
         <p:fade/>
       </p:transition>
@@ -14375,23 +14392,25 @@
           </a:bodyPr>
           <a:lstStyle/>
           <a:p>
-            <a:pPr>
-              <a:lnSpc>
-                <a:spcPct val="100000"/>
-              </a:lnSpc>
-            </a:pPr>
-            <a:r>
-              <a:rPr lang="fr-FR" sz="5000" b="0" strike="noStrike" spc="-1">
+            <a:r>
+              <a:rPr lang="fr-FR" sz="5000" spc="-1" dirty="0">
                 <a:solidFill>
                   <a:srgbClr val="455F51"/>
                 </a:solidFill>
                 <a:latin typeface="Century Gothic"/>
               </a:rPr>
-              <a:t>MCD</a:t>
-            </a:r>
-            <a:endParaRPr lang="fr-FR" sz="5000" b="0" strike="noStrike" spc="-1">
-              <a:latin typeface="Arial"/>
-            </a:endParaRPr>
+              <a:t>MCD/ </a:t>
+            </a:r>
+            <a:r>
+              <a:rPr lang="fr-FR" sz="5000" spc="-1" dirty="0" smtClean="0">
+                <a:solidFill>
+                  <a:srgbClr val="455F51"/>
+                </a:solidFill>
+                <a:latin typeface="Century Gothic"/>
+              </a:rPr>
+              <a:t>MLD</a:t>
+            </a:r>
+            <a:endParaRPr lang="fr-FR" sz="5000" spc="-1" dirty="0"/>
           </a:p>
         </p:txBody>
       </p:sp>
@@ -14439,8 +14458,8 @@
         </p:blipFill>
         <p:spPr>
           <a:xfrm>
-            <a:off x="3384000" y="1008000"/>
-            <a:ext cx="8640000" cy="5472000"/>
+            <a:off x="344709" y="2361308"/>
+            <a:ext cx="5176526" cy="3536503"/>
           </a:xfrm>
           <a:prstGeom prst="rect">
             <a:avLst/>
@@ -14448,6 +14467,36 @@
           <a:ln>
             <a:noFill/>
           </a:ln>
+        </p:spPr>
+      </p:pic>
+      <p:pic>
+        <p:nvPicPr>
+          <p:cNvPr id="5" name="Image 4"/>
+          <p:cNvPicPr>
+            <a:picLocks noChangeAspect="1"/>
+          </p:cNvPicPr>
+          <p:nvPr/>
+        </p:nvPicPr>
+        <p:blipFill>
+          <a:blip r:embed="rId4" cstate="print">
+            <a:extLst>
+              <a:ext uri="{28A0092B-C50C-407E-A947-70E740481C1C}">
+                <a14:useLocalDpi xmlns:a14="http://schemas.microsoft.com/office/drawing/2010/main" val="0"/>
+              </a:ext>
+            </a:extLst>
+          </a:blip>
+          <a:stretch>
+            <a:fillRect/>
+          </a:stretch>
+        </p:blipFill>
+        <p:spPr>
+          <a:xfrm>
+            <a:off x="5521235" y="2604634"/>
+            <a:ext cx="6132122" cy="3293177"/>
+          </a:xfrm>
+          <a:prstGeom prst="rect">
+            <a:avLst/>
+          </a:prstGeom>
         </p:spPr>
       </p:pic>
     </p:spTree>
@@ -14461,7 +14510,7 @@
         <p:fade/>
       </p:transition>
     </mc:Choice>
-    <mc:Fallback xmlns="" xmlns:p15="http://schemas.microsoft.com/office/powerpoint/2012/main">
+    <mc:Fallback xmlns:p15="http://schemas.microsoft.com/office/powerpoint/2012/main" xmlns="">
       <p:transition spd="med">
         <p:fade/>
       </p:transition>
@@ -14496,13 +14545,13 @@
       </p:grpSpPr>
       <p:sp>
         <p:nvSpPr>
-          <p:cNvPr id="113" name="CustomShape 1"/>
+          <p:cNvPr id="134" name="CustomShape 1"/>
           <p:cNvSpPr/>
           <p:nvPr/>
         </p:nvSpPr>
         <p:spPr>
           <a:xfrm>
-            <a:off x="679149" y="704160"/>
+            <a:off x="609480" y="704160"/>
             <a:ext cx="10972080" cy="1142280"/>
           </a:xfrm>
           <a:prstGeom prst="rect">
@@ -14537,13 +14586,13 @@
               </a:lnSpc>
             </a:pPr>
             <a:r>
-              <a:rPr lang="fr-FR" sz="5000" b="0" strike="noStrike" spc="-1" dirty="0">
+              <a:rPr lang="fr-FR" sz="5000" b="0" strike="noStrike" spc="-1" dirty="0" smtClean="0">
                 <a:solidFill>
                   <a:srgbClr val="455F51"/>
                 </a:solidFill>
                 <a:latin typeface="Century Gothic"/>
               </a:rPr>
-              <a:t> </a:t>
+              <a:t>Diagramme d’activité/</a:t>
             </a:r>
             <a:r>
               <a:rPr lang="fr-FR" sz="5000" spc="-1" dirty="0" smtClean="0">
@@ -14552,7 +14601,7 @@
                 </a:solidFill>
                 <a:latin typeface="Century Gothic"/>
               </a:rPr>
-              <a:t>MLD</a:t>
+              <a:t>séquence</a:t>
             </a:r>
             <a:endParaRPr lang="fr-FR" sz="5000" b="0" strike="noStrike" spc="-1" dirty="0">
               <a:latin typeface="Arial"/>
@@ -14562,7 +14611,7 @@
       </p:sp>
       <p:sp>
         <p:nvSpPr>
-          <p:cNvPr id="114" name="CustomShape 2"/>
+          <p:cNvPr id="135" name="CustomShape 2"/>
           <p:cNvSpPr/>
           <p:nvPr/>
         </p:nvSpPr>
@@ -14591,62 +14640,10 @@
           </a:effectRef>
           <a:fontRef idx="minor"/>
         </p:style>
-        <p:txBody>
-          <a:bodyPr lIns="90000" tIns="45000" rIns="90000" bIns="45000">
-            <a:noAutofit/>
-          </a:bodyPr>
-          <a:lstStyle/>
-          <a:p>
-            <a:pPr marL="720">
-              <a:lnSpc>
-                <a:spcPct val="100000"/>
-              </a:lnSpc>
-              <a:spcBef>
-                <a:spcPts val="519"/>
-              </a:spcBef>
-              <a:buClr>
-                <a:srgbClr val="626B1A"/>
-              </a:buClr>
-              <a:buSzPct val="95000"/>
-            </a:pPr>
-            <a:endParaRPr lang="fr-FR" sz="2600" b="0" strike="noStrike" spc="-1" dirty="0" smtClean="0">
-              <a:solidFill>
-                <a:srgbClr val="000000"/>
-              </a:solidFill>
-              <a:latin typeface="Palatino Linotype"/>
-            </a:endParaRPr>
-          </a:p>
-          <a:p>
-            <a:pPr marL="393840" lvl="1">
-              <a:lnSpc>
-                <a:spcPct val="100000"/>
-              </a:lnSpc>
-              <a:spcBef>
-                <a:spcPts val="479"/>
-              </a:spcBef>
-              <a:buClr>
-                <a:srgbClr val="2A4F1C"/>
-              </a:buClr>
-              <a:buSzPct val="85000"/>
-            </a:pPr>
-            <a:r>
-              <a:rPr lang="fr-FR" sz="2400" b="0" strike="noStrike" spc="-1" dirty="0" smtClean="0">
-                <a:solidFill>
-                  <a:srgbClr val="000000"/>
-                </a:solidFill>
-                <a:latin typeface="Palatino Linotype"/>
-              </a:rPr>
-              <a:t> </a:t>
-            </a:r>
-            <a:endParaRPr lang="fr-FR" sz="2400" b="0" strike="noStrike" spc="-1" dirty="0">
-              <a:latin typeface="Arial"/>
-            </a:endParaRPr>
-          </a:p>
-        </p:txBody>
       </p:sp>
       <p:pic>
         <p:nvPicPr>
-          <p:cNvPr id="2" name="Image 1"/>
+          <p:cNvPr id="3" name="Image 2"/>
           <p:cNvPicPr>
             <a:picLocks noChangeAspect="1"/>
           </p:cNvPicPr>
@@ -14666,8 +14663,38 @@
         </p:blipFill>
         <p:spPr>
           <a:xfrm>
-            <a:off x="2627082" y="1514873"/>
-            <a:ext cx="8954478" cy="4808887"/>
+            <a:off x="609480" y="1935360"/>
+            <a:ext cx="5212469" cy="5011560"/>
+          </a:xfrm>
+          <a:prstGeom prst="rect">
+            <a:avLst/>
+          </a:prstGeom>
+        </p:spPr>
+      </p:pic>
+      <p:pic>
+        <p:nvPicPr>
+          <p:cNvPr id="4" name="Image 3"/>
+          <p:cNvPicPr>
+            <a:picLocks noChangeAspect="1"/>
+          </p:cNvPicPr>
+          <p:nvPr/>
+        </p:nvPicPr>
+        <p:blipFill>
+          <a:blip r:embed="rId4">
+            <a:extLst>
+              <a:ext uri="{28A0092B-C50C-407E-A947-70E740481C1C}">
+                <a14:useLocalDpi xmlns:a14="http://schemas.microsoft.com/office/drawing/2010/main" val="0"/>
+              </a:ext>
+            </a:extLst>
+          </a:blip>
+          <a:stretch>
+            <a:fillRect/>
+          </a:stretch>
+        </p:blipFill>
+        <p:spPr>
+          <a:xfrm>
+            <a:off x="6308111" y="1935360"/>
+            <a:ext cx="5273449" cy="4922640"/>
           </a:xfrm>
           <a:prstGeom prst="rect">
             <a:avLst/>
@@ -14675,17 +14702,22 @@
         </p:spPr>
       </p:pic>
     </p:spTree>
+    <p:extLst>
+      <p:ext uri="{BB962C8B-B14F-4D97-AF65-F5344CB8AC3E}">
+        <p14:creationId xmlns:p14="http://schemas.microsoft.com/office/powerpoint/2010/main" val="4111999080"/>
+      </p:ext>
+    </p:extLst>
   </p:cSld>
   <p:clrMapOvr>
     <a:masterClrMapping/>
   </p:clrMapOvr>
-  <mc:AlternateContent xmlns:mc="http://schemas.openxmlformats.org/markup-compatibility/2006" xmlns:p14="http://schemas.microsoft.com/office/powerpoint/2010/main">
-    <mc:Choice Requires="p14">
+  <mc:AlternateContent xmlns:mc="http://schemas.openxmlformats.org/markup-compatibility/2006">
+    <mc:Choice xmlns:p14="http://schemas.microsoft.com/office/powerpoint/2010/main" Requires="p14">
       <p:transition spd="med" p14:dur="700">
         <p:fade/>
       </p:transition>
     </mc:Choice>
-    <mc:Fallback xmlns="" xmlns:p15="http://schemas.microsoft.com/office/powerpoint/2012/main">
+    <mc:Fallback>
       <p:transition spd="med">
         <p:fade/>
       </p:transition>
@@ -14906,7 +14938,7 @@
         <p:fade/>
       </p:transition>
     </mc:Choice>
-    <mc:Fallback xmlns="" xmlns:p15="http://schemas.microsoft.com/office/powerpoint/2012/main">
+    <mc:Fallback xmlns:p15="http://schemas.microsoft.com/office/powerpoint/2012/main" xmlns="">
       <p:transition spd="med">
         <p:fade/>
       </p:transition>
@@ -15028,6 +15060,29 @@
           <a:fontRef idx="minor"/>
         </p:style>
       </p:sp>
+      <p:pic>
+        <p:nvPicPr>
+          <p:cNvPr id="4" name="Image 3"/>
+          <p:cNvPicPr/>
+          <p:nvPr/>
+        </p:nvPicPr>
+        <p:blipFill>
+          <a:blip r:embed="rId3"/>
+          <a:stretch/>
+        </p:blipFill>
+        <p:spPr>
+          <a:xfrm>
+            <a:off x="956160" y="1846440"/>
+            <a:ext cx="10138560" cy="5497560"/>
+          </a:xfrm>
+          <a:prstGeom prst="rect">
+            <a:avLst/>
+          </a:prstGeom>
+          <a:ln>
+            <a:noFill/>
+          </a:ln>
+        </p:spPr>
+      </p:pic>
     </p:spTree>
   </p:cSld>
   <p:clrMapOvr>
@@ -15039,7 +15094,7 @@
         <p:fade/>
       </p:transition>
     </mc:Choice>
-    <mc:Fallback xmlns="" xmlns:p15="http://schemas.microsoft.com/office/powerpoint/2012/main">
+    <mc:Fallback xmlns:p15="http://schemas.microsoft.com/office/powerpoint/2012/main" xmlns="">
       <p:transition spd="med">
         <p:fade/>
       </p:transition>
@@ -15074,7 +15129,7 @@
       </p:grpSpPr>
       <p:pic>
         <p:nvPicPr>
-          <p:cNvPr id="136" name="Image 135"/>
+          <p:cNvPr id="137" name="Image 136"/>
           <p:cNvPicPr/>
           <p:nvPr/>
         </p:nvPicPr>
@@ -15084,8 +15139,8 @@
         </p:blipFill>
         <p:spPr>
           <a:xfrm>
-            <a:off x="956160" y="686880"/>
-            <a:ext cx="10779840" cy="6657120"/>
+            <a:off x="1008000" y="720000"/>
+            <a:ext cx="10755720" cy="6328080"/>
           </a:xfrm>
           <a:prstGeom prst="rect">
             <a:avLst/>
@@ -15106,7 +15161,7 @@
         <p:fade/>
       </p:transition>
     </mc:Choice>
-    <mc:Fallback xmlns="" xmlns:p15="http://schemas.microsoft.com/office/powerpoint/2012/main">
+    <mc:Fallback xmlns:p15="http://schemas.microsoft.com/office/powerpoint/2012/main" xmlns="">
       <p:transition spd="med">
         <p:fade/>
       </p:transition>
@@ -15499,7 +15554,7 @@
         <p:fade/>
       </p:transition>
     </mc:Choice>
-    <mc:Fallback xmlns="" xmlns:p15="http://schemas.microsoft.com/office/powerpoint/2012/main">
+    <mc:Fallback xmlns:p15="http://schemas.microsoft.com/office/powerpoint/2012/main" xmlns="">
       <p:transition spd="med">
         <p:fade/>
       </p:transition>
@@ -15532,9 +15587,66 @@
           <a:chExt cx="0" cy="0"/>
         </a:xfrm>
       </p:grpSpPr>
+      <p:sp>
+        <p:nvSpPr>
+          <p:cNvPr id="138" name="CustomShape 1"/>
+          <p:cNvSpPr/>
+          <p:nvPr/>
+        </p:nvSpPr>
+        <p:spPr>
+          <a:xfrm>
+            <a:off x="609480" y="704160"/>
+            <a:ext cx="10972080" cy="1142280"/>
+          </a:xfrm>
+          <a:prstGeom prst="rect">
+            <a:avLst/>
+          </a:prstGeom>
+          <a:noFill/>
+          <a:ln>
+            <a:noFill/>
+          </a:ln>
+        </p:spPr>
+        <p:style>
+          <a:lnRef idx="0">
+            <a:scrgbClr r="0" g="0" b="0"/>
+          </a:lnRef>
+          <a:fillRef idx="0">
+            <a:scrgbClr r="0" g="0" b="0"/>
+          </a:fillRef>
+          <a:effectRef idx="0">
+            <a:scrgbClr r="0" g="0" b="0"/>
+          </a:effectRef>
+          <a:fontRef idx="minor"/>
+        </p:style>
+        <p:txBody>
+          <a:bodyPr lIns="0" tIns="45000" rIns="0" bIns="0" anchor="b">
+            <a:noAutofit/>
+          </a:bodyPr>
+          <a:lstStyle/>
+          <a:p>
+            <a:pPr>
+              <a:lnSpc>
+                <a:spcPct val="100000"/>
+              </a:lnSpc>
+            </a:pPr>
+            <a:r>
+              <a:rPr lang="fr-FR" sz="5000" b="0" strike="noStrike" spc="-1">
+                <a:solidFill>
+                  <a:srgbClr val="455F51"/>
+                </a:solidFill>
+                <a:latin typeface="Century Gothic"/>
+              </a:rPr>
+              <a:t>Résultat :</a:t>
+            </a:r>
+            <a:endParaRPr lang="fr-FR" sz="5000" b="0" strike="noStrike" spc="-1">
+              <a:latin typeface="Arial"/>
+            </a:endParaRPr>
+          </a:p>
+        </p:txBody>
+      </p:sp>
       <p:pic>
         <p:nvPicPr>
-          <p:cNvPr id="137" name="Image 136"/>
+          <p:cNvPr id="139" name="Image 138"/>
           <p:cNvPicPr/>
           <p:nvPr/>
         </p:nvPicPr>
@@ -15544,8 +15656,8 @@
         </p:blipFill>
         <p:spPr>
           <a:xfrm>
-            <a:off x="1008000" y="720000"/>
-            <a:ext cx="10755720" cy="6328080"/>
+            <a:off x="3672000" y="781560"/>
+            <a:ext cx="8280000" cy="5914440"/>
           </a:xfrm>
           <a:prstGeom prst="rect">
             <a:avLst/>
@@ -15566,7 +15678,7 @@
         <p:fade/>
       </p:transition>
     </mc:Choice>
-    <mc:Fallback xmlns="" xmlns:p15="http://schemas.microsoft.com/office/powerpoint/2012/main">
+    <mc:Fallback xmlns:p15="http://schemas.microsoft.com/office/powerpoint/2012/main" xmlns="">
       <p:transition spd="med">
         <p:fade/>
       </p:transition>
@@ -15601,130 +15713,6 @@
       </p:grpSpPr>
       <p:sp>
         <p:nvSpPr>
-          <p:cNvPr id="138" name="CustomShape 1"/>
-          <p:cNvSpPr/>
-          <p:nvPr/>
-        </p:nvSpPr>
-        <p:spPr>
-          <a:xfrm>
-            <a:off x="609480" y="704160"/>
-            <a:ext cx="10972080" cy="1142280"/>
-          </a:xfrm>
-          <a:prstGeom prst="rect">
-            <a:avLst/>
-          </a:prstGeom>
-          <a:noFill/>
-          <a:ln>
-            <a:noFill/>
-          </a:ln>
-        </p:spPr>
-        <p:style>
-          <a:lnRef idx="0">
-            <a:scrgbClr r="0" g="0" b="0"/>
-          </a:lnRef>
-          <a:fillRef idx="0">
-            <a:scrgbClr r="0" g="0" b="0"/>
-          </a:fillRef>
-          <a:effectRef idx="0">
-            <a:scrgbClr r="0" g="0" b="0"/>
-          </a:effectRef>
-          <a:fontRef idx="minor"/>
-        </p:style>
-        <p:txBody>
-          <a:bodyPr lIns="0" tIns="45000" rIns="0" bIns="0" anchor="b">
-            <a:noAutofit/>
-          </a:bodyPr>
-          <a:lstStyle/>
-          <a:p>
-            <a:pPr>
-              <a:lnSpc>
-                <a:spcPct val="100000"/>
-              </a:lnSpc>
-            </a:pPr>
-            <a:r>
-              <a:rPr lang="fr-FR" sz="5000" b="0" strike="noStrike" spc="-1">
-                <a:solidFill>
-                  <a:srgbClr val="455F51"/>
-                </a:solidFill>
-                <a:latin typeface="Century Gothic"/>
-              </a:rPr>
-              <a:t>Résultat :</a:t>
-            </a:r>
-            <a:endParaRPr lang="fr-FR" sz="5000" b="0" strike="noStrike" spc="-1">
-              <a:latin typeface="Arial"/>
-            </a:endParaRPr>
-          </a:p>
-        </p:txBody>
-      </p:sp>
-      <p:pic>
-        <p:nvPicPr>
-          <p:cNvPr id="139" name="Image 138"/>
-          <p:cNvPicPr/>
-          <p:nvPr/>
-        </p:nvPicPr>
-        <p:blipFill>
-          <a:blip r:embed="rId3"/>
-          <a:stretch/>
-        </p:blipFill>
-        <p:spPr>
-          <a:xfrm>
-            <a:off x="3672000" y="781560"/>
-            <a:ext cx="8280000" cy="5914440"/>
-          </a:xfrm>
-          <a:prstGeom prst="rect">
-            <a:avLst/>
-          </a:prstGeom>
-          <a:ln>
-            <a:noFill/>
-          </a:ln>
-        </p:spPr>
-      </p:pic>
-    </p:spTree>
-  </p:cSld>
-  <p:clrMapOvr>
-    <a:masterClrMapping/>
-  </p:clrMapOvr>
-  <mc:AlternateContent xmlns:mc="http://schemas.openxmlformats.org/markup-compatibility/2006" xmlns:p14="http://schemas.microsoft.com/office/powerpoint/2010/main">
-    <mc:Choice Requires="p14">
-      <p:transition spd="med" p14:dur="700">
-        <p:fade/>
-      </p:transition>
-    </mc:Choice>
-    <mc:Fallback xmlns="" xmlns:p15="http://schemas.microsoft.com/office/powerpoint/2012/main">
-      <p:transition spd="med">
-        <p:fade/>
-      </p:transition>
-    </mc:Fallback>
-  </mc:AlternateContent>
-  <p:timing>
-    <p:tnLst>
-      <p:par>
-        <p:cTn id="1" dur="indefinite" restart="never" nodeType="tmRoot"/>
-      </p:par>
-    </p:tnLst>
-  </p:timing>
-</p:sld>
-</file>
-
-<file path=ppt/slides/slide32.xml><?xml version="1.0" encoding="utf-8"?>
-<p:sld xmlns:a="http://schemas.openxmlformats.org/drawingml/2006/main" xmlns:r="http://schemas.openxmlformats.org/officeDocument/2006/relationships" xmlns:p="http://schemas.openxmlformats.org/presentationml/2006/main">
-  <p:cSld>
-    <p:spTree>
-      <p:nvGrpSpPr>
-        <p:cNvPr id="1" name=""/>
-        <p:cNvGrpSpPr/>
-        <p:nvPr/>
-      </p:nvGrpSpPr>
-      <p:grpSpPr>
-        <a:xfrm>
-          <a:off x="0" y="0"/>
-          <a:ext cx="0" cy="0"/>
-          <a:chOff x="0" y="0"/>
-          <a:chExt cx="0" cy="0"/>
-        </a:xfrm>
-      </p:grpSpPr>
-      <p:sp>
-        <p:nvSpPr>
           <p:cNvPr id="144" name="CustomShape 1"/>
           <p:cNvSpPr/>
           <p:nvPr/>
@@ -15969,7 +15957,7 @@
         <p:fade/>
       </p:transition>
     </mc:Choice>
-    <mc:Fallback xmlns="" xmlns:p15="http://schemas.microsoft.com/office/powerpoint/2012/main">
+    <mc:Fallback xmlns:p15="http://schemas.microsoft.com/office/powerpoint/2012/main" xmlns="">
       <p:transition spd="med">
         <p:fade/>
       </p:transition>
@@ -16276,7 +16264,7 @@
         <p:fade/>
       </p:transition>
     </mc:Choice>
-    <mc:Fallback xmlns="" xmlns:p15="http://schemas.microsoft.com/office/powerpoint/2012/main">
+    <mc:Fallback xmlns:p15="http://schemas.microsoft.com/office/powerpoint/2012/main" xmlns="">
       <p:transition spd="med">
         <p:fade/>
       </p:transition>
@@ -16496,13 +16484,13 @@
   <p:clrMapOvr>
     <a:masterClrMapping/>
   </p:clrMapOvr>
-  <mc:AlternateContent xmlns:mc="http://schemas.openxmlformats.org/markup-compatibility/2006">
-    <mc:Choice xmlns:p14="http://schemas.microsoft.com/office/powerpoint/2010/main" Requires="p14">
+  <mc:AlternateContent xmlns:mc="http://schemas.openxmlformats.org/markup-compatibility/2006" xmlns:p14="http://schemas.microsoft.com/office/powerpoint/2010/main">
+    <mc:Choice Requires="p14">
       <p:transition spd="med" p14:dur="700">
         <p:fade/>
       </p:transition>
     </mc:Choice>
-    <mc:Fallback>
+    <mc:Fallback xmlns="">
       <p:transition spd="med">
         <p:fade/>
       </p:transition>
@@ -16722,13 +16710,13 @@
   <p:clrMapOvr>
     <a:masterClrMapping/>
   </p:clrMapOvr>
-  <mc:AlternateContent xmlns:mc="http://schemas.openxmlformats.org/markup-compatibility/2006">
-    <mc:Choice xmlns:p14="http://schemas.microsoft.com/office/powerpoint/2010/main" Requires="p14">
+  <mc:AlternateContent xmlns:mc="http://schemas.openxmlformats.org/markup-compatibility/2006" xmlns:p14="http://schemas.microsoft.com/office/powerpoint/2010/main">
+    <mc:Choice Requires="p14">
       <p:transition spd="med" p14:dur="700">
         <p:fade/>
       </p:transition>
     </mc:Choice>
-    <mc:Fallback>
+    <mc:Fallback xmlns="">
       <p:transition spd="med">
         <p:fade/>
       </p:transition>
@@ -16948,13 +16936,13 @@
   <p:clrMapOvr>
     <a:masterClrMapping/>
   </p:clrMapOvr>
-  <mc:AlternateContent xmlns:mc="http://schemas.openxmlformats.org/markup-compatibility/2006">
-    <mc:Choice xmlns:p14="http://schemas.microsoft.com/office/powerpoint/2010/main" Requires="p14">
+  <mc:AlternateContent xmlns:mc="http://schemas.openxmlformats.org/markup-compatibility/2006" xmlns:p14="http://schemas.microsoft.com/office/powerpoint/2010/main">
+    <mc:Choice Requires="p14">
       <p:transition spd="med" p14:dur="700">
         <p:fade/>
       </p:transition>
     </mc:Choice>
-    <mc:Fallback>
+    <mc:Fallback xmlns="">
       <p:transition spd="med">
         <p:fade/>
       </p:transition>
@@ -17174,13 +17162,13 @@
   <p:clrMapOvr>
     <a:masterClrMapping/>
   </p:clrMapOvr>
-  <mc:AlternateContent xmlns:mc="http://schemas.openxmlformats.org/markup-compatibility/2006">
-    <mc:Choice xmlns:p14="http://schemas.microsoft.com/office/powerpoint/2010/main" Requires="p14">
+  <mc:AlternateContent xmlns:mc="http://schemas.openxmlformats.org/markup-compatibility/2006" xmlns:p14="http://schemas.microsoft.com/office/powerpoint/2010/main">
+    <mc:Choice Requires="p14">
       <p:transition spd="med" p14:dur="700">
         <p:fade/>
       </p:transition>
     </mc:Choice>
-    <mc:Fallback>
+    <mc:Fallback xmlns="">
       <p:transition spd="med">
         <p:fade/>
       </p:transition>
@@ -17430,13 +17418,13 @@
   <p:clrMapOvr>
     <a:masterClrMapping/>
   </p:clrMapOvr>
-  <mc:AlternateContent xmlns:mc="http://schemas.openxmlformats.org/markup-compatibility/2006">
-    <mc:Choice xmlns:p14="http://schemas.microsoft.com/office/powerpoint/2010/main" Requires="p14">
+  <mc:AlternateContent xmlns:mc="http://schemas.openxmlformats.org/markup-compatibility/2006" xmlns:p14="http://schemas.microsoft.com/office/powerpoint/2010/main">
+    <mc:Choice Requires="p14">
       <p:transition spd="med" p14:dur="700">
         <p:fade/>
       </p:transition>
     </mc:Choice>
-    <mc:Fallback>
+    <mc:Fallback xmlns="">
       <p:transition spd="med">
         <p:fade/>
       </p:transition>

--- a/Présentation du titre pro/Dossier Professionnel v1.pptx
+++ b/Présentation du titre pro/Dossier Professionnel v1.pptx
@@ -6,7 +6,7 @@
     <p:sldMasterId id="2147483661" r:id="rId2"/>
   </p:sldMasterIdLst>
   <p:notesMasterIdLst>
-    <p:notesMasterId r:id="rId34"/>
+    <p:notesMasterId r:id="rId43"/>
   </p:notesMasterIdLst>
   <p:sldIdLst>
     <p:sldId id="256" r:id="rId3"/>
@@ -40,6 +40,15 @@
     <p:sldId id="272" r:id="rId31"/>
     <p:sldId id="275" r:id="rId32"/>
     <p:sldId id="281" r:id="rId33"/>
+    <p:sldId id="299" r:id="rId34"/>
+    <p:sldId id="300" r:id="rId35"/>
+    <p:sldId id="301" r:id="rId36"/>
+    <p:sldId id="302" r:id="rId37"/>
+    <p:sldId id="303" r:id="rId38"/>
+    <p:sldId id="304" r:id="rId39"/>
+    <p:sldId id="305" r:id="rId40"/>
+    <p:sldId id="306" r:id="rId41"/>
+    <p:sldId id="307" r:id="rId42"/>
   </p:sldIdLst>
   <p:sldSz cx="12192000" cy="6858000"/>
   <p:notesSz cx="6858000" cy="9144000"/>
@@ -2803,7 +2812,23 @@
             </a:r>
             <a:r>
               <a:rPr lang="fr-FR" baseline="0" dirty="0" smtClean="0"/>
-              <a:t> le planning des jours ou nous sommes en projet fils rouge je me concentre exclusivement sur les priorités les détails c’est pour plus tard …</a:t>
+              <a:t> le planning des jours ou nous sommes en projet fils rouge je me concentre exclusivement sur les priorités les détails c’est pour plus tard </a:t>
+            </a:r>
+            <a:r>
+              <a:rPr lang="fr-FR" baseline="0" dirty="0" smtClean="0"/>
+              <a:t>…</a:t>
+            </a:r>
+          </a:p>
+          <a:p>
+            <a:r>
+              <a:rPr lang="fr-FR" dirty="0" smtClean="0"/>
+              <a:t>stage 23 mai - 29 Juillet</a:t>
+            </a:r>
+          </a:p>
+          <a:p>
+            <a:r>
+              <a:rPr lang="fr-FR" dirty="0" smtClean="0"/>
+              <a:t>fin formation 13 septembre</a:t>
             </a:r>
             <a:endParaRPr lang="fr-FR" dirty="0"/>
           </a:p>
@@ -3351,8 +3376,13 @@
           <a:p>
             <a:r>
               <a:rPr lang="fr-FR" dirty="0" smtClean="0"/>
-              <a:t>Modèle Conceptuel des Données</a:t>
-            </a:r>
+              <a:t>Modèle Conceptuel des </a:t>
+            </a:r>
+            <a:r>
+              <a:rPr lang="fr-FR" dirty="0" smtClean="0"/>
+              <a:t>Données modéliser des objet a stocker aussi appeler attribut </a:t>
+            </a:r>
+            <a:endParaRPr lang="fr-FR" dirty="0" smtClean="0"/>
           </a:p>
           <a:p>
             <a:r>
@@ -3416,6 +3446,29 @@
             <a:r>
               <a:rPr lang="fr-FR" dirty="0" smtClean="0"/>
               <a:t>Pour établir le Modèle Logique des Données j’ai utilisé le mcd préalablement créé pour mettre en valeur les relation entre les entité.</a:t>
+            </a:r>
+          </a:p>
+          <a:p>
+            <a:pPr marL="0" marR="0" indent="0" algn="l" defTabSz="914400" rtl="0" eaLnBrk="1" fontAlgn="auto" latinLnBrk="0" hangingPunct="1">
+              <a:lnSpc>
+                <a:spcPct val="100000"/>
+              </a:lnSpc>
+              <a:spcBef>
+                <a:spcPts val="0"/>
+              </a:spcBef>
+              <a:spcAft>
+                <a:spcPts val="0"/>
+              </a:spcAft>
+              <a:buClrTx/>
+              <a:buSzTx/>
+              <a:buFontTx/>
+              <a:buNone/>
+              <a:tabLst/>
+              <a:defRPr/>
+            </a:pPr>
+            <a:r>
+              <a:rPr lang="fr-FR" dirty="0" smtClean="0"/>
+              <a:t>Modélisation des table </a:t>
             </a:r>
           </a:p>
           <a:p>
@@ -4558,6 +4611,814 @@
 </p:notes>
 </file>
 
+<file path=ppt/notesSlides/notesSlide32.xml><?xml version="1.0" encoding="utf-8"?>
+<p:notes xmlns:a="http://schemas.openxmlformats.org/drawingml/2006/main" xmlns:r="http://schemas.openxmlformats.org/officeDocument/2006/relationships" xmlns:p="http://schemas.openxmlformats.org/presentationml/2006/main">
+  <p:cSld>
+    <p:spTree>
+      <p:nvGrpSpPr>
+        <p:cNvPr id="1" name=""/>
+        <p:cNvGrpSpPr/>
+        <p:nvPr/>
+      </p:nvGrpSpPr>
+      <p:grpSpPr>
+        <a:xfrm>
+          <a:off x="0" y="0"/>
+          <a:ext cx="0" cy="0"/>
+          <a:chOff x="0" y="0"/>
+          <a:chExt cx="0" cy="0"/>
+        </a:xfrm>
+      </p:grpSpPr>
+      <p:sp>
+        <p:nvSpPr>
+          <p:cNvPr id="2" name="Espace réservé de l'image des diapositives 1"/>
+          <p:cNvSpPr>
+            <a:spLocks noGrp="1" noRot="1" noChangeAspect="1"/>
+          </p:cNvSpPr>
+          <p:nvPr>
+            <p:ph type="sldImg"/>
+          </p:nvPr>
+        </p:nvSpPr>
+        <p:spPr>
+          <a:xfrm>
+            <a:off x="217488" y="812800"/>
+            <a:ext cx="7124700" cy="4008438"/>
+          </a:xfrm>
+        </p:spPr>
+      </p:sp>
+      <p:sp>
+        <p:nvSpPr>
+          <p:cNvPr id="3" name="Espace réservé des commentaires 2"/>
+          <p:cNvSpPr>
+            <a:spLocks noGrp="1"/>
+          </p:cNvSpPr>
+          <p:nvPr>
+            <p:ph type="body" idx="1"/>
+          </p:nvPr>
+        </p:nvSpPr>
+        <p:spPr/>
+        <p:txBody>
+          <a:bodyPr/>
+          <a:lstStyle/>
+          <a:p>
+            <a:r>
+              <a:rPr lang="fr-FR" smtClean="0"/>
+              <a:t> </a:t>
+            </a:r>
+            <a:endParaRPr lang="fr-FR" dirty="0" smtClean="0"/>
+          </a:p>
+          <a:p>
+            <a:endParaRPr lang="fr-FR" dirty="0"/>
+          </a:p>
+        </p:txBody>
+      </p:sp>
+      <p:sp>
+        <p:nvSpPr>
+          <p:cNvPr id="4" name="Espace réservé du numéro de diapositive 3"/>
+          <p:cNvSpPr>
+            <a:spLocks noGrp="1"/>
+          </p:cNvSpPr>
+          <p:nvPr>
+            <p:ph type="sldNum" idx="10"/>
+          </p:nvPr>
+        </p:nvSpPr>
+        <p:spPr/>
+        <p:txBody>
+          <a:bodyPr/>
+          <a:lstStyle/>
+          <a:p>
+            <a:pPr algn="r"/>
+            <a:fld id="{4C8961B9-9BF0-44A4-A706-205F40A8B952}" type="slidenum">
+              <a:rPr lang="fr-FR" sz="1400" b="0" strike="noStrike" spc="-1" smtClean="0">
+                <a:latin typeface="Times New Roman"/>
+              </a:rPr>
+              <a:t>32</a:t>
+            </a:fld>
+            <a:endParaRPr lang="fr-FR" sz="1400" b="0" strike="noStrike" spc="-1">
+              <a:latin typeface="Times New Roman"/>
+            </a:endParaRPr>
+          </a:p>
+        </p:txBody>
+      </p:sp>
+    </p:spTree>
+    <p:extLst>
+      <p:ext uri="{BB962C8B-B14F-4D97-AF65-F5344CB8AC3E}">
+        <p14:creationId xmlns:p14="http://schemas.microsoft.com/office/powerpoint/2010/main" val="3907528022"/>
+      </p:ext>
+    </p:extLst>
+  </p:cSld>
+  <p:clrMapOvr>
+    <a:masterClrMapping/>
+  </p:clrMapOvr>
+</p:notes>
+</file>
+
+<file path=ppt/notesSlides/notesSlide33.xml><?xml version="1.0" encoding="utf-8"?>
+<p:notes xmlns:a="http://schemas.openxmlformats.org/drawingml/2006/main" xmlns:r="http://schemas.openxmlformats.org/officeDocument/2006/relationships" xmlns:p="http://schemas.openxmlformats.org/presentationml/2006/main">
+  <p:cSld>
+    <p:spTree>
+      <p:nvGrpSpPr>
+        <p:cNvPr id="1" name=""/>
+        <p:cNvGrpSpPr/>
+        <p:nvPr/>
+      </p:nvGrpSpPr>
+      <p:grpSpPr>
+        <a:xfrm>
+          <a:off x="0" y="0"/>
+          <a:ext cx="0" cy="0"/>
+          <a:chOff x="0" y="0"/>
+          <a:chExt cx="0" cy="0"/>
+        </a:xfrm>
+      </p:grpSpPr>
+      <p:sp>
+        <p:nvSpPr>
+          <p:cNvPr id="2" name="Espace réservé de l'image des diapositives 1"/>
+          <p:cNvSpPr>
+            <a:spLocks noGrp="1" noRot="1" noChangeAspect="1"/>
+          </p:cNvSpPr>
+          <p:nvPr>
+            <p:ph type="sldImg"/>
+          </p:nvPr>
+        </p:nvSpPr>
+        <p:spPr>
+          <a:xfrm>
+            <a:off x="217488" y="812800"/>
+            <a:ext cx="7124700" cy="4008438"/>
+          </a:xfrm>
+        </p:spPr>
+      </p:sp>
+      <p:sp>
+        <p:nvSpPr>
+          <p:cNvPr id="3" name="Espace réservé des commentaires 2"/>
+          <p:cNvSpPr>
+            <a:spLocks noGrp="1"/>
+          </p:cNvSpPr>
+          <p:nvPr>
+            <p:ph type="body" idx="1"/>
+          </p:nvPr>
+        </p:nvSpPr>
+        <p:spPr/>
+        <p:txBody>
+          <a:bodyPr/>
+          <a:lstStyle/>
+          <a:p>
+            <a:r>
+              <a:rPr lang="fr-FR" smtClean="0"/>
+              <a:t> </a:t>
+            </a:r>
+            <a:endParaRPr lang="fr-FR" dirty="0" smtClean="0"/>
+          </a:p>
+          <a:p>
+            <a:endParaRPr lang="fr-FR" dirty="0"/>
+          </a:p>
+        </p:txBody>
+      </p:sp>
+      <p:sp>
+        <p:nvSpPr>
+          <p:cNvPr id="4" name="Espace réservé du numéro de diapositive 3"/>
+          <p:cNvSpPr>
+            <a:spLocks noGrp="1"/>
+          </p:cNvSpPr>
+          <p:nvPr>
+            <p:ph type="sldNum" idx="10"/>
+          </p:nvPr>
+        </p:nvSpPr>
+        <p:spPr/>
+        <p:txBody>
+          <a:bodyPr/>
+          <a:lstStyle/>
+          <a:p>
+            <a:pPr algn="r"/>
+            <a:fld id="{4C8961B9-9BF0-44A4-A706-205F40A8B952}" type="slidenum">
+              <a:rPr lang="fr-FR" sz="1400" b="0" strike="noStrike" spc="-1" smtClean="0">
+                <a:latin typeface="Times New Roman"/>
+              </a:rPr>
+              <a:t>33</a:t>
+            </a:fld>
+            <a:endParaRPr lang="fr-FR" sz="1400" b="0" strike="noStrike" spc="-1">
+              <a:latin typeface="Times New Roman"/>
+            </a:endParaRPr>
+          </a:p>
+        </p:txBody>
+      </p:sp>
+    </p:spTree>
+    <p:extLst>
+      <p:ext uri="{BB962C8B-B14F-4D97-AF65-F5344CB8AC3E}">
+        <p14:creationId xmlns:p14="http://schemas.microsoft.com/office/powerpoint/2010/main" val="1775862669"/>
+      </p:ext>
+    </p:extLst>
+  </p:cSld>
+  <p:clrMapOvr>
+    <a:masterClrMapping/>
+  </p:clrMapOvr>
+</p:notes>
+</file>
+
+<file path=ppt/notesSlides/notesSlide34.xml><?xml version="1.0" encoding="utf-8"?>
+<p:notes xmlns:a="http://schemas.openxmlformats.org/drawingml/2006/main" xmlns:r="http://schemas.openxmlformats.org/officeDocument/2006/relationships" xmlns:p="http://schemas.openxmlformats.org/presentationml/2006/main">
+  <p:cSld>
+    <p:spTree>
+      <p:nvGrpSpPr>
+        <p:cNvPr id="1" name=""/>
+        <p:cNvGrpSpPr/>
+        <p:nvPr/>
+      </p:nvGrpSpPr>
+      <p:grpSpPr>
+        <a:xfrm>
+          <a:off x="0" y="0"/>
+          <a:ext cx="0" cy="0"/>
+          <a:chOff x="0" y="0"/>
+          <a:chExt cx="0" cy="0"/>
+        </a:xfrm>
+      </p:grpSpPr>
+      <p:sp>
+        <p:nvSpPr>
+          <p:cNvPr id="2" name="Espace réservé de l'image des diapositives 1"/>
+          <p:cNvSpPr>
+            <a:spLocks noGrp="1" noRot="1" noChangeAspect="1"/>
+          </p:cNvSpPr>
+          <p:nvPr>
+            <p:ph type="sldImg"/>
+          </p:nvPr>
+        </p:nvSpPr>
+        <p:spPr>
+          <a:xfrm>
+            <a:off x="217488" y="812800"/>
+            <a:ext cx="7124700" cy="4008438"/>
+          </a:xfrm>
+        </p:spPr>
+      </p:sp>
+      <p:sp>
+        <p:nvSpPr>
+          <p:cNvPr id="3" name="Espace réservé des commentaires 2"/>
+          <p:cNvSpPr>
+            <a:spLocks noGrp="1"/>
+          </p:cNvSpPr>
+          <p:nvPr>
+            <p:ph type="body" idx="1"/>
+          </p:nvPr>
+        </p:nvSpPr>
+        <p:spPr/>
+        <p:txBody>
+          <a:bodyPr/>
+          <a:lstStyle/>
+          <a:p>
+            <a:r>
+              <a:rPr lang="fr-FR" smtClean="0"/>
+              <a:t> </a:t>
+            </a:r>
+            <a:endParaRPr lang="fr-FR" dirty="0" smtClean="0"/>
+          </a:p>
+          <a:p>
+            <a:endParaRPr lang="fr-FR" dirty="0"/>
+          </a:p>
+        </p:txBody>
+      </p:sp>
+      <p:sp>
+        <p:nvSpPr>
+          <p:cNvPr id="4" name="Espace réservé du numéro de diapositive 3"/>
+          <p:cNvSpPr>
+            <a:spLocks noGrp="1"/>
+          </p:cNvSpPr>
+          <p:nvPr>
+            <p:ph type="sldNum" idx="10"/>
+          </p:nvPr>
+        </p:nvSpPr>
+        <p:spPr/>
+        <p:txBody>
+          <a:bodyPr/>
+          <a:lstStyle/>
+          <a:p>
+            <a:pPr algn="r"/>
+            <a:fld id="{4C8961B9-9BF0-44A4-A706-205F40A8B952}" type="slidenum">
+              <a:rPr lang="fr-FR" sz="1400" b="0" strike="noStrike" spc="-1" smtClean="0">
+                <a:latin typeface="Times New Roman"/>
+              </a:rPr>
+              <a:t>34</a:t>
+            </a:fld>
+            <a:endParaRPr lang="fr-FR" sz="1400" b="0" strike="noStrike" spc="-1">
+              <a:latin typeface="Times New Roman"/>
+            </a:endParaRPr>
+          </a:p>
+        </p:txBody>
+      </p:sp>
+    </p:spTree>
+    <p:extLst>
+      <p:ext uri="{BB962C8B-B14F-4D97-AF65-F5344CB8AC3E}">
+        <p14:creationId xmlns:p14="http://schemas.microsoft.com/office/powerpoint/2010/main" val="3632931389"/>
+      </p:ext>
+    </p:extLst>
+  </p:cSld>
+  <p:clrMapOvr>
+    <a:masterClrMapping/>
+  </p:clrMapOvr>
+</p:notes>
+</file>
+
+<file path=ppt/notesSlides/notesSlide35.xml><?xml version="1.0" encoding="utf-8"?>
+<p:notes xmlns:a="http://schemas.openxmlformats.org/drawingml/2006/main" xmlns:r="http://schemas.openxmlformats.org/officeDocument/2006/relationships" xmlns:p="http://schemas.openxmlformats.org/presentationml/2006/main">
+  <p:cSld>
+    <p:spTree>
+      <p:nvGrpSpPr>
+        <p:cNvPr id="1" name=""/>
+        <p:cNvGrpSpPr/>
+        <p:nvPr/>
+      </p:nvGrpSpPr>
+      <p:grpSpPr>
+        <a:xfrm>
+          <a:off x="0" y="0"/>
+          <a:ext cx="0" cy="0"/>
+          <a:chOff x="0" y="0"/>
+          <a:chExt cx="0" cy="0"/>
+        </a:xfrm>
+      </p:grpSpPr>
+      <p:sp>
+        <p:nvSpPr>
+          <p:cNvPr id="2" name="Espace réservé de l'image des diapositives 1"/>
+          <p:cNvSpPr>
+            <a:spLocks noGrp="1" noRot="1" noChangeAspect="1"/>
+          </p:cNvSpPr>
+          <p:nvPr>
+            <p:ph type="sldImg"/>
+          </p:nvPr>
+        </p:nvSpPr>
+        <p:spPr>
+          <a:xfrm>
+            <a:off x="217488" y="812800"/>
+            <a:ext cx="7124700" cy="4008438"/>
+          </a:xfrm>
+        </p:spPr>
+      </p:sp>
+      <p:sp>
+        <p:nvSpPr>
+          <p:cNvPr id="3" name="Espace réservé des commentaires 2"/>
+          <p:cNvSpPr>
+            <a:spLocks noGrp="1"/>
+          </p:cNvSpPr>
+          <p:nvPr>
+            <p:ph type="body" idx="1"/>
+          </p:nvPr>
+        </p:nvSpPr>
+        <p:spPr/>
+        <p:txBody>
+          <a:bodyPr/>
+          <a:lstStyle/>
+          <a:p>
+            <a:r>
+              <a:rPr lang="fr-FR" smtClean="0"/>
+              <a:t> </a:t>
+            </a:r>
+            <a:endParaRPr lang="fr-FR" dirty="0" smtClean="0"/>
+          </a:p>
+          <a:p>
+            <a:endParaRPr lang="fr-FR" dirty="0"/>
+          </a:p>
+        </p:txBody>
+      </p:sp>
+      <p:sp>
+        <p:nvSpPr>
+          <p:cNvPr id="4" name="Espace réservé du numéro de diapositive 3"/>
+          <p:cNvSpPr>
+            <a:spLocks noGrp="1"/>
+          </p:cNvSpPr>
+          <p:nvPr>
+            <p:ph type="sldNum" idx="10"/>
+          </p:nvPr>
+        </p:nvSpPr>
+        <p:spPr/>
+        <p:txBody>
+          <a:bodyPr/>
+          <a:lstStyle/>
+          <a:p>
+            <a:pPr algn="r"/>
+            <a:fld id="{4C8961B9-9BF0-44A4-A706-205F40A8B952}" type="slidenum">
+              <a:rPr lang="fr-FR" sz="1400" b="0" strike="noStrike" spc="-1" smtClean="0">
+                <a:latin typeface="Times New Roman"/>
+              </a:rPr>
+              <a:t>35</a:t>
+            </a:fld>
+            <a:endParaRPr lang="fr-FR" sz="1400" b="0" strike="noStrike" spc="-1">
+              <a:latin typeface="Times New Roman"/>
+            </a:endParaRPr>
+          </a:p>
+        </p:txBody>
+      </p:sp>
+    </p:spTree>
+    <p:extLst>
+      <p:ext uri="{BB962C8B-B14F-4D97-AF65-F5344CB8AC3E}">
+        <p14:creationId xmlns:p14="http://schemas.microsoft.com/office/powerpoint/2010/main" val="455324869"/>
+      </p:ext>
+    </p:extLst>
+  </p:cSld>
+  <p:clrMapOvr>
+    <a:masterClrMapping/>
+  </p:clrMapOvr>
+</p:notes>
+</file>
+
+<file path=ppt/notesSlides/notesSlide36.xml><?xml version="1.0" encoding="utf-8"?>
+<p:notes xmlns:a="http://schemas.openxmlformats.org/drawingml/2006/main" xmlns:r="http://schemas.openxmlformats.org/officeDocument/2006/relationships" xmlns:p="http://schemas.openxmlformats.org/presentationml/2006/main">
+  <p:cSld>
+    <p:spTree>
+      <p:nvGrpSpPr>
+        <p:cNvPr id="1" name=""/>
+        <p:cNvGrpSpPr/>
+        <p:nvPr/>
+      </p:nvGrpSpPr>
+      <p:grpSpPr>
+        <a:xfrm>
+          <a:off x="0" y="0"/>
+          <a:ext cx="0" cy="0"/>
+          <a:chOff x="0" y="0"/>
+          <a:chExt cx="0" cy="0"/>
+        </a:xfrm>
+      </p:grpSpPr>
+      <p:sp>
+        <p:nvSpPr>
+          <p:cNvPr id="2" name="Espace réservé de l'image des diapositives 1"/>
+          <p:cNvSpPr>
+            <a:spLocks noGrp="1" noRot="1" noChangeAspect="1"/>
+          </p:cNvSpPr>
+          <p:nvPr>
+            <p:ph type="sldImg"/>
+          </p:nvPr>
+        </p:nvSpPr>
+        <p:spPr>
+          <a:xfrm>
+            <a:off x="217488" y="812800"/>
+            <a:ext cx="7124700" cy="4008438"/>
+          </a:xfrm>
+        </p:spPr>
+      </p:sp>
+      <p:sp>
+        <p:nvSpPr>
+          <p:cNvPr id="3" name="Espace réservé des commentaires 2"/>
+          <p:cNvSpPr>
+            <a:spLocks noGrp="1"/>
+          </p:cNvSpPr>
+          <p:nvPr>
+            <p:ph type="body" idx="1"/>
+          </p:nvPr>
+        </p:nvSpPr>
+        <p:spPr/>
+        <p:txBody>
+          <a:bodyPr/>
+          <a:lstStyle/>
+          <a:p>
+            <a:r>
+              <a:rPr lang="fr-FR" smtClean="0"/>
+              <a:t> </a:t>
+            </a:r>
+            <a:endParaRPr lang="fr-FR" dirty="0" smtClean="0"/>
+          </a:p>
+          <a:p>
+            <a:endParaRPr lang="fr-FR" dirty="0"/>
+          </a:p>
+        </p:txBody>
+      </p:sp>
+      <p:sp>
+        <p:nvSpPr>
+          <p:cNvPr id="4" name="Espace réservé du numéro de diapositive 3"/>
+          <p:cNvSpPr>
+            <a:spLocks noGrp="1"/>
+          </p:cNvSpPr>
+          <p:nvPr>
+            <p:ph type="sldNum" idx="10"/>
+          </p:nvPr>
+        </p:nvSpPr>
+        <p:spPr/>
+        <p:txBody>
+          <a:bodyPr/>
+          <a:lstStyle/>
+          <a:p>
+            <a:pPr algn="r"/>
+            <a:fld id="{4C8961B9-9BF0-44A4-A706-205F40A8B952}" type="slidenum">
+              <a:rPr lang="fr-FR" sz="1400" b="0" strike="noStrike" spc="-1" smtClean="0">
+                <a:latin typeface="Times New Roman"/>
+              </a:rPr>
+              <a:t>36</a:t>
+            </a:fld>
+            <a:endParaRPr lang="fr-FR" sz="1400" b="0" strike="noStrike" spc="-1">
+              <a:latin typeface="Times New Roman"/>
+            </a:endParaRPr>
+          </a:p>
+        </p:txBody>
+      </p:sp>
+    </p:spTree>
+    <p:extLst>
+      <p:ext uri="{BB962C8B-B14F-4D97-AF65-F5344CB8AC3E}">
+        <p14:creationId xmlns:p14="http://schemas.microsoft.com/office/powerpoint/2010/main" val="2265272668"/>
+      </p:ext>
+    </p:extLst>
+  </p:cSld>
+  <p:clrMapOvr>
+    <a:masterClrMapping/>
+  </p:clrMapOvr>
+</p:notes>
+</file>
+
+<file path=ppt/notesSlides/notesSlide37.xml><?xml version="1.0" encoding="utf-8"?>
+<p:notes xmlns:a="http://schemas.openxmlformats.org/drawingml/2006/main" xmlns:r="http://schemas.openxmlformats.org/officeDocument/2006/relationships" xmlns:p="http://schemas.openxmlformats.org/presentationml/2006/main">
+  <p:cSld>
+    <p:spTree>
+      <p:nvGrpSpPr>
+        <p:cNvPr id="1" name=""/>
+        <p:cNvGrpSpPr/>
+        <p:nvPr/>
+      </p:nvGrpSpPr>
+      <p:grpSpPr>
+        <a:xfrm>
+          <a:off x="0" y="0"/>
+          <a:ext cx="0" cy="0"/>
+          <a:chOff x="0" y="0"/>
+          <a:chExt cx="0" cy="0"/>
+        </a:xfrm>
+      </p:grpSpPr>
+      <p:sp>
+        <p:nvSpPr>
+          <p:cNvPr id="2" name="Espace réservé de l'image des diapositives 1"/>
+          <p:cNvSpPr>
+            <a:spLocks noGrp="1" noRot="1" noChangeAspect="1"/>
+          </p:cNvSpPr>
+          <p:nvPr>
+            <p:ph type="sldImg"/>
+          </p:nvPr>
+        </p:nvSpPr>
+        <p:spPr>
+          <a:xfrm>
+            <a:off x="217488" y="812800"/>
+            <a:ext cx="7124700" cy="4008438"/>
+          </a:xfrm>
+        </p:spPr>
+      </p:sp>
+      <p:sp>
+        <p:nvSpPr>
+          <p:cNvPr id="3" name="Espace réservé des commentaires 2"/>
+          <p:cNvSpPr>
+            <a:spLocks noGrp="1"/>
+          </p:cNvSpPr>
+          <p:nvPr>
+            <p:ph type="body" idx="1"/>
+          </p:nvPr>
+        </p:nvSpPr>
+        <p:spPr/>
+        <p:txBody>
+          <a:bodyPr/>
+          <a:lstStyle/>
+          <a:p>
+            <a:r>
+              <a:rPr lang="fr-FR" smtClean="0"/>
+              <a:t> </a:t>
+            </a:r>
+            <a:endParaRPr lang="fr-FR" dirty="0" smtClean="0"/>
+          </a:p>
+          <a:p>
+            <a:endParaRPr lang="fr-FR" dirty="0"/>
+          </a:p>
+        </p:txBody>
+      </p:sp>
+      <p:sp>
+        <p:nvSpPr>
+          <p:cNvPr id="4" name="Espace réservé du numéro de diapositive 3"/>
+          <p:cNvSpPr>
+            <a:spLocks noGrp="1"/>
+          </p:cNvSpPr>
+          <p:nvPr>
+            <p:ph type="sldNum" idx="10"/>
+          </p:nvPr>
+        </p:nvSpPr>
+        <p:spPr/>
+        <p:txBody>
+          <a:bodyPr/>
+          <a:lstStyle/>
+          <a:p>
+            <a:pPr algn="r"/>
+            <a:fld id="{4C8961B9-9BF0-44A4-A706-205F40A8B952}" type="slidenum">
+              <a:rPr lang="fr-FR" sz="1400" b="0" strike="noStrike" spc="-1" smtClean="0">
+                <a:latin typeface="Times New Roman"/>
+              </a:rPr>
+              <a:t>37</a:t>
+            </a:fld>
+            <a:endParaRPr lang="fr-FR" sz="1400" b="0" strike="noStrike" spc="-1">
+              <a:latin typeface="Times New Roman"/>
+            </a:endParaRPr>
+          </a:p>
+        </p:txBody>
+      </p:sp>
+    </p:spTree>
+    <p:extLst>
+      <p:ext uri="{BB962C8B-B14F-4D97-AF65-F5344CB8AC3E}">
+        <p14:creationId xmlns:p14="http://schemas.microsoft.com/office/powerpoint/2010/main" val="2705653615"/>
+      </p:ext>
+    </p:extLst>
+  </p:cSld>
+  <p:clrMapOvr>
+    <a:masterClrMapping/>
+  </p:clrMapOvr>
+</p:notes>
+</file>
+
+<file path=ppt/notesSlides/notesSlide38.xml><?xml version="1.0" encoding="utf-8"?>
+<p:notes xmlns:a="http://schemas.openxmlformats.org/drawingml/2006/main" xmlns:r="http://schemas.openxmlformats.org/officeDocument/2006/relationships" xmlns:p="http://schemas.openxmlformats.org/presentationml/2006/main">
+  <p:cSld>
+    <p:spTree>
+      <p:nvGrpSpPr>
+        <p:cNvPr id="1" name=""/>
+        <p:cNvGrpSpPr/>
+        <p:nvPr/>
+      </p:nvGrpSpPr>
+      <p:grpSpPr>
+        <a:xfrm>
+          <a:off x="0" y="0"/>
+          <a:ext cx="0" cy="0"/>
+          <a:chOff x="0" y="0"/>
+          <a:chExt cx="0" cy="0"/>
+        </a:xfrm>
+      </p:grpSpPr>
+      <p:sp>
+        <p:nvSpPr>
+          <p:cNvPr id="2" name="Espace réservé de l'image des diapositives 1"/>
+          <p:cNvSpPr>
+            <a:spLocks noGrp="1" noRot="1" noChangeAspect="1"/>
+          </p:cNvSpPr>
+          <p:nvPr>
+            <p:ph type="sldImg"/>
+          </p:nvPr>
+        </p:nvSpPr>
+        <p:spPr>
+          <a:xfrm>
+            <a:off x="217488" y="812800"/>
+            <a:ext cx="7124700" cy="4008438"/>
+          </a:xfrm>
+        </p:spPr>
+      </p:sp>
+      <p:sp>
+        <p:nvSpPr>
+          <p:cNvPr id="3" name="Espace réservé des commentaires 2"/>
+          <p:cNvSpPr>
+            <a:spLocks noGrp="1"/>
+          </p:cNvSpPr>
+          <p:nvPr>
+            <p:ph type="body" idx="1"/>
+          </p:nvPr>
+        </p:nvSpPr>
+        <p:spPr/>
+        <p:txBody>
+          <a:bodyPr/>
+          <a:lstStyle/>
+          <a:p>
+            <a:r>
+              <a:rPr lang="fr-FR" smtClean="0"/>
+              <a:t> </a:t>
+            </a:r>
+            <a:endParaRPr lang="fr-FR" dirty="0" smtClean="0"/>
+          </a:p>
+          <a:p>
+            <a:endParaRPr lang="fr-FR" dirty="0"/>
+          </a:p>
+        </p:txBody>
+      </p:sp>
+      <p:sp>
+        <p:nvSpPr>
+          <p:cNvPr id="4" name="Espace réservé du numéro de diapositive 3"/>
+          <p:cNvSpPr>
+            <a:spLocks noGrp="1"/>
+          </p:cNvSpPr>
+          <p:nvPr>
+            <p:ph type="sldNum" idx="10"/>
+          </p:nvPr>
+        </p:nvSpPr>
+        <p:spPr/>
+        <p:txBody>
+          <a:bodyPr/>
+          <a:lstStyle/>
+          <a:p>
+            <a:pPr algn="r"/>
+            <a:fld id="{4C8961B9-9BF0-44A4-A706-205F40A8B952}" type="slidenum">
+              <a:rPr lang="fr-FR" sz="1400" b="0" strike="noStrike" spc="-1" smtClean="0">
+                <a:latin typeface="Times New Roman"/>
+              </a:rPr>
+              <a:t>38</a:t>
+            </a:fld>
+            <a:endParaRPr lang="fr-FR" sz="1400" b="0" strike="noStrike" spc="-1">
+              <a:latin typeface="Times New Roman"/>
+            </a:endParaRPr>
+          </a:p>
+        </p:txBody>
+      </p:sp>
+    </p:spTree>
+    <p:extLst>
+      <p:ext uri="{BB962C8B-B14F-4D97-AF65-F5344CB8AC3E}">
+        <p14:creationId xmlns:p14="http://schemas.microsoft.com/office/powerpoint/2010/main" val="3794957818"/>
+      </p:ext>
+    </p:extLst>
+  </p:cSld>
+  <p:clrMapOvr>
+    <a:masterClrMapping/>
+  </p:clrMapOvr>
+</p:notes>
+</file>
+
+<file path=ppt/notesSlides/notesSlide39.xml><?xml version="1.0" encoding="utf-8"?>
+<p:notes xmlns:a="http://schemas.openxmlformats.org/drawingml/2006/main" xmlns:r="http://schemas.openxmlformats.org/officeDocument/2006/relationships" xmlns:p="http://schemas.openxmlformats.org/presentationml/2006/main">
+  <p:cSld>
+    <p:spTree>
+      <p:nvGrpSpPr>
+        <p:cNvPr id="1" name=""/>
+        <p:cNvGrpSpPr/>
+        <p:nvPr/>
+      </p:nvGrpSpPr>
+      <p:grpSpPr>
+        <a:xfrm>
+          <a:off x="0" y="0"/>
+          <a:ext cx="0" cy="0"/>
+          <a:chOff x="0" y="0"/>
+          <a:chExt cx="0" cy="0"/>
+        </a:xfrm>
+      </p:grpSpPr>
+      <p:sp>
+        <p:nvSpPr>
+          <p:cNvPr id="2" name="Espace réservé de l'image des diapositives 1"/>
+          <p:cNvSpPr>
+            <a:spLocks noGrp="1" noRot="1" noChangeAspect="1"/>
+          </p:cNvSpPr>
+          <p:nvPr>
+            <p:ph type="sldImg"/>
+          </p:nvPr>
+        </p:nvSpPr>
+        <p:spPr>
+          <a:xfrm>
+            <a:off x="217488" y="812800"/>
+            <a:ext cx="7124700" cy="4008438"/>
+          </a:xfrm>
+        </p:spPr>
+      </p:sp>
+      <p:sp>
+        <p:nvSpPr>
+          <p:cNvPr id="3" name="Espace réservé des commentaires 2"/>
+          <p:cNvSpPr>
+            <a:spLocks noGrp="1"/>
+          </p:cNvSpPr>
+          <p:nvPr>
+            <p:ph type="body" idx="1"/>
+          </p:nvPr>
+        </p:nvSpPr>
+        <p:spPr/>
+        <p:txBody>
+          <a:bodyPr/>
+          <a:lstStyle/>
+          <a:p>
+            <a:r>
+              <a:rPr lang="fr-FR" smtClean="0"/>
+              <a:t> </a:t>
+            </a:r>
+            <a:endParaRPr lang="fr-FR" dirty="0" smtClean="0"/>
+          </a:p>
+          <a:p>
+            <a:endParaRPr lang="fr-FR" dirty="0"/>
+          </a:p>
+        </p:txBody>
+      </p:sp>
+      <p:sp>
+        <p:nvSpPr>
+          <p:cNvPr id="4" name="Espace réservé du numéro de diapositive 3"/>
+          <p:cNvSpPr>
+            <a:spLocks noGrp="1"/>
+          </p:cNvSpPr>
+          <p:nvPr>
+            <p:ph type="sldNum" idx="10"/>
+          </p:nvPr>
+        </p:nvSpPr>
+        <p:spPr/>
+        <p:txBody>
+          <a:bodyPr/>
+          <a:lstStyle/>
+          <a:p>
+            <a:pPr algn="r"/>
+            <a:fld id="{4C8961B9-9BF0-44A4-A706-205F40A8B952}" type="slidenum">
+              <a:rPr lang="fr-FR" sz="1400" b="0" strike="noStrike" spc="-1" smtClean="0">
+                <a:latin typeface="Times New Roman"/>
+              </a:rPr>
+              <a:t>39</a:t>
+            </a:fld>
+            <a:endParaRPr lang="fr-FR" sz="1400" b="0" strike="noStrike" spc="-1">
+              <a:latin typeface="Times New Roman"/>
+            </a:endParaRPr>
+          </a:p>
+        </p:txBody>
+      </p:sp>
+    </p:spTree>
+    <p:extLst>
+      <p:ext uri="{BB962C8B-B14F-4D97-AF65-F5344CB8AC3E}">
+        <p14:creationId xmlns:p14="http://schemas.microsoft.com/office/powerpoint/2010/main" val="2501492494"/>
+      </p:ext>
+    </p:extLst>
+  </p:cSld>
+  <p:clrMapOvr>
+    <a:masterClrMapping/>
+  </p:clrMapOvr>
+</p:notes>
+</file>
+
 <file path=ppt/notesSlides/notesSlide4.xml><?xml version="1.0" encoding="utf-8"?>
 <p:notes xmlns:a="http://schemas.openxmlformats.org/drawingml/2006/main" xmlns:r="http://schemas.openxmlformats.org/officeDocument/2006/relationships" xmlns:p="http://schemas.openxmlformats.org/presentationml/2006/main">
   <p:cSld>
@@ -4694,6 +5555,107 @@
     <p:extLst>
       <p:ext uri="{BB962C8B-B14F-4D97-AF65-F5344CB8AC3E}">
         <p14:creationId xmlns:p14="http://schemas.microsoft.com/office/powerpoint/2010/main" val="445238254"/>
+      </p:ext>
+    </p:extLst>
+  </p:cSld>
+  <p:clrMapOvr>
+    <a:masterClrMapping/>
+  </p:clrMapOvr>
+</p:notes>
+</file>
+
+<file path=ppt/notesSlides/notesSlide40.xml><?xml version="1.0" encoding="utf-8"?>
+<p:notes xmlns:a="http://schemas.openxmlformats.org/drawingml/2006/main" xmlns:r="http://schemas.openxmlformats.org/officeDocument/2006/relationships" xmlns:p="http://schemas.openxmlformats.org/presentationml/2006/main">
+  <p:cSld>
+    <p:spTree>
+      <p:nvGrpSpPr>
+        <p:cNvPr id="1" name=""/>
+        <p:cNvGrpSpPr/>
+        <p:nvPr/>
+      </p:nvGrpSpPr>
+      <p:grpSpPr>
+        <a:xfrm>
+          <a:off x="0" y="0"/>
+          <a:ext cx="0" cy="0"/>
+          <a:chOff x="0" y="0"/>
+          <a:chExt cx="0" cy="0"/>
+        </a:xfrm>
+      </p:grpSpPr>
+      <p:sp>
+        <p:nvSpPr>
+          <p:cNvPr id="2" name="Espace réservé de l'image des diapositives 1"/>
+          <p:cNvSpPr>
+            <a:spLocks noGrp="1" noRot="1" noChangeAspect="1"/>
+          </p:cNvSpPr>
+          <p:nvPr>
+            <p:ph type="sldImg"/>
+          </p:nvPr>
+        </p:nvSpPr>
+        <p:spPr>
+          <a:xfrm>
+            <a:off x="217488" y="812800"/>
+            <a:ext cx="7124700" cy="4008438"/>
+          </a:xfrm>
+        </p:spPr>
+      </p:sp>
+      <p:sp>
+        <p:nvSpPr>
+          <p:cNvPr id="3" name="Espace réservé des commentaires 2"/>
+          <p:cNvSpPr>
+            <a:spLocks noGrp="1"/>
+          </p:cNvSpPr>
+          <p:nvPr>
+            <p:ph type="body" idx="1"/>
+          </p:nvPr>
+        </p:nvSpPr>
+        <p:spPr/>
+        <p:txBody>
+          <a:bodyPr/>
+          <a:lstStyle/>
+          <a:p>
+            <a:r>
+              <a:rPr lang="fr-FR" smtClean="0"/>
+              <a:t> </a:t>
+            </a:r>
+            <a:endParaRPr lang="fr-FR" dirty="0" smtClean="0"/>
+          </a:p>
+          <a:p>
+            <a:endParaRPr lang="fr-FR" dirty="0"/>
+          </a:p>
+        </p:txBody>
+      </p:sp>
+      <p:sp>
+        <p:nvSpPr>
+          <p:cNvPr id="4" name="Espace réservé du numéro de diapositive 3"/>
+          <p:cNvSpPr>
+            <a:spLocks noGrp="1"/>
+          </p:cNvSpPr>
+          <p:nvPr>
+            <p:ph type="sldNum" idx="10"/>
+          </p:nvPr>
+        </p:nvSpPr>
+        <p:spPr/>
+        <p:txBody>
+          <a:bodyPr/>
+          <a:lstStyle/>
+          <a:p>
+            <a:pPr algn="r"/>
+            <a:fld id="{4C8961B9-9BF0-44A4-A706-205F40A8B952}" type="slidenum">
+              <a:rPr lang="fr-FR" sz="1400" b="0" strike="noStrike" spc="-1" smtClean="0">
+                <a:latin typeface="Times New Roman"/>
+              </a:rPr>
+              <a:t>40</a:t>
+            </a:fld>
+            <a:endParaRPr lang="fr-FR" sz="1400" b="0" strike="noStrike" spc="-1">
+              <a:latin typeface="Times New Roman"/>
+            </a:endParaRPr>
+          </a:p>
+        </p:txBody>
+      </p:sp>
+    </p:spTree>
+    <p:extLst>
+      <p:ext uri="{BB962C8B-B14F-4D97-AF65-F5344CB8AC3E}">
+        <p14:creationId xmlns:p14="http://schemas.microsoft.com/office/powerpoint/2010/main" val="3217792340"/>
       </p:ext>
     </p:extLst>
   </p:cSld>
@@ -15973,6 +16935,1310 @@
 </p:sld>
 </file>
 
+<file path=ppt/slides/slide32.xml><?xml version="1.0" encoding="utf-8"?>
+<p:sld xmlns:a="http://schemas.openxmlformats.org/drawingml/2006/main" xmlns:r="http://schemas.openxmlformats.org/officeDocument/2006/relationships" xmlns:p="http://schemas.openxmlformats.org/presentationml/2006/main">
+  <p:cSld>
+    <p:spTree>
+      <p:nvGrpSpPr>
+        <p:cNvPr id="1" name=""/>
+        <p:cNvGrpSpPr/>
+        <p:nvPr/>
+      </p:nvGrpSpPr>
+      <p:grpSpPr>
+        <a:xfrm>
+          <a:off x="0" y="0"/>
+          <a:ext cx="0" cy="0"/>
+          <a:chOff x="0" y="0"/>
+          <a:chExt cx="0" cy="0"/>
+        </a:xfrm>
+      </p:grpSpPr>
+      <p:sp>
+        <p:nvSpPr>
+          <p:cNvPr id="144" name="CustomShape 1"/>
+          <p:cNvSpPr/>
+          <p:nvPr/>
+        </p:nvSpPr>
+        <p:spPr>
+          <a:xfrm>
+            <a:off x="609480" y="704160"/>
+            <a:ext cx="10972080" cy="1142280"/>
+          </a:xfrm>
+          <a:prstGeom prst="rect">
+            <a:avLst/>
+          </a:prstGeom>
+          <a:noFill/>
+          <a:ln>
+            <a:noFill/>
+          </a:ln>
+        </p:spPr>
+        <p:style>
+          <a:lnRef idx="0">
+            <a:scrgbClr r="0" g="0" b="0"/>
+          </a:lnRef>
+          <a:fillRef idx="0">
+            <a:scrgbClr r="0" g="0" b="0"/>
+          </a:fillRef>
+          <a:effectRef idx="0">
+            <a:scrgbClr r="0" g="0" b="0"/>
+          </a:effectRef>
+          <a:fontRef idx="minor"/>
+        </p:style>
+        <p:txBody>
+          <a:bodyPr lIns="0" tIns="45000" rIns="0" bIns="0" anchor="b">
+            <a:noAutofit/>
+          </a:bodyPr>
+          <a:lstStyle/>
+          <a:p>
+            <a:pPr>
+              <a:lnSpc>
+                <a:spcPct val="100000"/>
+              </a:lnSpc>
+            </a:pPr>
+            <a:r>
+              <a:rPr lang="fr-FR" sz="5000" b="0" strike="noStrike" spc="-1" dirty="0" smtClean="0">
+                <a:solidFill>
+                  <a:srgbClr val="455F51"/>
+                </a:solidFill>
+                <a:latin typeface="Century Gothic"/>
+              </a:rPr>
+              <a:t> </a:t>
+            </a:r>
+            <a:endParaRPr lang="fr-FR" sz="5000" b="0" strike="noStrike" spc="-1" dirty="0">
+              <a:latin typeface="Arial"/>
+            </a:endParaRPr>
+          </a:p>
+        </p:txBody>
+      </p:sp>
+      <p:sp>
+        <p:nvSpPr>
+          <p:cNvPr id="145" name="CustomShape 2"/>
+          <p:cNvSpPr/>
+          <p:nvPr/>
+        </p:nvSpPr>
+        <p:spPr>
+          <a:xfrm>
+            <a:off x="609480" y="1935360"/>
+            <a:ext cx="10972080" cy="4388400"/>
+          </a:xfrm>
+          <a:prstGeom prst="rect">
+            <a:avLst/>
+          </a:prstGeom>
+          <a:noFill/>
+          <a:ln>
+            <a:noFill/>
+          </a:ln>
+        </p:spPr>
+        <p:style>
+          <a:lnRef idx="0">
+            <a:scrgbClr r="0" g="0" b="0"/>
+          </a:lnRef>
+          <a:fillRef idx="0">
+            <a:scrgbClr r="0" g="0" b="0"/>
+          </a:fillRef>
+          <a:effectRef idx="0">
+            <a:scrgbClr r="0" g="0" b="0"/>
+          </a:effectRef>
+          <a:fontRef idx="minor"/>
+        </p:style>
+        <p:txBody>
+          <a:bodyPr lIns="90000" tIns="45000" rIns="90000" bIns="45000">
+            <a:noAutofit/>
+          </a:bodyPr>
+          <a:lstStyle/>
+          <a:p>
+            <a:pPr marL="274320" indent="-273600">
+              <a:lnSpc>
+                <a:spcPct val="100000"/>
+              </a:lnSpc>
+              <a:spcBef>
+                <a:spcPts val="519"/>
+              </a:spcBef>
+              <a:buClr>
+                <a:srgbClr val="626B1A"/>
+              </a:buClr>
+              <a:buSzPct val="95000"/>
+              <a:buFont typeface="Wingdings 2" charset="2"/>
+              <a:buChar char=""/>
+            </a:pPr>
+            <a:endParaRPr lang="fr-FR" sz="2600" b="0" strike="noStrike" spc="-1" dirty="0">
+              <a:latin typeface="Arial"/>
+            </a:endParaRPr>
+          </a:p>
+        </p:txBody>
+      </p:sp>
+    </p:spTree>
+    <p:extLst>
+      <p:ext uri="{BB962C8B-B14F-4D97-AF65-F5344CB8AC3E}">
+        <p14:creationId xmlns:p14="http://schemas.microsoft.com/office/powerpoint/2010/main" val="44115267"/>
+      </p:ext>
+    </p:extLst>
+  </p:cSld>
+  <p:clrMapOvr>
+    <a:masterClrMapping/>
+  </p:clrMapOvr>
+  <mc:AlternateContent xmlns:mc="http://schemas.openxmlformats.org/markup-compatibility/2006">
+    <mc:Choice xmlns:p14="http://schemas.microsoft.com/office/powerpoint/2010/main" Requires="p14">
+      <p:transition spd="med" p14:dur="700">
+        <p:fade/>
+      </p:transition>
+    </mc:Choice>
+    <mc:Fallback>
+      <p:transition spd="med">
+        <p:fade/>
+      </p:transition>
+    </mc:Fallback>
+  </mc:AlternateContent>
+  <p:timing>
+    <p:tnLst>
+      <p:par>
+        <p:cTn id="1" dur="indefinite" restart="never" nodeType="tmRoot"/>
+      </p:par>
+    </p:tnLst>
+  </p:timing>
+</p:sld>
+</file>
+
+<file path=ppt/slides/slide33.xml><?xml version="1.0" encoding="utf-8"?>
+<p:sld xmlns:a="http://schemas.openxmlformats.org/drawingml/2006/main" xmlns:r="http://schemas.openxmlformats.org/officeDocument/2006/relationships" xmlns:p="http://schemas.openxmlformats.org/presentationml/2006/main">
+  <p:cSld>
+    <p:spTree>
+      <p:nvGrpSpPr>
+        <p:cNvPr id="1" name=""/>
+        <p:cNvGrpSpPr/>
+        <p:nvPr/>
+      </p:nvGrpSpPr>
+      <p:grpSpPr>
+        <a:xfrm>
+          <a:off x="0" y="0"/>
+          <a:ext cx="0" cy="0"/>
+          <a:chOff x="0" y="0"/>
+          <a:chExt cx="0" cy="0"/>
+        </a:xfrm>
+      </p:grpSpPr>
+      <p:sp>
+        <p:nvSpPr>
+          <p:cNvPr id="144" name="CustomShape 1"/>
+          <p:cNvSpPr/>
+          <p:nvPr/>
+        </p:nvSpPr>
+        <p:spPr>
+          <a:xfrm>
+            <a:off x="609480" y="704160"/>
+            <a:ext cx="10972080" cy="1142280"/>
+          </a:xfrm>
+          <a:prstGeom prst="rect">
+            <a:avLst/>
+          </a:prstGeom>
+          <a:noFill/>
+          <a:ln>
+            <a:noFill/>
+          </a:ln>
+        </p:spPr>
+        <p:style>
+          <a:lnRef idx="0">
+            <a:scrgbClr r="0" g="0" b="0"/>
+          </a:lnRef>
+          <a:fillRef idx="0">
+            <a:scrgbClr r="0" g="0" b="0"/>
+          </a:fillRef>
+          <a:effectRef idx="0">
+            <a:scrgbClr r="0" g="0" b="0"/>
+          </a:effectRef>
+          <a:fontRef idx="minor"/>
+        </p:style>
+        <p:txBody>
+          <a:bodyPr lIns="0" tIns="45000" rIns="0" bIns="0" anchor="b">
+            <a:noAutofit/>
+          </a:bodyPr>
+          <a:lstStyle/>
+          <a:p>
+            <a:pPr>
+              <a:lnSpc>
+                <a:spcPct val="100000"/>
+              </a:lnSpc>
+            </a:pPr>
+            <a:r>
+              <a:rPr lang="fr-FR" sz="5000" b="0" strike="noStrike" spc="-1" dirty="0" smtClean="0">
+                <a:solidFill>
+                  <a:srgbClr val="455F51"/>
+                </a:solidFill>
+                <a:latin typeface="Century Gothic"/>
+              </a:rPr>
+              <a:t> </a:t>
+            </a:r>
+            <a:endParaRPr lang="fr-FR" sz="5000" b="0" strike="noStrike" spc="-1" dirty="0">
+              <a:latin typeface="Arial"/>
+            </a:endParaRPr>
+          </a:p>
+        </p:txBody>
+      </p:sp>
+      <p:sp>
+        <p:nvSpPr>
+          <p:cNvPr id="145" name="CustomShape 2"/>
+          <p:cNvSpPr/>
+          <p:nvPr/>
+        </p:nvSpPr>
+        <p:spPr>
+          <a:xfrm>
+            <a:off x="609480" y="1935360"/>
+            <a:ext cx="10972080" cy="4388400"/>
+          </a:xfrm>
+          <a:prstGeom prst="rect">
+            <a:avLst/>
+          </a:prstGeom>
+          <a:noFill/>
+          <a:ln>
+            <a:noFill/>
+          </a:ln>
+        </p:spPr>
+        <p:style>
+          <a:lnRef idx="0">
+            <a:scrgbClr r="0" g="0" b="0"/>
+          </a:lnRef>
+          <a:fillRef idx="0">
+            <a:scrgbClr r="0" g="0" b="0"/>
+          </a:fillRef>
+          <a:effectRef idx="0">
+            <a:scrgbClr r="0" g="0" b="0"/>
+          </a:effectRef>
+          <a:fontRef idx="minor"/>
+        </p:style>
+        <p:txBody>
+          <a:bodyPr lIns="90000" tIns="45000" rIns="90000" bIns="45000">
+            <a:noAutofit/>
+          </a:bodyPr>
+          <a:lstStyle/>
+          <a:p>
+            <a:pPr marL="274320" indent="-273600">
+              <a:lnSpc>
+                <a:spcPct val="100000"/>
+              </a:lnSpc>
+              <a:spcBef>
+                <a:spcPts val="519"/>
+              </a:spcBef>
+              <a:buClr>
+                <a:srgbClr val="626B1A"/>
+              </a:buClr>
+              <a:buSzPct val="95000"/>
+              <a:buFont typeface="Wingdings 2" charset="2"/>
+              <a:buChar char=""/>
+            </a:pPr>
+            <a:endParaRPr lang="fr-FR" sz="2600" b="0" strike="noStrike" spc="-1" dirty="0">
+              <a:latin typeface="Arial"/>
+            </a:endParaRPr>
+          </a:p>
+        </p:txBody>
+      </p:sp>
+    </p:spTree>
+    <p:extLst>
+      <p:ext uri="{BB962C8B-B14F-4D97-AF65-F5344CB8AC3E}">
+        <p14:creationId xmlns:p14="http://schemas.microsoft.com/office/powerpoint/2010/main" val="3344790749"/>
+      </p:ext>
+    </p:extLst>
+  </p:cSld>
+  <p:clrMapOvr>
+    <a:masterClrMapping/>
+  </p:clrMapOvr>
+  <mc:AlternateContent xmlns:mc="http://schemas.openxmlformats.org/markup-compatibility/2006">
+    <mc:Choice xmlns:p14="http://schemas.microsoft.com/office/powerpoint/2010/main" Requires="p14">
+      <p:transition spd="med" p14:dur="700">
+        <p:fade/>
+      </p:transition>
+    </mc:Choice>
+    <mc:Fallback>
+      <p:transition spd="med">
+        <p:fade/>
+      </p:transition>
+    </mc:Fallback>
+  </mc:AlternateContent>
+  <p:timing>
+    <p:tnLst>
+      <p:par>
+        <p:cTn id="1" dur="indefinite" restart="never" nodeType="tmRoot"/>
+      </p:par>
+    </p:tnLst>
+  </p:timing>
+</p:sld>
+</file>
+
+<file path=ppt/slides/slide34.xml><?xml version="1.0" encoding="utf-8"?>
+<p:sld xmlns:a="http://schemas.openxmlformats.org/drawingml/2006/main" xmlns:r="http://schemas.openxmlformats.org/officeDocument/2006/relationships" xmlns:p="http://schemas.openxmlformats.org/presentationml/2006/main">
+  <p:cSld>
+    <p:spTree>
+      <p:nvGrpSpPr>
+        <p:cNvPr id="1" name=""/>
+        <p:cNvGrpSpPr/>
+        <p:nvPr/>
+      </p:nvGrpSpPr>
+      <p:grpSpPr>
+        <a:xfrm>
+          <a:off x="0" y="0"/>
+          <a:ext cx="0" cy="0"/>
+          <a:chOff x="0" y="0"/>
+          <a:chExt cx="0" cy="0"/>
+        </a:xfrm>
+      </p:grpSpPr>
+      <p:sp>
+        <p:nvSpPr>
+          <p:cNvPr id="144" name="CustomShape 1"/>
+          <p:cNvSpPr/>
+          <p:nvPr/>
+        </p:nvSpPr>
+        <p:spPr>
+          <a:xfrm>
+            <a:off x="609480" y="704160"/>
+            <a:ext cx="10972080" cy="1142280"/>
+          </a:xfrm>
+          <a:prstGeom prst="rect">
+            <a:avLst/>
+          </a:prstGeom>
+          <a:noFill/>
+          <a:ln>
+            <a:noFill/>
+          </a:ln>
+        </p:spPr>
+        <p:style>
+          <a:lnRef idx="0">
+            <a:scrgbClr r="0" g="0" b="0"/>
+          </a:lnRef>
+          <a:fillRef idx="0">
+            <a:scrgbClr r="0" g="0" b="0"/>
+          </a:fillRef>
+          <a:effectRef idx="0">
+            <a:scrgbClr r="0" g="0" b="0"/>
+          </a:effectRef>
+          <a:fontRef idx="minor"/>
+        </p:style>
+        <p:txBody>
+          <a:bodyPr lIns="0" tIns="45000" rIns="0" bIns="0" anchor="b">
+            <a:noAutofit/>
+          </a:bodyPr>
+          <a:lstStyle/>
+          <a:p>
+            <a:pPr>
+              <a:lnSpc>
+                <a:spcPct val="100000"/>
+              </a:lnSpc>
+            </a:pPr>
+            <a:r>
+              <a:rPr lang="fr-FR" sz="5000" b="0" strike="noStrike" spc="-1" dirty="0" smtClean="0">
+                <a:solidFill>
+                  <a:srgbClr val="455F51"/>
+                </a:solidFill>
+                <a:latin typeface="Century Gothic"/>
+              </a:rPr>
+              <a:t> </a:t>
+            </a:r>
+            <a:endParaRPr lang="fr-FR" sz="5000" b="0" strike="noStrike" spc="-1" dirty="0">
+              <a:latin typeface="Arial"/>
+            </a:endParaRPr>
+          </a:p>
+        </p:txBody>
+      </p:sp>
+      <p:sp>
+        <p:nvSpPr>
+          <p:cNvPr id="145" name="CustomShape 2"/>
+          <p:cNvSpPr/>
+          <p:nvPr/>
+        </p:nvSpPr>
+        <p:spPr>
+          <a:xfrm>
+            <a:off x="609480" y="1935360"/>
+            <a:ext cx="10972080" cy="4388400"/>
+          </a:xfrm>
+          <a:prstGeom prst="rect">
+            <a:avLst/>
+          </a:prstGeom>
+          <a:noFill/>
+          <a:ln>
+            <a:noFill/>
+          </a:ln>
+        </p:spPr>
+        <p:style>
+          <a:lnRef idx="0">
+            <a:scrgbClr r="0" g="0" b="0"/>
+          </a:lnRef>
+          <a:fillRef idx="0">
+            <a:scrgbClr r="0" g="0" b="0"/>
+          </a:fillRef>
+          <a:effectRef idx="0">
+            <a:scrgbClr r="0" g="0" b="0"/>
+          </a:effectRef>
+          <a:fontRef idx="minor"/>
+        </p:style>
+        <p:txBody>
+          <a:bodyPr lIns="90000" tIns="45000" rIns="90000" bIns="45000">
+            <a:noAutofit/>
+          </a:bodyPr>
+          <a:lstStyle/>
+          <a:p>
+            <a:pPr marL="274320" indent="-273600">
+              <a:lnSpc>
+                <a:spcPct val="100000"/>
+              </a:lnSpc>
+              <a:spcBef>
+                <a:spcPts val="519"/>
+              </a:spcBef>
+              <a:buClr>
+                <a:srgbClr val="626B1A"/>
+              </a:buClr>
+              <a:buSzPct val="95000"/>
+              <a:buFont typeface="Wingdings 2" charset="2"/>
+              <a:buChar char=""/>
+            </a:pPr>
+            <a:endParaRPr lang="fr-FR" sz="2600" b="0" strike="noStrike" spc="-1" dirty="0">
+              <a:latin typeface="Arial"/>
+            </a:endParaRPr>
+          </a:p>
+        </p:txBody>
+      </p:sp>
+    </p:spTree>
+    <p:extLst>
+      <p:ext uri="{BB962C8B-B14F-4D97-AF65-F5344CB8AC3E}">
+        <p14:creationId xmlns:p14="http://schemas.microsoft.com/office/powerpoint/2010/main" val="3261194494"/>
+      </p:ext>
+    </p:extLst>
+  </p:cSld>
+  <p:clrMapOvr>
+    <a:masterClrMapping/>
+  </p:clrMapOvr>
+  <mc:AlternateContent xmlns:mc="http://schemas.openxmlformats.org/markup-compatibility/2006">
+    <mc:Choice xmlns:p14="http://schemas.microsoft.com/office/powerpoint/2010/main" Requires="p14">
+      <p:transition spd="med" p14:dur="700">
+        <p:fade/>
+      </p:transition>
+    </mc:Choice>
+    <mc:Fallback>
+      <p:transition spd="med">
+        <p:fade/>
+      </p:transition>
+    </mc:Fallback>
+  </mc:AlternateContent>
+  <p:timing>
+    <p:tnLst>
+      <p:par>
+        <p:cTn id="1" dur="indefinite" restart="never" nodeType="tmRoot"/>
+      </p:par>
+    </p:tnLst>
+  </p:timing>
+</p:sld>
+</file>
+
+<file path=ppt/slides/slide35.xml><?xml version="1.0" encoding="utf-8"?>
+<p:sld xmlns:a="http://schemas.openxmlformats.org/drawingml/2006/main" xmlns:r="http://schemas.openxmlformats.org/officeDocument/2006/relationships" xmlns:p="http://schemas.openxmlformats.org/presentationml/2006/main">
+  <p:cSld>
+    <p:spTree>
+      <p:nvGrpSpPr>
+        <p:cNvPr id="1" name=""/>
+        <p:cNvGrpSpPr/>
+        <p:nvPr/>
+      </p:nvGrpSpPr>
+      <p:grpSpPr>
+        <a:xfrm>
+          <a:off x="0" y="0"/>
+          <a:ext cx="0" cy="0"/>
+          <a:chOff x="0" y="0"/>
+          <a:chExt cx="0" cy="0"/>
+        </a:xfrm>
+      </p:grpSpPr>
+      <p:sp>
+        <p:nvSpPr>
+          <p:cNvPr id="144" name="CustomShape 1"/>
+          <p:cNvSpPr/>
+          <p:nvPr/>
+        </p:nvSpPr>
+        <p:spPr>
+          <a:xfrm>
+            <a:off x="609480" y="704160"/>
+            <a:ext cx="10972080" cy="1142280"/>
+          </a:xfrm>
+          <a:prstGeom prst="rect">
+            <a:avLst/>
+          </a:prstGeom>
+          <a:noFill/>
+          <a:ln>
+            <a:noFill/>
+          </a:ln>
+        </p:spPr>
+        <p:style>
+          <a:lnRef idx="0">
+            <a:scrgbClr r="0" g="0" b="0"/>
+          </a:lnRef>
+          <a:fillRef idx="0">
+            <a:scrgbClr r="0" g="0" b="0"/>
+          </a:fillRef>
+          <a:effectRef idx="0">
+            <a:scrgbClr r="0" g="0" b="0"/>
+          </a:effectRef>
+          <a:fontRef idx="minor"/>
+        </p:style>
+        <p:txBody>
+          <a:bodyPr lIns="0" tIns="45000" rIns="0" bIns="0" anchor="b">
+            <a:noAutofit/>
+          </a:bodyPr>
+          <a:lstStyle/>
+          <a:p>
+            <a:pPr>
+              <a:lnSpc>
+                <a:spcPct val="100000"/>
+              </a:lnSpc>
+            </a:pPr>
+            <a:r>
+              <a:rPr lang="fr-FR" sz="5000" b="0" strike="noStrike" spc="-1" dirty="0" smtClean="0">
+                <a:solidFill>
+                  <a:srgbClr val="455F51"/>
+                </a:solidFill>
+                <a:latin typeface="Century Gothic"/>
+              </a:rPr>
+              <a:t> </a:t>
+            </a:r>
+            <a:endParaRPr lang="fr-FR" sz="5000" b="0" strike="noStrike" spc="-1" dirty="0">
+              <a:latin typeface="Arial"/>
+            </a:endParaRPr>
+          </a:p>
+        </p:txBody>
+      </p:sp>
+      <p:sp>
+        <p:nvSpPr>
+          <p:cNvPr id="145" name="CustomShape 2"/>
+          <p:cNvSpPr/>
+          <p:nvPr/>
+        </p:nvSpPr>
+        <p:spPr>
+          <a:xfrm>
+            <a:off x="609480" y="1935360"/>
+            <a:ext cx="10972080" cy="4388400"/>
+          </a:xfrm>
+          <a:prstGeom prst="rect">
+            <a:avLst/>
+          </a:prstGeom>
+          <a:noFill/>
+          <a:ln>
+            <a:noFill/>
+          </a:ln>
+        </p:spPr>
+        <p:style>
+          <a:lnRef idx="0">
+            <a:scrgbClr r="0" g="0" b="0"/>
+          </a:lnRef>
+          <a:fillRef idx="0">
+            <a:scrgbClr r="0" g="0" b="0"/>
+          </a:fillRef>
+          <a:effectRef idx="0">
+            <a:scrgbClr r="0" g="0" b="0"/>
+          </a:effectRef>
+          <a:fontRef idx="minor"/>
+        </p:style>
+        <p:txBody>
+          <a:bodyPr lIns="90000" tIns="45000" rIns="90000" bIns="45000">
+            <a:noAutofit/>
+          </a:bodyPr>
+          <a:lstStyle/>
+          <a:p>
+            <a:pPr marL="274320" indent="-273600">
+              <a:lnSpc>
+                <a:spcPct val="100000"/>
+              </a:lnSpc>
+              <a:spcBef>
+                <a:spcPts val="519"/>
+              </a:spcBef>
+              <a:buClr>
+                <a:srgbClr val="626B1A"/>
+              </a:buClr>
+              <a:buSzPct val="95000"/>
+              <a:buFont typeface="Wingdings 2" charset="2"/>
+              <a:buChar char=""/>
+            </a:pPr>
+            <a:endParaRPr lang="fr-FR" sz="2600" b="0" strike="noStrike" spc="-1" dirty="0">
+              <a:latin typeface="Arial"/>
+            </a:endParaRPr>
+          </a:p>
+        </p:txBody>
+      </p:sp>
+    </p:spTree>
+    <p:extLst>
+      <p:ext uri="{BB962C8B-B14F-4D97-AF65-F5344CB8AC3E}">
+        <p14:creationId xmlns:p14="http://schemas.microsoft.com/office/powerpoint/2010/main" val="4293558524"/>
+      </p:ext>
+    </p:extLst>
+  </p:cSld>
+  <p:clrMapOvr>
+    <a:masterClrMapping/>
+  </p:clrMapOvr>
+  <mc:AlternateContent xmlns:mc="http://schemas.openxmlformats.org/markup-compatibility/2006">
+    <mc:Choice xmlns:p14="http://schemas.microsoft.com/office/powerpoint/2010/main" Requires="p14">
+      <p:transition spd="med" p14:dur="700">
+        <p:fade/>
+      </p:transition>
+    </mc:Choice>
+    <mc:Fallback>
+      <p:transition spd="med">
+        <p:fade/>
+      </p:transition>
+    </mc:Fallback>
+  </mc:AlternateContent>
+  <p:timing>
+    <p:tnLst>
+      <p:par>
+        <p:cTn id="1" dur="indefinite" restart="never" nodeType="tmRoot"/>
+      </p:par>
+    </p:tnLst>
+  </p:timing>
+</p:sld>
+</file>
+
+<file path=ppt/slides/slide36.xml><?xml version="1.0" encoding="utf-8"?>
+<p:sld xmlns:a="http://schemas.openxmlformats.org/drawingml/2006/main" xmlns:r="http://schemas.openxmlformats.org/officeDocument/2006/relationships" xmlns:p="http://schemas.openxmlformats.org/presentationml/2006/main">
+  <p:cSld>
+    <p:spTree>
+      <p:nvGrpSpPr>
+        <p:cNvPr id="1" name=""/>
+        <p:cNvGrpSpPr/>
+        <p:nvPr/>
+      </p:nvGrpSpPr>
+      <p:grpSpPr>
+        <a:xfrm>
+          <a:off x="0" y="0"/>
+          <a:ext cx="0" cy="0"/>
+          <a:chOff x="0" y="0"/>
+          <a:chExt cx="0" cy="0"/>
+        </a:xfrm>
+      </p:grpSpPr>
+      <p:sp>
+        <p:nvSpPr>
+          <p:cNvPr id="144" name="CustomShape 1"/>
+          <p:cNvSpPr/>
+          <p:nvPr/>
+        </p:nvSpPr>
+        <p:spPr>
+          <a:xfrm>
+            <a:off x="609480" y="704160"/>
+            <a:ext cx="10972080" cy="1142280"/>
+          </a:xfrm>
+          <a:prstGeom prst="rect">
+            <a:avLst/>
+          </a:prstGeom>
+          <a:noFill/>
+          <a:ln>
+            <a:noFill/>
+          </a:ln>
+        </p:spPr>
+        <p:style>
+          <a:lnRef idx="0">
+            <a:scrgbClr r="0" g="0" b="0"/>
+          </a:lnRef>
+          <a:fillRef idx="0">
+            <a:scrgbClr r="0" g="0" b="0"/>
+          </a:fillRef>
+          <a:effectRef idx="0">
+            <a:scrgbClr r="0" g="0" b="0"/>
+          </a:effectRef>
+          <a:fontRef idx="minor"/>
+        </p:style>
+        <p:txBody>
+          <a:bodyPr lIns="0" tIns="45000" rIns="0" bIns="0" anchor="b">
+            <a:noAutofit/>
+          </a:bodyPr>
+          <a:lstStyle/>
+          <a:p>
+            <a:pPr>
+              <a:lnSpc>
+                <a:spcPct val="100000"/>
+              </a:lnSpc>
+            </a:pPr>
+            <a:r>
+              <a:rPr lang="fr-FR" sz="5000" b="0" strike="noStrike" spc="-1" dirty="0" smtClean="0">
+                <a:solidFill>
+                  <a:srgbClr val="455F51"/>
+                </a:solidFill>
+                <a:latin typeface="Century Gothic"/>
+              </a:rPr>
+              <a:t> </a:t>
+            </a:r>
+            <a:endParaRPr lang="fr-FR" sz="5000" b="0" strike="noStrike" spc="-1" dirty="0">
+              <a:latin typeface="Arial"/>
+            </a:endParaRPr>
+          </a:p>
+        </p:txBody>
+      </p:sp>
+      <p:sp>
+        <p:nvSpPr>
+          <p:cNvPr id="145" name="CustomShape 2"/>
+          <p:cNvSpPr/>
+          <p:nvPr/>
+        </p:nvSpPr>
+        <p:spPr>
+          <a:xfrm>
+            <a:off x="609480" y="1935360"/>
+            <a:ext cx="10972080" cy="4388400"/>
+          </a:xfrm>
+          <a:prstGeom prst="rect">
+            <a:avLst/>
+          </a:prstGeom>
+          <a:noFill/>
+          <a:ln>
+            <a:noFill/>
+          </a:ln>
+        </p:spPr>
+        <p:style>
+          <a:lnRef idx="0">
+            <a:scrgbClr r="0" g="0" b="0"/>
+          </a:lnRef>
+          <a:fillRef idx="0">
+            <a:scrgbClr r="0" g="0" b="0"/>
+          </a:fillRef>
+          <a:effectRef idx="0">
+            <a:scrgbClr r="0" g="0" b="0"/>
+          </a:effectRef>
+          <a:fontRef idx="minor"/>
+        </p:style>
+        <p:txBody>
+          <a:bodyPr lIns="90000" tIns="45000" rIns="90000" bIns="45000">
+            <a:noAutofit/>
+          </a:bodyPr>
+          <a:lstStyle/>
+          <a:p>
+            <a:pPr marL="274320" indent="-273600">
+              <a:lnSpc>
+                <a:spcPct val="100000"/>
+              </a:lnSpc>
+              <a:spcBef>
+                <a:spcPts val="519"/>
+              </a:spcBef>
+              <a:buClr>
+                <a:srgbClr val="626B1A"/>
+              </a:buClr>
+              <a:buSzPct val="95000"/>
+              <a:buFont typeface="Wingdings 2" charset="2"/>
+              <a:buChar char=""/>
+            </a:pPr>
+            <a:endParaRPr lang="fr-FR" sz="2600" b="0" strike="noStrike" spc="-1" dirty="0">
+              <a:latin typeface="Arial"/>
+            </a:endParaRPr>
+          </a:p>
+        </p:txBody>
+      </p:sp>
+    </p:spTree>
+    <p:extLst>
+      <p:ext uri="{BB962C8B-B14F-4D97-AF65-F5344CB8AC3E}">
+        <p14:creationId xmlns:p14="http://schemas.microsoft.com/office/powerpoint/2010/main" val="3342264112"/>
+      </p:ext>
+    </p:extLst>
+  </p:cSld>
+  <p:clrMapOvr>
+    <a:masterClrMapping/>
+  </p:clrMapOvr>
+  <mc:AlternateContent xmlns:mc="http://schemas.openxmlformats.org/markup-compatibility/2006">
+    <mc:Choice xmlns:p14="http://schemas.microsoft.com/office/powerpoint/2010/main" Requires="p14">
+      <p:transition spd="med" p14:dur="700">
+        <p:fade/>
+      </p:transition>
+    </mc:Choice>
+    <mc:Fallback>
+      <p:transition spd="med">
+        <p:fade/>
+      </p:transition>
+    </mc:Fallback>
+  </mc:AlternateContent>
+  <p:timing>
+    <p:tnLst>
+      <p:par>
+        <p:cTn id="1" dur="indefinite" restart="never" nodeType="tmRoot"/>
+      </p:par>
+    </p:tnLst>
+  </p:timing>
+</p:sld>
+</file>
+
+<file path=ppt/slides/slide37.xml><?xml version="1.0" encoding="utf-8"?>
+<p:sld xmlns:a="http://schemas.openxmlformats.org/drawingml/2006/main" xmlns:r="http://schemas.openxmlformats.org/officeDocument/2006/relationships" xmlns:p="http://schemas.openxmlformats.org/presentationml/2006/main">
+  <p:cSld>
+    <p:spTree>
+      <p:nvGrpSpPr>
+        <p:cNvPr id="1" name=""/>
+        <p:cNvGrpSpPr/>
+        <p:nvPr/>
+      </p:nvGrpSpPr>
+      <p:grpSpPr>
+        <a:xfrm>
+          <a:off x="0" y="0"/>
+          <a:ext cx="0" cy="0"/>
+          <a:chOff x="0" y="0"/>
+          <a:chExt cx="0" cy="0"/>
+        </a:xfrm>
+      </p:grpSpPr>
+      <p:sp>
+        <p:nvSpPr>
+          <p:cNvPr id="144" name="CustomShape 1"/>
+          <p:cNvSpPr/>
+          <p:nvPr/>
+        </p:nvSpPr>
+        <p:spPr>
+          <a:xfrm>
+            <a:off x="609480" y="704160"/>
+            <a:ext cx="10972080" cy="1142280"/>
+          </a:xfrm>
+          <a:prstGeom prst="rect">
+            <a:avLst/>
+          </a:prstGeom>
+          <a:noFill/>
+          <a:ln>
+            <a:noFill/>
+          </a:ln>
+        </p:spPr>
+        <p:style>
+          <a:lnRef idx="0">
+            <a:scrgbClr r="0" g="0" b="0"/>
+          </a:lnRef>
+          <a:fillRef idx="0">
+            <a:scrgbClr r="0" g="0" b="0"/>
+          </a:fillRef>
+          <a:effectRef idx="0">
+            <a:scrgbClr r="0" g="0" b="0"/>
+          </a:effectRef>
+          <a:fontRef idx="minor"/>
+        </p:style>
+        <p:txBody>
+          <a:bodyPr lIns="0" tIns="45000" rIns="0" bIns="0" anchor="b">
+            <a:noAutofit/>
+          </a:bodyPr>
+          <a:lstStyle/>
+          <a:p>
+            <a:pPr>
+              <a:lnSpc>
+                <a:spcPct val="100000"/>
+              </a:lnSpc>
+            </a:pPr>
+            <a:r>
+              <a:rPr lang="fr-FR" sz="5000" b="0" strike="noStrike" spc="-1" dirty="0" smtClean="0">
+                <a:solidFill>
+                  <a:srgbClr val="455F51"/>
+                </a:solidFill>
+                <a:latin typeface="Century Gothic"/>
+              </a:rPr>
+              <a:t> </a:t>
+            </a:r>
+            <a:endParaRPr lang="fr-FR" sz="5000" b="0" strike="noStrike" spc="-1" dirty="0">
+              <a:latin typeface="Arial"/>
+            </a:endParaRPr>
+          </a:p>
+        </p:txBody>
+      </p:sp>
+      <p:sp>
+        <p:nvSpPr>
+          <p:cNvPr id="145" name="CustomShape 2"/>
+          <p:cNvSpPr/>
+          <p:nvPr/>
+        </p:nvSpPr>
+        <p:spPr>
+          <a:xfrm>
+            <a:off x="609480" y="1935360"/>
+            <a:ext cx="10972080" cy="4388400"/>
+          </a:xfrm>
+          <a:prstGeom prst="rect">
+            <a:avLst/>
+          </a:prstGeom>
+          <a:noFill/>
+          <a:ln>
+            <a:noFill/>
+          </a:ln>
+        </p:spPr>
+        <p:style>
+          <a:lnRef idx="0">
+            <a:scrgbClr r="0" g="0" b="0"/>
+          </a:lnRef>
+          <a:fillRef idx="0">
+            <a:scrgbClr r="0" g="0" b="0"/>
+          </a:fillRef>
+          <a:effectRef idx="0">
+            <a:scrgbClr r="0" g="0" b="0"/>
+          </a:effectRef>
+          <a:fontRef idx="minor"/>
+        </p:style>
+        <p:txBody>
+          <a:bodyPr lIns="90000" tIns="45000" rIns="90000" bIns="45000">
+            <a:noAutofit/>
+          </a:bodyPr>
+          <a:lstStyle/>
+          <a:p>
+            <a:pPr marL="274320" indent="-273600">
+              <a:lnSpc>
+                <a:spcPct val="100000"/>
+              </a:lnSpc>
+              <a:spcBef>
+                <a:spcPts val="519"/>
+              </a:spcBef>
+              <a:buClr>
+                <a:srgbClr val="626B1A"/>
+              </a:buClr>
+              <a:buSzPct val="95000"/>
+              <a:buFont typeface="Wingdings 2" charset="2"/>
+              <a:buChar char=""/>
+            </a:pPr>
+            <a:endParaRPr lang="fr-FR" sz="2600" b="0" strike="noStrike" spc="-1" dirty="0">
+              <a:latin typeface="Arial"/>
+            </a:endParaRPr>
+          </a:p>
+        </p:txBody>
+      </p:sp>
+    </p:spTree>
+    <p:extLst>
+      <p:ext uri="{BB962C8B-B14F-4D97-AF65-F5344CB8AC3E}">
+        <p14:creationId xmlns:p14="http://schemas.microsoft.com/office/powerpoint/2010/main" val="4074319656"/>
+      </p:ext>
+    </p:extLst>
+  </p:cSld>
+  <p:clrMapOvr>
+    <a:masterClrMapping/>
+  </p:clrMapOvr>
+  <mc:AlternateContent xmlns:mc="http://schemas.openxmlformats.org/markup-compatibility/2006">
+    <mc:Choice xmlns:p14="http://schemas.microsoft.com/office/powerpoint/2010/main" Requires="p14">
+      <p:transition spd="med" p14:dur="700">
+        <p:fade/>
+      </p:transition>
+    </mc:Choice>
+    <mc:Fallback>
+      <p:transition spd="med">
+        <p:fade/>
+      </p:transition>
+    </mc:Fallback>
+  </mc:AlternateContent>
+  <p:timing>
+    <p:tnLst>
+      <p:par>
+        <p:cTn id="1" dur="indefinite" restart="never" nodeType="tmRoot"/>
+      </p:par>
+    </p:tnLst>
+  </p:timing>
+</p:sld>
+</file>
+
+<file path=ppt/slides/slide38.xml><?xml version="1.0" encoding="utf-8"?>
+<p:sld xmlns:a="http://schemas.openxmlformats.org/drawingml/2006/main" xmlns:r="http://schemas.openxmlformats.org/officeDocument/2006/relationships" xmlns:p="http://schemas.openxmlformats.org/presentationml/2006/main">
+  <p:cSld>
+    <p:spTree>
+      <p:nvGrpSpPr>
+        <p:cNvPr id="1" name=""/>
+        <p:cNvGrpSpPr/>
+        <p:nvPr/>
+      </p:nvGrpSpPr>
+      <p:grpSpPr>
+        <a:xfrm>
+          <a:off x="0" y="0"/>
+          <a:ext cx="0" cy="0"/>
+          <a:chOff x="0" y="0"/>
+          <a:chExt cx="0" cy="0"/>
+        </a:xfrm>
+      </p:grpSpPr>
+      <p:sp>
+        <p:nvSpPr>
+          <p:cNvPr id="144" name="CustomShape 1"/>
+          <p:cNvSpPr/>
+          <p:nvPr/>
+        </p:nvSpPr>
+        <p:spPr>
+          <a:xfrm>
+            <a:off x="609480" y="704160"/>
+            <a:ext cx="10972080" cy="1142280"/>
+          </a:xfrm>
+          <a:prstGeom prst="rect">
+            <a:avLst/>
+          </a:prstGeom>
+          <a:noFill/>
+          <a:ln>
+            <a:noFill/>
+          </a:ln>
+        </p:spPr>
+        <p:style>
+          <a:lnRef idx="0">
+            <a:scrgbClr r="0" g="0" b="0"/>
+          </a:lnRef>
+          <a:fillRef idx="0">
+            <a:scrgbClr r="0" g="0" b="0"/>
+          </a:fillRef>
+          <a:effectRef idx="0">
+            <a:scrgbClr r="0" g="0" b="0"/>
+          </a:effectRef>
+          <a:fontRef idx="minor"/>
+        </p:style>
+        <p:txBody>
+          <a:bodyPr lIns="0" tIns="45000" rIns="0" bIns="0" anchor="b">
+            <a:noAutofit/>
+          </a:bodyPr>
+          <a:lstStyle/>
+          <a:p>
+            <a:pPr>
+              <a:lnSpc>
+                <a:spcPct val="100000"/>
+              </a:lnSpc>
+            </a:pPr>
+            <a:r>
+              <a:rPr lang="fr-FR" sz="5000" b="0" strike="noStrike" spc="-1" dirty="0" smtClean="0">
+                <a:solidFill>
+                  <a:srgbClr val="455F51"/>
+                </a:solidFill>
+                <a:latin typeface="Century Gothic"/>
+              </a:rPr>
+              <a:t> </a:t>
+            </a:r>
+            <a:endParaRPr lang="fr-FR" sz="5000" b="0" strike="noStrike" spc="-1" dirty="0">
+              <a:latin typeface="Arial"/>
+            </a:endParaRPr>
+          </a:p>
+        </p:txBody>
+      </p:sp>
+      <p:sp>
+        <p:nvSpPr>
+          <p:cNvPr id="145" name="CustomShape 2"/>
+          <p:cNvSpPr/>
+          <p:nvPr/>
+        </p:nvSpPr>
+        <p:spPr>
+          <a:xfrm>
+            <a:off x="609480" y="1935360"/>
+            <a:ext cx="10972080" cy="4388400"/>
+          </a:xfrm>
+          <a:prstGeom prst="rect">
+            <a:avLst/>
+          </a:prstGeom>
+          <a:noFill/>
+          <a:ln>
+            <a:noFill/>
+          </a:ln>
+        </p:spPr>
+        <p:style>
+          <a:lnRef idx="0">
+            <a:scrgbClr r="0" g="0" b="0"/>
+          </a:lnRef>
+          <a:fillRef idx="0">
+            <a:scrgbClr r="0" g="0" b="0"/>
+          </a:fillRef>
+          <a:effectRef idx="0">
+            <a:scrgbClr r="0" g="0" b="0"/>
+          </a:effectRef>
+          <a:fontRef idx="minor"/>
+        </p:style>
+        <p:txBody>
+          <a:bodyPr lIns="90000" tIns="45000" rIns="90000" bIns="45000">
+            <a:noAutofit/>
+          </a:bodyPr>
+          <a:lstStyle/>
+          <a:p>
+            <a:pPr marL="274320" indent="-273600">
+              <a:lnSpc>
+                <a:spcPct val="100000"/>
+              </a:lnSpc>
+              <a:spcBef>
+                <a:spcPts val="519"/>
+              </a:spcBef>
+              <a:buClr>
+                <a:srgbClr val="626B1A"/>
+              </a:buClr>
+              <a:buSzPct val="95000"/>
+              <a:buFont typeface="Wingdings 2" charset="2"/>
+              <a:buChar char=""/>
+            </a:pPr>
+            <a:endParaRPr lang="fr-FR" sz="2600" b="0" strike="noStrike" spc="-1" dirty="0">
+              <a:latin typeface="Arial"/>
+            </a:endParaRPr>
+          </a:p>
+        </p:txBody>
+      </p:sp>
+    </p:spTree>
+    <p:extLst>
+      <p:ext uri="{BB962C8B-B14F-4D97-AF65-F5344CB8AC3E}">
+        <p14:creationId xmlns:p14="http://schemas.microsoft.com/office/powerpoint/2010/main" val="2959813911"/>
+      </p:ext>
+    </p:extLst>
+  </p:cSld>
+  <p:clrMapOvr>
+    <a:masterClrMapping/>
+  </p:clrMapOvr>
+  <mc:AlternateContent xmlns:mc="http://schemas.openxmlformats.org/markup-compatibility/2006">
+    <mc:Choice xmlns:p14="http://schemas.microsoft.com/office/powerpoint/2010/main" Requires="p14">
+      <p:transition spd="med" p14:dur="700">
+        <p:fade/>
+      </p:transition>
+    </mc:Choice>
+    <mc:Fallback>
+      <p:transition spd="med">
+        <p:fade/>
+      </p:transition>
+    </mc:Fallback>
+  </mc:AlternateContent>
+  <p:timing>
+    <p:tnLst>
+      <p:par>
+        <p:cTn id="1" dur="indefinite" restart="never" nodeType="tmRoot"/>
+      </p:par>
+    </p:tnLst>
+  </p:timing>
+</p:sld>
+</file>
+
+<file path=ppt/slides/slide39.xml><?xml version="1.0" encoding="utf-8"?>
+<p:sld xmlns:a="http://schemas.openxmlformats.org/drawingml/2006/main" xmlns:r="http://schemas.openxmlformats.org/officeDocument/2006/relationships" xmlns:p="http://schemas.openxmlformats.org/presentationml/2006/main">
+  <p:cSld>
+    <p:spTree>
+      <p:nvGrpSpPr>
+        <p:cNvPr id="1" name=""/>
+        <p:cNvGrpSpPr/>
+        <p:nvPr/>
+      </p:nvGrpSpPr>
+      <p:grpSpPr>
+        <a:xfrm>
+          <a:off x="0" y="0"/>
+          <a:ext cx="0" cy="0"/>
+          <a:chOff x="0" y="0"/>
+          <a:chExt cx="0" cy="0"/>
+        </a:xfrm>
+      </p:grpSpPr>
+      <p:sp>
+        <p:nvSpPr>
+          <p:cNvPr id="144" name="CustomShape 1"/>
+          <p:cNvSpPr/>
+          <p:nvPr/>
+        </p:nvSpPr>
+        <p:spPr>
+          <a:xfrm>
+            <a:off x="609480" y="704160"/>
+            <a:ext cx="10972080" cy="1142280"/>
+          </a:xfrm>
+          <a:prstGeom prst="rect">
+            <a:avLst/>
+          </a:prstGeom>
+          <a:noFill/>
+          <a:ln>
+            <a:noFill/>
+          </a:ln>
+        </p:spPr>
+        <p:style>
+          <a:lnRef idx="0">
+            <a:scrgbClr r="0" g="0" b="0"/>
+          </a:lnRef>
+          <a:fillRef idx="0">
+            <a:scrgbClr r="0" g="0" b="0"/>
+          </a:fillRef>
+          <a:effectRef idx="0">
+            <a:scrgbClr r="0" g="0" b="0"/>
+          </a:effectRef>
+          <a:fontRef idx="minor"/>
+        </p:style>
+        <p:txBody>
+          <a:bodyPr lIns="0" tIns="45000" rIns="0" bIns="0" anchor="b">
+            <a:noAutofit/>
+          </a:bodyPr>
+          <a:lstStyle/>
+          <a:p>
+            <a:pPr>
+              <a:lnSpc>
+                <a:spcPct val="100000"/>
+              </a:lnSpc>
+            </a:pPr>
+            <a:r>
+              <a:rPr lang="fr-FR" sz="5000" b="0" strike="noStrike" spc="-1" dirty="0" smtClean="0">
+                <a:solidFill>
+                  <a:srgbClr val="455F51"/>
+                </a:solidFill>
+                <a:latin typeface="Century Gothic"/>
+              </a:rPr>
+              <a:t> </a:t>
+            </a:r>
+            <a:endParaRPr lang="fr-FR" sz="5000" b="0" strike="noStrike" spc="-1" dirty="0">
+              <a:latin typeface="Arial"/>
+            </a:endParaRPr>
+          </a:p>
+        </p:txBody>
+      </p:sp>
+      <p:sp>
+        <p:nvSpPr>
+          <p:cNvPr id="145" name="CustomShape 2"/>
+          <p:cNvSpPr/>
+          <p:nvPr/>
+        </p:nvSpPr>
+        <p:spPr>
+          <a:xfrm>
+            <a:off x="609480" y="1935360"/>
+            <a:ext cx="10972080" cy="4388400"/>
+          </a:xfrm>
+          <a:prstGeom prst="rect">
+            <a:avLst/>
+          </a:prstGeom>
+          <a:noFill/>
+          <a:ln>
+            <a:noFill/>
+          </a:ln>
+        </p:spPr>
+        <p:style>
+          <a:lnRef idx="0">
+            <a:scrgbClr r="0" g="0" b="0"/>
+          </a:lnRef>
+          <a:fillRef idx="0">
+            <a:scrgbClr r="0" g="0" b="0"/>
+          </a:fillRef>
+          <a:effectRef idx="0">
+            <a:scrgbClr r="0" g="0" b="0"/>
+          </a:effectRef>
+          <a:fontRef idx="minor"/>
+        </p:style>
+        <p:txBody>
+          <a:bodyPr lIns="90000" tIns="45000" rIns="90000" bIns="45000">
+            <a:noAutofit/>
+          </a:bodyPr>
+          <a:lstStyle/>
+          <a:p>
+            <a:pPr marL="274320" indent="-273600">
+              <a:lnSpc>
+                <a:spcPct val="100000"/>
+              </a:lnSpc>
+              <a:spcBef>
+                <a:spcPts val="519"/>
+              </a:spcBef>
+              <a:buClr>
+                <a:srgbClr val="626B1A"/>
+              </a:buClr>
+              <a:buSzPct val="95000"/>
+              <a:buFont typeface="Wingdings 2" charset="2"/>
+              <a:buChar char=""/>
+            </a:pPr>
+            <a:endParaRPr lang="fr-FR" sz="2600" b="0" strike="noStrike" spc="-1" dirty="0">
+              <a:latin typeface="Arial"/>
+            </a:endParaRPr>
+          </a:p>
+        </p:txBody>
+      </p:sp>
+    </p:spTree>
+    <p:extLst>
+      <p:ext uri="{BB962C8B-B14F-4D97-AF65-F5344CB8AC3E}">
+        <p14:creationId xmlns:p14="http://schemas.microsoft.com/office/powerpoint/2010/main" val="2798129906"/>
+      </p:ext>
+    </p:extLst>
+  </p:cSld>
+  <p:clrMapOvr>
+    <a:masterClrMapping/>
+  </p:clrMapOvr>
+  <mc:AlternateContent xmlns:mc="http://schemas.openxmlformats.org/markup-compatibility/2006">
+    <mc:Choice xmlns:p14="http://schemas.microsoft.com/office/powerpoint/2010/main" Requires="p14">
+      <p:transition spd="med" p14:dur="700">
+        <p:fade/>
+      </p:transition>
+    </mc:Choice>
+    <mc:Fallback>
+      <p:transition spd="med">
+        <p:fade/>
+      </p:transition>
+    </mc:Fallback>
+  </mc:AlternateContent>
+  <p:timing>
+    <p:tnLst>
+      <p:par>
+        <p:cTn id="1" dur="indefinite" restart="never" nodeType="tmRoot"/>
+      </p:par>
+    </p:tnLst>
+  </p:timing>
+</p:sld>
+</file>
+
 <file path=ppt/slides/slide4.xml><?xml version="1.0" encoding="utf-8"?>
 <p:sld xmlns:a="http://schemas.openxmlformats.org/drawingml/2006/main" xmlns:r="http://schemas.openxmlformats.org/officeDocument/2006/relationships" xmlns:p="http://schemas.openxmlformats.org/presentationml/2006/main">
   <p:cSld>
@@ -16265,6 +18531,169 @@
       </p:transition>
     </mc:Choice>
     <mc:Fallback xmlns:p15="http://schemas.microsoft.com/office/powerpoint/2012/main" xmlns="">
+      <p:transition spd="med">
+        <p:fade/>
+      </p:transition>
+    </mc:Fallback>
+  </mc:AlternateContent>
+  <p:timing>
+    <p:tnLst>
+      <p:par>
+        <p:cTn id="1" dur="indefinite" restart="never" nodeType="tmRoot"/>
+      </p:par>
+    </p:tnLst>
+  </p:timing>
+</p:sld>
+</file>
+
+<file path=ppt/slides/slide40.xml><?xml version="1.0" encoding="utf-8"?>
+<p:sld xmlns:a="http://schemas.openxmlformats.org/drawingml/2006/main" xmlns:r="http://schemas.openxmlformats.org/officeDocument/2006/relationships" xmlns:p="http://schemas.openxmlformats.org/presentationml/2006/main">
+  <p:cSld>
+    <p:spTree>
+      <p:nvGrpSpPr>
+        <p:cNvPr id="1" name=""/>
+        <p:cNvGrpSpPr/>
+        <p:nvPr/>
+      </p:nvGrpSpPr>
+      <p:grpSpPr>
+        <a:xfrm>
+          <a:off x="0" y="0"/>
+          <a:ext cx="0" cy="0"/>
+          <a:chOff x="0" y="0"/>
+          <a:chExt cx="0" cy="0"/>
+        </a:xfrm>
+      </p:grpSpPr>
+      <p:sp>
+        <p:nvSpPr>
+          <p:cNvPr id="144" name="CustomShape 1"/>
+          <p:cNvSpPr/>
+          <p:nvPr/>
+        </p:nvSpPr>
+        <p:spPr>
+          <a:xfrm>
+            <a:off x="609480" y="704160"/>
+            <a:ext cx="10972080" cy="1142280"/>
+          </a:xfrm>
+          <a:prstGeom prst="rect">
+            <a:avLst/>
+          </a:prstGeom>
+          <a:noFill/>
+          <a:ln>
+            <a:noFill/>
+          </a:ln>
+        </p:spPr>
+        <p:style>
+          <a:lnRef idx="0">
+            <a:scrgbClr r="0" g="0" b="0"/>
+          </a:lnRef>
+          <a:fillRef idx="0">
+            <a:scrgbClr r="0" g="0" b="0"/>
+          </a:fillRef>
+          <a:effectRef idx="0">
+            <a:scrgbClr r="0" g="0" b="0"/>
+          </a:effectRef>
+          <a:fontRef idx="minor"/>
+        </p:style>
+        <p:txBody>
+          <a:bodyPr lIns="0" tIns="45000" rIns="0" bIns="0" anchor="b">
+            <a:noAutofit/>
+          </a:bodyPr>
+          <a:lstStyle/>
+          <a:p>
+            <a:pPr>
+              <a:lnSpc>
+                <a:spcPct val="100000"/>
+              </a:lnSpc>
+            </a:pPr>
+            <a:r>
+              <a:rPr lang="fr-FR" sz="5000" b="0" strike="noStrike" spc="-1" dirty="0" smtClean="0">
+                <a:solidFill>
+                  <a:srgbClr val="455F51"/>
+                </a:solidFill>
+                <a:latin typeface="Century Gothic"/>
+              </a:rPr>
+              <a:t> </a:t>
+            </a:r>
+            <a:endParaRPr lang="fr-FR" sz="5000" b="0" strike="noStrike" spc="-1" dirty="0">
+              <a:latin typeface="Arial"/>
+            </a:endParaRPr>
+          </a:p>
+        </p:txBody>
+      </p:sp>
+      <p:sp>
+        <p:nvSpPr>
+          <p:cNvPr id="145" name="CustomShape 2"/>
+          <p:cNvSpPr/>
+          <p:nvPr/>
+        </p:nvSpPr>
+        <p:spPr>
+          <a:xfrm>
+            <a:off x="609480" y="1935360"/>
+            <a:ext cx="10972080" cy="4388400"/>
+          </a:xfrm>
+          <a:prstGeom prst="rect">
+            <a:avLst/>
+          </a:prstGeom>
+          <a:noFill/>
+          <a:ln>
+            <a:noFill/>
+          </a:ln>
+        </p:spPr>
+        <p:style>
+          <a:lnRef idx="0">
+            <a:scrgbClr r="0" g="0" b="0"/>
+          </a:lnRef>
+          <a:fillRef idx="0">
+            <a:scrgbClr r="0" g="0" b="0"/>
+          </a:fillRef>
+          <a:effectRef idx="0">
+            <a:scrgbClr r="0" g="0" b="0"/>
+          </a:effectRef>
+          <a:fontRef idx="minor"/>
+        </p:style>
+        <p:txBody>
+          <a:bodyPr lIns="90000" tIns="45000" rIns="90000" bIns="45000">
+            <a:noAutofit/>
+          </a:bodyPr>
+          <a:lstStyle/>
+          <a:p>
+            <a:pPr marL="274320" indent="-273600">
+              <a:lnSpc>
+                <a:spcPct val="100000"/>
+              </a:lnSpc>
+              <a:spcBef>
+                <a:spcPts val="519"/>
+              </a:spcBef>
+              <a:buClr>
+                <a:srgbClr val="626B1A"/>
+              </a:buClr>
+              <a:buSzPct val="95000"/>
+              <a:buFont typeface="Wingdings 2" charset="2"/>
+              <a:buChar char=""/>
+            </a:pPr>
+            <a:endParaRPr lang="fr-FR" sz="2600" b="0" strike="noStrike" spc="-1" dirty="0">
+              <a:latin typeface="Arial"/>
+            </a:endParaRPr>
+          </a:p>
+        </p:txBody>
+      </p:sp>
+    </p:spTree>
+    <p:extLst>
+      <p:ext uri="{BB962C8B-B14F-4D97-AF65-F5344CB8AC3E}">
+        <p14:creationId xmlns:p14="http://schemas.microsoft.com/office/powerpoint/2010/main" val="3437694029"/>
+      </p:ext>
+    </p:extLst>
+  </p:cSld>
+  <p:clrMapOvr>
+    <a:masterClrMapping/>
+  </p:clrMapOvr>
+  <mc:AlternateContent xmlns:mc="http://schemas.openxmlformats.org/markup-compatibility/2006">
+    <mc:Choice xmlns:p14="http://schemas.microsoft.com/office/powerpoint/2010/main" Requires="p14">
+      <p:transition spd="med" p14:dur="700">
+        <p:fade/>
+      </p:transition>
+    </mc:Choice>
+    <mc:Fallback>
       <p:transition spd="med">
         <p:fade/>
       </p:transition>

--- a/Présentation du titre pro/Dossier Professionnel v1.pptx
+++ b/Présentation du titre pro/Dossier Professionnel v1.pptx
@@ -6,7 +6,7 @@
     <p:sldMasterId id="2147483661" r:id="rId2"/>
   </p:sldMasterIdLst>
   <p:notesMasterIdLst>
-    <p:notesMasterId r:id="rId43"/>
+    <p:notesMasterId r:id="rId38"/>
   </p:notesMasterIdLst>
   <p:sldIdLst>
     <p:sldId id="256" r:id="rId3"/>
@@ -16,39 +16,34 @@
     <p:sldId id="284" r:id="rId7"/>
     <p:sldId id="285" r:id="rId8"/>
     <p:sldId id="286" r:id="rId9"/>
-    <p:sldId id="287" r:id="rId10"/>
-    <p:sldId id="290" r:id="rId11"/>
-    <p:sldId id="293" r:id="rId12"/>
-    <p:sldId id="288" r:id="rId13"/>
-    <p:sldId id="292" r:id="rId14"/>
-    <p:sldId id="295" r:id="rId15"/>
-    <p:sldId id="296" r:id="rId16"/>
-    <p:sldId id="291" r:id="rId17"/>
-    <p:sldId id="297" r:id="rId18"/>
-    <p:sldId id="294" r:id="rId19"/>
-    <p:sldId id="289" r:id="rId20"/>
-    <p:sldId id="261" r:id="rId21"/>
-    <p:sldId id="262" r:id="rId22"/>
-    <p:sldId id="263" r:id="rId23"/>
-    <p:sldId id="264" r:id="rId24"/>
-    <p:sldId id="266" r:id="rId25"/>
-    <p:sldId id="265" r:id="rId26"/>
-    <p:sldId id="267" r:id="rId27"/>
-    <p:sldId id="298" r:id="rId28"/>
-    <p:sldId id="268" r:id="rId29"/>
-    <p:sldId id="270" r:id="rId30"/>
-    <p:sldId id="272" r:id="rId31"/>
-    <p:sldId id="275" r:id="rId32"/>
-    <p:sldId id="281" r:id="rId33"/>
-    <p:sldId id="299" r:id="rId34"/>
-    <p:sldId id="300" r:id="rId35"/>
-    <p:sldId id="301" r:id="rId36"/>
+    <p:sldId id="300" r:id="rId10"/>
+    <p:sldId id="301" r:id="rId11"/>
+    <p:sldId id="287" r:id="rId12"/>
+    <p:sldId id="299" r:id="rId13"/>
+    <p:sldId id="290" r:id="rId14"/>
+    <p:sldId id="293" r:id="rId15"/>
+    <p:sldId id="288" r:id="rId16"/>
+    <p:sldId id="292" r:id="rId17"/>
+    <p:sldId id="295" r:id="rId18"/>
+    <p:sldId id="296" r:id="rId19"/>
+    <p:sldId id="291" r:id="rId20"/>
+    <p:sldId id="297" r:id="rId21"/>
+    <p:sldId id="294" r:id="rId22"/>
+    <p:sldId id="289" r:id="rId23"/>
+    <p:sldId id="261" r:id="rId24"/>
+    <p:sldId id="262" r:id="rId25"/>
+    <p:sldId id="263" r:id="rId26"/>
+    <p:sldId id="264" r:id="rId27"/>
+    <p:sldId id="266" r:id="rId28"/>
+    <p:sldId id="265" r:id="rId29"/>
+    <p:sldId id="267" r:id="rId30"/>
+    <p:sldId id="298" r:id="rId31"/>
+    <p:sldId id="268" r:id="rId32"/>
+    <p:sldId id="270" r:id="rId33"/>
+    <p:sldId id="272" r:id="rId34"/>
+    <p:sldId id="275" r:id="rId35"/>
+    <p:sldId id="281" r:id="rId36"/>
     <p:sldId id="302" r:id="rId37"/>
-    <p:sldId id="303" r:id="rId38"/>
-    <p:sldId id="304" r:id="rId39"/>
-    <p:sldId id="305" r:id="rId40"/>
-    <p:sldId id="306" r:id="rId41"/>
-    <p:sldId id="307" r:id="rId42"/>
   </p:sldIdLst>
   <p:sldSz cx="12192000" cy="6858000"/>
   <p:notesSz cx="6858000" cy="9144000"/>
@@ -716,15 +711,11 @@
             </a:pPr>
             <a:r>
               <a:rPr lang="fr-FR" sz="2000" dirty="0" smtClean="0"/>
-              <a:t> sur le </a:t>
-            </a:r>
-            <a:r>
-              <a:rPr lang="fr-FR" sz="2000" dirty="0" err="1" smtClean="0"/>
-              <a:t>mockups</a:t>
-            </a:r>
-            <a:r>
-              <a:rPr lang="fr-FR" sz="2000" dirty="0" smtClean="0"/>
-              <a:t> on se rend mieux compte du rendu attendu </a:t>
+              <a:t>J’ai voulu que</a:t>
+            </a:r>
+            <a:r>
+              <a:rPr lang="fr-FR" sz="2000" baseline="0" dirty="0" smtClean="0"/>
+              <a:t> mon site soit le plus ludique possible afin qu’il soit le plus accessible ainsi ai-je opter pour la simplicité </a:t>
             </a:r>
           </a:p>
           <a:p>
@@ -746,12 +737,31 @@
               <a:defRPr/>
             </a:pPr>
             <a:r>
-              <a:rPr lang="fr-FR" sz="2000" dirty="0" smtClean="0"/>
-              <a:t>chaque lignes de texte permet lorsque</a:t>
-            </a:r>
-            <a:r>
               <a:rPr lang="fr-FR" sz="2000" baseline="0" dirty="0" smtClean="0"/>
-              <a:t> l’utilisateur click dessus de le rediriger vers la page en question …</a:t>
+              <a:t>Lorsque l’utilisateur est sur la page d’accueil je souhaite qu’il accède à une page dédier à sa demande de service si toutefois il y est déjà connecter &amp; dans le cas où il n’a pas d’idée précise lui donner la possibilité de consulter les profils des différents développeurs présents qui auront sur leur propre page des exemples de leur travail …</a:t>
+            </a:r>
+          </a:p>
+          <a:p>
+            <a:pPr marL="0" marR="0" indent="0" algn="l" defTabSz="914400" rtl="0" eaLnBrk="1" fontAlgn="auto" latinLnBrk="0" hangingPunct="1">
+              <a:lnSpc>
+                <a:spcPct val="100000"/>
+              </a:lnSpc>
+              <a:spcBef>
+                <a:spcPts val="0"/>
+              </a:spcBef>
+              <a:spcAft>
+                <a:spcPts val="0"/>
+              </a:spcAft>
+              <a:buClrTx/>
+              <a:buSzTx/>
+              <a:buFontTx/>
+              <a:buNone/>
+              <a:tabLst/>
+              <a:defRPr/>
+            </a:pPr>
+            <a:r>
+              <a:rPr lang="fr-FR" sz="2000" baseline="0" dirty="0" smtClean="0"/>
+              <a:t>Une partie pour les développeur est aussi présent afin qu’ils puisse consulté la liste des offres disponible est choisir l’annonce qu’ils leurs conviennent le plus </a:t>
             </a:r>
             <a:endParaRPr lang="fr-FR" sz="2000" dirty="0"/>
           </a:p>
@@ -818,7 +828,7 @@
     </p:spTree>
     <p:extLst>
       <p:ext uri="{BB962C8B-B14F-4D97-AF65-F5344CB8AC3E}">
-        <p14:creationId xmlns:p14="http://schemas.microsoft.com/office/powerpoint/2010/main" val="3651137963"/>
+        <p14:creationId xmlns:p14="http://schemas.microsoft.com/office/powerpoint/2010/main" val="104488453"/>
       </p:ext>
     </p:extLst>
   </p:cSld>
@@ -847,7 +857,7 @@
       </p:grpSpPr>
       <p:sp>
         <p:nvSpPr>
-          <p:cNvPr id="155" name="PlaceHolder 1"/>
+          <p:cNvPr id="2" name="Espace réservé de l'image des diapositives 1"/>
           <p:cNvSpPr>
             <a:spLocks noGrp="1" noRot="1" noChangeAspect="1"/>
           </p:cNvSpPr>
@@ -857,37 +867,24 @@
         </p:nvSpPr>
         <p:spPr>
           <a:xfrm>
-            <a:off x="685800" y="1143000"/>
-            <a:ext cx="5486400" cy="3086100"/>
-          </a:xfrm>
-          <a:prstGeom prst="rect">
-            <a:avLst/>
-          </a:prstGeom>
-        </p:spPr>
-      </p:sp>
-      <p:sp>
-        <p:nvSpPr>
-          <p:cNvPr id="156" name="PlaceHolder 2"/>
+            <a:off x="217488" y="812800"/>
+            <a:ext cx="7124700" cy="4008438"/>
+          </a:xfrm>
+        </p:spPr>
+      </p:sp>
+      <p:sp>
+        <p:nvSpPr>
+          <p:cNvPr id="3" name="Espace réservé des commentaires 2"/>
           <p:cNvSpPr>
             <a:spLocks noGrp="1"/>
           </p:cNvSpPr>
           <p:nvPr>
-            <p:ph type="body"/>
+            <p:ph type="body" idx="1"/>
           </p:nvPr>
         </p:nvSpPr>
-        <p:spPr>
-          <a:xfrm>
-            <a:off x="685800" y="4400640"/>
-            <a:ext cx="5485680" cy="3599640"/>
-          </a:xfrm>
-          <a:prstGeom prst="rect">
-            <a:avLst/>
-          </a:prstGeom>
-        </p:spPr>
-        <p:txBody>
-          <a:bodyPr lIns="0" tIns="0" rIns="0" bIns="0">
-            <a:noAutofit/>
-          </a:bodyPr>
+        <p:spPr/>
+        <p:txBody>
+          <a:bodyPr/>
           <a:lstStyle/>
           <a:p>
             <a:pPr marL="0" marR="0" indent="0" algn="l" defTabSz="914400" rtl="0" eaLnBrk="1" fontAlgn="auto" latinLnBrk="0" hangingPunct="1">
@@ -908,67 +905,165 @@
               <a:defRPr/>
             </a:pPr>
             <a:r>
-              <a:rPr lang="fr-FR" sz="2000" dirty="0" smtClean="0"/>
-              <a:t> ici un formulaire somme toute des plus classique </a:t>
-            </a:r>
-            <a:endParaRPr lang="fr-FR" sz="2000" dirty="0"/>
-          </a:p>
-        </p:txBody>
-      </p:sp>
-      <p:sp>
-        <p:nvSpPr>
-          <p:cNvPr id="157" name="CustomShape 3"/>
-          <p:cNvSpPr/>
-          <p:nvPr/>
-        </p:nvSpPr>
-        <p:spPr>
-          <a:xfrm>
-            <a:off x="3884760" y="8685360"/>
-            <a:ext cx="2971080" cy="457920"/>
-          </a:xfrm>
-          <a:prstGeom prst="rect">
-            <a:avLst/>
-          </a:prstGeom>
-          <a:noFill/>
-          <a:ln>
-            <a:noFill/>
-          </a:ln>
-        </p:spPr>
-        <p:style>
-          <a:lnRef idx="0">
-            <a:scrgbClr r="0" g="0" b="0"/>
-          </a:lnRef>
-          <a:fillRef idx="0">
-            <a:scrgbClr r="0" g="0" b="0"/>
-          </a:fillRef>
-          <a:effectRef idx="0">
-            <a:scrgbClr r="0" g="0" b="0"/>
-          </a:effectRef>
-          <a:fontRef idx="minor"/>
-        </p:style>
-        <p:txBody>
-          <a:bodyPr lIns="90000" tIns="45000" rIns="90000" bIns="45000" anchor="b">
-            <a:noAutofit/>
-          </a:bodyPr>
-          <a:lstStyle/>
-          <a:p>
-            <a:pPr algn="r">
-              <a:lnSpc>
-                <a:spcPct val="100000"/>
-              </a:lnSpc>
-            </a:pPr>
-            <a:fld id="{7DFA6E54-7A15-4764-ACBB-0422FDEFF671}" type="slidenum">
-              <a:rPr lang="fr-FR" sz="1200" b="0" strike="noStrike" spc="-1">
+              <a:rPr lang="fr-FR" dirty="0" smtClean="0"/>
+              <a:t> </a:t>
+            </a:r>
+            <a:r>
+              <a:rPr lang="fr-FR" dirty="0" smtClean="0"/>
+              <a:t>concernent l</a:t>
+            </a:r>
+            <a:r>
+              <a:rPr lang="fr-FR" sz="1200" kern="1200" dirty="0" smtClean="0">
                 <a:solidFill>
-                  <a:srgbClr val="000000"/>
+                  <a:schemeClr val="tx1"/>
                 </a:solidFill>
+                <a:effectLst/>
                 <a:latin typeface="+mn-lt"/>
                 <a:ea typeface="+mn-ea"/>
+                <a:cs typeface="+mn-cs"/>
+              </a:rPr>
+              <a:t>es règle de conception lucidité épuré &amp; esthétique sont les mot clef</a:t>
+            </a:r>
+          </a:p>
+          <a:p>
+            <a:r>
+              <a:rPr lang="fr-FR" sz="1200" kern="1200" dirty="0" smtClean="0">
+                <a:solidFill>
+                  <a:schemeClr val="tx1"/>
+                </a:solidFill>
+                <a:effectLst/>
+                <a:latin typeface="+mn-lt"/>
+                <a:ea typeface="+mn-ea"/>
+                <a:cs typeface="+mn-cs"/>
+              </a:rPr>
+              <a:t>Les polices à utiliser : Great </a:t>
+            </a:r>
+            <a:r>
+              <a:rPr lang="fr-FR" sz="1200" kern="1200" dirty="0" err="1" smtClean="0">
+                <a:solidFill>
+                  <a:schemeClr val="tx1"/>
+                </a:solidFill>
+                <a:effectLst/>
+                <a:latin typeface="+mn-lt"/>
+                <a:ea typeface="+mn-ea"/>
+                <a:cs typeface="+mn-cs"/>
+              </a:rPr>
+              <a:t>Vibes</a:t>
+            </a:r>
+            <a:r>
+              <a:rPr lang="fr-FR" sz="1200" kern="1200" dirty="0" smtClean="0">
+                <a:solidFill>
+                  <a:schemeClr val="tx1"/>
+                </a:solidFill>
+                <a:effectLst/>
+                <a:latin typeface="+mn-lt"/>
+                <a:ea typeface="+mn-ea"/>
+                <a:cs typeface="+mn-cs"/>
+              </a:rPr>
+              <a:t> qui est une police graphiquement belle utiliser</a:t>
+            </a:r>
+            <a:r>
+              <a:rPr lang="fr-FR" sz="1200" kern="1200" baseline="0" dirty="0" smtClean="0">
+                <a:solidFill>
+                  <a:schemeClr val="tx1"/>
+                </a:solidFill>
+                <a:effectLst/>
+                <a:latin typeface="+mn-lt"/>
+                <a:ea typeface="+mn-ea"/>
+                <a:cs typeface="+mn-cs"/>
+              </a:rPr>
+              <a:t> pour les titre et</a:t>
+            </a:r>
+            <a:r>
+              <a:rPr lang="fr-FR" sz="1200" kern="1200" dirty="0" smtClean="0">
+                <a:solidFill>
+                  <a:schemeClr val="tx1"/>
+                </a:solidFill>
+                <a:effectLst/>
+                <a:latin typeface="+mn-lt"/>
+                <a:ea typeface="+mn-ea"/>
+                <a:cs typeface="+mn-cs"/>
+              </a:rPr>
+              <a:t> Times New Roman qui selon une</a:t>
+            </a:r>
+            <a:r>
+              <a:rPr lang="fr-FR" sz="1200" kern="1200" baseline="0" dirty="0" smtClean="0">
+                <a:solidFill>
+                  <a:schemeClr val="tx1"/>
+                </a:solidFill>
+                <a:effectLst/>
+                <a:latin typeface="+mn-lt"/>
+                <a:ea typeface="+mn-ea"/>
+                <a:cs typeface="+mn-cs"/>
+              </a:rPr>
+              <a:t> étude faciliterais la lecture </a:t>
+            </a:r>
+            <a:r>
+              <a:rPr lang="fr-FR" sz="1200" kern="1200" baseline="0" dirty="0" err="1" smtClean="0">
+                <a:solidFill>
+                  <a:schemeClr val="tx1"/>
+                </a:solidFill>
+                <a:effectLst/>
+                <a:latin typeface="+mn-lt"/>
+                <a:ea typeface="+mn-ea"/>
+                <a:cs typeface="+mn-cs"/>
+              </a:rPr>
+              <a:t>notament</a:t>
+            </a:r>
+            <a:r>
+              <a:rPr lang="fr-FR" sz="1200" kern="1200" baseline="0" dirty="0" smtClean="0">
+                <a:solidFill>
+                  <a:schemeClr val="tx1"/>
+                </a:solidFill>
+                <a:effectLst/>
+                <a:latin typeface="+mn-lt"/>
+                <a:ea typeface="+mn-ea"/>
+                <a:cs typeface="+mn-cs"/>
+              </a:rPr>
+              <a:t> pour les personne dyslexique </a:t>
+            </a:r>
+            <a:endParaRPr lang="fr-FR" sz="1200" kern="1200" dirty="0" smtClean="0">
+              <a:solidFill>
+                <a:schemeClr val="tx1"/>
+              </a:solidFill>
+              <a:effectLst/>
+              <a:latin typeface="+mn-lt"/>
+              <a:ea typeface="+mn-ea"/>
+              <a:cs typeface="+mn-cs"/>
+            </a:endParaRPr>
+          </a:p>
+          <a:p>
+            <a:endParaRPr lang="fr-FR" dirty="0" smtClean="0"/>
+          </a:p>
+          <a:p>
+            <a:endParaRPr lang="fr-FR" dirty="0"/>
+          </a:p>
+        </p:txBody>
+      </p:sp>
+      <p:sp>
+        <p:nvSpPr>
+          <p:cNvPr id="4" name="Espace réservé du numéro de diapositive 3"/>
+          <p:cNvSpPr>
+            <a:spLocks noGrp="1"/>
+          </p:cNvSpPr>
+          <p:nvPr>
+            <p:ph type="sldNum" idx="10"/>
+          </p:nvPr>
+        </p:nvSpPr>
+        <p:spPr/>
+        <p:txBody>
+          <a:bodyPr/>
+          <a:lstStyle/>
+          <a:p>
+            <a:pPr algn="r"/>
+            <a:fld id="{4C8961B9-9BF0-44A4-A706-205F40A8B952}" type="slidenum">
+              <a:rPr lang="fr-FR" sz="1400" b="0" strike="noStrike" spc="-1" smtClean="0">
+                <a:latin typeface="Times New Roman"/>
               </a:rPr>
               <a:t>11</a:t>
             </a:fld>
-            <a:endParaRPr lang="fr-FR" sz="1200" b="0" strike="noStrike" spc="-1">
-              <a:latin typeface="Arial"/>
+            <a:endParaRPr lang="fr-FR" sz="1400" b="0" strike="noStrike" spc="-1">
+              <a:latin typeface="Times New Roman"/>
             </a:endParaRPr>
           </a:p>
         </p:txBody>
@@ -976,7 +1071,7 @@
     </p:spTree>
     <p:extLst>
       <p:ext uri="{BB962C8B-B14F-4D97-AF65-F5344CB8AC3E}">
-        <p14:creationId xmlns:p14="http://schemas.microsoft.com/office/powerpoint/2010/main" val="3560143643"/>
+        <p14:creationId xmlns:p14="http://schemas.microsoft.com/office/powerpoint/2010/main" val="3907528022"/>
       </p:ext>
     </p:extLst>
   </p:cSld>
@@ -1067,15 +1162,67 @@
             </a:pPr>
             <a:r>
               <a:rPr lang="fr-FR" sz="2000" dirty="0" smtClean="0"/>
-              <a:t> certes classique mais tout de même</a:t>
-            </a:r>
-            <a:r>
-              <a:rPr lang="fr-FR" sz="2000" baseline="0" dirty="0" smtClean="0"/>
-              <a:t> assez </a:t>
-            </a:r>
-            <a:r>
-              <a:rPr lang="fr-FR" sz="2000" b="0" dirty="0" smtClean="0"/>
-              <a:t>plaisant</a:t>
+              <a:t> voici le </a:t>
+            </a:r>
+            <a:r>
+              <a:rPr lang="fr-FR" sz="1200" kern="1200" dirty="0" smtClean="0">
+                <a:solidFill>
+                  <a:schemeClr val="tx1"/>
+                </a:solidFill>
+                <a:effectLst/>
+                <a:latin typeface="+mn-lt"/>
+                <a:ea typeface="+mn-ea"/>
+                <a:cs typeface="+mn-cs"/>
+              </a:rPr>
+              <a:t>Zoning</a:t>
+            </a:r>
+            <a:r>
+              <a:rPr lang="fr-FR" sz="1200" kern="1200" baseline="0" dirty="0" smtClean="0">
+                <a:solidFill>
+                  <a:schemeClr val="tx1"/>
+                </a:solidFill>
+                <a:effectLst/>
+                <a:latin typeface="+mn-lt"/>
+                <a:ea typeface="+mn-ea"/>
+                <a:cs typeface="+mn-cs"/>
+              </a:rPr>
+              <a:t> &amp; le</a:t>
+            </a:r>
+            <a:r>
+              <a:rPr lang="fr-FR" sz="1200" kern="1200" dirty="0" smtClean="0">
+                <a:solidFill>
+                  <a:schemeClr val="tx1"/>
+                </a:solidFill>
+                <a:effectLst/>
+                <a:latin typeface="+mn-lt"/>
+                <a:ea typeface="+mn-ea"/>
+                <a:cs typeface="+mn-cs"/>
+              </a:rPr>
+              <a:t> </a:t>
+            </a:r>
+            <a:r>
+              <a:rPr lang="fr-FR" sz="1200" kern="1200" dirty="0" err="1" smtClean="0">
+                <a:solidFill>
+                  <a:schemeClr val="tx1"/>
+                </a:solidFill>
+                <a:effectLst/>
+                <a:latin typeface="+mn-lt"/>
+                <a:ea typeface="+mn-ea"/>
+                <a:cs typeface="+mn-cs"/>
+              </a:rPr>
+              <a:t>wireframe</a:t>
+            </a:r>
+            <a:r>
+              <a:rPr lang="fr-FR" sz="1200" kern="1200" dirty="0" smtClean="0">
+                <a:solidFill>
+                  <a:schemeClr val="tx1"/>
+                </a:solidFill>
+                <a:effectLst/>
+                <a:latin typeface="+mn-lt"/>
+                <a:ea typeface="+mn-ea"/>
+                <a:cs typeface="+mn-cs"/>
+              </a:rPr>
+              <a:t>  de la page d’accueil </a:t>
             </a:r>
           </a:p>
           <a:p>
@@ -1096,6 +1243,73 @@
               <a:tabLst/>
               <a:defRPr/>
             </a:pPr>
+            <a:r>
+              <a:rPr lang="fr-FR" sz="1200" kern="1200" dirty="0" err="1" smtClean="0">
+                <a:solidFill>
+                  <a:schemeClr val="tx1"/>
+                </a:solidFill>
+                <a:effectLst/>
+                <a:latin typeface="+mn-lt"/>
+                <a:ea typeface="+mn-ea"/>
+                <a:cs typeface="+mn-cs"/>
+              </a:rPr>
+              <a:t>Qqchose</a:t>
+            </a:r>
+            <a:r>
+              <a:rPr lang="fr-FR" sz="1200" kern="1200" dirty="0" smtClean="0">
+                <a:solidFill>
+                  <a:schemeClr val="tx1"/>
+                </a:solidFill>
+                <a:effectLst/>
+                <a:latin typeface="+mn-lt"/>
+                <a:ea typeface="+mn-ea"/>
+                <a:cs typeface="+mn-cs"/>
+              </a:rPr>
+              <a:t> d’extrêmement épuré avec un</a:t>
+            </a:r>
+            <a:r>
+              <a:rPr lang="fr-FR" sz="1200" kern="1200" baseline="0" dirty="0" smtClean="0">
+                <a:solidFill>
+                  <a:schemeClr val="tx1"/>
+                </a:solidFill>
+                <a:effectLst/>
+                <a:latin typeface="+mn-lt"/>
+                <a:ea typeface="+mn-ea"/>
+                <a:cs typeface="+mn-cs"/>
+              </a:rPr>
+              <a:t> logo un partie connexion qui ne redirigera pas vers une autre page mais ferra apparaitre un pop-up </a:t>
+            </a:r>
+          </a:p>
+          <a:p>
+            <a:pPr marL="0" marR="0" indent="0" algn="l" defTabSz="914400" rtl="0" eaLnBrk="1" fontAlgn="auto" latinLnBrk="0" hangingPunct="1">
+              <a:lnSpc>
+                <a:spcPct val="100000"/>
+              </a:lnSpc>
+              <a:spcBef>
+                <a:spcPts val="0"/>
+              </a:spcBef>
+              <a:spcAft>
+                <a:spcPts val="0"/>
+              </a:spcAft>
+              <a:buClrTx/>
+              <a:buSzTx/>
+              <a:buFontTx/>
+              <a:buNone/>
+              <a:tabLst/>
+              <a:defRPr/>
+            </a:pPr>
+            <a:r>
+              <a:rPr lang="fr-FR" sz="1200" kern="1200" baseline="0" dirty="0" smtClean="0">
+                <a:solidFill>
+                  <a:schemeClr val="tx1"/>
+                </a:solidFill>
+                <a:effectLst/>
+                <a:latin typeface="+mn-lt"/>
+                <a:ea typeface="+mn-ea"/>
+                <a:cs typeface="+mn-cs"/>
+              </a:rPr>
+              <a:t>Et quelque ligne de texte qui résume clairement le but du site </a:t>
+            </a:r>
             <a:endParaRPr lang="fr-FR" sz="2000" dirty="0"/>
           </a:p>
         </p:txBody>
@@ -1161,7 +1375,7 @@
     </p:spTree>
     <p:extLst>
       <p:ext uri="{BB962C8B-B14F-4D97-AF65-F5344CB8AC3E}">
-        <p14:creationId xmlns:p14="http://schemas.microsoft.com/office/powerpoint/2010/main" val="1743048959"/>
+        <p14:creationId xmlns:p14="http://schemas.microsoft.com/office/powerpoint/2010/main" val="2807788576"/>
       </p:ext>
     </p:extLst>
   </p:cSld>
@@ -1252,7 +1466,15 @@
             </a:pPr>
             <a:r>
               <a:rPr lang="fr-FR" sz="2000" dirty="0" smtClean="0"/>
-              <a:t>  la liste des développeurs se présentera un peu comme les articles d’un célèbre site d’achat en ligne </a:t>
+              <a:t> sur le </a:t>
+            </a:r>
+            <a:r>
+              <a:rPr lang="fr-FR" sz="2000" dirty="0" err="1" smtClean="0"/>
+              <a:t>mockups</a:t>
+            </a:r>
+            <a:r>
+              <a:rPr lang="fr-FR" sz="2000" dirty="0" smtClean="0"/>
+              <a:t> on se rend mieux compte du rendu attendu </a:t>
             </a:r>
           </a:p>
           <a:p>
@@ -1273,6 +1495,14 @@
               <a:tabLst/>
               <a:defRPr/>
             </a:pPr>
+            <a:r>
+              <a:rPr lang="fr-FR" sz="2000" dirty="0" smtClean="0"/>
+              <a:t>chaque lignes de texte permet lorsque</a:t>
+            </a:r>
+            <a:r>
+              <a:rPr lang="fr-FR" sz="2000" baseline="0" dirty="0" smtClean="0"/>
+              <a:t> l’utilisateur click dessus de le rediriger vers la page en question …</a:t>
+            </a:r>
             <a:endParaRPr lang="fr-FR" sz="2000" dirty="0"/>
           </a:p>
         </p:txBody>
@@ -1338,7 +1568,7 @@
     </p:spTree>
     <p:extLst>
       <p:ext uri="{BB962C8B-B14F-4D97-AF65-F5344CB8AC3E}">
-        <p14:creationId xmlns:p14="http://schemas.microsoft.com/office/powerpoint/2010/main" val="86965903"/>
+        <p14:creationId xmlns:p14="http://schemas.microsoft.com/office/powerpoint/2010/main" val="3651137963"/>
       </p:ext>
     </p:extLst>
   </p:cSld>
@@ -1429,7 +1659,7 @@
             </a:pPr>
             <a:r>
               <a:rPr lang="fr-FR" sz="2000" dirty="0" smtClean="0"/>
-              <a:t>Afin d'aguicher le chaland sur un profil une belle miniature avec un bon commentaire pour faire la différence .</a:t>
+              <a:t> ici un formulaire somme toute des plus classique </a:t>
             </a:r>
             <a:endParaRPr lang="fr-FR" sz="2000" dirty="0"/>
           </a:p>
@@ -1496,7 +1726,7 @@
     </p:spTree>
     <p:extLst>
       <p:ext uri="{BB962C8B-B14F-4D97-AF65-F5344CB8AC3E}">
-        <p14:creationId xmlns:p14="http://schemas.microsoft.com/office/powerpoint/2010/main" val="2437202631"/>
+        <p14:creationId xmlns:p14="http://schemas.microsoft.com/office/powerpoint/2010/main" val="3560143643"/>
       </p:ext>
     </p:extLst>
   </p:cSld>
@@ -1587,12 +1817,35 @@
             </a:pPr>
             <a:r>
               <a:rPr lang="fr-FR" sz="2000" dirty="0" smtClean="0"/>
-              <a:t> cette page est consacrer au profil du</a:t>
+              <a:t> certes classique mais tout de même</a:t>
             </a:r>
             <a:r>
               <a:rPr lang="fr-FR" sz="2000" baseline="0" dirty="0" smtClean="0"/>
-              <a:t> développeur ou ses précédentes création serons présente afin qu’un visiteur soit tenter par son travail </a:t>
-            </a:r>
+              <a:t> assez </a:t>
+            </a:r>
+            <a:r>
+              <a:rPr lang="fr-FR" sz="2000" b="0" dirty="0" smtClean="0"/>
+              <a:t>plaisant</a:t>
+            </a:r>
+          </a:p>
+          <a:p>
+            <a:pPr marL="0" marR="0" indent="0" algn="l" defTabSz="914400" rtl="0" eaLnBrk="1" fontAlgn="auto" latinLnBrk="0" hangingPunct="1">
+              <a:lnSpc>
+                <a:spcPct val="100000"/>
+              </a:lnSpc>
+              <a:spcBef>
+                <a:spcPts val="0"/>
+              </a:spcBef>
+              <a:spcAft>
+                <a:spcPts val="0"/>
+              </a:spcAft>
+              <a:buClrTx/>
+              <a:buSzTx/>
+              <a:buFontTx/>
+              <a:buNone/>
+              <a:tabLst/>
+              <a:defRPr/>
+            </a:pPr>
             <a:endParaRPr lang="fr-FR" sz="2000" dirty="0"/>
           </a:p>
         </p:txBody>
@@ -1658,7 +1911,7 @@
     </p:spTree>
     <p:extLst>
       <p:ext uri="{BB962C8B-B14F-4D97-AF65-F5344CB8AC3E}">
-        <p14:creationId xmlns:p14="http://schemas.microsoft.com/office/powerpoint/2010/main" val="3427854490"/>
+        <p14:creationId xmlns:p14="http://schemas.microsoft.com/office/powerpoint/2010/main" val="1743048959"/>
       </p:ext>
     </p:extLst>
   </p:cSld>
@@ -1749,12 +2002,27 @@
             </a:pPr>
             <a:r>
               <a:rPr lang="fr-FR" sz="2000" dirty="0" smtClean="0"/>
-              <a:t> avec des lien qui redirigera vers les site lorsque l’</a:t>
-            </a:r>
-            <a:r>
-              <a:rPr lang="fr-FR" sz="2000" baseline="0" dirty="0" smtClean="0"/>
-              <a:t>on cliquera sur les miniature </a:t>
-            </a:r>
+              <a:t>  la liste des développeurs se présentera un peu comme les articles d’un célèbre site d’achat en ligne </a:t>
+            </a:r>
+          </a:p>
+          <a:p>
+            <a:pPr marL="0" marR="0" indent="0" algn="l" defTabSz="914400" rtl="0" eaLnBrk="1" fontAlgn="auto" latinLnBrk="0" hangingPunct="1">
+              <a:lnSpc>
+                <a:spcPct val="100000"/>
+              </a:lnSpc>
+              <a:spcBef>
+                <a:spcPts val="0"/>
+              </a:spcBef>
+              <a:spcAft>
+                <a:spcPts val="0"/>
+              </a:spcAft>
+              <a:buClrTx/>
+              <a:buSzTx/>
+              <a:buFontTx/>
+              <a:buNone/>
+              <a:tabLst/>
+              <a:defRPr/>
+            </a:pPr>
             <a:endParaRPr lang="fr-FR" sz="2000" dirty="0"/>
           </a:p>
         </p:txBody>
@@ -1820,7 +2088,7 @@
     </p:spTree>
     <p:extLst>
       <p:ext uri="{BB962C8B-B14F-4D97-AF65-F5344CB8AC3E}">
-        <p14:creationId xmlns:p14="http://schemas.microsoft.com/office/powerpoint/2010/main" val="901302763"/>
+        <p14:creationId xmlns:p14="http://schemas.microsoft.com/office/powerpoint/2010/main" val="86965903"/>
       </p:ext>
     </p:extLst>
   </p:cSld>
@@ -1911,11 +2179,7 @@
             </a:pPr>
             <a:r>
               <a:rPr lang="fr-FR" sz="2000" dirty="0" smtClean="0"/>
-              <a:t> la page des annonces</a:t>
-            </a:r>
-            <a:r>
-              <a:rPr lang="fr-FR" sz="2000" baseline="0" dirty="0" smtClean="0"/>
-              <a:t> ou les particulier déposeront leurs offre </a:t>
+              <a:t>Afin d'aguicher le chaland sur un profil une belle miniature avec un bon commentaire pour faire la différence .</a:t>
             </a:r>
             <a:endParaRPr lang="fr-FR" sz="2000" dirty="0"/>
           </a:p>
@@ -1982,7 +2246,7 @@
     </p:spTree>
     <p:extLst>
       <p:ext uri="{BB962C8B-B14F-4D97-AF65-F5344CB8AC3E}">
-        <p14:creationId xmlns:p14="http://schemas.microsoft.com/office/powerpoint/2010/main" val="2756384594"/>
+        <p14:creationId xmlns:p14="http://schemas.microsoft.com/office/powerpoint/2010/main" val="2437202631"/>
       </p:ext>
     </p:extLst>
   </p:cSld>
@@ -2073,11 +2337,11 @@
             </a:pPr>
             <a:r>
               <a:rPr lang="fr-FR" sz="2000" dirty="0" smtClean="0"/>
-              <a:t> qui se présentera de manière</a:t>
+              <a:t> cette page est consacrer au profil du</a:t>
             </a:r>
             <a:r>
               <a:rPr lang="fr-FR" sz="2000" baseline="0" dirty="0" smtClean="0"/>
-              <a:t> concise pour que le dev puisse choisir le bon travail </a:t>
+              <a:t> développeur ou ses précédentes création serons présente afin qu’un visiteur soit tenter par son travail </a:t>
             </a:r>
             <a:endParaRPr lang="fr-FR" sz="2000" dirty="0"/>
           </a:p>
@@ -2144,7 +2408,7 @@
     </p:spTree>
     <p:extLst>
       <p:ext uri="{BB962C8B-B14F-4D97-AF65-F5344CB8AC3E}">
-        <p14:creationId xmlns:p14="http://schemas.microsoft.com/office/powerpoint/2010/main" val="2893877550"/>
+        <p14:creationId xmlns:p14="http://schemas.microsoft.com/office/powerpoint/2010/main" val="3427854490"/>
       </p:ext>
     </p:extLst>
   </p:cSld>
@@ -2173,7 +2437,7 @@
       </p:grpSpPr>
       <p:sp>
         <p:nvSpPr>
-          <p:cNvPr id="158" name="PlaceHolder 1"/>
+          <p:cNvPr id="155" name="PlaceHolder 1"/>
           <p:cNvSpPr>
             <a:spLocks noGrp="1" noRot="1" noChangeAspect="1"/>
           </p:cNvSpPr>
@@ -2193,7 +2457,7 @@
       </p:sp>
       <p:sp>
         <p:nvSpPr>
-          <p:cNvPr id="159" name="PlaceHolder 2"/>
+          <p:cNvPr id="156" name="PlaceHolder 2"/>
           <p:cNvSpPr>
             <a:spLocks noGrp="1"/>
           </p:cNvSpPr>
@@ -2216,45 +2480,38 @@
           </a:bodyPr>
           <a:lstStyle/>
           <a:p>
-            <a:r>
-              <a:rPr lang="fr-FR" sz="2000" b="0" strike="noStrike" spc="-1" dirty="0" smtClean="0">
-                <a:latin typeface="+mn-lt"/>
-              </a:rPr>
-              <a:t>La création du compte, la </a:t>
-            </a:r>
-            <a:r>
-              <a:rPr lang="fr-FR" sz="2000" b="0" strike="noStrike" spc="-1" dirty="0" err="1" smtClean="0">
-                <a:latin typeface="+mn-lt"/>
-              </a:rPr>
-              <a:t>CVthèque</a:t>
-            </a:r>
-            <a:r>
-              <a:rPr lang="fr-FR" sz="2000" b="0" strike="noStrike" spc="-1" dirty="0" smtClean="0">
-                <a:latin typeface="+mn-lt"/>
-              </a:rPr>
-              <a:t>, l’agenda des disponibilités des développeurs</a:t>
-            </a:r>
-            <a:r>
-              <a:rPr lang="fr-FR" sz="2000" b="0" strike="noStrike" spc="-1" baseline="0" dirty="0" smtClean="0">
-                <a:latin typeface="+mn-lt"/>
-              </a:rPr>
-              <a:t> </a:t>
-            </a:r>
-            <a:r>
-              <a:rPr lang="fr-FR" sz="2000" b="0" strike="noStrike" spc="-1" dirty="0" smtClean="0">
-                <a:latin typeface="+mn-lt"/>
-              </a:rPr>
-              <a:t>, etc… ont étais les première Contraintes techniques que j’ai pu remarquer</a:t>
-            </a:r>
-            <a:endParaRPr lang="fr-FR" sz="2000" b="0" strike="noStrike" spc="-1" dirty="0">
-              <a:latin typeface="Arial"/>
-            </a:endParaRPr>
-          </a:p>
-        </p:txBody>
-      </p:sp>
-      <p:sp>
-        <p:nvSpPr>
-          <p:cNvPr id="160" name="CustomShape 3"/>
+            <a:pPr marL="0" marR="0" indent="0" algn="l" defTabSz="914400" rtl="0" eaLnBrk="1" fontAlgn="auto" latinLnBrk="0" hangingPunct="1">
+              <a:lnSpc>
+                <a:spcPct val="100000"/>
+              </a:lnSpc>
+              <a:spcBef>
+                <a:spcPts val="0"/>
+              </a:spcBef>
+              <a:spcAft>
+                <a:spcPts val="0"/>
+              </a:spcAft>
+              <a:buClrTx/>
+              <a:buSzTx/>
+              <a:buFontTx/>
+              <a:buNone/>
+              <a:tabLst/>
+              <a:defRPr/>
+            </a:pPr>
+            <a:r>
+              <a:rPr lang="fr-FR" sz="2000" dirty="0" smtClean="0"/>
+              <a:t> avec des lien qui redirigera vers les site lorsque l’</a:t>
+            </a:r>
+            <a:r>
+              <a:rPr lang="fr-FR" sz="2000" baseline="0" dirty="0" smtClean="0"/>
+              <a:t>on cliquera sur les miniature </a:t>
+            </a:r>
+            <a:endParaRPr lang="fr-FR" sz="2000" dirty="0"/>
+          </a:p>
+        </p:txBody>
+      </p:sp>
+      <p:sp>
+        <p:nvSpPr>
+          <p:cNvPr id="157" name="CustomShape 3"/>
           <p:cNvSpPr/>
           <p:nvPr/>
         </p:nvSpPr>
@@ -2294,7 +2551,7 @@
                 <a:spcPct val="100000"/>
               </a:lnSpc>
             </a:pPr>
-            <a:fld id="{2E51E17F-584C-4DD9-A04C-489F58008013}" type="slidenum">
+            <a:fld id="{7DFA6E54-7A15-4764-ACBB-0422FDEFF671}" type="slidenum">
               <a:rPr lang="fr-FR" sz="1200" b="0" strike="noStrike" spc="-1">
                 <a:solidFill>
                   <a:srgbClr val="000000"/>
@@ -2313,7 +2570,7 @@
     </p:spTree>
     <p:extLst>
       <p:ext uri="{BB962C8B-B14F-4D97-AF65-F5344CB8AC3E}">
-        <p14:creationId xmlns:p14="http://schemas.microsoft.com/office/powerpoint/2010/main" val="3103767105"/>
+        <p14:creationId xmlns:p14="http://schemas.microsoft.com/office/powerpoint/2010/main" val="901302763"/>
       </p:ext>
     </p:extLst>
   </p:cSld>
@@ -2511,7 +2768,7 @@
       </p:grpSpPr>
       <p:sp>
         <p:nvSpPr>
-          <p:cNvPr id="161" name="PlaceHolder 1"/>
+          <p:cNvPr id="155" name="PlaceHolder 1"/>
           <p:cNvSpPr>
             <a:spLocks noGrp="1" noRot="1" noChangeAspect="1"/>
           </p:cNvSpPr>
@@ -2522,16 +2779,16 @@
         <p:spPr>
           <a:xfrm>
             <a:off x="685800" y="1143000"/>
-            <a:ext cx="5485680" cy="3085560"/>
-          </a:xfrm>
-          <a:prstGeom prst="rect">
-            <a:avLst/>
-          </a:prstGeom>
-        </p:spPr>
-      </p:sp>
-      <p:sp>
-        <p:nvSpPr>
-          <p:cNvPr id="162" name="PlaceHolder 2"/>
+            <a:ext cx="5486400" cy="3086100"/>
+          </a:xfrm>
+          <a:prstGeom prst="rect">
+            <a:avLst/>
+          </a:prstGeom>
+        </p:spPr>
+      </p:sp>
+      <p:sp>
+        <p:nvSpPr>
+          <p:cNvPr id="156" name="PlaceHolder 2"/>
           <p:cNvSpPr>
             <a:spLocks noGrp="1"/>
           </p:cNvSpPr>
@@ -2554,39 +2811,38 @@
           </a:bodyPr>
           <a:lstStyle/>
           <a:p>
-            <a:r>
-              <a:rPr lang="fr-FR" sz="2000" b="0" strike="noStrike" spc="-1" dirty="0" smtClean="0">
-                <a:latin typeface="Arial"/>
-              </a:rPr>
-              <a:t>Mise a par cela j’ai quand</a:t>
-            </a:r>
-            <a:r>
-              <a:rPr lang="fr-FR" sz="2000" b="0" strike="noStrike" spc="-1" baseline="0" dirty="0" smtClean="0">
-                <a:latin typeface="Arial"/>
-              </a:rPr>
-              <a:t> même fait une maquette non abouti fait en html/</a:t>
-            </a:r>
-            <a:r>
-              <a:rPr lang="fr-FR" sz="2000" b="0" strike="noStrike" spc="-1" baseline="0" dirty="0" err="1" smtClean="0">
-                <a:latin typeface="Arial"/>
-              </a:rPr>
-              <a:t>css</a:t>
-            </a:r>
-            <a:r>
-              <a:rPr lang="fr-FR" sz="2000" b="0" strike="noStrike" spc="-1" baseline="0" dirty="0" smtClean="0">
-                <a:latin typeface="Arial"/>
-              </a:rPr>
-              <a:t> dont je vais vous en montrez un aperçu en image </a:t>
-            </a:r>
-            <a:endParaRPr lang="fr-FR" sz="2000" b="0" strike="noStrike" spc="-1" dirty="0">
-              <a:latin typeface="Arial"/>
-            </a:endParaRPr>
-          </a:p>
-        </p:txBody>
-      </p:sp>
-      <p:sp>
-        <p:nvSpPr>
-          <p:cNvPr id="163" name="CustomShape 3"/>
+            <a:pPr marL="0" marR="0" indent="0" algn="l" defTabSz="914400" rtl="0" eaLnBrk="1" fontAlgn="auto" latinLnBrk="0" hangingPunct="1">
+              <a:lnSpc>
+                <a:spcPct val="100000"/>
+              </a:lnSpc>
+              <a:spcBef>
+                <a:spcPts val="0"/>
+              </a:spcBef>
+              <a:spcAft>
+                <a:spcPts val="0"/>
+              </a:spcAft>
+              <a:buClrTx/>
+              <a:buSzTx/>
+              <a:buFontTx/>
+              <a:buNone/>
+              <a:tabLst/>
+              <a:defRPr/>
+            </a:pPr>
+            <a:r>
+              <a:rPr lang="fr-FR" sz="2000" dirty="0" smtClean="0"/>
+              <a:t> la page des annonces</a:t>
+            </a:r>
+            <a:r>
+              <a:rPr lang="fr-FR" sz="2000" baseline="0" dirty="0" smtClean="0"/>
+              <a:t> ou les particulier déposeront leurs offre </a:t>
+            </a:r>
+            <a:endParaRPr lang="fr-FR" sz="2000" dirty="0"/>
+          </a:p>
+        </p:txBody>
+      </p:sp>
+      <p:sp>
+        <p:nvSpPr>
+          <p:cNvPr id="157" name="CustomShape 3"/>
           <p:cNvSpPr/>
           <p:nvPr/>
         </p:nvSpPr>
@@ -2626,7 +2882,7 @@
                 <a:spcPct val="100000"/>
               </a:lnSpc>
             </a:pPr>
-            <a:fld id="{1C1A544F-FC68-496B-9A7D-852131AB1A1D}" type="slidenum">
+            <a:fld id="{7DFA6E54-7A15-4764-ACBB-0422FDEFF671}" type="slidenum">
               <a:rPr lang="fr-FR" sz="1200" b="0" strike="noStrike" spc="-1">
                 <a:solidFill>
                   <a:srgbClr val="000000"/>
@@ -2645,7 +2901,7 @@
     </p:spTree>
     <p:extLst>
       <p:ext uri="{BB962C8B-B14F-4D97-AF65-F5344CB8AC3E}">
-        <p14:creationId xmlns:p14="http://schemas.microsoft.com/office/powerpoint/2010/main" val="2016363654"/>
+        <p14:creationId xmlns:p14="http://schemas.microsoft.com/office/powerpoint/2010/main" val="2756384594"/>
       </p:ext>
     </p:extLst>
   </p:cSld>
@@ -2674,7 +2930,7 @@
       </p:grpSpPr>
       <p:sp>
         <p:nvSpPr>
-          <p:cNvPr id="2" name="Espace réservé de l'image des diapositives 1"/>
+          <p:cNvPr id="155" name="PlaceHolder 1"/>
           <p:cNvSpPr>
             <a:spLocks noGrp="1" noRot="1" noChangeAspect="1"/>
           </p:cNvSpPr>
@@ -2684,62 +2940,122 @@
         </p:nvSpPr>
         <p:spPr>
           <a:xfrm>
-            <a:off x="217488" y="812800"/>
-            <a:ext cx="7124700" cy="4008438"/>
-          </a:xfrm>
-        </p:spPr>
-      </p:sp>
-      <p:sp>
-        <p:nvSpPr>
-          <p:cNvPr id="3" name="Espace réservé des commentaires 2"/>
+            <a:off x="685800" y="1143000"/>
+            <a:ext cx="5486400" cy="3086100"/>
+          </a:xfrm>
+          <a:prstGeom prst="rect">
+            <a:avLst/>
+          </a:prstGeom>
+        </p:spPr>
+      </p:sp>
+      <p:sp>
+        <p:nvSpPr>
+          <p:cNvPr id="156" name="PlaceHolder 2"/>
           <p:cNvSpPr>
             <a:spLocks noGrp="1"/>
           </p:cNvSpPr>
           <p:nvPr>
-            <p:ph type="body" idx="1"/>
+            <p:ph type="body"/>
           </p:nvPr>
         </p:nvSpPr>
-        <p:spPr/>
-        <p:txBody>
-          <a:bodyPr/>
-          <a:lstStyle/>
-          <a:p>
-            <a:r>
-              <a:rPr lang="fr-FR" dirty="0" smtClean="0"/>
-              <a:t>Voici a quoi ressemble pour le moment la page d'accueil coder en html/</a:t>
-            </a:r>
-            <a:r>
-              <a:rPr lang="fr-FR" dirty="0" err="1" smtClean="0"/>
-              <a:t>css</a:t>
-            </a:r>
-            <a:endParaRPr lang="fr-FR" dirty="0"/>
-          </a:p>
-        </p:txBody>
-      </p:sp>
-      <p:sp>
-        <p:nvSpPr>
-          <p:cNvPr id="4" name="Espace réservé du numéro de diapositive 3"/>
-          <p:cNvSpPr>
-            <a:spLocks noGrp="1"/>
-          </p:cNvSpPr>
-          <p:nvPr>
-            <p:ph type="sldNum" idx="10"/>
-          </p:nvPr>
-        </p:nvSpPr>
-        <p:spPr/>
-        <p:txBody>
-          <a:bodyPr/>
-          <a:lstStyle/>
-          <a:p>
-            <a:pPr algn="r"/>
-            <a:fld id="{4C8961B9-9BF0-44A4-A706-205F40A8B952}" type="slidenum">
-              <a:rPr lang="fr-FR" sz="1400" b="0" strike="noStrike" spc="-1" smtClean="0">
-                <a:latin typeface="Times New Roman"/>
+        <p:spPr>
+          <a:xfrm>
+            <a:off x="685800" y="4400640"/>
+            <a:ext cx="5485680" cy="3599640"/>
+          </a:xfrm>
+          <a:prstGeom prst="rect">
+            <a:avLst/>
+          </a:prstGeom>
+        </p:spPr>
+        <p:txBody>
+          <a:bodyPr lIns="0" tIns="0" rIns="0" bIns="0">
+            <a:noAutofit/>
+          </a:bodyPr>
+          <a:lstStyle/>
+          <a:p>
+            <a:pPr marL="0" marR="0" indent="0" algn="l" defTabSz="914400" rtl="0" eaLnBrk="1" fontAlgn="auto" latinLnBrk="0" hangingPunct="1">
+              <a:lnSpc>
+                <a:spcPct val="100000"/>
+              </a:lnSpc>
+              <a:spcBef>
+                <a:spcPts val="0"/>
+              </a:spcBef>
+              <a:spcAft>
+                <a:spcPts val="0"/>
+              </a:spcAft>
+              <a:buClrTx/>
+              <a:buSzTx/>
+              <a:buFontTx/>
+              <a:buNone/>
+              <a:tabLst/>
+              <a:defRPr/>
+            </a:pPr>
+            <a:r>
+              <a:rPr lang="fr-FR" sz="2000" dirty="0" smtClean="0"/>
+              <a:t> qui se présentera de manière</a:t>
+            </a:r>
+            <a:r>
+              <a:rPr lang="fr-FR" sz="2000" baseline="0" dirty="0" smtClean="0"/>
+              <a:t> concise pour que le dev puisse choisir le bon travail </a:t>
+            </a:r>
+            <a:endParaRPr lang="fr-FR" sz="2000" dirty="0"/>
+          </a:p>
+        </p:txBody>
+      </p:sp>
+      <p:sp>
+        <p:nvSpPr>
+          <p:cNvPr id="157" name="CustomShape 3"/>
+          <p:cNvSpPr/>
+          <p:nvPr/>
+        </p:nvSpPr>
+        <p:spPr>
+          <a:xfrm>
+            <a:off x="3884760" y="8685360"/>
+            <a:ext cx="2971080" cy="457920"/>
+          </a:xfrm>
+          <a:prstGeom prst="rect">
+            <a:avLst/>
+          </a:prstGeom>
+          <a:noFill/>
+          <a:ln>
+            <a:noFill/>
+          </a:ln>
+        </p:spPr>
+        <p:style>
+          <a:lnRef idx="0">
+            <a:scrgbClr r="0" g="0" b="0"/>
+          </a:lnRef>
+          <a:fillRef idx="0">
+            <a:scrgbClr r="0" g="0" b="0"/>
+          </a:fillRef>
+          <a:effectRef idx="0">
+            <a:scrgbClr r="0" g="0" b="0"/>
+          </a:effectRef>
+          <a:fontRef idx="minor"/>
+        </p:style>
+        <p:txBody>
+          <a:bodyPr lIns="90000" tIns="45000" rIns="90000" bIns="45000" anchor="b">
+            <a:noAutofit/>
+          </a:bodyPr>
+          <a:lstStyle/>
+          <a:p>
+            <a:pPr algn="r">
+              <a:lnSpc>
+                <a:spcPct val="100000"/>
+              </a:lnSpc>
+            </a:pPr>
+            <a:fld id="{7DFA6E54-7A15-4764-ACBB-0422FDEFF671}" type="slidenum">
+              <a:rPr lang="fr-FR" sz="1200" b="0" strike="noStrike" spc="-1">
+                <a:solidFill>
+                  <a:srgbClr val="000000"/>
+                </a:solidFill>
+                <a:latin typeface="+mn-lt"/>
+                <a:ea typeface="+mn-ea"/>
               </a:rPr>
               <a:t>21</a:t>
             </a:fld>
-            <a:endParaRPr lang="fr-FR" sz="1400" b="0" strike="noStrike" spc="-1">
-              <a:latin typeface="Times New Roman"/>
+            <a:endParaRPr lang="fr-FR" sz="1200" b="0" strike="noStrike" spc="-1">
+              <a:latin typeface="Arial"/>
             </a:endParaRPr>
           </a:p>
         </p:txBody>
@@ -2747,7 +3063,7 @@
     </p:spTree>
     <p:extLst>
       <p:ext uri="{BB962C8B-B14F-4D97-AF65-F5344CB8AC3E}">
-        <p14:creationId xmlns:p14="http://schemas.microsoft.com/office/powerpoint/2010/main" val="1667369731"/>
+        <p14:creationId xmlns:p14="http://schemas.microsoft.com/office/powerpoint/2010/main" val="2893877550"/>
       </p:ext>
     </p:extLst>
   </p:cSld>
@@ -2776,7 +3092,7 @@
       </p:grpSpPr>
       <p:sp>
         <p:nvSpPr>
-          <p:cNvPr id="2" name="Espace réservé de l'image des diapositives 1"/>
+          <p:cNvPr id="158" name="PlaceHolder 1"/>
           <p:cNvSpPr>
             <a:spLocks noGrp="1" noRot="1" noChangeAspect="1"/>
           </p:cNvSpPr>
@@ -2786,78 +3102,129 @@
         </p:nvSpPr>
         <p:spPr>
           <a:xfrm>
-            <a:off x="217488" y="812800"/>
-            <a:ext cx="7124700" cy="4008438"/>
-          </a:xfrm>
-        </p:spPr>
-      </p:sp>
-      <p:sp>
-        <p:nvSpPr>
-          <p:cNvPr id="3" name="Espace réservé des commentaires 2"/>
+            <a:off x="685800" y="1143000"/>
+            <a:ext cx="5486400" cy="3086100"/>
+          </a:xfrm>
+          <a:prstGeom prst="rect">
+            <a:avLst/>
+          </a:prstGeom>
+        </p:spPr>
+      </p:sp>
+      <p:sp>
+        <p:nvSpPr>
+          <p:cNvPr id="159" name="PlaceHolder 2"/>
           <p:cNvSpPr>
             <a:spLocks noGrp="1"/>
           </p:cNvSpPr>
           <p:nvPr>
-            <p:ph type="body" idx="1"/>
+            <p:ph type="body"/>
           </p:nvPr>
         </p:nvSpPr>
-        <p:spPr/>
-        <p:txBody>
-          <a:bodyPr/>
-          <a:lstStyle/>
-          <a:p>
-            <a:r>
-              <a:rPr lang="fr-FR" dirty="0" smtClean="0"/>
-              <a:t>N’ayant pas</a:t>
-            </a:r>
-            <a:r>
-              <a:rPr lang="fr-FR" baseline="0" dirty="0" smtClean="0"/>
-              <a:t> le planning des jours ou nous sommes en projet fils rouge je me concentre exclusivement sur les priorités les détails c’est pour plus tard </a:t>
-            </a:r>
-            <a:r>
-              <a:rPr lang="fr-FR" baseline="0" dirty="0" smtClean="0"/>
-              <a:t>…</a:t>
-            </a:r>
-          </a:p>
-          <a:p>
-            <a:r>
-              <a:rPr lang="fr-FR" dirty="0" smtClean="0"/>
-              <a:t>stage 23 mai - 29 Juillet</a:t>
-            </a:r>
-          </a:p>
-          <a:p>
-            <a:r>
-              <a:rPr lang="fr-FR" dirty="0" smtClean="0"/>
-              <a:t>fin formation 13 septembre</a:t>
-            </a:r>
-            <a:endParaRPr lang="fr-FR" dirty="0"/>
-          </a:p>
-        </p:txBody>
-      </p:sp>
-      <p:sp>
-        <p:nvSpPr>
-          <p:cNvPr id="4" name="Espace réservé du numéro de diapositive 3"/>
-          <p:cNvSpPr>
-            <a:spLocks noGrp="1"/>
-          </p:cNvSpPr>
-          <p:nvPr>
-            <p:ph type="sldNum" idx="10"/>
-          </p:nvPr>
-        </p:nvSpPr>
-        <p:spPr/>
-        <p:txBody>
-          <a:bodyPr/>
-          <a:lstStyle/>
-          <a:p>
-            <a:pPr algn="r"/>
-            <a:fld id="{4C8961B9-9BF0-44A4-A706-205F40A8B952}" type="slidenum">
-              <a:rPr lang="fr-FR" sz="1400" b="0" strike="noStrike" spc="-1" smtClean="0">
-                <a:latin typeface="Times New Roman"/>
+        <p:spPr>
+          <a:xfrm>
+            <a:off x="685800" y="4400640"/>
+            <a:ext cx="5485680" cy="3599640"/>
+          </a:xfrm>
+          <a:prstGeom prst="rect">
+            <a:avLst/>
+          </a:prstGeom>
+        </p:spPr>
+        <p:txBody>
+          <a:bodyPr lIns="0" tIns="0" rIns="0" bIns="0">
+            <a:noAutofit/>
+          </a:bodyPr>
+          <a:lstStyle/>
+          <a:p>
+            <a:r>
+              <a:rPr lang="fr-FR" sz="2000" b="0" strike="noStrike" spc="-1" dirty="0" smtClean="0">
+                <a:latin typeface="+mn-lt"/>
+              </a:rPr>
+              <a:t>La création du compte, la </a:t>
+            </a:r>
+            <a:r>
+              <a:rPr lang="fr-FR" sz="2000" b="0" strike="noStrike" spc="-1" dirty="0" err="1" smtClean="0">
+                <a:latin typeface="+mn-lt"/>
+              </a:rPr>
+              <a:t>CVthèque</a:t>
+            </a:r>
+            <a:r>
+              <a:rPr lang="fr-FR" sz="2000" b="0" strike="noStrike" spc="-1" dirty="0" smtClean="0">
+                <a:latin typeface="+mn-lt"/>
+              </a:rPr>
+              <a:t>, l’agenda des disponibilités des développeurs</a:t>
+            </a:r>
+            <a:r>
+              <a:rPr lang="fr-FR" sz="2000" b="0" strike="noStrike" spc="-1" baseline="0" dirty="0" smtClean="0">
+                <a:latin typeface="+mn-lt"/>
+              </a:rPr>
+              <a:t> </a:t>
+            </a:r>
+            <a:r>
+              <a:rPr lang="fr-FR" sz="2000" b="0" strike="noStrike" spc="-1" dirty="0" smtClean="0">
+                <a:latin typeface="+mn-lt"/>
+              </a:rPr>
+              <a:t>, etc… ont étais les première Contraintes techniques que j’ai pu remarquer</a:t>
+            </a:r>
+            <a:endParaRPr lang="fr-FR" sz="2000" b="0" strike="noStrike" spc="-1" dirty="0">
+              <a:latin typeface="Arial"/>
+            </a:endParaRPr>
+          </a:p>
+        </p:txBody>
+      </p:sp>
+      <p:sp>
+        <p:nvSpPr>
+          <p:cNvPr id="160" name="CustomShape 3"/>
+          <p:cNvSpPr/>
+          <p:nvPr/>
+        </p:nvSpPr>
+        <p:spPr>
+          <a:xfrm>
+            <a:off x="3884760" y="8685360"/>
+            <a:ext cx="2971080" cy="457920"/>
+          </a:xfrm>
+          <a:prstGeom prst="rect">
+            <a:avLst/>
+          </a:prstGeom>
+          <a:noFill/>
+          <a:ln>
+            <a:noFill/>
+          </a:ln>
+        </p:spPr>
+        <p:style>
+          <a:lnRef idx="0">
+            <a:scrgbClr r="0" g="0" b="0"/>
+          </a:lnRef>
+          <a:fillRef idx="0">
+            <a:scrgbClr r="0" g="0" b="0"/>
+          </a:fillRef>
+          <a:effectRef idx="0">
+            <a:scrgbClr r="0" g="0" b="0"/>
+          </a:effectRef>
+          <a:fontRef idx="minor"/>
+        </p:style>
+        <p:txBody>
+          <a:bodyPr lIns="90000" tIns="45000" rIns="90000" bIns="45000" anchor="b">
+            <a:noAutofit/>
+          </a:bodyPr>
+          <a:lstStyle/>
+          <a:p>
+            <a:pPr algn="r">
+              <a:lnSpc>
+                <a:spcPct val="100000"/>
+              </a:lnSpc>
+            </a:pPr>
+            <a:fld id="{2E51E17F-584C-4DD9-A04C-489F58008013}" type="slidenum">
+              <a:rPr lang="fr-FR" sz="1200" b="0" strike="noStrike" spc="-1">
+                <a:solidFill>
+                  <a:srgbClr val="000000"/>
+                </a:solidFill>
+                <a:latin typeface="+mn-lt"/>
+                <a:ea typeface="+mn-ea"/>
               </a:rPr>
               <a:t>22</a:t>
             </a:fld>
-            <a:endParaRPr lang="fr-FR" sz="1400" b="0" strike="noStrike" spc="-1">
-              <a:latin typeface="Times New Roman"/>
+            <a:endParaRPr lang="fr-FR" sz="1200" b="0" strike="noStrike" spc="-1">
+              <a:latin typeface="Arial"/>
             </a:endParaRPr>
           </a:p>
         </p:txBody>
@@ -2865,7 +3232,7 @@
     </p:spTree>
     <p:extLst>
       <p:ext uri="{BB962C8B-B14F-4D97-AF65-F5344CB8AC3E}">
-        <p14:creationId xmlns:p14="http://schemas.microsoft.com/office/powerpoint/2010/main" val="1144076975"/>
+        <p14:creationId xmlns:p14="http://schemas.microsoft.com/office/powerpoint/2010/main" val="3103767105"/>
       </p:ext>
     </p:extLst>
   </p:cSld>
@@ -2894,7 +3261,7 @@
       </p:grpSpPr>
       <p:sp>
         <p:nvSpPr>
-          <p:cNvPr id="167" name="PlaceHolder 1"/>
+          <p:cNvPr id="161" name="PlaceHolder 1"/>
           <p:cNvSpPr>
             <a:spLocks noGrp="1" noRot="1" noChangeAspect="1"/>
           </p:cNvSpPr>
@@ -2905,16 +3272,16 @@
         <p:spPr>
           <a:xfrm>
             <a:off x="685800" y="1143000"/>
-            <a:ext cx="5486400" cy="3086100"/>
-          </a:xfrm>
-          <a:prstGeom prst="rect">
-            <a:avLst/>
-          </a:prstGeom>
-        </p:spPr>
-      </p:sp>
-      <p:sp>
-        <p:nvSpPr>
-          <p:cNvPr id="168" name="PlaceHolder 2"/>
+            <a:ext cx="5485680" cy="3085560"/>
+          </a:xfrm>
+          <a:prstGeom prst="rect">
+            <a:avLst/>
+          </a:prstGeom>
+        </p:spPr>
+      </p:sp>
+      <p:sp>
+        <p:nvSpPr>
+          <p:cNvPr id="162" name="PlaceHolder 2"/>
           <p:cNvSpPr>
             <a:spLocks noGrp="1"/>
           </p:cNvSpPr>
@@ -2938,112 +3305,28 @@
           <a:lstStyle/>
           <a:p>
             <a:r>
-              <a:rPr lang="fr-FR" sz="1200" kern="1200" dirty="0" smtClean="0">
-                <a:solidFill>
-                  <a:schemeClr val="tx1"/>
-                </a:solidFill>
-                <a:effectLst/>
-                <a:latin typeface="+mn-lt"/>
-                <a:ea typeface="+mn-ea"/>
-                <a:cs typeface="+mn-cs"/>
+              <a:rPr lang="fr-FR" sz="2000" b="0" strike="noStrike" spc="-1" dirty="0" smtClean="0">
+                <a:latin typeface="Arial"/>
               </a:rPr>
-              <a:t>les technologies retenues sont html/</a:t>
-            </a:r>
-            <a:r>
-              <a:rPr lang="fr-FR" sz="1200" kern="1200" dirty="0" err="1" smtClean="0">
-                <a:solidFill>
-                  <a:schemeClr val="tx1"/>
-                </a:solidFill>
-                <a:effectLst/>
-                <a:latin typeface="+mn-lt"/>
-                <a:ea typeface="+mn-ea"/>
-                <a:cs typeface="+mn-cs"/>
+              <a:t>Mise a par cela j’ai quand</a:t>
+            </a:r>
+            <a:r>
+              <a:rPr lang="fr-FR" sz="2000" b="0" strike="noStrike" spc="-1" baseline="0" dirty="0" smtClean="0">
+                <a:latin typeface="Arial"/>
+              </a:rPr>
+              <a:t> même fait une maquette non abouti fait en html/</a:t>
+            </a:r>
+            <a:r>
+              <a:rPr lang="fr-FR" sz="2000" b="0" strike="noStrike" spc="-1" baseline="0" dirty="0" err="1" smtClean="0">
+                <a:latin typeface="Arial"/>
               </a:rPr>
               <a:t>css</a:t>
             </a:r>
             <a:r>
-              <a:rPr lang="fr-FR" sz="1200" kern="1200" dirty="0" smtClean="0">
-                <a:solidFill>
-                  <a:schemeClr val="tx1"/>
-                </a:solidFill>
-                <a:effectLst/>
-                <a:latin typeface="+mn-lt"/>
-                <a:ea typeface="+mn-ea"/>
-                <a:cs typeface="+mn-cs"/>
+              <a:rPr lang="fr-FR" sz="2000" b="0" strike="noStrike" spc="-1" baseline="0" dirty="0" smtClean="0">
+                <a:latin typeface="Arial"/>
               </a:rPr>
-              <a:t> pour</a:t>
-            </a:r>
-            <a:r>
-              <a:rPr lang="fr-FR" sz="1200" kern="1200" baseline="0" dirty="0" smtClean="0">
-                <a:solidFill>
-                  <a:schemeClr val="tx1"/>
-                </a:solidFill>
-                <a:effectLst/>
-                <a:latin typeface="+mn-lt"/>
-                <a:ea typeface="+mn-ea"/>
-                <a:cs typeface="+mn-cs"/>
-              </a:rPr>
-              <a:t> le </a:t>
-            </a:r>
-            <a:r>
-              <a:rPr lang="fr-FR" sz="1200" kern="1200" baseline="0" dirty="0" smtClean="0">
-                <a:solidFill>
-                  <a:schemeClr val="tx1"/>
-                </a:solidFill>
-                <a:effectLst/>
-                <a:latin typeface="+mn-lt"/>
-                <a:ea typeface="+mn-ea"/>
-                <a:cs typeface="+mn-cs"/>
-              </a:rPr>
-              <a:t>front end &amp; </a:t>
-            </a:r>
-            <a:r>
-              <a:rPr lang="fr-FR" sz="1200" kern="1200" baseline="0" dirty="0" smtClean="0">
-                <a:solidFill>
-                  <a:schemeClr val="tx1"/>
-                </a:solidFill>
-                <a:effectLst/>
-                <a:latin typeface="+mn-lt"/>
-                <a:ea typeface="+mn-ea"/>
-                <a:cs typeface="+mn-cs"/>
-              </a:rPr>
-              <a:t>python/</a:t>
-            </a:r>
-            <a:r>
-              <a:rPr lang="fr-FR" sz="1200" kern="1200" baseline="0" dirty="0" err="1" smtClean="0">
-                <a:solidFill>
-                  <a:schemeClr val="tx1"/>
-                </a:solidFill>
-                <a:effectLst/>
-                <a:latin typeface="+mn-lt"/>
-                <a:ea typeface="+mn-ea"/>
-                <a:cs typeface="+mn-cs"/>
-              </a:rPr>
-              <a:t>mysql</a:t>
-            </a:r>
-            <a:r>
-              <a:rPr lang="fr-FR" sz="1200" kern="1200" baseline="0" dirty="0" smtClean="0">
-                <a:solidFill>
-                  <a:schemeClr val="tx1"/>
-                </a:solidFill>
-                <a:effectLst/>
-                <a:latin typeface="+mn-lt"/>
-                <a:ea typeface="+mn-ea"/>
-                <a:cs typeface="+mn-cs"/>
-              </a:rPr>
-              <a:t> pour le </a:t>
-            </a:r>
-            <a:r>
-              <a:rPr lang="fr-FR" sz="1200" kern="1200" baseline="0" dirty="0" smtClean="0">
-                <a:solidFill>
-                  <a:schemeClr val="tx1"/>
-                </a:solidFill>
-                <a:effectLst/>
-                <a:latin typeface="+mn-lt"/>
-                <a:ea typeface="+mn-ea"/>
-                <a:cs typeface="+mn-cs"/>
-              </a:rPr>
-              <a:t>back end</a:t>
+              <a:t> dont je vais vous en montrez un aperçu en image </a:t>
             </a:r>
             <a:endParaRPr lang="fr-FR" sz="2000" b="0" strike="noStrike" spc="-1" dirty="0">
               <a:latin typeface="Arial"/>
@@ -3053,7 +3336,7 @@
       </p:sp>
       <p:sp>
         <p:nvSpPr>
-          <p:cNvPr id="169" name="CustomShape 3"/>
+          <p:cNvPr id="163" name="CustomShape 3"/>
           <p:cNvSpPr/>
           <p:nvPr/>
         </p:nvSpPr>
@@ -3093,7 +3376,7 @@
                 <a:spcPct val="100000"/>
               </a:lnSpc>
             </a:pPr>
-            <a:fld id="{4BBE7E63-90BF-4073-9A1B-D448FC823097}" type="slidenum">
+            <a:fld id="{1C1A544F-FC68-496B-9A7D-852131AB1A1D}" type="slidenum">
               <a:rPr lang="fr-FR" sz="1200" b="0" strike="noStrike" spc="-1">
                 <a:solidFill>
                   <a:srgbClr val="000000"/>
@@ -3112,7 +3395,7 @@
     </p:spTree>
     <p:extLst>
       <p:ext uri="{BB962C8B-B14F-4D97-AF65-F5344CB8AC3E}">
-        <p14:creationId xmlns:p14="http://schemas.microsoft.com/office/powerpoint/2010/main" val="1400367188"/>
+        <p14:creationId xmlns:p14="http://schemas.microsoft.com/office/powerpoint/2010/main" val="2016363654"/>
       </p:ext>
     </p:extLst>
   </p:cSld>
@@ -3141,7 +3424,7 @@
       </p:grpSpPr>
       <p:sp>
         <p:nvSpPr>
-          <p:cNvPr id="164" name="PlaceHolder 1"/>
+          <p:cNvPr id="2" name="Espace réservé de l'image des diapositives 1"/>
           <p:cNvSpPr>
             <a:spLocks noGrp="1" noRot="1" noChangeAspect="1"/>
           </p:cNvSpPr>
@@ -3151,163 +3434,62 @@
         </p:nvSpPr>
         <p:spPr>
           <a:xfrm>
-            <a:off x="685800" y="1143000"/>
-            <a:ext cx="5486400" cy="3086100"/>
-          </a:xfrm>
-          <a:prstGeom prst="rect">
-            <a:avLst/>
-          </a:prstGeom>
-        </p:spPr>
-      </p:sp>
-      <p:sp>
-        <p:nvSpPr>
-          <p:cNvPr id="165" name="PlaceHolder 2"/>
+            <a:off x="217488" y="812800"/>
+            <a:ext cx="7124700" cy="4008438"/>
+          </a:xfrm>
+        </p:spPr>
+      </p:sp>
+      <p:sp>
+        <p:nvSpPr>
+          <p:cNvPr id="3" name="Espace réservé des commentaires 2"/>
           <p:cNvSpPr>
             <a:spLocks noGrp="1"/>
           </p:cNvSpPr>
           <p:nvPr>
-            <p:ph type="body"/>
+            <p:ph type="body" idx="1"/>
           </p:nvPr>
         </p:nvSpPr>
-        <p:spPr>
-          <a:xfrm>
-            <a:off x="685800" y="4400640"/>
-            <a:ext cx="5485680" cy="3599640"/>
-          </a:xfrm>
-          <a:prstGeom prst="rect">
-            <a:avLst/>
-          </a:prstGeom>
-        </p:spPr>
-        <p:txBody>
-          <a:bodyPr lIns="0" tIns="0" rIns="0" bIns="0">
-            <a:noAutofit/>
-          </a:bodyPr>
-          <a:lstStyle/>
-          <a:p>
-            <a:r>
-              <a:rPr lang="fr-FR" sz="2000" b="0" strike="noStrike" spc="-1" dirty="0" smtClean="0">
-                <a:latin typeface="Arial"/>
-              </a:rPr>
-              <a:t>Dans ce cas d’utilisation le visiteur peut créer</a:t>
-            </a:r>
-            <a:r>
-              <a:rPr lang="fr-FR" sz="2000" b="0" strike="noStrike" spc="-1" baseline="0" dirty="0" smtClean="0">
-                <a:latin typeface="Arial"/>
-              </a:rPr>
-              <a:t> un compte et/ou ce connecter ainsi que regarder les annonce proposer sur le site</a:t>
-            </a:r>
-          </a:p>
-          <a:p>
-            <a:r>
-              <a:rPr lang="fr-FR" sz="2000" b="0" strike="noStrike" spc="-1" baseline="0" dirty="0" smtClean="0">
-                <a:latin typeface="Arial"/>
-              </a:rPr>
-              <a:t>L’utilisateur lui </a:t>
-            </a:r>
-            <a:r>
-              <a:rPr lang="fr-FR" sz="2000" b="0" strike="noStrike" spc="-1" baseline="0" dirty="0" smtClean="0">
-                <a:latin typeface="Arial"/>
-              </a:rPr>
-              <a:t>hérite de cela </a:t>
-            </a:r>
-            <a:r>
-              <a:rPr lang="fr-FR" sz="2000" b="0" strike="noStrike" spc="-1" baseline="0" dirty="0" smtClean="0">
-                <a:latin typeface="Arial"/>
-              </a:rPr>
-              <a:t>en plus du faite qu’il puisse interagir avec sont compte utilisateur, avec ses annonces </a:t>
-            </a:r>
-            <a:r>
-              <a:rPr lang="fr-FR" sz="2000" b="0" strike="noStrike" spc="-1" baseline="0" dirty="0" err="1" smtClean="0">
-                <a:latin typeface="Arial"/>
-              </a:rPr>
-              <a:t>ect</a:t>
-            </a:r>
-            <a:r>
-              <a:rPr lang="fr-FR" sz="2000" b="0" strike="noStrike" spc="-1" baseline="0" dirty="0" smtClean="0">
-                <a:latin typeface="Arial"/>
-              </a:rPr>
-              <a:t>...</a:t>
-            </a:r>
-          </a:p>
-          <a:p>
-            <a:r>
-              <a:rPr lang="fr-FR" sz="2000" b="0" strike="noStrike" spc="-1" baseline="0" dirty="0" smtClean="0">
-                <a:latin typeface="Arial"/>
-              </a:rPr>
-              <a:t>L’administrateur lui a les plein pouvoir il est apte pour tous faire comme la suppression de données (compte utilisateur, annonce </a:t>
-            </a:r>
-            <a:r>
-              <a:rPr lang="fr-FR" sz="2000" b="0" strike="noStrike" spc="-1" baseline="0" dirty="0" err="1" smtClean="0">
-                <a:latin typeface="Arial"/>
-              </a:rPr>
-              <a:t>ect</a:t>
-            </a:r>
-            <a:r>
-              <a:rPr lang="fr-FR" sz="2000" b="0" strike="noStrike" spc="-1" baseline="0" dirty="0" smtClean="0">
-                <a:latin typeface="Arial"/>
-              </a:rPr>
-              <a:t>)</a:t>
-            </a:r>
-            <a:endParaRPr lang="fr-FR" sz="2000" b="0" strike="noStrike" spc="-1" dirty="0">
-              <a:latin typeface="Arial"/>
-            </a:endParaRPr>
-          </a:p>
-        </p:txBody>
-      </p:sp>
-      <p:sp>
-        <p:nvSpPr>
-          <p:cNvPr id="166" name="CustomShape 3"/>
-          <p:cNvSpPr/>
-          <p:nvPr/>
-        </p:nvSpPr>
-        <p:spPr>
-          <a:xfrm>
-            <a:off x="3884760" y="8685360"/>
-            <a:ext cx="2971080" cy="457920"/>
-          </a:xfrm>
-          <a:prstGeom prst="rect">
-            <a:avLst/>
-          </a:prstGeom>
-          <a:noFill/>
-          <a:ln>
-            <a:noFill/>
-          </a:ln>
-        </p:spPr>
-        <p:style>
-          <a:lnRef idx="0">
-            <a:scrgbClr r="0" g="0" b="0"/>
-          </a:lnRef>
-          <a:fillRef idx="0">
-            <a:scrgbClr r="0" g="0" b="0"/>
-          </a:fillRef>
-          <a:effectRef idx="0">
-            <a:scrgbClr r="0" g="0" b="0"/>
-          </a:effectRef>
-          <a:fontRef idx="minor"/>
-        </p:style>
-        <p:txBody>
-          <a:bodyPr lIns="90000" tIns="45000" rIns="90000" bIns="45000" anchor="b">
-            <a:noAutofit/>
-          </a:bodyPr>
-          <a:lstStyle/>
-          <a:p>
-            <a:pPr algn="r">
-              <a:lnSpc>
-                <a:spcPct val="100000"/>
-              </a:lnSpc>
-            </a:pPr>
-            <a:fld id="{92A13504-8F39-48E2-9D35-1CD15F6B7178}" type="slidenum">
-              <a:rPr lang="fr-FR" sz="1200" b="0" strike="noStrike" spc="-1">
-                <a:solidFill>
-                  <a:srgbClr val="000000"/>
-                </a:solidFill>
-                <a:latin typeface="+mn-lt"/>
-                <a:ea typeface="+mn-ea"/>
+        <p:spPr/>
+        <p:txBody>
+          <a:bodyPr/>
+          <a:lstStyle/>
+          <a:p>
+            <a:r>
+              <a:rPr lang="fr-FR" dirty="0" smtClean="0"/>
+              <a:t>Voici a quoi ressemble pour le moment la page d'accueil coder en html/</a:t>
+            </a:r>
+            <a:r>
+              <a:rPr lang="fr-FR" dirty="0" err="1" smtClean="0"/>
+              <a:t>css</a:t>
+            </a:r>
+            <a:endParaRPr lang="fr-FR" dirty="0"/>
+          </a:p>
+        </p:txBody>
+      </p:sp>
+      <p:sp>
+        <p:nvSpPr>
+          <p:cNvPr id="4" name="Espace réservé du numéro de diapositive 3"/>
+          <p:cNvSpPr>
+            <a:spLocks noGrp="1"/>
+          </p:cNvSpPr>
+          <p:nvPr>
+            <p:ph type="sldNum" idx="10"/>
+          </p:nvPr>
+        </p:nvSpPr>
+        <p:spPr/>
+        <p:txBody>
+          <a:bodyPr/>
+          <a:lstStyle/>
+          <a:p>
+            <a:pPr algn="r"/>
+            <a:fld id="{4C8961B9-9BF0-44A4-A706-205F40A8B952}" type="slidenum">
+              <a:rPr lang="fr-FR" sz="1400" b="0" strike="noStrike" spc="-1" smtClean="0">
+                <a:latin typeface="Times New Roman"/>
               </a:rPr>
               <a:t>24</a:t>
             </a:fld>
-            <a:endParaRPr lang="fr-FR" sz="1200" b="0" strike="noStrike" spc="-1">
-              <a:latin typeface="Arial"/>
+            <a:endParaRPr lang="fr-FR" sz="1400" b="0" strike="noStrike" spc="-1">
+              <a:latin typeface="Times New Roman"/>
             </a:endParaRPr>
           </a:p>
         </p:txBody>
@@ -3315,7 +3497,7 @@
     </p:spTree>
     <p:extLst>
       <p:ext uri="{BB962C8B-B14F-4D97-AF65-F5344CB8AC3E}">
-        <p14:creationId xmlns:p14="http://schemas.microsoft.com/office/powerpoint/2010/main" val="2527778276"/>
+        <p14:creationId xmlns:p14="http://schemas.microsoft.com/office/powerpoint/2010/main" val="1667369731"/>
       </p:ext>
     </p:extLst>
   </p:cSld>
@@ -3376,105 +3558,24 @@
           <a:p>
             <a:r>
               <a:rPr lang="fr-FR" dirty="0" smtClean="0"/>
-              <a:t>Modèle Conceptuel des </a:t>
-            </a:r>
+              <a:t>N’ayant pas</a:t>
+            </a:r>
+            <a:r>
+              <a:rPr lang="fr-FR" baseline="0" dirty="0" smtClean="0"/>
+              <a:t> le planning des jours ou nous sommes en projet fils rouge je me concentre exclusivement sur les priorités les détails c’est pour plus tard …</a:t>
+            </a:r>
+          </a:p>
+          <a:p>
             <a:r>
               <a:rPr lang="fr-FR" dirty="0" smtClean="0"/>
-              <a:t>Données modéliser des objet a stocker aussi appeler attribut </a:t>
-            </a:r>
-            <a:endParaRPr lang="fr-FR" dirty="0" smtClean="0"/>
+              <a:t>stage 23 mai - 29 Juillet</a:t>
+            </a:r>
           </a:p>
           <a:p>
             <a:r>
               <a:rPr lang="fr-FR" dirty="0" smtClean="0"/>
-              <a:t>Les données stocké dans la </a:t>
-            </a:r>
-            <a:r>
-              <a:rPr lang="fr-FR" dirty="0" err="1" smtClean="0"/>
-              <a:t>bbd</a:t>
-            </a:r>
-            <a:r>
-              <a:rPr lang="fr-FR" dirty="0" smtClean="0"/>
-              <a:t> sont les </a:t>
-            </a:r>
-            <a:r>
-              <a:rPr lang="fr-FR" dirty="0" smtClean="0"/>
-              <a:t>informations </a:t>
-            </a:r>
-            <a:r>
-              <a:rPr lang="fr-FR" dirty="0" smtClean="0"/>
-              <a:t>de l’utilisateur a savoir son nom, prénom </a:t>
-            </a:r>
-            <a:r>
-              <a:rPr lang="fr-FR" dirty="0" err="1" smtClean="0"/>
-              <a:t>mdp</a:t>
-            </a:r>
-            <a:r>
-              <a:rPr lang="fr-FR" dirty="0" smtClean="0"/>
-              <a:t> </a:t>
-            </a:r>
-            <a:r>
-              <a:rPr lang="fr-FR" dirty="0" err="1" smtClean="0"/>
-              <a:t>ect</a:t>
-            </a:r>
-            <a:r>
-              <a:rPr lang="fr-FR" dirty="0" smtClean="0"/>
-              <a:t>..</a:t>
-            </a:r>
-          </a:p>
-          <a:p>
-            <a:endParaRPr lang="fr-FR" dirty="0" smtClean="0"/>
-          </a:p>
-          <a:p>
-            <a:pPr marL="0" marR="0" indent="0" algn="l" defTabSz="914400" rtl="0" eaLnBrk="1" fontAlgn="auto" latinLnBrk="0" hangingPunct="1">
-              <a:lnSpc>
-                <a:spcPct val="100000"/>
-              </a:lnSpc>
-              <a:spcBef>
-                <a:spcPts val="0"/>
-              </a:spcBef>
-              <a:spcAft>
-                <a:spcPts val="0"/>
-              </a:spcAft>
-              <a:buClrTx/>
-              <a:buSzTx/>
-              <a:buFontTx/>
-              <a:buNone/>
-              <a:tabLst/>
-              <a:defRPr/>
-            </a:pPr>
-            <a:r>
-              <a:rPr lang="fr-FR" dirty="0" smtClean="0"/>
-              <a:t>Pour établir le Modèle Logique des Données j’ai utilisé le mcd préalablement créé pour mettre en valeur les relation entre les entité.</a:t>
-            </a:r>
-          </a:p>
-          <a:p>
-            <a:pPr marL="0" marR="0" indent="0" algn="l" defTabSz="914400" rtl="0" eaLnBrk="1" fontAlgn="auto" latinLnBrk="0" hangingPunct="1">
-              <a:lnSpc>
-                <a:spcPct val="100000"/>
-              </a:lnSpc>
-              <a:spcBef>
-                <a:spcPts val="0"/>
-              </a:spcBef>
-              <a:spcAft>
-                <a:spcPts val="0"/>
-              </a:spcAft>
-              <a:buClrTx/>
-              <a:buSzTx/>
-              <a:buFontTx/>
-              <a:buNone/>
-              <a:tabLst/>
-              <a:defRPr/>
-            </a:pPr>
-            <a:r>
-              <a:rPr lang="fr-FR" dirty="0" smtClean="0"/>
-              <a:t>Modélisation des table </a:t>
-            </a:r>
-          </a:p>
-          <a:p>
-            <a:endParaRPr lang="fr-FR" dirty="0" smtClean="0"/>
-          </a:p>
-          <a:p>
+              <a:t>fin formation 13 septembre</a:t>
+            </a:r>
             <a:endParaRPr lang="fr-FR" dirty="0"/>
           </a:p>
         </p:txBody>
@@ -3510,7 +3611,7 @@
     </p:spTree>
     <p:extLst>
       <p:ext uri="{BB962C8B-B14F-4D97-AF65-F5344CB8AC3E}">
-        <p14:creationId xmlns:p14="http://schemas.microsoft.com/office/powerpoint/2010/main" val="3498002352"/>
+        <p14:creationId xmlns:p14="http://schemas.microsoft.com/office/powerpoint/2010/main" val="1144076975"/>
       </p:ext>
     </p:extLst>
   </p:cSld>
@@ -3539,7 +3640,7 @@
       </p:grpSpPr>
       <p:sp>
         <p:nvSpPr>
-          <p:cNvPr id="2" name="Espace réservé de l'image des diapositives 1"/>
+          <p:cNvPr id="167" name="PlaceHolder 1"/>
           <p:cNvSpPr>
             <a:spLocks noGrp="1" noRot="1" noChangeAspect="1"/>
           </p:cNvSpPr>
@@ -3549,76 +3650,171 @@
         </p:nvSpPr>
         <p:spPr>
           <a:xfrm>
-            <a:off x="217488" y="812800"/>
-            <a:ext cx="7124700" cy="4008438"/>
-          </a:xfrm>
-        </p:spPr>
-      </p:sp>
-      <p:sp>
-        <p:nvSpPr>
-          <p:cNvPr id="3" name="Espace réservé des commentaires 2"/>
+            <a:off x="685800" y="1143000"/>
+            <a:ext cx="5486400" cy="3086100"/>
+          </a:xfrm>
+          <a:prstGeom prst="rect">
+            <a:avLst/>
+          </a:prstGeom>
+        </p:spPr>
+      </p:sp>
+      <p:sp>
+        <p:nvSpPr>
+          <p:cNvPr id="168" name="PlaceHolder 2"/>
           <p:cNvSpPr>
             <a:spLocks noGrp="1"/>
           </p:cNvSpPr>
           <p:nvPr>
-            <p:ph type="body" idx="1"/>
+            <p:ph type="body"/>
           </p:nvPr>
         </p:nvSpPr>
-        <p:spPr/>
-        <p:txBody>
-          <a:bodyPr/>
-          <a:lstStyle/>
-          <a:p>
-            <a:r>
-              <a:rPr lang="fr-FR" dirty="0" smtClean="0"/>
-              <a:t>Les diagrammes</a:t>
-            </a:r>
-            <a:r>
-              <a:rPr lang="fr-FR" baseline="0" dirty="0" smtClean="0"/>
-              <a:t> suivant sont des </a:t>
-            </a:r>
-            <a:r>
-              <a:rPr lang="fr-FR" dirty="0" smtClean="0"/>
-              <a:t>Schéma</a:t>
-            </a:r>
-            <a:r>
-              <a:rPr lang="fr-FR" baseline="0" dirty="0" smtClean="0"/>
-              <a:t> algorithmique représentant les différente étapes lors d’une connexion</a:t>
-            </a:r>
-          </a:p>
-          <a:p>
-            <a:r>
-              <a:rPr lang="fr-FR" baseline="0" dirty="0" smtClean="0"/>
-              <a:t>(a droite le diagramme d’activité &amp; a gauche le diagramme séquentiel) </a:t>
-            </a:r>
-            <a:endParaRPr lang="fr-FR" dirty="0"/>
-          </a:p>
-        </p:txBody>
-      </p:sp>
-      <p:sp>
-        <p:nvSpPr>
-          <p:cNvPr id="4" name="Espace réservé du numéro de diapositive 3"/>
-          <p:cNvSpPr>
-            <a:spLocks noGrp="1"/>
-          </p:cNvSpPr>
-          <p:nvPr>
-            <p:ph type="sldNum" idx="10"/>
-          </p:nvPr>
-        </p:nvSpPr>
-        <p:spPr/>
-        <p:txBody>
-          <a:bodyPr/>
-          <a:lstStyle/>
-          <a:p>
-            <a:pPr algn="r"/>
-            <a:fld id="{4C8961B9-9BF0-44A4-A706-205F40A8B952}" type="slidenum">
-              <a:rPr lang="fr-FR" sz="1400" b="0" strike="noStrike" spc="-1" smtClean="0">
-                <a:latin typeface="Times New Roman"/>
+        <p:spPr>
+          <a:xfrm>
+            <a:off x="685800" y="4400640"/>
+            <a:ext cx="5485680" cy="3599640"/>
+          </a:xfrm>
+          <a:prstGeom prst="rect">
+            <a:avLst/>
+          </a:prstGeom>
+        </p:spPr>
+        <p:txBody>
+          <a:bodyPr lIns="0" tIns="0" rIns="0" bIns="0">
+            <a:noAutofit/>
+          </a:bodyPr>
+          <a:lstStyle/>
+          <a:p>
+            <a:r>
+              <a:rPr lang="fr-FR" sz="1200" kern="1200" dirty="0" smtClean="0">
+                <a:solidFill>
+                  <a:schemeClr val="tx1"/>
+                </a:solidFill>
+                <a:effectLst/>
+                <a:latin typeface="+mn-lt"/>
+                <a:ea typeface="+mn-ea"/>
+                <a:cs typeface="+mn-cs"/>
+              </a:rPr>
+              <a:t>les technologies retenues sont html/</a:t>
+            </a:r>
+            <a:r>
+              <a:rPr lang="fr-FR" sz="1200" kern="1200" dirty="0" err="1" smtClean="0">
+                <a:solidFill>
+                  <a:schemeClr val="tx1"/>
+                </a:solidFill>
+                <a:effectLst/>
+                <a:latin typeface="+mn-lt"/>
+                <a:ea typeface="+mn-ea"/>
+                <a:cs typeface="+mn-cs"/>
+              </a:rPr>
+              <a:t>css</a:t>
+            </a:r>
+            <a:r>
+              <a:rPr lang="fr-FR" sz="1200" kern="1200" dirty="0" smtClean="0">
+                <a:solidFill>
+                  <a:schemeClr val="tx1"/>
+                </a:solidFill>
+                <a:effectLst/>
+                <a:latin typeface="+mn-lt"/>
+                <a:ea typeface="+mn-ea"/>
+                <a:cs typeface="+mn-cs"/>
+              </a:rPr>
+              <a:t> pour</a:t>
+            </a:r>
+            <a:r>
+              <a:rPr lang="fr-FR" sz="1200" kern="1200" baseline="0" dirty="0" smtClean="0">
+                <a:solidFill>
+                  <a:schemeClr val="tx1"/>
+                </a:solidFill>
+                <a:effectLst/>
+                <a:latin typeface="+mn-lt"/>
+                <a:ea typeface="+mn-ea"/>
+                <a:cs typeface="+mn-cs"/>
+              </a:rPr>
+              <a:t> le front end &amp; python/</a:t>
+            </a:r>
+            <a:r>
+              <a:rPr lang="fr-FR" sz="1200" kern="1200" baseline="0" dirty="0" err="1" smtClean="0">
+                <a:solidFill>
+                  <a:schemeClr val="tx1"/>
+                </a:solidFill>
+                <a:effectLst/>
+                <a:latin typeface="+mn-lt"/>
+                <a:ea typeface="+mn-ea"/>
+                <a:cs typeface="+mn-cs"/>
+              </a:rPr>
+              <a:t>mysql</a:t>
+            </a:r>
+            <a:r>
+              <a:rPr lang="fr-FR" sz="1200" kern="1200" baseline="0" dirty="0" smtClean="0">
+                <a:solidFill>
+                  <a:schemeClr val="tx1"/>
+                </a:solidFill>
+                <a:effectLst/>
+                <a:latin typeface="+mn-lt"/>
+                <a:ea typeface="+mn-ea"/>
+                <a:cs typeface="+mn-cs"/>
+              </a:rPr>
+              <a:t> pour le back end</a:t>
+            </a:r>
+            <a:endParaRPr lang="fr-FR" sz="2000" b="0" strike="noStrike" spc="-1" dirty="0">
+              <a:latin typeface="Arial"/>
+            </a:endParaRPr>
+          </a:p>
+        </p:txBody>
+      </p:sp>
+      <p:sp>
+        <p:nvSpPr>
+          <p:cNvPr id="169" name="CustomShape 3"/>
+          <p:cNvSpPr/>
+          <p:nvPr/>
+        </p:nvSpPr>
+        <p:spPr>
+          <a:xfrm>
+            <a:off x="3884760" y="8685360"/>
+            <a:ext cx="2971080" cy="457920"/>
+          </a:xfrm>
+          <a:prstGeom prst="rect">
+            <a:avLst/>
+          </a:prstGeom>
+          <a:noFill/>
+          <a:ln>
+            <a:noFill/>
+          </a:ln>
+        </p:spPr>
+        <p:style>
+          <a:lnRef idx="0">
+            <a:scrgbClr r="0" g="0" b="0"/>
+          </a:lnRef>
+          <a:fillRef idx="0">
+            <a:scrgbClr r="0" g="0" b="0"/>
+          </a:fillRef>
+          <a:effectRef idx="0">
+            <a:scrgbClr r="0" g="0" b="0"/>
+          </a:effectRef>
+          <a:fontRef idx="minor"/>
+        </p:style>
+        <p:txBody>
+          <a:bodyPr lIns="90000" tIns="45000" rIns="90000" bIns="45000" anchor="b">
+            <a:noAutofit/>
+          </a:bodyPr>
+          <a:lstStyle/>
+          <a:p>
+            <a:pPr algn="r">
+              <a:lnSpc>
+                <a:spcPct val="100000"/>
+              </a:lnSpc>
+            </a:pPr>
+            <a:fld id="{4BBE7E63-90BF-4073-9A1B-D448FC823097}" type="slidenum">
+              <a:rPr lang="fr-FR" sz="1200" b="0" strike="noStrike" spc="-1">
+                <a:solidFill>
+                  <a:srgbClr val="000000"/>
+                </a:solidFill>
+                <a:latin typeface="+mn-lt"/>
+                <a:ea typeface="+mn-ea"/>
               </a:rPr>
               <a:t>26</a:t>
             </a:fld>
-            <a:endParaRPr lang="fr-FR" sz="1400" b="0" strike="noStrike" spc="-1">
-              <a:latin typeface="Times New Roman"/>
+            <a:endParaRPr lang="fr-FR" sz="1200" b="0" strike="noStrike" spc="-1">
+              <a:latin typeface="Arial"/>
             </a:endParaRPr>
           </a:p>
         </p:txBody>
@@ -3626,7 +3822,7 @@
     </p:spTree>
     <p:extLst>
       <p:ext uri="{BB962C8B-B14F-4D97-AF65-F5344CB8AC3E}">
-        <p14:creationId xmlns:p14="http://schemas.microsoft.com/office/powerpoint/2010/main" val="2656744876"/>
+        <p14:creationId xmlns:p14="http://schemas.microsoft.com/office/powerpoint/2010/main" val="1400367188"/>
       </p:ext>
     </p:extLst>
   </p:cSld>
@@ -3655,7 +3851,7 @@
       </p:grpSpPr>
       <p:sp>
         <p:nvSpPr>
-          <p:cNvPr id="2" name="Espace réservé de l'image des diapositives 1"/>
+          <p:cNvPr id="164" name="PlaceHolder 1"/>
           <p:cNvSpPr>
             <a:spLocks noGrp="1" noRot="1" noChangeAspect="1"/>
           </p:cNvSpPr>
@@ -3665,122 +3861,151 @@
         </p:nvSpPr>
         <p:spPr>
           <a:xfrm>
-            <a:off x="217488" y="812800"/>
-            <a:ext cx="7124700" cy="4008438"/>
-          </a:xfrm>
-        </p:spPr>
-      </p:sp>
-      <p:sp>
-        <p:nvSpPr>
-          <p:cNvPr id="3" name="Espace réservé des commentaires 2"/>
+            <a:off x="685800" y="1143000"/>
+            <a:ext cx="5486400" cy="3086100"/>
+          </a:xfrm>
+          <a:prstGeom prst="rect">
+            <a:avLst/>
+          </a:prstGeom>
+        </p:spPr>
+      </p:sp>
+      <p:sp>
+        <p:nvSpPr>
+          <p:cNvPr id="165" name="PlaceHolder 2"/>
           <p:cNvSpPr>
             <a:spLocks noGrp="1"/>
           </p:cNvSpPr>
           <p:nvPr>
-            <p:ph type="body" idx="1"/>
+            <p:ph type="body"/>
           </p:nvPr>
         </p:nvSpPr>
-        <p:spPr/>
-        <p:txBody>
-          <a:bodyPr/>
-          <a:lstStyle/>
-          <a:p>
-            <a:pPr marL="0" marR="0" indent="0" algn="l" defTabSz="914400" rtl="0" eaLnBrk="1" fontAlgn="auto" latinLnBrk="0" hangingPunct="1">
+        <p:spPr>
+          <a:xfrm>
+            <a:off x="685800" y="4400640"/>
+            <a:ext cx="5485680" cy="3599640"/>
+          </a:xfrm>
+          <a:prstGeom prst="rect">
+            <a:avLst/>
+          </a:prstGeom>
+        </p:spPr>
+        <p:txBody>
+          <a:bodyPr lIns="0" tIns="0" rIns="0" bIns="0">
+            <a:noAutofit/>
+          </a:bodyPr>
+          <a:lstStyle/>
+          <a:p>
+            <a:r>
+              <a:rPr lang="fr-FR" sz="2000" b="0" strike="noStrike" spc="-1" dirty="0" smtClean="0">
+                <a:latin typeface="Arial"/>
+              </a:rPr>
+              <a:t>Dans ce cas d’utilisation le visiteur peut créer</a:t>
+            </a:r>
+            <a:r>
+              <a:rPr lang="fr-FR" sz="2000" b="0" strike="noStrike" spc="-1" baseline="0" dirty="0" smtClean="0">
+                <a:latin typeface="Arial"/>
+              </a:rPr>
+              <a:t> un compte et/ou ce connecter ainsi que regarder les annonce proposer sur le site</a:t>
+            </a:r>
+          </a:p>
+          <a:p>
+            <a:r>
+              <a:rPr lang="fr-FR" sz="2000" b="0" strike="noStrike" spc="-1" baseline="0" dirty="0" smtClean="0">
+                <a:latin typeface="Arial"/>
+              </a:rPr>
+              <a:t>L’utilisateur lui hérite de cela en plus du faite qu’il puisse interagir avec sont compte utilisateur, avec ses annonces </a:t>
+            </a:r>
+            <a:r>
+              <a:rPr lang="fr-FR" sz="2000" b="0" strike="noStrike" spc="-1" baseline="0" dirty="0" err="1" smtClean="0">
+                <a:latin typeface="Arial"/>
+              </a:rPr>
+              <a:t>ect</a:t>
+            </a:r>
+            <a:r>
+              <a:rPr lang="fr-FR" sz="2000" b="0" strike="noStrike" spc="-1" baseline="0" dirty="0" smtClean="0">
+                <a:latin typeface="Arial"/>
+              </a:rPr>
+              <a:t>...</a:t>
+            </a:r>
+          </a:p>
+          <a:p>
+            <a:r>
+              <a:rPr lang="fr-FR" sz="2000" b="0" strike="noStrike" spc="-1" baseline="0" dirty="0" smtClean="0">
+                <a:latin typeface="Arial"/>
+              </a:rPr>
+              <a:t>L’administrateur lui a les plein pouvoir il est apte pour tous faire comme la suppression de données (compte utilisateur, annonce </a:t>
+            </a:r>
+            <a:r>
+              <a:rPr lang="fr-FR" sz="2000" b="0" strike="noStrike" spc="-1" baseline="0" dirty="0" err="1" smtClean="0">
+                <a:latin typeface="Arial"/>
+              </a:rPr>
+              <a:t>ect</a:t>
+            </a:r>
+            <a:r>
+              <a:rPr lang="fr-FR" sz="2000" b="0" strike="noStrike" spc="-1" baseline="0" dirty="0" smtClean="0">
+                <a:latin typeface="Arial"/>
+              </a:rPr>
+              <a:t>)</a:t>
+            </a:r>
+            <a:endParaRPr lang="fr-FR" sz="2000" b="0" strike="noStrike" spc="-1" dirty="0">
+              <a:latin typeface="Arial"/>
+            </a:endParaRPr>
+          </a:p>
+        </p:txBody>
+      </p:sp>
+      <p:sp>
+        <p:nvSpPr>
+          <p:cNvPr id="166" name="CustomShape 3"/>
+          <p:cNvSpPr/>
+          <p:nvPr/>
+        </p:nvSpPr>
+        <p:spPr>
+          <a:xfrm>
+            <a:off x="3884760" y="8685360"/>
+            <a:ext cx="2971080" cy="457920"/>
+          </a:xfrm>
+          <a:prstGeom prst="rect">
+            <a:avLst/>
+          </a:prstGeom>
+          <a:noFill/>
+          <a:ln>
+            <a:noFill/>
+          </a:ln>
+        </p:spPr>
+        <p:style>
+          <a:lnRef idx="0">
+            <a:scrgbClr r="0" g="0" b="0"/>
+          </a:lnRef>
+          <a:fillRef idx="0">
+            <a:scrgbClr r="0" g="0" b="0"/>
+          </a:fillRef>
+          <a:effectRef idx="0">
+            <a:scrgbClr r="0" g="0" b="0"/>
+          </a:effectRef>
+          <a:fontRef idx="minor"/>
+        </p:style>
+        <p:txBody>
+          <a:bodyPr lIns="90000" tIns="45000" rIns="90000" bIns="45000" anchor="b">
+            <a:noAutofit/>
+          </a:bodyPr>
+          <a:lstStyle/>
+          <a:p>
+            <a:pPr algn="r">
               <a:lnSpc>
                 <a:spcPct val="100000"/>
               </a:lnSpc>
-              <a:spcBef>
-                <a:spcPts val="0"/>
-              </a:spcBef>
-              <a:spcAft>
-                <a:spcPts val="0"/>
-              </a:spcAft>
-              <a:buClrTx/>
-              <a:buSzTx/>
-              <a:buFontTx/>
-              <a:buNone/>
-              <a:tabLst/>
-              <a:defRPr/>
-            </a:pPr>
-            <a:r>
-              <a:rPr lang="fr-FR" sz="1200" b="0" strike="noStrike" spc="-1" dirty="0" smtClean="0">
+            </a:pPr>
+            <a:fld id="{92A13504-8F39-48E2-9D35-1CD15F6B7178}" type="slidenum">
+              <a:rPr lang="fr-FR" sz="1200" b="0" strike="noStrike" spc="-1">
                 <a:solidFill>
                   <a:srgbClr val="000000"/>
                 </a:solidFill>
-                <a:latin typeface="Palatino Linotype"/>
-              </a:rPr>
-              <a:t>Dans un premier temps, j’aimerai une application rapide, pratique, et portable, utilisable sur tous support numérique .</a:t>
-            </a:r>
-          </a:p>
-          <a:p>
-            <a:pPr marL="0" marR="0" indent="0" algn="l" defTabSz="914400" rtl="0" eaLnBrk="1" fontAlgn="auto" latinLnBrk="0" hangingPunct="1">
-              <a:lnSpc>
-                <a:spcPct val="100000"/>
-              </a:lnSpc>
-              <a:spcBef>
-                <a:spcPts val="0"/>
-              </a:spcBef>
-              <a:spcAft>
-                <a:spcPts val="0"/>
-              </a:spcAft>
-              <a:buClrTx/>
-              <a:buSzTx/>
-              <a:buFontTx/>
-              <a:buNone/>
-              <a:tabLst/>
-              <a:defRPr/>
-            </a:pPr>
-            <a:r>
-              <a:rPr lang="fr-FR" sz="1200" b="0" strike="noStrike" spc="-1" dirty="0" smtClean="0">
-                <a:solidFill>
-                  <a:srgbClr val="000000"/>
-                </a:solidFill>
-                <a:latin typeface="Palatino Linotype"/>
-              </a:rPr>
-              <a:t>Dans un second temps m’adapter au besoin auquel je n’ai pas encore pensais</a:t>
-            </a:r>
-            <a:r>
-              <a:rPr lang="fr-FR" sz="1200" b="0" strike="noStrike" spc="-1" baseline="0" dirty="0" smtClean="0">
-                <a:solidFill>
-                  <a:srgbClr val="000000"/>
-                </a:solidFill>
-                <a:latin typeface="Palatino Linotype"/>
-              </a:rPr>
-              <a:t> .</a:t>
-            </a:r>
-            <a:endParaRPr lang="fr-FR" sz="1200" b="0" strike="noStrike" spc="-1" dirty="0" smtClean="0">
-              <a:latin typeface="+mn-lt"/>
-            </a:endParaRPr>
-          </a:p>
-          <a:p>
-            <a:endParaRPr lang="fr-FR" dirty="0"/>
-          </a:p>
-        </p:txBody>
-      </p:sp>
-      <p:sp>
-        <p:nvSpPr>
-          <p:cNvPr id="4" name="Espace réservé du numéro de diapositive 3"/>
-          <p:cNvSpPr>
-            <a:spLocks noGrp="1"/>
-          </p:cNvSpPr>
-          <p:nvPr>
-            <p:ph type="sldNum" idx="10"/>
-          </p:nvPr>
-        </p:nvSpPr>
-        <p:spPr/>
-        <p:txBody>
-          <a:bodyPr/>
-          <a:lstStyle/>
-          <a:p>
-            <a:pPr algn="r"/>
-            <a:fld id="{4C8961B9-9BF0-44A4-A706-205F40A8B952}" type="slidenum">
-              <a:rPr lang="fr-FR" sz="1400" b="0" strike="noStrike" spc="-1" smtClean="0">
-                <a:latin typeface="Times New Roman"/>
+                <a:latin typeface="+mn-lt"/>
+                <a:ea typeface="+mn-ea"/>
               </a:rPr>
               <a:t>27</a:t>
             </a:fld>
-            <a:endParaRPr lang="fr-FR" sz="1400" b="0" strike="noStrike" spc="-1">
-              <a:latin typeface="Times New Roman"/>
+            <a:endParaRPr lang="fr-FR" sz="1200" b="0" strike="noStrike" spc="-1">
+              <a:latin typeface="Arial"/>
             </a:endParaRPr>
           </a:p>
         </p:txBody>
@@ -3788,7 +4013,7 @@
     </p:spTree>
     <p:extLst>
       <p:ext uri="{BB962C8B-B14F-4D97-AF65-F5344CB8AC3E}">
-        <p14:creationId xmlns:p14="http://schemas.microsoft.com/office/powerpoint/2010/main" val="2348629073"/>
+        <p14:creationId xmlns:p14="http://schemas.microsoft.com/office/powerpoint/2010/main" val="2527778276"/>
       </p:ext>
     </p:extLst>
   </p:cSld>
@@ -3849,71 +4074,41 @@
           <a:p>
             <a:r>
               <a:rPr lang="fr-FR" dirty="0" smtClean="0"/>
-              <a:t>Je me permet de joindre</a:t>
-            </a:r>
-            <a:r>
-              <a:rPr lang="fr-FR" baseline="0" dirty="0" smtClean="0"/>
-              <a:t> a cette </a:t>
-            </a:r>
-            <a:r>
-              <a:rPr lang="fr-FR" baseline="0" dirty="0" smtClean="0"/>
-              <a:t>présentation </a:t>
-            </a:r>
-            <a:r>
-              <a:rPr lang="fr-FR" baseline="0" dirty="0" smtClean="0"/>
-              <a:t>un bout de code HTML d’un formulaire actuellement présent dans mon projet ace développeur </a:t>
-            </a:r>
-            <a:endParaRPr lang="fr-FR" baseline="0" dirty="0" smtClean="0"/>
-          </a:p>
-          <a:p>
-            <a:endParaRPr lang="fr-FR" baseline="0" dirty="0" smtClean="0"/>
+              <a:t>Modèle Conceptuel des Données modéliser des objet a stocker aussi appeler attribut </a:t>
+            </a:r>
           </a:p>
           <a:p>
             <a:r>
               <a:rPr lang="fr-FR" dirty="0" smtClean="0"/>
-              <a:t>Le voici :</a:t>
-            </a:r>
-          </a:p>
-          <a:p>
+              <a:t>Les données stocké dans la </a:t>
+            </a:r>
+            <a:r>
+              <a:rPr lang="fr-FR" dirty="0" err="1" smtClean="0"/>
+              <a:t>bbd</a:t>
+            </a:r>
             <a:r>
               <a:rPr lang="fr-FR" dirty="0" smtClean="0"/>
-              <a:t>L’input de type</a:t>
-            </a:r>
-            <a:r>
-              <a:rPr lang="fr-FR" baseline="0" dirty="0" smtClean="0"/>
-              <a:t> radio permet de créer des </a:t>
+              <a:t> sont les informations de l’utilisateur a savoir son nom, prénom </a:t>
+            </a:r>
+            <a:r>
+              <a:rPr lang="fr-FR" dirty="0" err="1" smtClean="0"/>
+              <a:t>mdp</a:t>
             </a:r>
             <a:r>
               <a:rPr lang="fr-FR" dirty="0" smtClean="0"/>
-              <a:t>boutons représentés par des cercles remplis lorsqu'ils sont sélectionnés &amp; vide quand cela n’est pas le cas</a:t>
-            </a:r>
-            <a:r>
-              <a:rPr lang="fr-FR" baseline="0" dirty="0" smtClean="0"/>
               <a:t> </a:t>
             </a:r>
-          </a:p>
-          <a:p>
-            <a:r>
-              <a:rPr lang="fr-FR" baseline="0" dirty="0" smtClean="0"/>
-              <a:t>Il est généralement </a:t>
+            <a:r>
+              <a:rPr lang="fr-FR" dirty="0" err="1" smtClean="0"/>
+              <a:t>ect</a:t>
             </a:r>
             <a:r>
               <a:rPr lang="fr-FR" dirty="0" smtClean="0"/>
-              <a:t>utilisés pour construire des groupes d'options parmi lesquelles on ne peut choisir qu'une valeur. </a:t>
-            </a:r>
-          </a:p>
-          <a:p>
-            <a:r>
-              <a:rPr lang="fr-FR" dirty="0" smtClean="0"/>
-              <a:t>En l'occurrence pour choisir</a:t>
-            </a:r>
-            <a:r>
-              <a:rPr lang="fr-FR" baseline="0" dirty="0" smtClean="0"/>
-              <a:t> madame ou monsieur .</a:t>
-            </a:r>
-          </a:p>
-          <a:p>
-            <a:endParaRPr lang="fr-FR" baseline="0" dirty="0" smtClean="0"/>
+              <a:t>..</a:t>
+            </a:r>
+          </a:p>
+          <a:p>
+            <a:endParaRPr lang="fr-FR" dirty="0" smtClean="0"/>
           </a:p>
           <a:p>
             <a:pPr marL="0" marR="0" indent="0" algn="l" defTabSz="914400" rtl="0" eaLnBrk="1" fontAlgn="auto" latinLnBrk="0" hangingPunct="1">
@@ -3935,11 +4130,7 @@
             </a:pPr>
             <a:r>
               <a:rPr lang="fr-FR" dirty="0" smtClean="0"/>
-              <a:t>Concernent l’input de type texte des restriction on été définit afin</a:t>
-            </a:r>
-            <a:r>
-              <a:rPr lang="fr-FR" baseline="0" dirty="0" smtClean="0"/>
-              <a:t> que l’utilisateur ne puis pas faire n’importe quoi .</a:t>
+              <a:t>Pour établir le Modèle Logique des Données j’ai utilisé le mcd préalablement créé pour mettre en valeur les relation entre les entité.</a:t>
             </a:r>
           </a:p>
           <a:p>
@@ -3961,40 +4152,8 @@
               <a:defRPr/>
             </a:pPr>
             <a:r>
-              <a:rPr lang="fr-FR" baseline="0" dirty="0" smtClean="0"/>
-              <a:t>Dans le cas du prénom le nombre de lettre maximum que l’utilisateur est autorisé a mettre est de 20  définit par « </a:t>
-            </a:r>
-            <a:r>
-              <a:rPr lang="fr-FR" baseline="0" dirty="0" err="1" smtClean="0"/>
-              <a:t>maxlength</a:t>
-            </a:r>
-            <a:r>
-              <a:rPr lang="fr-FR" baseline="0" dirty="0" smtClean="0"/>
-              <a:t> » de </a:t>
-            </a:r>
-            <a:r>
-              <a:rPr lang="fr-FR" baseline="0" dirty="0" err="1" smtClean="0"/>
-              <a:t>meme</a:t>
-            </a:r>
-            <a:r>
-              <a:rPr lang="fr-FR" baseline="0" dirty="0" smtClean="0"/>
-              <a:t> que le nombre minimum </a:t>
-            </a:r>
-            <a:r>
-              <a:rPr lang="fr-FR" baseline="0" dirty="0" err="1" smtClean="0"/>
-              <a:t>definit</a:t>
-            </a:r>
-            <a:r>
-              <a:rPr lang="fr-FR" baseline="0" dirty="0" smtClean="0"/>
-              <a:t> par « </a:t>
-            </a:r>
-            <a:r>
-              <a:rPr lang="fr-FR" baseline="0" dirty="0" err="1" smtClean="0"/>
-              <a:t>minlength</a:t>
-            </a:r>
-            <a:r>
-              <a:rPr lang="fr-FR" baseline="0" dirty="0" smtClean="0"/>
-              <a:t> » et de 2 .</a:t>
+              <a:rPr lang="fr-FR" dirty="0" smtClean="0"/>
+              <a:t>Modélisation des table </a:t>
             </a:r>
           </a:p>
           <a:p>
@@ -4036,7 +4195,7 @@
     </p:spTree>
     <p:extLst>
       <p:ext uri="{BB962C8B-B14F-4D97-AF65-F5344CB8AC3E}">
-        <p14:creationId xmlns:p14="http://schemas.microsoft.com/office/powerpoint/2010/main" val="703020805"/>
+        <p14:creationId xmlns:p14="http://schemas.microsoft.com/office/powerpoint/2010/main" val="3498002352"/>
       </p:ext>
     </p:extLst>
   </p:cSld>
@@ -4097,46 +4256,26 @@
           <a:p>
             <a:r>
               <a:rPr lang="fr-FR" dirty="0" smtClean="0"/>
-              <a:t>L’input de type « file » permettent à un utilisateur de sélectionner un ou plusieurs fichiers depuis leur appareil et de les uploader les fichier autorisé sont définit grâce a « </a:t>
-            </a:r>
-            <a:r>
-              <a:rPr lang="fr-FR" dirty="0" err="1" smtClean="0"/>
-              <a:t>accept</a:t>
+              <a:t>Les diagrammes</a:t>
+            </a:r>
+            <a:r>
+              <a:rPr lang="fr-FR" baseline="0" dirty="0" smtClean="0"/>
+              <a:t> suivant sont des </a:t>
             </a:r>
             <a:r>
               <a:rPr lang="fr-FR" dirty="0" smtClean="0"/>
-              <a:t>= le nom des extension » en l’occurrence</a:t>
+              <a:t>Schéma</a:t>
             </a:r>
             <a:r>
               <a:rPr lang="fr-FR" baseline="0" dirty="0" smtClean="0"/>
-              <a:t> .</a:t>
-            </a:r>
-            <a:r>
-              <a:rPr lang="fr-FR" baseline="0" dirty="0" err="1" smtClean="0"/>
-              <a:t>jpg</a:t>
-            </a:r>
+              <a:t> algorithmique représentant les différente étapes lors d’une connexion</a:t>
+            </a:r>
+          </a:p>
+          <a:p>
             <a:r>
               <a:rPr lang="fr-FR" baseline="0" dirty="0" smtClean="0"/>
-              <a:t> .</a:t>
-            </a:r>
-            <a:r>
-              <a:rPr lang="fr-FR" baseline="0" dirty="0" err="1" smtClean="0"/>
-              <a:t>png</a:t>
-            </a:r>
-            <a:r>
-              <a:rPr lang="fr-FR" baseline="0" dirty="0" smtClean="0"/>
-              <a:t> pour les images et .</a:t>
-            </a:r>
-            <a:r>
-              <a:rPr lang="fr-FR" baseline="0" dirty="0" err="1" smtClean="0"/>
-              <a:t>gif</a:t>
-            </a:r>
-            <a:r>
-              <a:rPr lang="fr-FR" baseline="0" dirty="0" smtClean="0"/>
-              <a:t> pour les image animés </a:t>
-            </a:r>
-          </a:p>
-          <a:p>
+              <a:t>(a droite le diagramme d’activité &amp; a gauche le diagramme séquentiel) </a:t>
+            </a:r>
             <a:endParaRPr lang="fr-FR" dirty="0"/>
           </a:p>
         </p:txBody>
@@ -4172,7 +4311,7 @@
     </p:spTree>
     <p:extLst>
       <p:ext uri="{BB962C8B-B14F-4D97-AF65-F5344CB8AC3E}">
-        <p14:creationId xmlns:p14="http://schemas.microsoft.com/office/powerpoint/2010/main" val="3429599279"/>
+        <p14:creationId xmlns:p14="http://schemas.microsoft.com/office/powerpoint/2010/main" val="2656744876"/>
       </p:ext>
     </p:extLst>
   </p:cSld>
@@ -4454,18 +4593,74 @@
           <a:bodyPr/>
           <a:lstStyle/>
           <a:p>
-            <a:r>
-              <a:rPr lang="fr-FR" dirty="0" smtClean="0"/>
-              <a:t>Voici le résultat avec du </a:t>
-            </a:r>
-            <a:r>
-              <a:rPr lang="fr-FR" dirty="0" err="1" smtClean="0"/>
-              <a:t>Css</a:t>
-            </a:r>
-            <a:r>
-              <a:rPr lang="fr-FR" dirty="0" smtClean="0"/>
-              <a:t> pour mettre un peu de la couleur aux tous .</a:t>
-            </a:r>
+            <a:pPr marL="0" marR="0" indent="0" algn="l" defTabSz="914400" rtl="0" eaLnBrk="1" fontAlgn="auto" latinLnBrk="0" hangingPunct="1">
+              <a:lnSpc>
+                <a:spcPct val="100000"/>
+              </a:lnSpc>
+              <a:spcBef>
+                <a:spcPts val="0"/>
+              </a:spcBef>
+              <a:spcAft>
+                <a:spcPts val="0"/>
+              </a:spcAft>
+              <a:buClrTx/>
+              <a:buSzTx/>
+              <a:buFontTx/>
+              <a:buNone/>
+              <a:tabLst/>
+              <a:defRPr/>
+            </a:pPr>
+            <a:r>
+              <a:rPr lang="fr-FR" sz="1200" b="0" strike="noStrike" spc="-1" dirty="0" smtClean="0">
+                <a:solidFill>
+                  <a:srgbClr val="000000"/>
+                </a:solidFill>
+                <a:latin typeface="Palatino Linotype"/>
+              </a:rPr>
+              <a:t>Dans un premier temps, j’aimerai une application rapide, pratique, et portable, utilisable sur tous support numérique .</a:t>
+            </a:r>
+          </a:p>
+          <a:p>
+            <a:pPr marL="0" marR="0" indent="0" algn="l" defTabSz="914400" rtl="0" eaLnBrk="1" fontAlgn="auto" latinLnBrk="0" hangingPunct="1">
+              <a:lnSpc>
+                <a:spcPct val="100000"/>
+              </a:lnSpc>
+              <a:spcBef>
+                <a:spcPts val="0"/>
+              </a:spcBef>
+              <a:spcAft>
+                <a:spcPts val="0"/>
+              </a:spcAft>
+              <a:buClrTx/>
+              <a:buSzTx/>
+              <a:buFontTx/>
+              <a:buNone/>
+              <a:tabLst/>
+              <a:defRPr/>
+            </a:pPr>
+            <a:r>
+              <a:rPr lang="fr-FR" sz="1200" b="0" strike="noStrike" spc="-1" dirty="0" smtClean="0">
+                <a:solidFill>
+                  <a:srgbClr val="000000"/>
+                </a:solidFill>
+                <a:latin typeface="Palatino Linotype"/>
+              </a:rPr>
+              <a:t>Dans un second temps m’adapter au besoin auquel je n’ai pas encore pensais</a:t>
+            </a:r>
+            <a:r>
+              <a:rPr lang="fr-FR" sz="1200" b="0" strike="noStrike" spc="-1" baseline="0" dirty="0" smtClean="0">
+                <a:solidFill>
+                  <a:srgbClr val="000000"/>
+                </a:solidFill>
+                <a:latin typeface="Palatino Linotype"/>
+              </a:rPr>
+              <a:t> .</a:t>
+            </a:r>
+            <a:endParaRPr lang="fr-FR" sz="1200" b="0" strike="noStrike" spc="-1" dirty="0" smtClean="0">
+              <a:latin typeface="+mn-lt"/>
+            </a:endParaRPr>
+          </a:p>
+          <a:p>
             <a:endParaRPr lang="fr-FR" dirty="0"/>
           </a:p>
         </p:txBody>
@@ -4501,7 +4696,7 @@
     </p:spTree>
     <p:extLst>
       <p:ext uri="{BB962C8B-B14F-4D97-AF65-F5344CB8AC3E}">
-        <p14:creationId xmlns:p14="http://schemas.microsoft.com/office/powerpoint/2010/main" val="2625164785"/>
+        <p14:creationId xmlns:p14="http://schemas.microsoft.com/office/powerpoint/2010/main" val="2348629073"/>
       </p:ext>
     </p:extLst>
   </p:cSld>
@@ -4562,8 +4757,147 @@
           <a:p>
             <a:r>
               <a:rPr lang="fr-FR" dirty="0" smtClean="0"/>
-              <a:t>En conclusion cette aventure qu’est ce projet est un challenge des plus passionnant qui m’apportera une monté en compétence ainsi qu’en expérience .</a:t>
-            </a:r>
+              <a:t>Je me permet de joindre</a:t>
+            </a:r>
+            <a:r>
+              <a:rPr lang="fr-FR" baseline="0" dirty="0" smtClean="0"/>
+              <a:t> a cette présentation un bout de code HTML d’un formulaire actuellement présent dans mon projet ace développeur </a:t>
+            </a:r>
+          </a:p>
+          <a:p>
+            <a:endParaRPr lang="fr-FR" baseline="0" dirty="0" smtClean="0"/>
+          </a:p>
+          <a:p>
+            <a:r>
+              <a:rPr lang="fr-FR" dirty="0" smtClean="0"/>
+              <a:t>Le voici :</a:t>
+            </a:r>
+          </a:p>
+          <a:p>
+            <a:r>
+              <a:rPr lang="fr-FR" dirty="0" smtClean="0"/>
+              <a:t>L’input de type</a:t>
+            </a:r>
+            <a:r>
+              <a:rPr lang="fr-FR" baseline="0" dirty="0" smtClean="0"/>
+              <a:t> radio permet de créer des </a:t>
+            </a:r>
+            <a:r>
+              <a:rPr lang="fr-FR" dirty="0" smtClean="0"/>
+              <a:t>boutons représentés par des cercles remplis lorsqu'ils sont sélectionnés &amp; vide quand cela n’est pas le cas</a:t>
+            </a:r>
+            <a:r>
+              <a:rPr lang="fr-FR" baseline="0" dirty="0" smtClean="0"/>
+              <a:t> </a:t>
+            </a:r>
+          </a:p>
+          <a:p>
+            <a:r>
+              <a:rPr lang="fr-FR" baseline="0" dirty="0" smtClean="0"/>
+              <a:t>Il est généralement </a:t>
+            </a:r>
+            <a:r>
+              <a:rPr lang="fr-FR" dirty="0" smtClean="0"/>
+              <a:t>utilisés pour construire des groupes d'options parmi lesquelles on ne peut choisir qu'une valeur. </a:t>
+            </a:r>
+          </a:p>
+          <a:p>
+            <a:r>
+              <a:rPr lang="fr-FR" dirty="0" smtClean="0"/>
+              <a:t>En l'occurrence pour choisir</a:t>
+            </a:r>
+            <a:r>
+              <a:rPr lang="fr-FR" baseline="0" dirty="0" smtClean="0"/>
+              <a:t> madame ou monsieur .</a:t>
+            </a:r>
+          </a:p>
+          <a:p>
+            <a:endParaRPr lang="fr-FR" baseline="0" dirty="0" smtClean="0"/>
+          </a:p>
+          <a:p>
+            <a:pPr marL="0" marR="0" indent="0" algn="l" defTabSz="914400" rtl="0" eaLnBrk="1" fontAlgn="auto" latinLnBrk="0" hangingPunct="1">
+              <a:lnSpc>
+                <a:spcPct val="100000"/>
+              </a:lnSpc>
+              <a:spcBef>
+                <a:spcPts val="0"/>
+              </a:spcBef>
+              <a:spcAft>
+                <a:spcPts val="0"/>
+              </a:spcAft>
+              <a:buClrTx/>
+              <a:buSzTx/>
+              <a:buFontTx/>
+              <a:buNone/>
+              <a:tabLst/>
+              <a:defRPr/>
+            </a:pPr>
+            <a:r>
+              <a:rPr lang="fr-FR" dirty="0" smtClean="0"/>
+              <a:t>Concernent l’input de type texte des restriction on été définit afin</a:t>
+            </a:r>
+            <a:r>
+              <a:rPr lang="fr-FR" baseline="0" dirty="0" smtClean="0"/>
+              <a:t> que l’utilisateur ne puis pas faire n’importe quoi .</a:t>
+            </a:r>
+          </a:p>
+          <a:p>
+            <a:pPr marL="0" marR="0" indent="0" algn="l" defTabSz="914400" rtl="0" eaLnBrk="1" fontAlgn="auto" latinLnBrk="0" hangingPunct="1">
+              <a:lnSpc>
+                <a:spcPct val="100000"/>
+              </a:lnSpc>
+              <a:spcBef>
+                <a:spcPts val="0"/>
+              </a:spcBef>
+              <a:spcAft>
+                <a:spcPts val="0"/>
+              </a:spcAft>
+              <a:buClrTx/>
+              <a:buSzTx/>
+              <a:buFontTx/>
+              <a:buNone/>
+              <a:tabLst/>
+              <a:defRPr/>
+            </a:pPr>
+            <a:r>
+              <a:rPr lang="fr-FR" baseline="0" dirty="0" smtClean="0"/>
+              <a:t>Dans le cas du prénom le nombre de lettre maximum que l’utilisateur est autorisé a mettre est de 20  définit par « </a:t>
+            </a:r>
+            <a:r>
+              <a:rPr lang="fr-FR" baseline="0" dirty="0" err="1" smtClean="0"/>
+              <a:t>maxlength</a:t>
+            </a:r>
+            <a:r>
+              <a:rPr lang="fr-FR" baseline="0" dirty="0" smtClean="0"/>
+              <a:t> » de </a:t>
+            </a:r>
+            <a:r>
+              <a:rPr lang="fr-FR" baseline="0" dirty="0" err="1" smtClean="0"/>
+              <a:t>meme</a:t>
+            </a:r>
+            <a:r>
+              <a:rPr lang="fr-FR" baseline="0" dirty="0" smtClean="0"/>
+              <a:t> que le nombre minimum </a:t>
+            </a:r>
+            <a:r>
+              <a:rPr lang="fr-FR" baseline="0" dirty="0" err="1" smtClean="0"/>
+              <a:t>definit</a:t>
+            </a:r>
+            <a:r>
+              <a:rPr lang="fr-FR" baseline="0" dirty="0" smtClean="0"/>
+              <a:t> par « </a:t>
+            </a:r>
+            <a:r>
+              <a:rPr lang="fr-FR" baseline="0" dirty="0" err="1" smtClean="0"/>
+              <a:t>minlength</a:t>
+            </a:r>
+            <a:r>
+              <a:rPr lang="fr-FR" baseline="0" dirty="0" smtClean="0"/>
+              <a:t> » et de 2 .</a:t>
+            </a:r>
+          </a:p>
+          <a:p>
+            <a:endParaRPr lang="fr-FR" dirty="0" smtClean="0"/>
           </a:p>
           <a:p>
             <a:endParaRPr lang="fr-FR" dirty="0"/>
@@ -4601,7 +4935,7 @@
     </p:spTree>
     <p:extLst>
       <p:ext uri="{BB962C8B-B14F-4D97-AF65-F5344CB8AC3E}">
-        <p14:creationId xmlns:p14="http://schemas.microsoft.com/office/powerpoint/2010/main" val="3183842373"/>
+        <p14:creationId xmlns:p14="http://schemas.microsoft.com/office/powerpoint/2010/main" val="703020805"/>
       </p:ext>
     </p:extLst>
   </p:cSld>
@@ -4661,10 +4995,45 @@
           <a:lstStyle/>
           <a:p>
             <a:r>
-              <a:rPr lang="fr-FR" smtClean="0"/>
-              <a:t> </a:t>
-            </a:r>
-            <a:endParaRPr lang="fr-FR" dirty="0" smtClean="0"/>
+              <a:rPr lang="fr-FR" dirty="0" smtClean="0"/>
+              <a:t>L’input de type « file » permettent à un utilisateur de sélectionner un ou plusieurs fichiers depuis leur appareil et de les uploader les fichier autorisé sont définit grâce a « </a:t>
+            </a:r>
+            <a:r>
+              <a:rPr lang="fr-FR" dirty="0" err="1" smtClean="0"/>
+              <a:t>accept</a:t>
+            </a:r>
+            <a:r>
+              <a:rPr lang="fr-FR" dirty="0" smtClean="0"/>
+              <a:t>= le nom des extension » en l’occurrence</a:t>
+            </a:r>
+            <a:r>
+              <a:rPr lang="fr-FR" baseline="0" dirty="0" smtClean="0"/>
+              <a:t> .</a:t>
+            </a:r>
+            <a:r>
+              <a:rPr lang="fr-FR" baseline="0" dirty="0" err="1" smtClean="0"/>
+              <a:t>jpg</a:t>
+            </a:r>
+            <a:r>
+              <a:rPr lang="fr-FR" baseline="0" dirty="0" smtClean="0"/>
+              <a:t> .</a:t>
+            </a:r>
+            <a:r>
+              <a:rPr lang="fr-FR" baseline="0" dirty="0" err="1" smtClean="0"/>
+              <a:t>png</a:t>
+            </a:r>
+            <a:r>
+              <a:rPr lang="fr-FR" baseline="0" dirty="0" smtClean="0"/>
+              <a:t> pour les images et .</a:t>
+            </a:r>
+            <a:r>
+              <a:rPr lang="fr-FR" baseline="0" dirty="0" err="1" smtClean="0"/>
+              <a:t>gif</a:t>
+            </a:r>
+            <a:r>
+              <a:rPr lang="fr-FR" baseline="0" dirty="0" smtClean="0"/>
+              <a:t> pour les image animés </a:t>
+            </a:r>
           </a:p>
           <a:p>
             <a:endParaRPr lang="fr-FR" dirty="0"/>
@@ -4702,7 +5071,7 @@
     </p:spTree>
     <p:extLst>
       <p:ext uri="{BB962C8B-B14F-4D97-AF65-F5344CB8AC3E}">
-        <p14:creationId xmlns:p14="http://schemas.microsoft.com/office/powerpoint/2010/main" val="3907528022"/>
+        <p14:creationId xmlns:p14="http://schemas.microsoft.com/office/powerpoint/2010/main" val="3429599279"/>
       </p:ext>
     </p:extLst>
   </p:cSld>
@@ -4762,12 +5131,17 @@
           <a:lstStyle/>
           <a:p>
             <a:r>
-              <a:rPr lang="fr-FR" smtClean="0"/>
-              <a:t> </a:t>
-            </a:r>
-            <a:endParaRPr lang="fr-FR" dirty="0" smtClean="0"/>
-          </a:p>
-          <a:p>
+              <a:rPr lang="fr-FR" dirty="0" smtClean="0"/>
+              <a:t>Voici le résultat avec du </a:t>
+            </a:r>
+            <a:r>
+              <a:rPr lang="fr-FR" dirty="0" err="1" smtClean="0"/>
+              <a:t>Css</a:t>
+            </a:r>
+            <a:r>
+              <a:rPr lang="fr-FR" dirty="0" smtClean="0"/>
+              <a:t> pour mettre un peu de la couleur aux tous .</a:t>
+            </a:r>
             <a:endParaRPr lang="fr-FR" dirty="0"/>
           </a:p>
         </p:txBody>
@@ -4803,7 +5177,7 @@
     </p:spTree>
     <p:extLst>
       <p:ext uri="{BB962C8B-B14F-4D97-AF65-F5344CB8AC3E}">
-        <p14:creationId xmlns:p14="http://schemas.microsoft.com/office/powerpoint/2010/main" val="1775862669"/>
+        <p14:creationId xmlns:p14="http://schemas.microsoft.com/office/powerpoint/2010/main" val="2625164785"/>
       </p:ext>
     </p:extLst>
   </p:cSld>
@@ -4863,12 +5237,29 @@
           <a:lstStyle/>
           <a:p>
             <a:r>
+              <a:rPr lang="fr-FR" dirty="0" smtClean="0"/>
+              <a:t>En conclusion cette aventure qu’est ce projet est un challenge des plus passionnant qui m’apportera une monté en compétence ainsi qu’en expérience .</a:t>
+            </a:r>
+          </a:p>
+          <a:p>
+            <a:r>
+              <a:rPr lang="fr-FR" dirty="0" smtClean="0"/>
+              <a:t>Tous retour de votre part est la bienvenue </a:t>
+            </a:r>
+          </a:p>
+          <a:p>
+            <a:r>
+              <a:rPr lang="fr-FR" dirty="0" smtClean="0"/>
+              <a:t>Merci de </a:t>
+            </a:r>
+            <a:r>
               <a:rPr lang="fr-FR" smtClean="0"/>
+              <a:t>votre attention</a:t>
+            </a:r>
+            <a:r>
+              <a:rPr lang="fr-FR" baseline="0" smtClean="0"/>
               <a:t> </a:t>
             </a:r>
-            <a:endParaRPr lang="fr-FR" dirty="0" smtClean="0"/>
-          </a:p>
-          <a:p>
             <a:endParaRPr lang="fr-FR" dirty="0"/>
           </a:p>
         </p:txBody>
@@ -4904,7 +5295,7 @@
     </p:spTree>
     <p:extLst>
       <p:ext uri="{BB962C8B-B14F-4D97-AF65-F5344CB8AC3E}">
-        <p14:creationId xmlns:p14="http://schemas.microsoft.com/office/powerpoint/2010/main" val="3632931389"/>
+        <p14:creationId xmlns:p14="http://schemas.microsoft.com/office/powerpoint/2010/main" val="3183842373"/>
       </p:ext>
     </p:extLst>
   </p:cSld>
@@ -5015,410 +5406,6 @@
 </p:notes>
 </file>
 
-<file path=ppt/notesSlides/notesSlide36.xml><?xml version="1.0" encoding="utf-8"?>
-<p:notes xmlns:a="http://schemas.openxmlformats.org/drawingml/2006/main" xmlns:r="http://schemas.openxmlformats.org/officeDocument/2006/relationships" xmlns:p="http://schemas.openxmlformats.org/presentationml/2006/main">
-  <p:cSld>
-    <p:spTree>
-      <p:nvGrpSpPr>
-        <p:cNvPr id="1" name=""/>
-        <p:cNvGrpSpPr/>
-        <p:nvPr/>
-      </p:nvGrpSpPr>
-      <p:grpSpPr>
-        <a:xfrm>
-          <a:off x="0" y="0"/>
-          <a:ext cx="0" cy="0"/>
-          <a:chOff x="0" y="0"/>
-          <a:chExt cx="0" cy="0"/>
-        </a:xfrm>
-      </p:grpSpPr>
-      <p:sp>
-        <p:nvSpPr>
-          <p:cNvPr id="2" name="Espace réservé de l'image des diapositives 1"/>
-          <p:cNvSpPr>
-            <a:spLocks noGrp="1" noRot="1" noChangeAspect="1"/>
-          </p:cNvSpPr>
-          <p:nvPr>
-            <p:ph type="sldImg"/>
-          </p:nvPr>
-        </p:nvSpPr>
-        <p:spPr>
-          <a:xfrm>
-            <a:off x="217488" y="812800"/>
-            <a:ext cx="7124700" cy="4008438"/>
-          </a:xfrm>
-        </p:spPr>
-      </p:sp>
-      <p:sp>
-        <p:nvSpPr>
-          <p:cNvPr id="3" name="Espace réservé des commentaires 2"/>
-          <p:cNvSpPr>
-            <a:spLocks noGrp="1"/>
-          </p:cNvSpPr>
-          <p:nvPr>
-            <p:ph type="body" idx="1"/>
-          </p:nvPr>
-        </p:nvSpPr>
-        <p:spPr/>
-        <p:txBody>
-          <a:bodyPr/>
-          <a:lstStyle/>
-          <a:p>
-            <a:r>
-              <a:rPr lang="fr-FR" smtClean="0"/>
-              <a:t> </a:t>
-            </a:r>
-            <a:endParaRPr lang="fr-FR" dirty="0" smtClean="0"/>
-          </a:p>
-          <a:p>
-            <a:endParaRPr lang="fr-FR" dirty="0"/>
-          </a:p>
-        </p:txBody>
-      </p:sp>
-      <p:sp>
-        <p:nvSpPr>
-          <p:cNvPr id="4" name="Espace réservé du numéro de diapositive 3"/>
-          <p:cNvSpPr>
-            <a:spLocks noGrp="1"/>
-          </p:cNvSpPr>
-          <p:nvPr>
-            <p:ph type="sldNum" idx="10"/>
-          </p:nvPr>
-        </p:nvSpPr>
-        <p:spPr/>
-        <p:txBody>
-          <a:bodyPr/>
-          <a:lstStyle/>
-          <a:p>
-            <a:pPr algn="r"/>
-            <a:fld id="{4C8961B9-9BF0-44A4-A706-205F40A8B952}" type="slidenum">
-              <a:rPr lang="fr-FR" sz="1400" b="0" strike="noStrike" spc="-1" smtClean="0">
-                <a:latin typeface="Times New Roman"/>
-              </a:rPr>
-              <a:t>36</a:t>
-            </a:fld>
-            <a:endParaRPr lang="fr-FR" sz="1400" b="0" strike="noStrike" spc="-1">
-              <a:latin typeface="Times New Roman"/>
-            </a:endParaRPr>
-          </a:p>
-        </p:txBody>
-      </p:sp>
-    </p:spTree>
-    <p:extLst>
-      <p:ext uri="{BB962C8B-B14F-4D97-AF65-F5344CB8AC3E}">
-        <p14:creationId xmlns:p14="http://schemas.microsoft.com/office/powerpoint/2010/main" val="2265272668"/>
-      </p:ext>
-    </p:extLst>
-  </p:cSld>
-  <p:clrMapOvr>
-    <a:masterClrMapping/>
-  </p:clrMapOvr>
-</p:notes>
-</file>
-
-<file path=ppt/notesSlides/notesSlide37.xml><?xml version="1.0" encoding="utf-8"?>
-<p:notes xmlns:a="http://schemas.openxmlformats.org/drawingml/2006/main" xmlns:r="http://schemas.openxmlformats.org/officeDocument/2006/relationships" xmlns:p="http://schemas.openxmlformats.org/presentationml/2006/main">
-  <p:cSld>
-    <p:spTree>
-      <p:nvGrpSpPr>
-        <p:cNvPr id="1" name=""/>
-        <p:cNvGrpSpPr/>
-        <p:nvPr/>
-      </p:nvGrpSpPr>
-      <p:grpSpPr>
-        <a:xfrm>
-          <a:off x="0" y="0"/>
-          <a:ext cx="0" cy="0"/>
-          <a:chOff x="0" y="0"/>
-          <a:chExt cx="0" cy="0"/>
-        </a:xfrm>
-      </p:grpSpPr>
-      <p:sp>
-        <p:nvSpPr>
-          <p:cNvPr id="2" name="Espace réservé de l'image des diapositives 1"/>
-          <p:cNvSpPr>
-            <a:spLocks noGrp="1" noRot="1" noChangeAspect="1"/>
-          </p:cNvSpPr>
-          <p:nvPr>
-            <p:ph type="sldImg"/>
-          </p:nvPr>
-        </p:nvSpPr>
-        <p:spPr>
-          <a:xfrm>
-            <a:off x="217488" y="812800"/>
-            <a:ext cx="7124700" cy="4008438"/>
-          </a:xfrm>
-        </p:spPr>
-      </p:sp>
-      <p:sp>
-        <p:nvSpPr>
-          <p:cNvPr id="3" name="Espace réservé des commentaires 2"/>
-          <p:cNvSpPr>
-            <a:spLocks noGrp="1"/>
-          </p:cNvSpPr>
-          <p:nvPr>
-            <p:ph type="body" idx="1"/>
-          </p:nvPr>
-        </p:nvSpPr>
-        <p:spPr/>
-        <p:txBody>
-          <a:bodyPr/>
-          <a:lstStyle/>
-          <a:p>
-            <a:r>
-              <a:rPr lang="fr-FR" smtClean="0"/>
-              <a:t> </a:t>
-            </a:r>
-            <a:endParaRPr lang="fr-FR" dirty="0" smtClean="0"/>
-          </a:p>
-          <a:p>
-            <a:endParaRPr lang="fr-FR" dirty="0"/>
-          </a:p>
-        </p:txBody>
-      </p:sp>
-      <p:sp>
-        <p:nvSpPr>
-          <p:cNvPr id="4" name="Espace réservé du numéro de diapositive 3"/>
-          <p:cNvSpPr>
-            <a:spLocks noGrp="1"/>
-          </p:cNvSpPr>
-          <p:nvPr>
-            <p:ph type="sldNum" idx="10"/>
-          </p:nvPr>
-        </p:nvSpPr>
-        <p:spPr/>
-        <p:txBody>
-          <a:bodyPr/>
-          <a:lstStyle/>
-          <a:p>
-            <a:pPr algn="r"/>
-            <a:fld id="{4C8961B9-9BF0-44A4-A706-205F40A8B952}" type="slidenum">
-              <a:rPr lang="fr-FR" sz="1400" b="0" strike="noStrike" spc="-1" smtClean="0">
-                <a:latin typeface="Times New Roman"/>
-              </a:rPr>
-              <a:t>37</a:t>
-            </a:fld>
-            <a:endParaRPr lang="fr-FR" sz="1400" b="0" strike="noStrike" spc="-1">
-              <a:latin typeface="Times New Roman"/>
-            </a:endParaRPr>
-          </a:p>
-        </p:txBody>
-      </p:sp>
-    </p:spTree>
-    <p:extLst>
-      <p:ext uri="{BB962C8B-B14F-4D97-AF65-F5344CB8AC3E}">
-        <p14:creationId xmlns:p14="http://schemas.microsoft.com/office/powerpoint/2010/main" val="2705653615"/>
-      </p:ext>
-    </p:extLst>
-  </p:cSld>
-  <p:clrMapOvr>
-    <a:masterClrMapping/>
-  </p:clrMapOvr>
-</p:notes>
-</file>
-
-<file path=ppt/notesSlides/notesSlide38.xml><?xml version="1.0" encoding="utf-8"?>
-<p:notes xmlns:a="http://schemas.openxmlformats.org/drawingml/2006/main" xmlns:r="http://schemas.openxmlformats.org/officeDocument/2006/relationships" xmlns:p="http://schemas.openxmlformats.org/presentationml/2006/main">
-  <p:cSld>
-    <p:spTree>
-      <p:nvGrpSpPr>
-        <p:cNvPr id="1" name=""/>
-        <p:cNvGrpSpPr/>
-        <p:nvPr/>
-      </p:nvGrpSpPr>
-      <p:grpSpPr>
-        <a:xfrm>
-          <a:off x="0" y="0"/>
-          <a:ext cx="0" cy="0"/>
-          <a:chOff x="0" y="0"/>
-          <a:chExt cx="0" cy="0"/>
-        </a:xfrm>
-      </p:grpSpPr>
-      <p:sp>
-        <p:nvSpPr>
-          <p:cNvPr id="2" name="Espace réservé de l'image des diapositives 1"/>
-          <p:cNvSpPr>
-            <a:spLocks noGrp="1" noRot="1" noChangeAspect="1"/>
-          </p:cNvSpPr>
-          <p:nvPr>
-            <p:ph type="sldImg"/>
-          </p:nvPr>
-        </p:nvSpPr>
-        <p:spPr>
-          <a:xfrm>
-            <a:off x="217488" y="812800"/>
-            <a:ext cx="7124700" cy="4008438"/>
-          </a:xfrm>
-        </p:spPr>
-      </p:sp>
-      <p:sp>
-        <p:nvSpPr>
-          <p:cNvPr id="3" name="Espace réservé des commentaires 2"/>
-          <p:cNvSpPr>
-            <a:spLocks noGrp="1"/>
-          </p:cNvSpPr>
-          <p:nvPr>
-            <p:ph type="body" idx="1"/>
-          </p:nvPr>
-        </p:nvSpPr>
-        <p:spPr/>
-        <p:txBody>
-          <a:bodyPr/>
-          <a:lstStyle/>
-          <a:p>
-            <a:r>
-              <a:rPr lang="fr-FR" smtClean="0"/>
-              <a:t> </a:t>
-            </a:r>
-            <a:endParaRPr lang="fr-FR" dirty="0" smtClean="0"/>
-          </a:p>
-          <a:p>
-            <a:endParaRPr lang="fr-FR" dirty="0"/>
-          </a:p>
-        </p:txBody>
-      </p:sp>
-      <p:sp>
-        <p:nvSpPr>
-          <p:cNvPr id="4" name="Espace réservé du numéro de diapositive 3"/>
-          <p:cNvSpPr>
-            <a:spLocks noGrp="1"/>
-          </p:cNvSpPr>
-          <p:nvPr>
-            <p:ph type="sldNum" idx="10"/>
-          </p:nvPr>
-        </p:nvSpPr>
-        <p:spPr/>
-        <p:txBody>
-          <a:bodyPr/>
-          <a:lstStyle/>
-          <a:p>
-            <a:pPr algn="r"/>
-            <a:fld id="{4C8961B9-9BF0-44A4-A706-205F40A8B952}" type="slidenum">
-              <a:rPr lang="fr-FR" sz="1400" b="0" strike="noStrike" spc="-1" smtClean="0">
-                <a:latin typeface="Times New Roman"/>
-              </a:rPr>
-              <a:t>38</a:t>
-            </a:fld>
-            <a:endParaRPr lang="fr-FR" sz="1400" b="0" strike="noStrike" spc="-1">
-              <a:latin typeface="Times New Roman"/>
-            </a:endParaRPr>
-          </a:p>
-        </p:txBody>
-      </p:sp>
-    </p:spTree>
-    <p:extLst>
-      <p:ext uri="{BB962C8B-B14F-4D97-AF65-F5344CB8AC3E}">
-        <p14:creationId xmlns:p14="http://schemas.microsoft.com/office/powerpoint/2010/main" val="3794957818"/>
-      </p:ext>
-    </p:extLst>
-  </p:cSld>
-  <p:clrMapOvr>
-    <a:masterClrMapping/>
-  </p:clrMapOvr>
-</p:notes>
-</file>
-
-<file path=ppt/notesSlides/notesSlide39.xml><?xml version="1.0" encoding="utf-8"?>
-<p:notes xmlns:a="http://schemas.openxmlformats.org/drawingml/2006/main" xmlns:r="http://schemas.openxmlformats.org/officeDocument/2006/relationships" xmlns:p="http://schemas.openxmlformats.org/presentationml/2006/main">
-  <p:cSld>
-    <p:spTree>
-      <p:nvGrpSpPr>
-        <p:cNvPr id="1" name=""/>
-        <p:cNvGrpSpPr/>
-        <p:nvPr/>
-      </p:nvGrpSpPr>
-      <p:grpSpPr>
-        <a:xfrm>
-          <a:off x="0" y="0"/>
-          <a:ext cx="0" cy="0"/>
-          <a:chOff x="0" y="0"/>
-          <a:chExt cx="0" cy="0"/>
-        </a:xfrm>
-      </p:grpSpPr>
-      <p:sp>
-        <p:nvSpPr>
-          <p:cNvPr id="2" name="Espace réservé de l'image des diapositives 1"/>
-          <p:cNvSpPr>
-            <a:spLocks noGrp="1" noRot="1" noChangeAspect="1"/>
-          </p:cNvSpPr>
-          <p:nvPr>
-            <p:ph type="sldImg"/>
-          </p:nvPr>
-        </p:nvSpPr>
-        <p:spPr>
-          <a:xfrm>
-            <a:off x="217488" y="812800"/>
-            <a:ext cx="7124700" cy="4008438"/>
-          </a:xfrm>
-        </p:spPr>
-      </p:sp>
-      <p:sp>
-        <p:nvSpPr>
-          <p:cNvPr id="3" name="Espace réservé des commentaires 2"/>
-          <p:cNvSpPr>
-            <a:spLocks noGrp="1"/>
-          </p:cNvSpPr>
-          <p:nvPr>
-            <p:ph type="body" idx="1"/>
-          </p:nvPr>
-        </p:nvSpPr>
-        <p:spPr/>
-        <p:txBody>
-          <a:bodyPr/>
-          <a:lstStyle/>
-          <a:p>
-            <a:r>
-              <a:rPr lang="fr-FR" smtClean="0"/>
-              <a:t> </a:t>
-            </a:r>
-            <a:endParaRPr lang="fr-FR" dirty="0" smtClean="0"/>
-          </a:p>
-          <a:p>
-            <a:endParaRPr lang="fr-FR" dirty="0"/>
-          </a:p>
-        </p:txBody>
-      </p:sp>
-      <p:sp>
-        <p:nvSpPr>
-          <p:cNvPr id="4" name="Espace réservé du numéro de diapositive 3"/>
-          <p:cNvSpPr>
-            <a:spLocks noGrp="1"/>
-          </p:cNvSpPr>
-          <p:nvPr>
-            <p:ph type="sldNum" idx="10"/>
-          </p:nvPr>
-        </p:nvSpPr>
-        <p:spPr/>
-        <p:txBody>
-          <a:bodyPr/>
-          <a:lstStyle/>
-          <a:p>
-            <a:pPr algn="r"/>
-            <a:fld id="{4C8961B9-9BF0-44A4-A706-205F40A8B952}" type="slidenum">
-              <a:rPr lang="fr-FR" sz="1400" b="0" strike="noStrike" spc="-1" smtClean="0">
-                <a:latin typeface="Times New Roman"/>
-              </a:rPr>
-              <a:t>39</a:t>
-            </a:fld>
-            <a:endParaRPr lang="fr-FR" sz="1400" b="0" strike="noStrike" spc="-1">
-              <a:latin typeface="Times New Roman"/>
-            </a:endParaRPr>
-          </a:p>
-        </p:txBody>
-      </p:sp>
-    </p:spTree>
-    <p:extLst>
-      <p:ext uri="{BB962C8B-B14F-4D97-AF65-F5344CB8AC3E}">
-        <p14:creationId xmlns:p14="http://schemas.microsoft.com/office/powerpoint/2010/main" val="2501492494"/>
-      </p:ext>
-    </p:extLst>
-  </p:cSld>
-  <p:clrMapOvr>
-    <a:masterClrMapping/>
-  </p:clrMapOvr>
-</p:notes>
-</file>
-
 <file path=ppt/notesSlides/notesSlide4.xml><?xml version="1.0" encoding="utf-8"?>
 <p:notes xmlns:a="http://schemas.openxmlformats.org/drawingml/2006/main" xmlns:r="http://schemas.openxmlformats.org/officeDocument/2006/relationships" xmlns:p="http://schemas.openxmlformats.org/presentationml/2006/main">
   <p:cSld>
@@ -5555,107 +5542,6 @@
     <p:extLst>
       <p:ext uri="{BB962C8B-B14F-4D97-AF65-F5344CB8AC3E}">
         <p14:creationId xmlns:p14="http://schemas.microsoft.com/office/powerpoint/2010/main" val="445238254"/>
-      </p:ext>
-    </p:extLst>
-  </p:cSld>
-  <p:clrMapOvr>
-    <a:masterClrMapping/>
-  </p:clrMapOvr>
-</p:notes>
-</file>
-
-<file path=ppt/notesSlides/notesSlide40.xml><?xml version="1.0" encoding="utf-8"?>
-<p:notes xmlns:a="http://schemas.openxmlformats.org/drawingml/2006/main" xmlns:r="http://schemas.openxmlformats.org/officeDocument/2006/relationships" xmlns:p="http://schemas.openxmlformats.org/presentationml/2006/main">
-  <p:cSld>
-    <p:spTree>
-      <p:nvGrpSpPr>
-        <p:cNvPr id="1" name=""/>
-        <p:cNvGrpSpPr/>
-        <p:nvPr/>
-      </p:nvGrpSpPr>
-      <p:grpSpPr>
-        <a:xfrm>
-          <a:off x="0" y="0"/>
-          <a:ext cx="0" cy="0"/>
-          <a:chOff x="0" y="0"/>
-          <a:chExt cx="0" cy="0"/>
-        </a:xfrm>
-      </p:grpSpPr>
-      <p:sp>
-        <p:nvSpPr>
-          <p:cNvPr id="2" name="Espace réservé de l'image des diapositives 1"/>
-          <p:cNvSpPr>
-            <a:spLocks noGrp="1" noRot="1" noChangeAspect="1"/>
-          </p:cNvSpPr>
-          <p:nvPr>
-            <p:ph type="sldImg"/>
-          </p:nvPr>
-        </p:nvSpPr>
-        <p:spPr>
-          <a:xfrm>
-            <a:off x="217488" y="812800"/>
-            <a:ext cx="7124700" cy="4008438"/>
-          </a:xfrm>
-        </p:spPr>
-      </p:sp>
-      <p:sp>
-        <p:nvSpPr>
-          <p:cNvPr id="3" name="Espace réservé des commentaires 2"/>
-          <p:cNvSpPr>
-            <a:spLocks noGrp="1"/>
-          </p:cNvSpPr>
-          <p:nvPr>
-            <p:ph type="body" idx="1"/>
-          </p:nvPr>
-        </p:nvSpPr>
-        <p:spPr/>
-        <p:txBody>
-          <a:bodyPr/>
-          <a:lstStyle/>
-          <a:p>
-            <a:r>
-              <a:rPr lang="fr-FR" smtClean="0"/>
-              <a:t> </a:t>
-            </a:r>
-            <a:endParaRPr lang="fr-FR" dirty="0" smtClean="0"/>
-          </a:p>
-          <a:p>
-            <a:endParaRPr lang="fr-FR" dirty="0"/>
-          </a:p>
-        </p:txBody>
-      </p:sp>
-      <p:sp>
-        <p:nvSpPr>
-          <p:cNvPr id="4" name="Espace réservé du numéro de diapositive 3"/>
-          <p:cNvSpPr>
-            <a:spLocks noGrp="1"/>
-          </p:cNvSpPr>
-          <p:nvPr>
-            <p:ph type="sldNum" idx="10"/>
-          </p:nvPr>
-        </p:nvSpPr>
-        <p:spPr/>
-        <p:txBody>
-          <a:bodyPr/>
-          <a:lstStyle/>
-          <a:p>
-            <a:pPr algn="r"/>
-            <a:fld id="{4C8961B9-9BF0-44A4-A706-205F40A8B952}" type="slidenum">
-              <a:rPr lang="fr-FR" sz="1400" b="0" strike="noStrike" spc="-1" smtClean="0">
-                <a:latin typeface="Times New Roman"/>
-              </a:rPr>
-              <a:t>40</a:t>
-            </a:fld>
-            <a:endParaRPr lang="fr-FR" sz="1400" b="0" strike="noStrike" spc="-1">
-              <a:latin typeface="Times New Roman"/>
-            </a:endParaRPr>
-          </a:p>
-        </p:txBody>
-      </p:sp>
-    </p:spTree>
-    <p:extLst>
-      <p:ext uri="{BB962C8B-B14F-4D97-AF65-F5344CB8AC3E}">
-        <p14:creationId xmlns:p14="http://schemas.microsoft.com/office/powerpoint/2010/main" val="3217792340"/>
       </p:ext>
     </p:extLst>
   </p:cSld>
@@ -6182,7 +6068,7 @@
       </p:grpSpPr>
       <p:sp>
         <p:nvSpPr>
-          <p:cNvPr id="155" name="PlaceHolder 1"/>
+          <p:cNvPr id="2" name="Espace réservé de l'image des diapositives 1"/>
           <p:cNvSpPr>
             <a:spLocks noGrp="1" noRot="1" noChangeAspect="1"/>
           </p:cNvSpPr>
@@ -6192,168 +6078,61 @@
         </p:nvSpPr>
         <p:spPr>
           <a:xfrm>
-            <a:off x="685800" y="1143000"/>
-            <a:ext cx="5486400" cy="3086100"/>
-          </a:xfrm>
-          <a:prstGeom prst="rect">
-            <a:avLst/>
-          </a:prstGeom>
-        </p:spPr>
-      </p:sp>
-      <p:sp>
-        <p:nvSpPr>
-          <p:cNvPr id="156" name="PlaceHolder 2"/>
+            <a:off x="217488" y="812800"/>
+            <a:ext cx="7124700" cy="4008438"/>
+          </a:xfrm>
+        </p:spPr>
+      </p:sp>
+      <p:sp>
+        <p:nvSpPr>
+          <p:cNvPr id="3" name="Espace réservé des commentaires 2"/>
           <p:cNvSpPr>
             <a:spLocks noGrp="1"/>
           </p:cNvSpPr>
           <p:nvPr>
-            <p:ph type="body"/>
+            <p:ph type="body" idx="1"/>
           </p:nvPr>
         </p:nvSpPr>
-        <p:spPr>
-          <a:xfrm>
-            <a:off x="685800" y="4400640"/>
-            <a:ext cx="5485680" cy="3599640"/>
-          </a:xfrm>
-          <a:prstGeom prst="rect">
-            <a:avLst/>
-          </a:prstGeom>
-        </p:spPr>
-        <p:txBody>
-          <a:bodyPr lIns="0" tIns="0" rIns="0" bIns="0">
-            <a:noAutofit/>
-          </a:bodyPr>
-          <a:lstStyle/>
-          <a:p>
-            <a:pPr marL="0" marR="0" indent="0" algn="l" defTabSz="914400" rtl="0" eaLnBrk="1" fontAlgn="auto" latinLnBrk="0" hangingPunct="1">
-              <a:lnSpc>
-                <a:spcPct val="100000"/>
-              </a:lnSpc>
-              <a:spcBef>
-                <a:spcPts val="0"/>
-              </a:spcBef>
-              <a:spcAft>
-                <a:spcPts val="0"/>
-              </a:spcAft>
-              <a:buClrTx/>
-              <a:buSzTx/>
-              <a:buFontTx/>
-              <a:buNone/>
-              <a:tabLst/>
-              <a:defRPr/>
-            </a:pPr>
-            <a:r>
-              <a:rPr lang="fr-FR" sz="2000" dirty="0" smtClean="0"/>
-              <a:t>J’ai voulu que</a:t>
-            </a:r>
-            <a:r>
-              <a:rPr lang="fr-FR" sz="2000" baseline="0" dirty="0" smtClean="0"/>
-              <a:t> mon site soit le plus ludique possible afin qu’il soit le plus accessible ainsi ai-je opter pour la simplicité </a:t>
-            </a:r>
-          </a:p>
-          <a:p>
-            <a:pPr marL="0" marR="0" indent="0" algn="l" defTabSz="914400" rtl="0" eaLnBrk="1" fontAlgn="auto" latinLnBrk="0" hangingPunct="1">
-              <a:lnSpc>
-                <a:spcPct val="100000"/>
-              </a:lnSpc>
-              <a:spcBef>
-                <a:spcPts val="0"/>
-              </a:spcBef>
-              <a:spcAft>
-                <a:spcPts val="0"/>
-              </a:spcAft>
-              <a:buClrTx/>
-              <a:buSzTx/>
-              <a:buFontTx/>
-              <a:buNone/>
-              <a:tabLst/>
-              <a:defRPr/>
-            </a:pPr>
-            <a:r>
-              <a:rPr lang="fr-FR" sz="2000" baseline="0" dirty="0" smtClean="0"/>
-              <a:t>Lorsque l’utilisateur est sur la page d’accueil je souhaite qu’il accède à une page dédier à sa demande de service si toutefois il y est déjà connecter &amp; dans le cas où il n’a pas d’idée précise lui donner la possibilité de consulter les profils des différents développeurs présents qui auront sur leur propre page des exemples de leur travail …</a:t>
-            </a:r>
-          </a:p>
-          <a:p>
-            <a:pPr marL="0" marR="0" indent="0" algn="l" defTabSz="914400" rtl="0" eaLnBrk="1" fontAlgn="auto" latinLnBrk="0" hangingPunct="1">
-              <a:lnSpc>
-                <a:spcPct val="100000"/>
-              </a:lnSpc>
-              <a:spcBef>
-                <a:spcPts val="0"/>
-              </a:spcBef>
-              <a:spcAft>
-                <a:spcPts val="0"/>
-              </a:spcAft>
-              <a:buClrTx/>
-              <a:buSzTx/>
-              <a:buFontTx/>
-              <a:buNone/>
-              <a:tabLst/>
-              <a:defRPr/>
-            </a:pPr>
-            <a:r>
-              <a:rPr lang="fr-FR" sz="2000" baseline="0" dirty="0" smtClean="0"/>
-              <a:t>Une partie pour les développeur est aussi présent afin qu’ils puisse consulté la liste des offres disponible est choisir l’annonce qu’ils leurs conviennent le plus </a:t>
-            </a:r>
-            <a:endParaRPr lang="fr-FR" sz="2000" dirty="0"/>
-          </a:p>
-        </p:txBody>
-      </p:sp>
-      <p:sp>
-        <p:nvSpPr>
-          <p:cNvPr id="157" name="CustomShape 3"/>
-          <p:cNvSpPr/>
-          <p:nvPr/>
-        </p:nvSpPr>
-        <p:spPr>
-          <a:xfrm>
-            <a:off x="3884760" y="8685360"/>
-            <a:ext cx="2971080" cy="457920"/>
-          </a:xfrm>
-          <a:prstGeom prst="rect">
-            <a:avLst/>
-          </a:prstGeom>
-          <a:noFill/>
-          <a:ln>
-            <a:noFill/>
-          </a:ln>
-        </p:spPr>
-        <p:style>
-          <a:lnRef idx="0">
-            <a:scrgbClr r="0" g="0" b="0"/>
-          </a:lnRef>
-          <a:fillRef idx="0">
-            <a:scrgbClr r="0" g="0" b="0"/>
-          </a:fillRef>
-          <a:effectRef idx="0">
-            <a:scrgbClr r="0" g="0" b="0"/>
-          </a:effectRef>
-          <a:fontRef idx="minor"/>
-        </p:style>
-        <p:txBody>
-          <a:bodyPr lIns="90000" tIns="45000" rIns="90000" bIns="45000" anchor="b">
-            <a:noAutofit/>
-          </a:bodyPr>
-          <a:lstStyle/>
-          <a:p>
-            <a:pPr algn="r">
-              <a:lnSpc>
-                <a:spcPct val="100000"/>
-              </a:lnSpc>
-            </a:pPr>
-            <a:fld id="{7DFA6E54-7A15-4764-ACBB-0422FDEFF671}" type="slidenum">
-              <a:rPr lang="fr-FR" sz="1200" b="0" strike="noStrike" spc="-1">
-                <a:solidFill>
-                  <a:srgbClr val="000000"/>
-                </a:solidFill>
-                <a:latin typeface="+mn-lt"/>
-                <a:ea typeface="+mn-ea"/>
+        <p:spPr/>
+        <p:txBody>
+          <a:bodyPr/>
+          <a:lstStyle/>
+          <a:p>
+            <a:r>
+              <a:rPr lang="fr-FR" smtClean="0"/>
+              <a:t> </a:t>
+            </a:r>
+            <a:endParaRPr lang="fr-FR" dirty="0" smtClean="0"/>
+          </a:p>
+          <a:p>
+            <a:endParaRPr lang="fr-FR" dirty="0"/>
+          </a:p>
+        </p:txBody>
+      </p:sp>
+      <p:sp>
+        <p:nvSpPr>
+          <p:cNvPr id="4" name="Espace réservé du numéro de diapositive 3"/>
+          <p:cNvSpPr>
+            <a:spLocks noGrp="1"/>
+          </p:cNvSpPr>
+          <p:nvPr>
+            <p:ph type="sldNum" idx="10"/>
+          </p:nvPr>
+        </p:nvSpPr>
+        <p:spPr/>
+        <p:txBody>
+          <a:bodyPr/>
+          <a:lstStyle/>
+          <a:p>
+            <a:pPr algn="r"/>
+            <a:fld id="{4C8961B9-9BF0-44A4-A706-205F40A8B952}" type="slidenum">
+              <a:rPr lang="fr-FR" sz="1400" b="0" strike="noStrike" spc="-1" smtClean="0">
+                <a:latin typeface="Times New Roman"/>
               </a:rPr>
               <a:t>8</a:t>
             </a:fld>
-            <a:endParaRPr lang="fr-FR" sz="1200" b="0" strike="noStrike" spc="-1">
-              <a:latin typeface="Arial"/>
+            <a:endParaRPr lang="fr-FR" sz="1400" b="0" strike="noStrike" spc="-1">
+              <a:latin typeface="Times New Roman"/>
             </a:endParaRPr>
           </a:p>
         </p:txBody>
@@ -6361,7 +6140,7 @@
     </p:spTree>
     <p:extLst>
       <p:ext uri="{BB962C8B-B14F-4D97-AF65-F5344CB8AC3E}">
-        <p14:creationId xmlns:p14="http://schemas.microsoft.com/office/powerpoint/2010/main" val="104488453"/>
+        <p14:creationId xmlns:p14="http://schemas.microsoft.com/office/powerpoint/2010/main" val="1775862669"/>
       </p:ext>
     </p:extLst>
   </p:cSld>
@@ -6390,7 +6169,7 @@
       </p:grpSpPr>
       <p:sp>
         <p:nvSpPr>
-          <p:cNvPr id="155" name="PlaceHolder 1"/>
+          <p:cNvPr id="2" name="Espace réservé de l'image des diapositives 1"/>
           <p:cNvSpPr>
             <a:spLocks noGrp="1" noRot="1" noChangeAspect="1"/>
           </p:cNvSpPr>
@@ -6400,37 +6179,24 @@
         </p:nvSpPr>
         <p:spPr>
           <a:xfrm>
-            <a:off x="685800" y="1143000"/>
-            <a:ext cx="5486400" cy="3086100"/>
-          </a:xfrm>
-          <a:prstGeom prst="rect">
-            <a:avLst/>
-          </a:prstGeom>
-        </p:spPr>
-      </p:sp>
-      <p:sp>
-        <p:nvSpPr>
-          <p:cNvPr id="156" name="PlaceHolder 2"/>
+            <a:off x="217488" y="812800"/>
+            <a:ext cx="7124700" cy="4008438"/>
+          </a:xfrm>
+        </p:spPr>
+      </p:sp>
+      <p:sp>
+        <p:nvSpPr>
+          <p:cNvPr id="3" name="Espace réservé des commentaires 2"/>
           <p:cNvSpPr>
             <a:spLocks noGrp="1"/>
           </p:cNvSpPr>
           <p:nvPr>
-            <p:ph type="body"/>
+            <p:ph type="body" idx="1"/>
           </p:nvPr>
         </p:nvSpPr>
-        <p:spPr>
-          <a:xfrm>
-            <a:off x="685800" y="4400640"/>
-            <a:ext cx="5485680" cy="3599640"/>
-          </a:xfrm>
-          <a:prstGeom prst="rect">
-            <a:avLst/>
-          </a:prstGeom>
-        </p:spPr>
-        <p:txBody>
-          <a:bodyPr lIns="0" tIns="0" rIns="0" bIns="0">
-            <a:noAutofit/>
-          </a:bodyPr>
+        <p:spPr/>
+        <p:txBody>
+          <a:bodyPr/>
           <a:lstStyle/>
           <a:p>
             <a:pPr marL="0" marR="0" indent="0" algn="l" defTabSz="914400" rtl="0" eaLnBrk="1" fontAlgn="auto" latinLnBrk="0" hangingPunct="1">
@@ -6451,8 +6217,8 @@
               <a:defRPr/>
             </a:pPr>
             <a:r>
-              <a:rPr lang="fr-FR" sz="2000" dirty="0" smtClean="0"/>
-              <a:t> voici le </a:t>
+              <a:rPr lang="fr-FR" dirty="0" smtClean="0"/>
+              <a:t> </a:t>
             </a:r>
             <a:r>
               <a:rPr lang="fr-FR" sz="1200" kern="1200" dirty="0" smtClean="0">
@@ -6464,200 +6230,41 @@
                 <a:ea typeface="+mn-ea"/>
                 <a:cs typeface="+mn-cs"/>
               </a:rPr>
-              <a:t>Zoning</a:t>
-            </a:r>
-            <a:r>
-              <a:rPr lang="fr-FR" sz="1200" kern="1200" baseline="0" dirty="0" smtClean="0">
-                <a:solidFill>
-                  <a:schemeClr val="tx1"/>
-                </a:solidFill>
-                <a:effectLst/>
-                <a:latin typeface="+mn-lt"/>
-                <a:ea typeface="+mn-ea"/>
-                <a:cs typeface="+mn-cs"/>
-              </a:rPr>
-              <a:t> &amp; le</a:t>
-            </a:r>
-            <a:r>
-              <a:rPr lang="fr-FR" sz="1200" kern="1200" dirty="0" smtClean="0">
-                <a:solidFill>
-                  <a:schemeClr val="tx1"/>
-                </a:solidFill>
-                <a:effectLst/>
-                <a:latin typeface="+mn-lt"/>
-                <a:ea typeface="+mn-ea"/>
-                <a:cs typeface="+mn-cs"/>
-              </a:rPr>
-              <a:t> </a:t>
-            </a:r>
-            <a:r>
-              <a:rPr lang="fr-FR" sz="1200" kern="1200" dirty="0" err="1" smtClean="0">
-                <a:solidFill>
-                  <a:schemeClr val="tx1"/>
-                </a:solidFill>
-                <a:effectLst/>
-                <a:latin typeface="+mn-lt"/>
-                <a:ea typeface="+mn-ea"/>
-                <a:cs typeface="+mn-cs"/>
-              </a:rPr>
-              <a:t>wireframe</a:t>
-            </a:r>
-            <a:r>
-              <a:rPr lang="fr-FR" sz="1200" kern="1200" dirty="0" smtClean="0">
-                <a:solidFill>
-                  <a:schemeClr val="tx1"/>
-                </a:solidFill>
-                <a:effectLst/>
-                <a:latin typeface="+mn-lt"/>
-                <a:ea typeface="+mn-ea"/>
-                <a:cs typeface="+mn-cs"/>
-              </a:rPr>
-              <a:t>  de la page d’accueil </a:t>
-            </a:r>
-          </a:p>
-          <a:p>
-            <a:pPr marL="0" marR="0" indent="0" algn="l" defTabSz="914400" rtl="0" eaLnBrk="1" fontAlgn="auto" latinLnBrk="0" hangingPunct="1">
-              <a:lnSpc>
-                <a:spcPct val="100000"/>
-              </a:lnSpc>
-              <a:spcBef>
-                <a:spcPts val="0"/>
-              </a:spcBef>
-              <a:spcAft>
-                <a:spcPts val="0"/>
-              </a:spcAft>
-              <a:buClrTx/>
-              <a:buSzTx/>
-              <a:buFontTx/>
-              <a:buNone/>
-              <a:tabLst/>
-              <a:defRPr/>
-            </a:pPr>
-            <a:r>
-              <a:rPr lang="fr-FR" sz="1200" kern="1200" dirty="0" err="1" smtClean="0">
-                <a:solidFill>
-                  <a:schemeClr val="tx1"/>
-                </a:solidFill>
-                <a:effectLst/>
-                <a:latin typeface="+mn-lt"/>
-                <a:ea typeface="+mn-ea"/>
-                <a:cs typeface="+mn-cs"/>
-              </a:rPr>
-              <a:t>Qqchose</a:t>
-            </a:r>
-            <a:r>
-              <a:rPr lang="fr-FR" sz="1200" kern="1200" dirty="0" smtClean="0">
-                <a:solidFill>
-                  <a:schemeClr val="tx1"/>
-                </a:solidFill>
-                <a:effectLst/>
-                <a:latin typeface="+mn-lt"/>
-                <a:ea typeface="+mn-ea"/>
-                <a:cs typeface="+mn-cs"/>
-              </a:rPr>
-              <a:t> d’extrêmement épuré avec un</a:t>
-            </a:r>
-            <a:r>
-              <a:rPr lang="fr-FR" sz="1200" kern="1200" baseline="0" dirty="0" smtClean="0">
-                <a:solidFill>
-                  <a:schemeClr val="tx1"/>
-                </a:solidFill>
-                <a:effectLst/>
-                <a:latin typeface="+mn-lt"/>
-                <a:ea typeface="+mn-ea"/>
-                <a:cs typeface="+mn-cs"/>
-              </a:rPr>
-              <a:t> logo un partie connexion qui ne redirigera pas vers une autre page mais ferra apparaitre un pop-up </a:t>
-            </a:r>
-          </a:p>
-          <a:p>
-            <a:pPr marL="0" marR="0" indent="0" algn="l" defTabSz="914400" rtl="0" eaLnBrk="1" fontAlgn="auto" latinLnBrk="0" hangingPunct="1">
-              <a:lnSpc>
-                <a:spcPct val="100000"/>
-              </a:lnSpc>
-              <a:spcBef>
-                <a:spcPts val="0"/>
-              </a:spcBef>
-              <a:spcAft>
-                <a:spcPts val="0"/>
-              </a:spcAft>
-              <a:buClrTx/>
-              <a:buSzTx/>
-              <a:buFontTx/>
-              <a:buNone/>
-              <a:tabLst/>
-              <a:defRPr/>
-            </a:pPr>
-            <a:r>
-              <a:rPr lang="fr-FR" sz="1200" kern="1200" baseline="0" dirty="0" smtClean="0">
-                <a:solidFill>
-                  <a:schemeClr val="tx1"/>
-                </a:solidFill>
-                <a:effectLst/>
-                <a:latin typeface="+mn-lt"/>
-                <a:ea typeface="+mn-ea"/>
-                <a:cs typeface="+mn-cs"/>
-              </a:rPr>
-              <a:t>Et quelque ligne de texte qui résume clairement le but du site </a:t>
-            </a:r>
-            <a:endParaRPr lang="fr-FR" sz="2000" dirty="0"/>
-          </a:p>
-        </p:txBody>
-      </p:sp>
-      <p:sp>
-        <p:nvSpPr>
-          <p:cNvPr id="157" name="CustomShape 3"/>
-          <p:cNvSpPr/>
-          <p:nvPr/>
-        </p:nvSpPr>
-        <p:spPr>
-          <a:xfrm>
-            <a:off x="3884760" y="8685360"/>
-            <a:ext cx="2971080" cy="457920"/>
-          </a:xfrm>
-          <a:prstGeom prst="rect">
-            <a:avLst/>
-          </a:prstGeom>
-          <a:noFill/>
-          <a:ln>
-            <a:noFill/>
-          </a:ln>
-        </p:spPr>
-        <p:style>
-          <a:lnRef idx="0">
-            <a:scrgbClr r="0" g="0" b="0"/>
-          </a:lnRef>
-          <a:fillRef idx="0">
-            <a:scrgbClr r="0" g="0" b="0"/>
-          </a:fillRef>
-          <a:effectRef idx="0">
-            <a:scrgbClr r="0" g="0" b="0"/>
-          </a:effectRef>
-          <a:fontRef idx="minor"/>
-        </p:style>
-        <p:txBody>
-          <a:bodyPr lIns="90000" tIns="45000" rIns="90000" bIns="45000" anchor="b">
-            <a:noAutofit/>
-          </a:bodyPr>
-          <a:lstStyle/>
-          <a:p>
-            <a:pPr algn="r">
-              <a:lnSpc>
-                <a:spcPct val="100000"/>
-              </a:lnSpc>
-            </a:pPr>
-            <a:fld id="{7DFA6E54-7A15-4764-ACBB-0422FDEFF671}" type="slidenum">
-              <a:rPr lang="fr-FR" sz="1200" b="0" strike="noStrike" spc="-1">
-                <a:solidFill>
-                  <a:srgbClr val="000000"/>
-                </a:solidFill>
-                <a:latin typeface="+mn-lt"/>
-                <a:ea typeface="+mn-ea"/>
+              <a:t>les concurrents Service à domicile (bricolage, jardinage, administratif, aide à la personne, événementiel, informatique etc…)</a:t>
+            </a:r>
+          </a:p>
+          <a:p>
+            <a:endParaRPr lang="fr-FR" dirty="0" smtClean="0"/>
+          </a:p>
+          <a:p>
+            <a:endParaRPr lang="fr-FR" dirty="0"/>
+          </a:p>
+        </p:txBody>
+      </p:sp>
+      <p:sp>
+        <p:nvSpPr>
+          <p:cNvPr id="4" name="Espace réservé du numéro de diapositive 3"/>
+          <p:cNvSpPr>
+            <a:spLocks noGrp="1"/>
+          </p:cNvSpPr>
+          <p:nvPr>
+            <p:ph type="sldNum" idx="10"/>
+          </p:nvPr>
+        </p:nvSpPr>
+        <p:spPr/>
+        <p:txBody>
+          <a:bodyPr/>
+          <a:lstStyle/>
+          <a:p>
+            <a:pPr algn="r"/>
+            <a:fld id="{4C8961B9-9BF0-44A4-A706-205F40A8B952}" type="slidenum">
+              <a:rPr lang="fr-FR" sz="1400" b="0" strike="noStrike" spc="-1" smtClean="0">
+                <a:latin typeface="Times New Roman"/>
               </a:rPr>
               <a:t>9</a:t>
             </a:fld>
-            <a:endParaRPr lang="fr-FR" sz="1200" b="0" strike="noStrike" spc="-1">
-              <a:latin typeface="Arial"/>
+            <a:endParaRPr lang="fr-FR" sz="1400" b="0" strike="noStrike" spc="-1">
+              <a:latin typeface="Times New Roman"/>
             </a:endParaRPr>
           </a:p>
         </p:txBody>
@@ -6665,7 +6272,7 @@
     </p:spTree>
     <p:extLst>
       <p:ext uri="{BB962C8B-B14F-4D97-AF65-F5344CB8AC3E}">
-        <p14:creationId xmlns:p14="http://schemas.microsoft.com/office/powerpoint/2010/main" val="2807788576"/>
+        <p14:creationId xmlns:p14="http://schemas.microsoft.com/office/powerpoint/2010/main" val="3632931389"/>
       </p:ext>
     </p:extLst>
   </p:cSld>
@@ -11623,7 +11230,7 @@
         <p:fade/>
       </p:transition>
     </mc:Choice>
-    <mc:Fallback xmlns:p15="http://schemas.microsoft.com/office/powerpoint/2012/main" xmlns="">
+    <mc:Fallback xmlns="" xmlns:p15="http://schemas.microsoft.com/office/powerpoint/2012/main">
       <p:transition spd="med">
         <p:fade/>
       </p:transition>
@@ -11805,7 +11412,7 @@
       </p:sp>
       <p:pic>
         <p:nvPicPr>
-          <p:cNvPr id="2" name="Image 1"/>
+          <p:cNvPr id="3" name="Image 2"/>
           <p:cNvPicPr>
             <a:picLocks noChangeAspect="1"/>
           </p:cNvPicPr>
@@ -11825,8 +11432,8 @@
         </p:blipFill>
         <p:spPr>
           <a:xfrm>
-            <a:off x="2027416" y="1935360"/>
-            <a:ext cx="8136208" cy="4624125"/>
+            <a:off x="1982651" y="1846440"/>
+            <a:ext cx="8225738" cy="4462463"/>
           </a:xfrm>
           <a:prstGeom prst="rect">
             <a:avLst/>
@@ -11836,7 +11443,7 @@
     </p:spTree>
     <p:extLst>
       <p:ext uri="{BB962C8B-B14F-4D97-AF65-F5344CB8AC3E}">
-        <p14:creationId xmlns:p14="http://schemas.microsoft.com/office/powerpoint/2010/main" val="592189237"/>
+        <p14:creationId xmlns:p14="http://schemas.microsoft.com/office/powerpoint/2010/main" val="3220205706"/>
       </p:ext>
     </p:extLst>
   </p:cSld>
@@ -11868,19 +11475,6 @@
 <file path=ppt/slides/slide11.xml><?xml version="1.0" encoding="utf-8"?>
 <p:sld xmlns:a="http://schemas.openxmlformats.org/drawingml/2006/main" xmlns:r="http://schemas.openxmlformats.org/officeDocument/2006/relationships" xmlns:p="http://schemas.openxmlformats.org/presentationml/2006/main">
   <p:cSld>
-    <p:bg>
-      <p:bgPr>
-        <a:pattFill prst="pct70">
-          <a:fgClr>
-            <a:schemeClr val="accent1"/>
-          </a:fgClr>
-          <a:bgClr>
-            <a:schemeClr val="bg1"/>
-          </a:bgClr>
-        </a:pattFill>
-        <a:effectLst/>
-      </p:bgPr>
-    </p:bg>
     <p:spTree>
       <p:nvGrpSpPr>
         <p:cNvPr id="1" name=""/>
@@ -11897,7 +11491,7 @@
       </p:grpSpPr>
       <p:sp>
         <p:nvSpPr>
-          <p:cNvPr id="110" name="CustomShape 1"/>
+          <p:cNvPr id="144" name="CustomShape 1"/>
           <p:cNvSpPr/>
           <p:nvPr/>
         </p:nvSpPr>
@@ -11938,13 +11532,13 @@
               </a:lnSpc>
             </a:pPr>
             <a:r>
-              <a:rPr lang="fr-FR" sz="5000" b="0" strike="noStrike" spc="-1" dirty="0">
+              <a:rPr lang="fr-FR" sz="5000" b="0" strike="noStrike" spc="-1" dirty="0" smtClean="0">
                 <a:solidFill>
                   <a:srgbClr val="455F51"/>
                 </a:solidFill>
                 <a:latin typeface="Century Gothic"/>
               </a:rPr>
-              <a:t>Contexte du projet</a:t>
+              <a:t> La charte graphique:</a:t>
             </a:r>
             <a:endParaRPr lang="fr-FR" sz="5000" b="0" strike="noStrike" spc="-1" dirty="0">
               <a:latin typeface="Arial"/>
@@ -11954,7 +11548,7 @@
       </p:sp>
       <p:sp>
         <p:nvSpPr>
-          <p:cNvPr id="111" name="CustomShape 2"/>
+          <p:cNvPr id="145" name="CustomShape 2"/>
           <p:cNvSpPr/>
           <p:nvPr/>
         </p:nvSpPr>
@@ -11989,54 +11583,21 @@
           </a:bodyPr>
           <a:lstStyle/>
           <a:p>
-            <a:pPr>
+            <a:pPr marL="274320" indent="-273600">
               <a:lnSpc>
                 <a:spcPct val="100000"/>
               </a:lnSpc>
               <a:spcBef>
                 <a:spcPts val="519"/>
               </a:spcBef>
-            </a:pPr>
-            <a:endParaRPr lang="fr-FR" sz="2400" b="0" strike="noStrike" spc="-1" dirty="0">
-              <a:latin typeface="Arial"/>
-            </a:endParaRPr>
-          </a:p>
-          <a:p>
-            <a:pPr>
-              <a:lnSpc>
-                <a:spcPct val="100000"/>
-              </a:lnSpc>
-              <a:spcBef>
-                <a:spcPts val="519"/>
-              </a:spcBef>
-            </a:pPr>
-            <a:endParaRPr lang="fr-FR" sz="2400" b="0" strike="noStrike" spc="-1" dirty="0">
-              <a:latin typeface="Arial"/>
-            </a:endParaRPr>
-          </a:p>
-          <a:p>
-            <a:pPr>
-              <a:lnSpc>
-                <a:spcPct val="100000"/>
-              </a:lnSpc>
-              <a:spcBef>
-                <a:spcPts val="519"/>
-              </a:spcBef>
-            </a:pPr>
-            <a:endParaRPr lang="fr-FR" sz="2400" b="0" strike="noStrike" spc="-1" dirty="0">
-              <a:latin typeface="Arial"/>
-            </a:endParaRPr>
-          </a:p>
-          <a:p>
-            <a:pPr>
-              <a:lnSpc>
-                <a:spcPct val="100000"/>
-              </a:lnSpc>
-              <a:spcBef>
-                <a:spcPts val="519"/>
-              </a:spcBef>
-            </a:pPr>
-            <a:endParaRPr lang="fr-FR" sz="2400" b="0" strike="noStrike" spc="-1" dirty="0">
+              <a:buClr>
+                <a:srgbClr val="626B1A"/>
+              </a:buClr>
+              <a:buSzPct val="95000"/>
+              <a:buFont typeface="Wingdings 2" charset="2"/>
+              <a:buChar char=""/>
+            </a:pPr>
+            <a:endParaRPr lang="fr-FR" sz="2600" b="0" strike="noStrike" spc="-1" dirty="0">
               <a:latin typeface="Arial"/>
             </a:endParaRPr>
           </a:p>
@@ -12044,7 +11605,7 @@
       </p:sp>
       <p:pic>
         <p:nvPicPr>
-          <p:cNvPr id="3" name="Image 2"/>
+          <p:cNvPr id="2" name="Image 1"/>
           <p:cNvPicPr>
             <a:picLocks noChangeAspect="1"/>
           </p:cNvPicPr>
@@ -12064,8 +11625,8 @@
         </p:blipFill>
         <p:spPr>
           <a:xfrm>
-            <a:off x="609480" y="1935359"/>
-            <a:ext cx="5344052" cy="3037234"/>
+            <a:off x="3518648" y="1974183"/>
+            <a:ext cx="5153744" cy="3734321"/>
           </a:xfrm>
           <a:prstGeom prst="rect">
             <a:avLst/>
@@ -12074,10 +11635,8 @@
       </p:pic>
       <p:pic>
         <p:nvPicPr>
-          <p:cNvPr id="4" name="Image 3"/>
-          <p:cNvPicPr>
-            <a:picLocks noChangeAspect="1"/>
-          </p:cNvPicPr>
+          <p:cNvPr id="5" name="Image 4" descr="C:\Users\dev\Desktop\police great vibes.PNG"/>
+          <p:cNvPicPr/>
           <p:nvPr/>
         </p:nvPicPr>
         <p:blipFill>
@@ -12088,24 +11647,29 @@
               </a:ext>
             </a:extLst>
           </a:blip>
+          <a:srcRect/>
           <a:stretch>
             <a:fillRect/>
           </a:stretch>
         </p:blipFill>
-        <p:spPr>
-          <a:xfrm>
-            <a:off x="5953532" y="1935361"/>
-            <a:ext cx="5517289" cy="3135691"/>
-          </a:xfrm>
-          <a:prstGeom prst="rect">
-            <a:avLst/>
-          </a:prstGeom>
+        <p:spPr bwMode="auto">
+          <a:xfrm>
+            <a:off x="3509842" y="5229225"/>
+            <a:ext cx="5162550" cy="1628775"/>
+          </a:xfrm>
+          <a:prstGeom prst="rect">
+            <a:avLst/>
+          </a:prstGeom>
+          <a:noFill/>
+          <a:ln>
+            <a:noFill/>
+          </a:ln>
         </p:spPr>
       </p:pic>
     </p:spTree>
     <p:extLst>
       <p:ext uri="{BB962C8B-B14F-4D97-AF65-F5344CB8AC3E}">
-        <p14:creationId xmlns:p14="http://schemas.microsoft.com/office/powerpoint/2010/main" val="3022117253"/>
+        <p14:creationId xmlns:p14="http://schemas.microsoft.com/office/powerpoint/2010/main" val="44115267"/>
       </p:ext>
     </p:extLst>
   </p:cSld>
@@ -12300,14 +11864,14 @@
       </p:sp>
       <p:pic>
         <p:nvPicPr>
-          <p:cNvPr id="4" name="Image 3"/>
+          <p:cNvPr id="2" name="Image 1"/>
           <p:cNvPicPr>
             <a:picLocks noChangeAspect="1"/>
           </p:cNvPicPr>
           <p:nvPr/>
         </p:nvPicPr>
         <p:blipFill>
-          <a:blip r:embed="rId3">
+          <a:blip r:embed="rId3" cstate="print">
             <a:extLst>
               <a:ext uri="{28A0092B-C50C-407E-A947-70E740481C1C}">
                 <a14:useLocalDpi xmlns:a14="http://schemas.microsoft.com/office/drawing/2010/main" val="0"/>
@@ -12320,8 +11884,38 @@
         </p:blipFill>
         <p:spPr>
           <a:xfrm>
-            <a:off x="2016370" y="1935360"/>
-            <a:ext cx="8158299" cy="5098937"/>
+            <a:off x="609480" y="1991605"/>
+            <a:ext cx="5399434" cy="3068710"/>
+          </a:xfrm>
+          <a:prstGeom prst="rect">
+            <a:avLst/>
+          </a:prstGeom>
+        </p:spPr>
+      </p:pic>
+      <p:pic>
+        <p:nvPicPr>
+          <p:cNvPr id="3" name="Image 2"/>
+          <p:cNvPicPr>
+            <a:picLocks noChangeAspect="1"/>
+          </p:cNvPicPr>
+          <p:nvPr/>
+        </p:nvPicPr>
+        <p:blipFill>
+          <a:blip r:embed="rId4" cstate="print">
+            <a:extLst>
+              <a:ext uri="{28A0092B-C50C-407E-A947-70E740481C1C}">
+                <a14:useLocalDpi xmlns:a14="http://schemas.microsoft.com/office/drawing/2010/main" val="0"/>
+              </a:ext>
+            </a:extLst>
+          </a:blip>
+          <a:stretch>
+            <a:fillRect/>
+          </a:stretch>
+        </p:blipFill>
+        <p:spPr>
+          <a:xfrm>
+            <a:off x="6303488" y="1991605"/>
+            <a:ext cx="5791643" cy="3291617"/>
           </a:xfrm>
           <a:prstGeom prst="rect">
             <a:avLst/>
@@ -12331,7 +11925,7 @@
     </p:spTree>
     <p:extLst>
       <p:ext uri="{BB962C8B-B14F-4D97-AF65-F5344CB8AC3E}">
-        <p14:creationId xmlns:p14="http://schemas.microsoft.com/office/powerpoint/2010/main" val="2084994483"/>
+        <p14:creationId xmlns:p14="http://schemas.microsoft.com/office/powerpoint/2010/main" val="1502206840"/>
       </p:ext>
     </p:extLst>
   </p:cSld>
@@ -12546,38 +12140,8 @@
         </p:blipFill>
         <p:spPr>
           <a:xfrm>
-            <a:off x="609480" y="1935360"/>
-            <a:ext cx="4953000" cy="6667500"/>
-          </a:xfrm>
-          <a:prstGeom prst="rect">
-            <a:avLst/>
-          </a:prstGeom>
-        </p:spPr>
-      </p:pic>
-      <p:pic>
-        <p:nvPicPr>
-          <p:cNvPr id="3" name="Image 2"/>
-          <p:cNvPicPr>
-            <a:picLocks noChangeAspect="1"/>
-          </p:cNvPicPr>
-          <p:nvPr/>
-        </p:nvPicPr>
-        <p:blipFill>
-          <a:blip r:embed="rId4">
-            <a:extLst>
-              <a:ext uri="{28A0092B-C50C-407E-A947-70E740481C1C}">
-                <a14:useLocalDpi xmlns:a14="http://schemas.microsoft.com/office/drawing/2010/main" val="0"/>
-              </a:ext>
-            </a:extLst>
-          </a:blip>
-          <a:stretch>
-            <a:fillRect/>
-          </a:stretch>
-        </p:blipFill>
-        <p:spPr>
-          <a:xfrm>
-            <a:off x="6095520" y="1935360"/>
-            <a:ext cx="4953000" cy="6667500"/>
+            <a:off x="2027416" y="1935360"/>
+            <a:ext cx="8136208" cy="4624125"/>
           </a:xfrm>
           <a:prstGeom prst="rect">
             <a:avLst/>
@@ -12587,7 +12151,7 @@
     </p:spTree>
     <p:extLst>
       <p:ext uri="{BB962C8B-B14F-4D97-AF65-F5344CB8AC3E}">
-        <p14:creationId xmlns:p14="http://schemas.microsoft.com/office/powerpoint/2010/main" val="3082059369"/>
+        <p14:creationId xmlns:p14="http://schemas.microsoft.com/office/powerpoint/2010/main" val="592189237"/>
       </p:ext>
     </p:extLst>
   </p:cSld>
@@ -12619,6 +12183,19 @@
 <file path=ppt/slides/slide14.xml><?xml version="1.0" encoding="utf-8"?>
 <p:sld xmlns:a="http://schemas.openxmlformats.org/drawingml/2006/main" xmlns:r="http://schemas.openxmlformats.org/officeDocument/2006/relationships" xmlns:p="http://schemas.openxmlformats.org/presentationml/2006/main">
   <p:cSld>
+    <p:bg>
+      <p:bgPr>
+        <a:pattFill prst="pct70">
+          <a:fgClr>
+            <a:schemeClr val="accent1"/>
+          </a:fgClr>
+          <a:bgClr>
+            <a:schemeClr val="bg1"/>
+          </a:bgClr>
+        </a:pattFill>
+        <a:effectLst/>
+      </p:bgPr>
+    </p:bg>
     <p:spTree>
       <p:nvGrpSpPr>
         <p:cNvPr id="1" name=""/>
@@ -12782,7 +12359,7 @@
       </p:sp>
       <p:pic>
         <p:nvPicPr>
-          <p:cNvPr id="2" name="Image 1"/>
+          <p:cNvPr id="3" name="Image 2"/>
           <p:cNvPicPr>
             <a:picLocks noChangeAspect="1"/>
           </p:cNvPicPr>
@@ -12802,8 +12379,38 @@
         </p:blipFill>
         <p:spPr>
           <a:xfrm>
-            <a:off x="2045218" y="2254110"/>
-            <a:ext cx="8100604" cy="4603890"/>
+            <a:off x="609480" y="1935359"/>
+            <a:ext cx="5344052" cy="3037234"/>
+          </a:xfrm>
+          <a:prstGeom prst="rect">
+            <a:avLst/>
+          </a:prstGeom>
+        </p:spPr>
+      </p:pic>
+      <p:pic>
+        <p:nvPicPr>
+          <p:cNvPr id="4" name="Image 3"/>
+          <p:cNvPicPr>
+            <a:picLocks noChangeAspect="1"/>
+          </p:cNvPicPr>
+          <p:nvPr/>
+        </p:nvPicPr>
+        <p:blipFill>
+          <a:blip r:embed="rId4">
+            <a:extLst>
+              <a:ext uri="{28A0092B-C50C-407E-A947-70E740481C1C}">
+                <a14:useLocalDpi xmlns:a14="http://schemas.microsoft.com/office/drawing/2010/main" val="0"/>
+              </a:ext>
+            </a:extLst>
+          </a:blip>
+          <a:stretch>
+            <a:fillRect/>
+          </a:stretch>
+        </p:blipFill>
+        <p:spPr>
+          <a:xfrm>
+            <a:off x="5953532" y="1935361"/>
+            <a:ext cx="5517289" cy="3135691"/>
           </a:xfrm>
           <a:prstGeom prst="rect">
             <a:avLst/>
@@ -12813,7 +12420,7 @@
     </p:spTree>
     <p:extLst>
       <p:ext uri="{BB962C8B-B14F-4D97-AF65-F5344CB8AC3E}">
-        <p14:creationId xmlns:p14="http://schemas.microsoft.com/office/powerpoint/2010/main" val="4284864579"/>
+        <p14:creationId xmlns:p14="http://schemas.microsoft.com/office/powerpoint/2010/main" val="3022117253"/>
       </p:ext>
     </p:extLst>
   </p:cSld>
@@ -13008,7 +12615,7 @@
       </p:sp>
       <p:pic>
         <p:nvPicPr>
-          <p:cNvPr id="5" name="Image 4"/>
+          <p:cNvPr id="4" name="Image 3"/>
           <p:cNvPicPr>
             <a:picLocks noChangeAspect="1"/>
           </p:cNvPicPr>
@@ -13028,38 +12635,8 @@
         </p:blipFill>
         <p:spPr>
           <a:xfrm>
-            <a:off x="609480" y="1935360"/>
-            <a:ext cx="4953000" cy="6667500"/>
-          </a:xfrm>
-          <a:prstGeom prst="rect">
-            <a:avLst/>
-          </a:prstGeom>
-        </p:spPr>
-      </p:pic>
-      <p:pic>
-        <p:nvPicPr>
-          <p:cNvPr id="6" name="Image 5"/>
-          <p:cNvPicPr>
-            <a:picLocks noChangeAspect="1"/>
-          </p:cNvPicPr>
-          <p:nvPr/>
-        </p:nvPicPr>
-        <p:blipFill>
-          <a:blip r:embed="rId4">
-            <a:extLst>
-              <a:ext uri="{28A0092B-C50C-407E-A947-70E740481C1C}">
-                <a14:useLocalDpi xmlns:a14="http://schemas.microsoft.com/office/drawing/2010/main" val="0"/>
-              </a:ext>
-            </a:extLst>
-          </a:blip>
-          <a:stretch>
-            <a:fillRect/>
-          </a:stretch>
-        </p:blipFill>
-        <p:spPr>
-          <a:xfrm>
-            <a:off x="6190770" y="1935360"/>
-            <a:ext cx="4762500" cy="6667500"/>
+            <a:off x="2016370" y="1935360"/>
+            <a:ext cx="8158299" cy="5098937"/>
           </a:xfrm>
           <a:prstGeom prst="rect">
             <a:avLst/>
@@ -13069,7 +12646,7 @@
     </p:spTree>
     <p:extLst>
       <p:ext uri="{BB962C8B-B14F-4D97-AF65-F5344CB8AC3E}">
-        <p14:creationId xmlns:p14="http://schemas.microsoft.com/office/powerpoint/2010/main" val="665125106"/>
+        <p14:creationId xmlns:p14="http://schemas.microsoft.com/office/powerpoint/2010/main" val="2084994483"/>
       </p:ext>
     </p:extLst>
   </p:cSld>
@@ -13264,7 +12841,7 @@
       </p:sp>
       <p:pic>
         <p:nvPicPr>
-          <p:cNvPr id="5" name="Image 4"/>
+          <p:cNvPr id="2" name="Image 1"/>
           <p:cNvPicPr>
             <a:picLocks noChangeAspect="1"/>
           </p:cNvPicPr>
@@ -13284,8 +12861,38 @@
         </p:blipFill>
         <p:spPr>
           <a:xfrm>
-            <a:off x="1949423" y="1935360"/>
-            <a:ext cx="8292193" cy="4712778"/>
+            <a:off x="609480" y="1935360"/>
+            <a:ext cx="4953000" cy="6667500"/>
+          </a:xfrm>
+          <a:prstGeom prst="rect">
+            <a:avLst/>
+          </a:prstGeom>
+        </p:spPr>
+      </p:pic>
+      <p:pic>
+        <p:nvPicPr>
+          <p:cNvPr id="3" name="Image 2"/>
+          <p:cNvPicPr>
+            <a:picLocks noChangeAspect="1"/>
+          </p:cNvPicPr>
+          <p:nvPr/>
+        </p:nvPicPr>
+        <p:blipFill>
+          <a:blip r:embed="rId4">
+            <a:extLst>
+              <a:ext uri="{28A0092B-C50C-407E-A947-70E740481C1C}">
+                <a14:useLocalDpi xmlns:a14="http://schemas.microsoft.com/office/drawing/2010/main" val="0"/>
+              </a:ext>
+            </a:extLst>
+          </a:blip>
+          <a:stretch>
+            <a:fillRect/>
+          </a:stretch>
+        </p:blipFill>
+        <p:spPr>
+          <a:xfrm>
+            <a:off x="6095520" y="1935360"/>
+            <a:ext cx="4953000" cy="6667500"/>
           </a:xfrm>
           <a:prstGeom prst="rect">
             <a:avLst/>
@@ -13295,7 +12902,7 @@
     </p:spTree>
     <p:extLst>
       <p:ext uri="{BB962C8B-B14F-4D97-AF65-F5344CB8AC3E}">
-        <p14:creationId xmlns:p14="http://schemas.microsoft.com/office/powerpoint/2010/main" val="842264423"/>
+        <p14:creationId xmlns:p14="http://schemas.microsoft.com/office/powerpoint/2010/main" val="3082059369"/>
       </p:ext>
     </p:extLst>
   </p:cSld>
@@ -13510,38 +13117,8 @@
         </p:blipFill>
         <p:spPr>
           <a:xfrm>
-            <a:off x="527957" y="1846440"/>
-            <a:ext cx="4953000" cy="6667500"/>
-          </a:xfrm>
-          <a:prstGeom prst="rect">
-            <a:avLst/>
-          </a:prstGeom>
-        </p:spPr>
-      </p:pic>
-      <p:pic>
-        <p:nvPicPr>
-          <p:cNvPr id="3" name="Image 2"/>
-          <p:cNvPicPr>
-            <a:picLocks noChangeAspect="1"/>
-          </p:cNvPicPr>
-          <p:nvPr/>
-        </p:nvPicPr>
-        <p:blipFill>
-          <a:blip r:embed="rId4">
-            <a:extLst>
-              <a:ext uri="{28A0092B-C50C-407E-A947-70E740481C1C}">
-                <a14:useLocalDpi xmlns:a14="http://schemas.microsoft.com/office/drawing/2010/main" val="0"/>
-              </a:ext>
-            </a:extLst>
-          </a:blip>
-          <a:stretch>
-            <a:fillRect/>
-          </a:stretch>
-        </p:blipFill>
-        <p:spPr>
-          <a:xfrm>
-            <a:off x="6150008" y="1935360"/>
-            <a:ext cx="4762500" cy="6667500"/>
+            <a:off x="2045218" y="2254110"/>
+            <a:ext cx="8100604" cy="4603890"/>
           </a:xfrm>
           <a:prstGeom prst="rect">
             <a:avLst/>
@@ -13551,7 +13128,7 @@
     </p:spTree>
     <p:extLst>
       <p:ext uri="{BB962C8B-B14F-4D97-AF65-F5344CB8AC3E}">
-        <p14:creationId xmlns:p14="http://schemas.microsoft.com/office/powerpoint/2010/main" val="2917675123"/>
+        <p14:creationId xmlns:p14="http://schemas.microsoft.com/office/powerpoint/2010/main" val="4284864579"/>
       </p:ext>
     </p:extLst>
   </p:cSld>
@@ -13746,7 +13323,7 @@
       </p:sp>
       <p:pic>
         <p:nvPicPr>
-          <p:cNvPr id="3" name="Image 2"/>
+          <p:cNvPr id="5" name="Image 4"/>
           <p:cNvPicPr>
             <a:picLocks noChangeAspect="1"/>
           </p:cNvPicPr>
@@ -13766,8 +13343,38 @@
         </p:blipFill>
         <p:spPr>
           <a:xfrm>
-            <a:off x="1992966" y="1935360"/>
-            <a:ext cx="8205107" cy="4663283"/>
+            <a:off x="609480" y="1935360"/>
+            <a:ext cx="4953000" cy="6667500"/>
+          </a:xfrm>
+          <a:prstGeom prst="rect">
+            <a:avLst/>
+          </a:prstGeom>
+        </p:spPr>
+      </p:pic>
+      <p:pic>
+        <p:nvPicPr>
+          <p:cNvPr id="6" name="Image 5"/>
+          <p:cNvPicPr>
+            <a:picLocks noChangeAspect="1"/>
+          </p:cNvPicPr>
+          <p:nvPr/>
+        </p:nvPicPr>
+        <p:blipFill>
+          <a:blip r:embed="rId4">
+            <a:extLst>
+              <a:ext uri="{28A0092B-C50C-407E-A947-70E740481C1C}">
+                <a14:useLocalDpi xmlns:a14="http://schemas.microsoft.com/office/drawing/2010/main" val="0"/>
+              </a:ext>
+            </a:extLst>
+          </a:blip>
+          <a:stretch>
+            <a:fillRect/>
+          </a:stretch>
+        </p:blipFill>
+        <p:spPr>
+          <a:xfrm>
+            <a:off x="6190770" y="1935360"/>
+            <a:ext cx="4762500" cy="6667500"/>
           </a:xfrm>
           <a:prstGeom prst="rect">
             <a:avLst/>
@@ -13777,7 +13384,7 @@
     </p:spTree>
     <p:extLst>
       <p:ext uri="{BB962C8B-B14F-4D97-AF65-F5344CB8AC3E}">
-        <p14:creationId xmlns:p14="http://schemas.microsoft.com/office/powerpoint/2010/main" val="1900127011"/>
+        <p14:creationId xmlns:p14="http://schemas.microsoft.com/office/powerpoint/2010/main" val="665125106"/>
       </p:ext>
     </p:extLst>
   </p:cSld>
@@ -13825,7 +13432,7 @@
       </p:grpSpPr>
       <p:sp>
         <p:nvSpPr>
-          <p:cNvPr id="115" name="CustomShape 1"/>
+          <p:cNvPr id="110" name="CustomShape 1"/>
           <p:cNvSpPr/>
           <p:nvPr/>
         </p:nvSpPr>
@@ -13866,30 +13473,30 @@
               </a:lnSpc>
             </a:pPr>
             <a:r>
-              <a:rPr lang="fr-FR" sz="5000" b="0" strike="noStrike" spc="-1">
+              <a:rPr lang="fr-FR" sz="5000" b="0" strike="noStrike" spc="-1" dirty="0">
                 <a:solidFill>
                   <a:srgbClr val="455F51"/>
                 </a:solidFill>
                 <a:latin typeface="Century Gothic"/>
               </a:rPr>
-              <a:t>Le Planning du projet</a:t>
-            </a:r>
-            <a:endParaRPr lang="fr-FR" sz="5000" b="0" strike="noStrike" spc="-1">
-              <a:latin typeface="Arial"/>
-            </a:endParaRPr>
-          </a:p>
-        </p:txBody>
-      </p:sp>
-      <p:sp>
-        <p:nvSpPr>
-          <p:cNvPr id="116" name="CustomShape 2"/>
+              <a:t>Contexte du projet</a:t>
+            </a:r>
+            <a:endParaRPr lang="fr-FR" sz="5000" b="0" strike="noStrike" spc="-1" dirty="0">
+              <a:latin typeface="Arial"/>
+            </a:endParaRPr>
+          </a:p>
+        </p:txBody>
+      </p:sp>
+      <p:sp>
+        <p:nvSpPr>
+          <p:cNvPr id="111" name="CustomShape 2"/>
           <p:cNvSpPr/>
           <p:nvPr/>
         </p:nvSpPr>
         <p:spPr>
           <a:xfrm>
             <a:off x="609480" y="1935360"/>
-            <a:ext cx="6713280" cy="4388400"/>
+            <a:ext cx="10972080" cy="4388400"/>
           </a:xfrm>
           <a:prstGeom prst="rect">
             <a:avLst/>
@@ -13917,105 +13524,95 @@
           </a:bodyPr>
           <a:lstStyle/>
           <a:p>
-            <a:pPr marL="274320" indent="-273600">
+            <a:pPr>
               <a:lnSpc>
                 <a:spcPct val="100000"/>
               </a:lnSpc>
               <a:spcBef>
                 <a:spcPts val="519"/>
               </a:spcBef>
-              <a:buClr>
-                <a:srgbClr val="626B1A"/>
-              </a:buClr>
-              <a:buSzPct val="95000"/>
-              <a:buFont typeface="Wingdings 2" charset="2"/>
-              <a:buChar char=""/>
-            </a:pPr>
-            <a:r>
-              <a:rPr lang="fr-FR" sz="2600" b="0" strike="noStrike" spc="-1" dirty="0">
-                <a:solidFill>
-                  <a:srgbClr val="000000"/>
-                </a:solidFill>
-                <a:latin typeface="Palatino Linotype"/>
-              </a:rPr>
-              <a:t>Une maquette </a:t>
-            </a:r>
-            <a:endParaRPr lang="fr-FR" sz="2600" b="0" strike="noStrike" spc="-1" dirty="0">
-              <a:latin typeface="Arial"/>
-            </a:endParaRPr>
-          </a:p>
-          <a:p>
-            <a:pPr marL="640080" lvl="1" indent="-246240">
-              <a:spcBef>
-                <a:spcPts val="479"/>
-              </a:spcBef>
-              <a:buClr>
-                <a:srgbClr val="2A4F1C"/>
-              </a:buClr>
-              <a:buSzPct val="85000"/>
-              <a:buFont typeface="Wingdings 2" charset="2"/>
-              <a:buChar char=""/>
-            </a:pPr>
-            <a:r>
-              <a:rPr lang="fr-FR" sz="2400" spc="-1" dirty="0">
-                <a:solidFill>
-                  <a:srgbClr val="000000"/>
-                </a:solidFill>
-                <a:latin typeface="Palatino Linotype"/>
-              </a:rPr>
-              <a:t>Mise en place des liens page par page.</a:t>
-            </a:r>
-            <a:endParaRPr lang="fr-FR" sz="2400" spc="-1" dirty="0"/>
-          </a:p>
-          <a:p>
-            <a:pPr marL="640080" lvl="1" indent="-246240">
+            </a:pPr>
+            <a:endParaRPr lang="fr-FR" sz="2400" b="0" strike="noStrike" spc="-1" dirty="0">
+              <a:latin typeface="Arial"/>
+            </a:endParaRPr>
+          </a:p>
+          <a:p>
+            <a:pPr>
               <a:lnSpc>
                 <a:spcPct val="100000"/>
               </a:lnSpc>
               <a:spcBef>
-                <a:spcPts val="479"/>
+                <a:spcPts val="519"/>
               </a:spcBef>
-              <a:buClr>
-                <a:srgbClr val="2A4F1C"/>
-              </a:buClr>
-              <a:buSzPct val="85000"/>
-              <a:buFont typeface="Wingdings 2" charset="2"/>
-              <a:buChar char=""/>
-            </a:pPr>
-            <a:r>
-              <a:rPr lang="fr-FR" sz="2400" b="0" strike="noStrike" spc="-1" dirty="0" smtClean="0">
-                <a:solidFill>
-                  <a:srgbClr val="000000"/>
-                </a:solidFill>
-                <a:latin typeface="Palatino Linotype"/>
-              </a:rPr>
-              <a:t>Première </a:t>
-            </a:r>
-            <a:r>
-              <a:rPr lang="fr-FR" sz="2400" b="0" strike="noStrike" spc="-1" dirty="0">
-                <a:solidFill>
-                  <a:srgbClr val="000000"/>
-                </a:solidFill>
-                <a:latin typeface="Palatino Linotype"/>
-              </a:rPr>
-              <a:t>réflexion sur les contraintes</a:t>
-            </a:r>
-            <a:r>
-              <a:rPr lang="fr-FR" sz="2400" b="0" strike="noStrike" spc="-1" dirty="0" smtClean="0">
-                <a:solidFill>
-                  <a:srgbClr val="000000"/>
-                </a:solidFill>
-                <a:latin typeface="Palatino Linotype"/>
-              </a:rPr>
-              <a:t>.</a:t>
-            </a:r>
+            </a:pPr>
             <a:endParaRPr lang="fr-FR" sz="2400" b="0" strike="noStrike" spc="-1" dirty="0">
               <a:latin typeface="Arial"/>
             </a:endParaRPr>
           </a:p>
-        </p:txBody>
-      </p:sp>
+          <a:p>
+            <a:pPr>
+              <a:lnSpc>
+                <a:spcPct val="100000"/>
+              </a:lnSpc>
+              <a:spcBef>
+                <a:spcPts val="519"/>
+              </a:spcBef>
+            </a:pPr>
+            <a:endParaRPr lang="fr-FR" sz="2400" b="0" strike="noStrike" spc="-1" dirty="0">
+              <a:latin typeface="Arial"/>
+            </a:endParaRPr>
+          </a:p>
+          <a:p>
+            <a:pPr>
+              <a:lnSpc>
+                <a:spcPct val="100000"/>
+              </a:lnSpc>
+              <a:spcBef>
+                <a:spcPts val="519"/>
+              </a:spcBef>
+            </a:pPr>
+            <a:endParaRPr lang="fr-FR" sz="2400" b="0" strike="noStrike" spc="-1" dirty="0">
+              <a:latin typeface="Arial"/>
+            </a:endParaRPr>
+          </a:p>
+        </p:txBody>
+      </p:sp>
+      <p:pic>
+        <p:nvPicPr>
+          <p:cNvPr id="5" name="Image 4"/>
+          <p:cNvPicPr>
+            <a:picLocks noChangeAspect="1"/>
+          </p:cNvPicPr>
+          <p:nvPr/>
+        </p:nvPicPr>
+        <p:blipFill>
+          <a:blip r:embed="rId3">
+            <a:extLst>
+              <a:ext uri="{28A0092B-C50C-407E-A947-70E740481C1C}">
+                <a14:useLocalDpi xmlns:a14="http://schemas.microsoft.com/office/drawing/2010/main" val="0"/>
+              </a:ext>
+            </a:extLst>
+          </a:blip>
+          <a:stretch>
+            <a:fillRect/>
+          </a:stretch>
+        </p:blipFill>
+        <p:spPr>
+          <a:xfrm>
+            <a:off x="1949423" y="1935360"/>
+            <a:ext cx="8292193" cy="4712778"/>
+          </a:xfrm>
+          <a:prstGeom prst="rect">
+            <a:avLst/>
+          </a:prstGeom>
+        </p:spPr>
+      </p:pic>
     </p:spTree>
+    <p:extLst>
+      <p:ext uri="{BB962C8B-B14F-4D97-AF65-F5344CB8AC3E}">
+        <p14:creationId xmlns:p14="http://schemas.microsoft.com/office/powerpoint/2010/main" val="842264423"/>
+      </p:ext>
+    </p:extLst>
   </p:cSld>
   <p:clrMapOvr>
     <a:masterClrMapping/>
@@ -14026,7 +13623,7 @@
         <p:fade/>
       </p:transition>
     </mc:Choice>
-    <mc:Fallback xmlns:p15="http://schemas.microsoft.com/office/powerpoint/2012/main" xmlns="">
+    <mc:Fallback xmlns="">
       <p:transition spd="med">
         <p:fade/>
       </p:transition>
@@ -14361,7 +13958,7 @@
         <p:fade/>
       </p:transition>
     </mc:Choice>
-    <mc:Fallback xmlns:p15="http://schemas.microsoft.com/office/powerpoint/2012/main" xmlns="">
+    <mc:Fallback xmlns="" xmlns:p15="http://schemas.microsoft.com/office/powerpoint/2012/main">
       <p:transition spd="med">
         <p:fade/>
       </p:transition>
@@ -14396,7 +13993,7 @@
       </p:grpSpPr>
       <p:sp>
         <p:nvSpPr>
-          <p:cNvPr id="117" name="CustomShape 1"/>
+          <p:cNvPr id="110" name="CustomShape 1"/>
           <p:cNvSpPr/>
           <p:nvPr/>
         </p:nvSpPr>
@@ -14437,23 +14034,23 @@
               </a:lnSpc>
             </a:pPr>
             <a:r>
-              <a:rPr lang="fr-FR" sz="5000" b="0" strike="noStrike" spc="-1">
+              <a:rPr lang="fr-FR" sz="5000" b="0" strike="noStrike" spc="-1" dirty="0">
                 <a:solidFill>
                   <a:srgbClr val="455F51"/>
                 </a:solidFill>
                 <a:latin typeface="Century Gothic"/>
               </a:rPr>
-              <a:t>Le Planning du projet</a:t>
-            </a:r>
-            <a:endParaRPr lang="fr-FR" sz="5000" b="0" strike="noStrike" spc="-1">
-              <a:latin typeface="Arial"/>
-            </a:endParaRPr>
-          </a:p>
-        </p:txBody>
-      </p:sp>
-      <p:sp>
-        <p:nvSpPr>
-          <p:cNvPr id="118" name="CustomShape 2"/>
+              <a:t>Contexte du projet</a:t>
+            </a:r>
+            <a:endParaRPr lang="fr-FR" sz="5000" b="0" strike="noStrike" spc="-1" dirty="0">
+              <a:latin typeface="Arial"/>
+            </a:endParaRPr>
+          </a:p>
+        </p:txBody>
+      </p:sp>
+      <p:sp>
+        <p:nvSpPr>
+          <p:cNvPr id="111" name="CustomShape 2"/>
           <p:cNvSpPr/>
           <p:nvPr/>
         </p:nvSpPr>
@@ -14488,36 +14085,125 @@
           </a:bodyPr>
           <a:lstStyle/>
           <a:p>
-            <a:pPr marL="274320" indent="-273600">
+            <a:pPr>
               <a:lnSpc>
                 <a:spcPct val="100000"/>
               </a:lnSpc>
               <a:spcBef>
                 <a:spcPts val="519"/>
               </a:spcBef>
-              <a:buClr>
-                <a:srgbClr val="626B1A"/>
-              </a:buClr>
-              <a:buSzPct val="95000"/>
-              <a:buFont typeface="Wingdings 2" charset="2"/>
-              <a:buChar char=""/>
-            </a:pPr>
-            <a:r>
-              <a:rPr lang="fr-FR" sz="2600" b="0" strike="noStrike" spc="-1">
-                <a:solidFill>
-                  <a:srgbClr val="000000"/>
-                </a:solidFill>
-                <a:latin typeface="Palatino Linotype"/>
-              </a:rPr>
-              <a:t>La maquette non fonctionnel en HTML, CSS </a:t>
-            </a:r>
-            <a:endParaRPr lang="fr-FR" sz="2600" b="0" strike="noStrike" spc="-1">
-              <a:latin typeface="Arial"/>
-            </a:endParaRPr>
-          </a:p>
-        </p:txBody>
-      </p:sp>
+            </a:pPr>
+            <a:endParaRPr lang="fr-FR" sz="2400" b="0" strike="noStrike" spc="-1" dirty="0">
+              <a:latin typeface="Arial"/>
+            </a:endParaRPr>
+          </a:p>
+          <a:p>
+            <a:pPr>
+              <a:lnSpc>
+                <a:spcPct val="100000"/>
+              </a:lnSpc>
+              <a:spcBef>
+                <a:spcPts val="519"/>
+              </a:spcBef>
+            </a:pPr>
+            <a:endParaRPr lang="fr-FR" sz="2400" b="0" strike="noStrike" spc="-1" dirty="0">
+              <a:latin typeface="Arial"/>
+            </a:endParaRPr>
+          </a:p>
+          <a:p>
+            <a:pPr>
+              <a:lnSpc>
+                <a:spcPct val="100000"/>
+              </a:lnSpc>
+              <a:spcBef>
+                <a:spcPts val="519"/>
+              </a:spcBef>
+            </a:pPr>
+            <a:endParaRPr lang="fr-FR" sz="2400" b="0" strike="noStrike" spc="-1" dirty="0">
+              <a:latin typeface="Arial"/>
+            </a:endParaRPr>
+          </a:p>
+          <a:p>
+            <a:pPr>
+              <a:lnSpc>
+                <a:spcPct val="100000"/>
+              </a:lnSpc>
+              <a:spcBef>
+                <a:spcPts val="519"/>
+              </a:spcBef>
+            </a:pPr>
+            <a:endParaRPr lang="fr-FR" sz="2400" b="0" strike="noStrike" spc="-1" dirty="0">
+              <a:latin typeface="Arial"/>
+            </a:endParaRPr>
+          </a:p>
+        </p:txBody>
+      </p:sp>
+      <p:pic>
+        <p:nvPicPr>
+          <p:cNvPr id="2" name="Image 1"/>
+          <p:cNvPicPr>
+            <a:picLocks noChangeAspect="1"/>
+          </p:cNvPicPr>
+          <p:nvPr/>
+        </p:nvPicPr>
+        <p:blipFill>
+          <a:blip r:embed="rId3">
+            <a:extLst>
+              <a:ext uri="{28A0092B-C50C-407E-A947-70E740481C1C}">
+                <a14:useLocalDpi xmlns:a14="http://schemas.microsoft.com/office/drawing/2010/main" val="0"/>
+              </a:ext>
+            </a:extLst>
+          </a:blip>
+          <a:stretch>
+            <a:fillRect/>
+          </a:stretch>
+        </p:blipFill>
+        <p:spPr>
+          <a:xfrm>
+            <a:off x="527957" y="1846440"/>
+            <a:ext cx="4953000" cy="6667500"/>
+          </a:xfrm>
+          <a:prstGeom prst="rect">
+            <a:avLst/>
+          </a:prstGeom>
+        </p:spPr>
+      </p:pic>
+      <p:pic>
+        <p:nvPicPr>
+          <p:cNvPr id="3" name="Image 2"/>
+          <p:cNvPicPr>
+            <a:picLocks noChangeAspect="1"/>
+          </p:cNvPicPr>
+          <p:nvPr/>
+        </p:nvPicPr>
+        <p:blipFill>
+          <a:blip r:embed="rId4">
+            <a:extLst>
+              <a:ext uri="{28A0092B-C50C-407E-A947-70E740481C1C}">
+                <a14:useLocalDpi xmlns:a14="http://schemas.microsoft.com/office/drawing/2010/main" val="0"/>
+              </a:ext>
+            </a:extLst>
+          </a:blip>
+          <a:stretch>
+            <a:fillRect/>
+          </a:stretch>
+        </p:blipFill>
+        <p:spPr>
+          <a:xfrm>
+            <a:off x="6150008" y="1935360"/>
+            <a:ext cx="4762500" cy="6667500"/>
+          </a:xfrm>
+          <a:prstGeom prst="rect">
+            <a:avLst/>
+          </a:prstGeom>
+        </p:spPr>
+      </p:pic>
     </p:spTree>
+    <p:extLst>
+      <p:ext uri="{BB962C8B-B14F-4D97-AF65-F5344CB8AC3E}">
+        <p14:creationId xmlns:p14="http://schemas.microsoft.com/office/powerpoint/2010/main" val="2917675123"/>
+      </p:ext>
+    </p:extLst>
   </p:cSld>
   <p:clrMapOvr>
     <a:masterClrMapping/>
@@ -14528,7 +14214,7 @@
         <p:fade/>
       </p:transition>
     </mc:Choice>
-    <mc:Fallback xmlns:p15="http://schemas.microsoft.com/office/powerpoint/2012/main" xmlns="">
+    <mc:Fallback xmlns="">
       <p:transition spd="med">
         <p:fade/>
       </p:transition>
@@ -14561,30 +14247,189 @@
           <a:chExt cx="0" cy="0"/>
         </a:xfrm>
       </p:grpSpPr>
+      <p:sp>
+        <p:nvSpPr>
+          <p:cNvPr id="110" name="CustomShape 1"/>
+          <p:cNvSpPr/>
+          <p:nvPr/>
+        </p:nvSpPr>
+        <p:spPr>
+          <a:xfrm>
+            <a:off x="609480" y="704160"/>
+            <a:ext cx="10972080" cy="1142280"/>
+          </a:xfrm>
+          <a:prstGeom prst="rect">
+            <a:avLst/>
+          </a:prstGeom>
+          <a:noFill/>
+          <a:ln>
+            <a:noFill/>
+          </a:ln>
+        </p:spPr>
+        <p:style>
+          <a:lnRef idx="0">
+            <a:scrgbClr r="0" g="0" b="0"/>
+          </a:lnRef>
+          <a:fillRef idx="0">
+            <a:scrgbClr r="0" g="0" b="0"/>
+          </a:fillRef>
+          <a:effectRef idx="0">
+            <a:scrgbClr r="0" g="0" b="0"/>
+          </a:effectRef>
+          <a:fontRef idx="minor"/>
+        </p:style>
+        <p:txBody>
+          <a:bodyPr lIns="0" tIns="45000" rIns="0" bIns="0" anchor="b">
+            <a:noAutofit/>
+          </a:bodyPr>
+          <a:lstStyle/>
+          <a:p>
+            <a:pPr>
+              <a:lnSpc>
+                <a:spcPct val="100000"/>
+              </a:lnSpc>
+            </a:pPr>
+            <a:r>
+              <a:rPr lang="fr-FR" sz="5000" b="0" strike="noStrike" spc="-1" dirty="0">
+                <a:solidFill>
+                  <a:srgbClr val="455F51"/>
+                </a:solidFill>
+                <a:latin typeface="Century Gothic"/>
+              </a:rPr>
+              <a:t>Contexte du projet</a:t>
+            </a:r>
+            <a:endParaRPr lang="fr-FR" sz="5000" b="0" strike="noStrike" spc="-1" dirty="0">
+              <a:latin typeface="Arial"/>
+            </a:endParaRPr>
+          </a:p>
+        </p:txBody>
+      </p:sp>
+      <p:sp>
+        <p:nvSpPr>
+          <p:cNvPr id="111" name="CustomShape 2"/>
+          <p:cNvSpPr/>
+          <p:nvPr/>
+        </p:nvSpPr>
+        <p:spPr>
+          <a:xfrm>
+            <a:off x="609480" y="1935360"/>
+            <a:ext cx="10972080" cy="4388400"/>
+          </a:xfrm>
+          <a:prstGeom prst="rect">
+            <a:avLst/>
+          </a:prstGeom>
+          <a:noFill/>
+          <a:ln>
+            <a:noFill/>
+          </a:ln>
+        </p:spPr>
+        <p:style>
+          <a:lnRef idx="0">
+            <a:scrgbClr r="0" g="0" b="0"/>
+          </a:lnRef>
+          <a:fillRef idx="0">
+            <a:scrgbClr r="0" g="0" b="0"/>
+          </a:fillRef>
+          <a:effectRef idx="0">
+            <a:scrgbClr r="0" g="0" b="0"/>
+          </a:effectRef>
+          <a:fontRef idx="minor"/>
+        </p:style>
+        <p:txBody>
+          <a:bodyPr lIns="90000" tIns="45000" rIns="90000" bIns="45000">
+            <a:noAutofit/>
+          </a:bodyPr>
+          <a:lstStyle/>
+          <a:p>
+            <a:pPr>
+              <a:lnSpc>
+                <a:spcPct val="100000"/>
+              </a:lnSpc>
+              <a:spcBef>
+                <a:spcPts val="519"/>
+              </a:spcBef>
+            </a:pPr>
+            <a:endParaRPr lang="fr-FR" sz="2400" b="0" strike="noStrike" spc="-1" dirty="0">
+              <a:latin typeface="Arial"/>
+            </a:endParaRPr>
+          </a:p>
+          <a:p>
+            <a:pPr>
+              <a:lnSpc>
+                <a:spcPct val="100000"/>
+              </a:lnSpc>
+              <a:spcBef>
+                <a:spcPts val="519"/>
+              </a:spcBef>
+            </a:pPr>
+            <a:endParaRPr lang="fr-FR" sz="2400" b="0" strike="noStrike" spc="-1" dirty="0">
+              <a:latin typeface="Arial"/>
+            </a:endParaRPr>
+          </a:p>
+          <a:p>
+            <a:pPr>
+              <a:lnSpc>
+                <a:spcPct val="100000"/>
+              </a:lnSpc>
+              <a:spcBef>
+                <a:spcPts val="519"/>
+              </a:spcBef>
+            </a:pPr>
+            <a:endParaRPr lang="fr-FR" sz="2400" b="0" strike="noStrike" spc="-1" dirty="0">
+              <a:latin typeface="Arial"/>
+            </a:endParaRPr>
+          </a:p>
+          <a:p>
+            <a:pPr>
+              <a:lnSpc>
+                <a:spcPct val="100000"/>
+              </a:lnSpc>
+              <a:spcBef>
+                <a:spcPts val="519"/>
+              </a:spcBef>
+            </a:pPr>
+            <a:endParaRPr lang="fr-FR" sz="2400" b="0" strike="noStrike" spc="-1" dirty="0">
+              <a:latin typeface="Arial"/>
+            </a:endParaRPr>
+          </a:p>
+        </p:txBody>
+      </p:sp>
       <p:pic>
         <p:nvPicPr>
-          <p:cNvPr id="119" name="Image 118"/>
-          <p:cNvPicPr/>
+          <p:cNvPr id="3" name="Image 2"/>
+          <p:cNvPicPr>
+            <a:picLocks noChangeAspect="1"/>
+          </p:cNvPicPr>
           <p:nvPr/>
         </p:nvPicPr>
         <p:blipFill>
-          <a:blip r:embed="rId3"/>
-          <a:stretch/>
+          <a:blip r:embed="rId3">
+            <a:extLst>
+              <a:ext uri="{28A0092B-C50C-407E-A947-70E740481C1C}">
+                <a14:useLocalDpi xmlns:a14="http://schemas.microsoft.com/office/drawing/2010/main" val="0"/>
+              </a:ext>
+            </a:extLst>
+          </a:blip>
+          <a:stretch>
+            <a:fillRect/>
+          </a:stretch>
         </p:blipFill>
         <p:spPr>
           <a:xfrm>
-            <a:off x="893520" y="864000"/>
-            <a:ext cx="10266480" cy="5790960"/>
-          </a:xfrm>
-          <a:prstGeom prst="rect">
-            <a:avLst/>
-          </a:prstGeom>
-          <a:ln>
-            <a:noFill/>
-          </a:ln>
+            <a:off x="1992966" y="1935360"/>
+            <a:ext cx="8205107" cy="4663283"/>
+          </a:xfrm>
+          <a:prstGeom prst="rect">
+            <a:avLst/>
+          </a:prstGeom>
         </p:spPr>
       </p:pic>
     </p:spTree>
+    <p:extLst>
+      <p:ext uri="{BB962C8B-B14F-4D97-AF65-F5344CB8AC3E}">
+        <p14:creationId xmlns:p14="http://schemas.microsoft.com/office/powerpoint/2010/main" val="1900127011"/>
+      </p:ext>
+    </p:extLst>
   </p:cSld>
   <p:clrMapOvr>
     <a:masterClrMapping/>
@@ -14595,7 +14440,7 @@
         <p:fade/>
       </p:transition>
     </mc:Choice>
-    <mc:Fallback xmlns:p15="http://schemas.microsoft.com/office/powerpoint/2012/main" xmlns="">
+    <mc:Fallback xmlns="">
       <p:transition spd="med">
         <p:fade/>
       </p:transition>
@@ -14630,7 +14475,7 @@
       </p:grpSpPr>
       <p:sp>
         <p:nvSpPr>
-          <p:cNvPr id="120" name="CustomShape 1"/>
+          <p:cNvPr id="115" name="CustomShape 1"/>
           <p:cNvSpPr/>
           <p:nvPr/>
         </p:nvSpPr>
@@ -14661,7 +14506,7 @@
         </p:style>
         <p:txBody>
           <a:bodyPr lIns="0" tIns="45000" rIns="0" bIns="0" anchor="b">
-            <a:normAutofit/>
+            <a:noAutofit/>
           </a:bodyPr>
           <a:lstStyle/>
           <a:p>
@@ -14687,14 +14532,14 @@
       </p:sp>
       <p:sp>
         <p:nvSpPr>
-          <p:cNvPr id="121" name="CustomShape 2"/>
+          <p:cNvPr id="116" name="CustomShape 2"/>
           <p:cNvSpPr/>
           <p:nvPr/>
         </p:nvSpPr>
         <p:spPr>
           <a:xfrm>
             <a:off x="609480" y="1935360"/>
-            <a:ext cx="10972080" cy="4388400"/>
+            <a:ext cx="6713280" cy="4388400"/>
           </a:xfrm>
           <a:prstGeom prst="rect">
             <a:avLst/>
@@ -14722,13 +14567,19 @@
           </a:bodyPr>
           <a:lstStyle/>
           <a:p>
-            <a:pPr>
+            <a:pPr marL="274320" indent="-273600">
               <a:lnSpc>
                 <a:spcPct val="100000"/>
               </a:lnSpc>
               <a:spcBef>
                 <a:spcPts val="519"/>
               </a:spcBef>
+              <a:buClr>
+                <a:srgbClr val="626B1A"/>
+              </a:buClr>
+              <a:buSzPct val="95000"/>
+              <a:buFont typeface="Wingdings 2" charset="2"/>
+              <a:buChar char=""/>
             </a:pPr>
             <a:r>
               <a:rPr lang="fr-FR" sz="2600" b="0" strike="noStrike" spc="-1" dirty="0">
@@ -14737,11 +14588,34 @@
                 </a:solidFill>
                 <a:latin typeface="Palatino Linotype"/>
               </a:rPr>
-              <a:t>Un planning précis   </a:t>
+              <a:t>Une maquette </a:t>
             </a:r>
             <a:endParaRPr lang="fr-FR" sz="2600" b="0" strike="noStrike" spc="-1" dirty="0">
               <a:latin typeface="Arial"/>
             </a:endParaRPr>
+          </a:p>
+          <a:p>
+            <a:pPr marL="640080" lvl="1" indent="-246240">
+              <a:spcBef>
+                <a:spcPts val="479"/>
+              </a:spcBef>
+              <a:buClr>
+                <a:srgbClr val="2A4F1C"/>
+              </a:buClr>
+              <a:buSzPct val="85000"/>
+              <a:buFont typeface="Wingdings 2" charset="2"/>
+              <a:buChar char=""/>
+            </a:pPr>
+            <a:r>
+              <a:rPr lang="fr-FR" sz="2400" spc="-1" dirty="0">
+                <a:solidFill>
+                  <a:srgbClr val="000000"/>
+                </a:solidFill>
+                <a:latin typeface="Palatino Linotype"/>
+              </a:rPr>
+              <a:t>Mise en place des liens page par page.</a:t>
+            </a:r>
+            <a:endParaRPr lang="fr-FR" sz="2400" spc="-1" dirty="0"/>
           </a:p>
           <a:p>
             <a:pPr marL="640080" lvl="1" indent="-246240">
@@ -14759,31 +14633,23 @@
               <a:buChar char=""/>
             </a:pPr>
             <a:r>
+              <a:rPr lang="fr-FR" sz="2400" b="0" strike="noStrike" spc="-1" dirty="0" smtClean="0">
+                <a:solidFill>
+                  <a:srgbClr val="000000"/>
+                </a:solidFill>
+                <a:latin typeface="Palatino Linotype"/>
+              </a:rPr>
+              <a:t>Première </a:t>
+            </a:r>
+            <a:r>
               <a:rPr lang="fr-FR" sz="2400" b="0" strike="noStrike" spc="-1" dirty="0">
                 <a:solidFill>
                   <a:srgbClr val="000000"/>
                 </a:solidFill>
                 <a:latin typeface="Palatino Linotype"/>
               </a:rPr>
-              <a:t>Priorité aux priorités.</a:t>
-            </a:r>
-            <a:endParaRPr lang="fr-FR" sz="2400" b="0" strike="noStrike" spc="-1" dirty="0">
-              <a:latin typeface="Arial"/>
-            </a:endParaRPr>
-          </a:p>
-          <a:p>
-            <a:pPr marL="393840" lvl="1">
-              <a:lnSpc>
-                <a:spcPct val="100000"/>
-              </a:lnSpc>
-              <a:spcBef>
-                <a:spcPts val="479"/>
-              </a:spcBef>
-              <a:buClr>
-                <a:srgbClr val="2A4F1C"/>
-              </a:buClr>
-              <a:buSzPct val="85000"/>
-            </a:pPr>
+              <a:t>réflexion sur les contraintes</a:t>
+            </a:r>
             <a:r>
               <a:rPr lang="fr-FR" sz="2400" b="0" strike="noStrike" spc="-1" dirty="0" smtClean="0">
                 <a:solidFill>
@@ -14791,7 +14657,7 @@
                 </a:solidFill>
                 <a:latin typeface="Palatino Linotype"/>
               </a:rPr>
-              <a:t> </a:t>
+              <a:t>.</a:t>
             </a:r>
             <a:endParaRPr lang="fr-FR" sz="2400" b="0" strike="noStrike" spc="-1" dirty="0">
               <a:latin typeface="Arial"/>
@@ -14810,7 +14676,7 @@
         <p:fade/>
       </p:transition>
     </mc:Choice>
-    <mc:Fallback xmlns:p15="http://schemas.microsoft.com/office/powerpoint/2012/main" xmlns="">
+    <mc:Fallback xmlns="" xmlns:p15="http://schemas.microsoft.com/office/powerpoint/2012/main">
       <p:transition spd="med">
         <p:fade/>
       </p:transition>
@@ -14845,7 +14711,7 @@
       </p:grpSpPr>
       <p:sp>
         <p:nvSpPr>
-          <p:cNvPr id="125" name="CustomShape 1"/>
+          <p:cNvPr id="117" name="CustomShape 1"/>
           <p:cNvSpPr/>
           <p:nvPr/>
         </p:nvSpPr>
@@ -14892,7 +14758,7 @@
                 </a:solidFill>
                 <a:latin typeface="Century Gothic"/>
               </a:rPr>
-              <a:t>Analyse du projet</a:t>
+              <a:t>Le Planning du projet</a:t>
             </a:r>
             <a:endParaRPr lang="fr-FR" sz="5000" b="0" strike="noStrike" spc="-1">
               <a:latin typeface="Arial"/>
@@ -14902,7 +14768,7 @@
       </p:sp>
       <p:sp>
         <p:nvSpPr>
-          <p:cNvPr id="126" name="CustomShape 2"/>
+          <p:cNvPr id="118" name="CustomShape 2"/>
           <p:cNvSpPr/>
           <p:nvPr/>
         </p:nvSpPr>
@@ -14952,132 +14818,15 @@
               <a:buChar char=""/>
             </a:pPr>
             <a:r>
-              <a:rPr lang="fr-FR" sz="2600" b="0" strike="noStrike" spc="-1" dirty="0">
+              <a:rPr lang="fr-FR" sz="2600" b="0" strike="noStrike" spc="-1">
                 <a:solidFill>
                   <a:srgbClr val="000000"/>
                 </a:solidFill>
                 <a:latin typeface="Palatino Linotype"/>
               </a:rPr>
-              <a:t>Les technologies :</a:t>
-            </a:r>
-            <a:endParaRPr lang="fr-FR" sz="2600" b="0" strike="noStrike" spc="-1" dirty="0">
-              <a:latin typeface="Arial"/>
-            </a:endParaRPr>
-          </a:p>
-          <a:p>
-            <a:pPr marL="640080" lvl="1" indent="-246240">
-              <a:spcBef>
-                <a:spcPts val="479"/>
-              </a:spcBef>
-              <a:buClr>
-                <a:srgbClr val="2A4F1C"/>
-              </a:buClr>
-              <a:buSzPct val="85000"/>
-              <a:buFont typeface="Wingdings 2" charset="2"/>
-              <a:buChar char=""/>
-            </a:pPr>
-            <a:r>
-              <a:rPr lang="fr-FR" sz="2400" spc="-1" dirty="0">
-                <a:solidFill>
-                  <a:srgbClr val="000000"/>
-                </a:solidFill>
-                <a:latin typeface="Palatino Linotype"/>
-              </a:rPr>
-              <a:t>HTML, CSS pour la Vue.</a:t>
-            </a:r>
-            <a:endParaRPr lang="fr-FR" sz="2400" spc="-1" dirty="0"/>
-          </a:p>
-          <a:p>
-            <a:pPr marL="640080" lvl="1" indent="-246240">
-              <a:lnSpc>
-                <a:spcPct val="100000"/>
-              </a:lnSpc>
-              <a:spcBef>
-                <a:spcPts val="479"/>
-              </a:spcBef>
-              <a:buClr>
-                <a:srgbClr val="2A4F1C"/>
-              </a:buClr>
-              <a:buSzPct val="85000"/>
-              <a:buFont typeface="Wingdings 2" charset="2"/>
-              <a:buChar char=""/>
-            </a:pPr>
-            <a:r>
-              <a:rPr lang="fr-FR" sz="2400" spc="-1" dirty="0" smtClean="0">
-                <a:solidFill>
-                  <a:srgbClr val="000000"/>
-                </a:solidFill>
-                <a:latin typeface="Palatino Linotype"/>
-              </a:rPr>
-              <a:t>Langage </a:t>
-            </a:r>
-            <a:r>
-              <a:rPr lang="fr-FR" sz="2400" spc="-1" dirty="0">
-                <a:solidFill>
-                  <a:srgbClr val="000000"/>
-                </a:solidFill>
-                <a:latin typeface="Palatino Linotype"/>
-              </a:rPr>
-              <a:t>de programmation python | BDD </a:t>
-            </a:r>
-            <a:r>
-              <a:rPr lang="fr-FR" sz="2400" spc="-1" dirty="0" err="1">
-                <a:solidFill>
-                  <a:srgbClr val="000000"/>
-                </a:solidFill>
-                <a:latin typeface="Palatino Linotype"/>
-              </a:rPr>
-              <a:t>mysql</a:t>
-            </a:r>
-            <a:r>
-              <a:rPr lang="fr-FR" sz="2400" spc="-1" dirty="0">
-                <a:solidFill>
-                  <a:srgbClr val="000000"/>
-                </a:solidFill>
-                <a:latin typeface="Palatino Linotype"/>
-              </a:rPr>
-              <a:t>..</a:t>
-            </a:r>
-            <a:endParaRPr lang="fr-FR" sz="2400" b="0" strike="noStrike" spc="-1" dirty="0" smtClean="0">
-              <a:latin typeface="Arial"/>
-            </a:endParaRPr>
-          </a:p>
-          <a:p>
-            <a:pPr>
-              <a:lnSpc>
-                <a:spcPct val="100000"/>
-              </a:lnSpc>
-              <a:spcBef>
-                <a:spcPts val="519"/>
-              </a:spcBef>
-            </a:pPr>
-            <a:endParaRPr lang="fr-FR" sz="2400" b="0" strike="noStrike" spc="-1" dirty="0">
-              <a:latin typeface="Arial"/>
-            </a:endParaRPr>
-          </a:p>
-          <a:p>
-            <a:pPr>
-              <a:lnSpc>
-                <a:spcPct val="100000"/>
-              </a:lnSpc>
-              <a:spcBef>
-                <a:spcPts val="519"/>
-              </a:spcBef>
-            </a:pPr>
-            <a:endParaRPr lang="fr-FR" sz="2400" b="0" strike="noStrike" spc="-1" dirty="0">
-              <a:latin typeface="Arial"/>
-            </a:endParaRPr>
-          </a:p>
-          <a:p>
-            <a:pPr>
-              <a:lnSpc>
-                <a:spcPct val="100000"/>
-              </a:lnSpc>
-              <a:spcBef>
-                <a:spcPts val="519"/>
-              </a:spcBef>
-            </a:pPr>
-            <a:endParaRPr lang="fr-FR" sz="2400" b="0" strike="noStrike" spc="-1" dirty="0">
+              <a:t>La maquette non fonctionnel en HTML, CSS </a:t>
+            </a:r>
+            <a:endParaRPr lang="fr-FR" sz="2600" b="0" strike="noStrike" spc="-1">
               <a:latin typeface="Arial"/>
             </a:endParaRPr>
           </a:p>
@@ -15094,7 +14843,7 @@
         <p:fade/>
       </p:transition>
     </mc:Choice>
-    <mc:Fallback xmlns:p15="http://schemas.microsoft.com/office/powerpoint/2012/main" xmlns="">
+    <mc:Fallback xmlns="" xmlns:p15="http://schemas.microsoft.com/office/powerpoint/2012/main">
       <p:transition spd="med">
         <p:fade/>
       </p:transition>
@@ -15127,132 +14876,9 @@
           <a:chExt cx="0" cy="0"/>
         </a:xfrm>
       </p:grpSpPr>
-      <p:sp>
-        <p:nvSpPr>
-          <p:cNvPr id="122" name="CustomShape 1"/>
-          <p:cNvSpPr/>
-          <p:nvPr/>
-        </p:nvSpPr>
-        <p:spPr>
-          <a:xfrm>
-            <a:off x="609480" y="704160"/>
-            <a:ext cx="10972080" cy="1142280"/>
-          </a:xfrm>
-          <a:prstGeom prst="rect">
-            <a:avLst/>
-          </a:prstGeom>
-          <a:noFill/>
-          <a:ln>
-            <a:noFill/>
-          </a:ln>
-        </p:spPr>
-        <p:style>
-          <a:lnRef idx="0">
-            <a:scrgbClr r="0" g="0" b="0"/>
-          </a:lnRef>
-          <a:fillRef idx="0">
-            <a:scrgbClr r="0" g="0" b="0"/>
-          </a:fillRef>
-          <a:effectRef idx="0">
-            <a:scrgbClr r="0" g="0" b="0"/>
-          </a:effectRef>
-          <a:fontRef idx="minor"/>
-        </p:style>
-        <p:txBody>
-          <a:bodyPr lIns="0" tIns="45000" rIns="0" bIns="0" anchor="b">
-            <a:noAutofit/>
-          </a:bodyPr>
-          <a:lstStyle/>
-          <a:p>
-            <a:pPr>
-              <a:lnSpc>
-                <a:spcPct val="100000"/>
-              </a:lnSpc>
-            </a:pPr>
-            <a:r>
-              <a:rPr lang="fr-FR" sz="5000" b="0" strike="noStrike" spc="-1">
-                <a:solidFill>
-                  <a:srgbClr val="455F51"/>
-                </a:solidFill>
-                <a:latin typeface="Century Gothic"/>
-              </a:rPr>
-              <a:t>Analyse du projet</a:t>
-            </a:r>
-            <a:endParaRPr lang="fr-FR" sz="5000" b="0" strike="noStrike" spc="-1">
-              <a:latin typeface="Arial"/>
-            </a:endParaRPr>
-          </a:p>
-        </p:txBody>
-      </p:sp>
-      <p:sp>
-        <p:nvSpPr>
-          <p:cNvPr id="123" name="CustomShape 2"/>
-          <p:cNvSpPr/>
-          <p:nvPr/>
-        </p:nvSpPr>
-        <p:spPr>
-          <a:xfrm>
-            <a:off x="609480" y="1935360"/>
-            <a:ext cx="10972080" cy="4388400"/>
-          </a:xfrm>
-          <a:prstGeom prst="rect">
-            <a:avLst/>
-          </a:prstGeom>
-          <a:noFill/>
-          <a:ln>
-            <a:noFill/>
-          </a:ln>
-        </p:spPr>
-        <p:style>
-          <a:lnRef idx="0">
-            <a:scrgbClr r="0" g="0" b="0"/>
-          </a:lnRef>
-          <a:fillRef idx="0">
-            <a:scrgbClr r="0" g="0" b="0"/>
-          </a:fillRef>
-          <a:effectRef idx="0">
-            <a:scrgbClr r="0" g="0" b="0"/>
-          </a:effectRef>
-          <a:fontRef idx="minor"/>
-        </p:style>
-        <p:txBody>
-          <a:bodyPr lIns="90000" tIns="45000" rIns="90000" bIns="45000">
-            <a:noAutofit/>
-          </a:bodyPr>
-          <a:lstStyle/>
-          <a:p>
-            <a:pPr marL="274320" indent="-273600">
-              <a:lnSpc>
-                <a:spcPct val="100000"/>
-              </a:lnSpc>
-              <a:spcBef>
-                <a:spcPts val="519"/>
-              </a:spcBef>
-              <a:buClr>
-                <a:srgbClr val="626B1A"/>
-              </a:buClr>
-              <a:buSzPct val="95000"/>
-              <a:buFont typeface="Wingdings 2" charset="2"/>
-              <a:buChar char=""/>
-            </a:pPr>
-            <a:r>
-              <a:rPr lang="fr-FR" sz="2600" b="0" strike="noStrike" spc="-1">
-                <a:solidFill>
-                  <a:srgbClr val="000000"/>
-                </a:solidFill>
-                <a:latin typeface="Palatino Linotype"/>
-              </a:rPr>
-              <a:t>Use case de façon simple</a:t>
-            </a:r>
-            <a:endParaRPr lang="fr-FR" sz="2600" b="0" strike="noStrike" spc="-1">
-              <a:latin typeface="Arial"/>
-            </a:endParaRPr>
-          </a:p>
-        </p:txBody>
-      </p:sp>
       <p:pic>
         <p:nvPicPr>
-          <p:cNvPr id="124" name="Image 123"/>
+          <p:cNvPr id="119" name="Image 118"/>
           <p:cNvPicPr/>
           <p:nvPr/>
         </p:nvPicPr>
@@ -15262,8 +14888,8 @@
         </p:blipFill>
         <p:spPr>
           <a:xfrm>
-            <a:off x="5328000" y="1800000"/>
-            <a:ext cx="6643440" cy="4940640"/>
+            <a:off x="893520" y="864000"/>
+            <a:ext cx="10266480" cy="5790960"/>
           </a:xfrm>
           <a:prstGeom prst="rect">
             <a:avLst/>
@@ -15284,7 +14910,7 @@
         <p:fade/>
       </p:transition>
     </mc:Choice>
-    <mc:Fallback xmlns:p15="http://schemas.microsoft.com/office/powerpoint/2012/main" xmlns="">
+    <mc:Fallback xmlns="" xmlns:p15="http://schemas.microsoft.com/office/powerpoint/2012/main">
       <p:transition spd="med">
         <p:fade/>
       </p:transition>
@@ -15319,7 +14945,7 @@
       </p:grpSpPr>
       <p:sp>
         <p:nvSpPr>
-          <p:cNvPr id="127" name="CustomShape 1"/>
+          <p:cNvPr id="120" name="CustomShape 1"/>
           <p:cNvSpPr/>
           <p:nvPr/>
         </p:nvSpPr>
@@ -15350,35 +14976,33 @@
         </p:style>
         <p:txBody>
           <a:bodyPr lIns="0" tIns="45000" rIns="0" bIns="0" anchor="b">
-            <a:noAutofit/>
+            <a:normAutofit/>
           </a:bodyPr>
           <a:lstStyle/>
           <a:p>
-            <a:r>
-              <a:rPr lang="fr-FR" sz="5000" spc="-1" dirty="0">
+            <a:pPr>
+              <a:lnSpc>
+                <a:spcPct val="100000"/>
+              </a:lnSpc>
+            </a:pPr>
+            <a:r>
+              <a:rPr lang="fr-FR" sz="5000" b="0" strike="noStrike" spc="-1">
                 <a:solidFill>
                   <a:srgbClr val="455F51"/>
                 </a:solidFill>
                 <a:latin typeface="Century Gothic"/>
               </a:rPr>
-              <a:t>MCD/ </a:t>
-            </a:r>
-            <a:r>
-              <a:rPr lang="fr-FR" sz="5000" spc="-1" dirty="0" smtClean="0">
-                <a:solidFill>
-                  <a:srgbClr val="455F51"/>
-                </a:solidFill>
-                <a:latin typeface="Century Gothic"/>
-              </a:rPr>
-              <a:t>MLD</a:t>
-            </a:r>
-            <a:endParaRPr lang="fr-FR" sz="5000" spc="-1" dirty="0"/>
-          </a:p>
-        </p:txBody>
-      </p:sp>
-      <p:sp>
-        <p:nvSpPr>
-          <p:cNvPr id="128" name="CustomShape 2"/>
+              <a:t>Le Planning du projet</a:t>
+            </a:r>
+            <a:endParaRPr lang="fr-FR" sz="5000" b="0" strike="noStrike" spc="-1">
+              <a:latin typeface="Arial"/>
+            </a:endParaRPr>
+          </a:p>
+        </p:txBody>
+      </p:sp>
+      <p:sp>
+        <p:nvSpPr>
+          <p:cNvPr id="121" name="CustomShape 2"/>
           <p:cNvSpPr/>
           <p:nvPr/>
         </p:nvSpPr>
@@ -15407,60 +15031,89 @@
           </a:effectRef>
           <a:fontRef idx="minor"/>
         </p:style>
-      </p:sp>
-      <p:pic>
-        <p:nvPicPr>
-          <p:cNvPr id="129" name="Image 128"/>
-          <p:cNvPicPr/>
-          <p:nvPr/>
-        </p:nvPicPr>
-        <p:blipFill>
-          <a:blip r:embed="rId3"/>
-          <a:stretch/>
-        </p:blipFill>
-        <p:spPr>
-          <a:xfrm>
-            <a:off x="344709" y="2361308"/>
-            <a:ext cx="5176526" cy="3536503"/>
-          </a:xfrm>
-          <a:prstGeom prst="rect">
-            <a:avLst/>
-          </a:prstGeom>
-          <a:ln>
-            <a:noFill/>
-          </a:ln>
-        </p:spPr>
-      </p:pic>
-      <p:pic>
-        <p:nvPicPr>
-          <p:cNvPr id="5" name="Image 4"/>
-          <p:cNvPicPr>
-            <a:picLocks noChangeAspect="1"/>
-          </p:cNvPicPr>
-          <p:nvPr/>
-        </p:nvPicPr>
-        <p:blipFill>
-          <a:blip r:embed="rId4" cstate="print">
-            <a:extLst>
-              <a:ext uri="{28A0092B-C50C-407E-A947-70E740481C1C}">
-                <a14:useLocalDpi xmlns:a14="http://schemas.microsoft.com/office/drawing/2010/main" val="0"/>
-              </a:ext>
-            </a:extLst>
-          </a:blip>
-          <a:stretch>
-            <a:fillRect/>
-          </a:stretch>
-        </p:blipFill>
-        <p:spPr>
-          <a:xfrm>
-            <a:off x="5521235" y="2604634"/>
-            <a:ext cx="6132122" cy="3293177"/>
-          </a:xfrm>
-          <a:prstGeom prst="rect">
-            <a:avLst/>
-          </a:prstGeom>
-        </p:spPr>
-      </p:pic>
+        <p:txBody>
+          <a:bodyPr lIns="90000" tIns="45000" rIns="90000" bIns="45000">
+            <a:noAutofit/>
+          </a:bodyPr>
+          <a:lstStyle/>
+          <a:p>
+            <a:pPr>
+              <a:lnSpc>
+                <a:spcPct val="100000"/>
+              </a:lnSpc>
+              <a:spcBef>
+                <a:spcPts val="519"/>
+              </a:spcBef>
+            </a:pPr>
+            <a:r>
+              <a:rPr lang="fr-FR" sz="2600" b="0" strike="noStrike" spc="-1" dirty="0">
+                <a:solidFill>
+                  <a:srgbClr val="000000"/>
+                </a:solidFill>
+                <a:latin typeface="Palatino Linotype"/>
+              </a:rPr>
+              <a:t>Un planning précis   </a:t>
+            </a:r>
+            <a:endParaRPr lang="fr-FR" sz="2600" b="0" strike="noStrike" spc="-1" dirty="0">
+              <a:latin typeface="Arial"/>
+            </a:endParaRPr>
+          </a:p>
+          <a:p>
+            <a:pPr marL="640080" lvl="1" indent="-246240">
+              <a:lnSpc>
+                <a:spcPct val="100000"/>
+              </a:lnSpc>
+              <a:spcBef>
+                <a:spcPts val="479"/>
+              </a:spcBef>
+              <a:buClr>
+                <a:srgbClr val="2A4F1C"/>
+              </a:buClr>
+              <a:buSzPct val="85000"/>
+              <a:buFont typeface="Wingdings 2" charset="2"/>
+              <a:buChar char=""/>
+            </a:pPr>
+            <a:r>
+              <a:rPr lang="fr-FR" sz="2400" b="0" strike="noStrike" spc="-1" dirty="0">
+                <a:solidFill>
+                  <a:srgbClr val="000000"/>
+                </a:solidFill>
+                <a:latin typeface="Palatino Linotype"/>
+              </a:rPr>
+              <a:t>Priorité aux priorités.</a:t>
+            </a:r>
+            <a:endParaRPr lang="fr-FR" sz="2400" b="0" strike="noStrike" spc="-1" dirty="0">
+              <a:latin typeface="Arial"/>
+            </a:endParaRPr>
+          </a:p>
+          <a:p>
+            <a:pPr marL="393840" lvl="1">
+              <a:lnSpc>
+                <a:spcPct val="100000"/>
+              </a:lnSpc>
+              <a:spcBef>
+                <a:spcPts val="479"/>
+              </a:spcBef>
+              <a:buClr>
+                <a:srgbClr val="2A4F1C"/>
+              </a:buClr>
+              <a:buSzPct val="85000"/>
+            </a:pPr>
+            <a:r>
+              <a:rPr lang="fr-FR" sz="2400" b="0" strike="noStrike" spc="-1" dirty="0" smtClean="0">
+                <a:solidFill>
+                  <a:srgbClr val="000000"/>
+                </a:solidFill>
+                <a:latin typeface="Palatino Linotype"/>
+              </a:rPr>
+              <a:t> </a:t>
+            </a:r>
+            <a:endParaRPr lang="fr-FR" sz="2400" b="0" strike="noStrike" spc="-1" dirty="0">
+              <a:latin typeface="Arial"/>
+            </a:endParaRPr>
+          </a:p>
+        </p:txBody>
+      </p:sp>
     </p:spTree>
   </p:cSld>
   <p:clrMapOvr>
@@ -15472,7 +15125,7 @@
         <p:fade/>
       </p:transition>
     </mc:Choice>
-    <mc:Fallback xmlns:p15="http://schemas.microsoft.com/office/powerpoint/2012/main" xmlns="">
+    <mc:Fallback xmlns="" xmlns:p15="http://schemas.microsoft.com/office/powerpoint/2012/main">
       <p:transition spd="med">
         <p:fade/>
       </p:transition>
@@ -15507,7 +15160,7 @@
       </p:grpSpPr>
       <p:sp>
         <p:nvSpPr>
-          <p:cNvPr id="134" name="CustomShape 1"/>
+          <p:cNvPr id="125" name="CustomShape 1"/>
           <p:cNvSpPr/>
           <p:nvPr/>
         </p:nvSpPr>
@@ -15548,32 +15201,23 @@
               </a:lnSpc>
             </a:pPr>
             <a:r>
-              <a:rPr lang="fr-FR" sz="5000" b="0" strike="noStrike" spc="-1" dirty="0" smtClean="0">
+              <a:rPr lang="fr-FR" sz="5000" b="0" strike="noStrike" spc="-1">
                 <a:solidFill>
                   <a:srgbClr val="455F51"/>
                 </a:solidFill>
                 <a:latin typeface="Century Gothic"/>
               </a:rPr>
-              <a:t>Diagramme d’activité/</a:t>
-            </a:r>
-            <a:r>
-              <a:rPr lang="fr-FR" sz="5000" spc="-1" dirty="0" smtClean="0">
-                <a:solidFill>
-                  <a:srgbClr val="455F51"/>
-                </a:solidFill>
-                <a:latin typeface="Century Gothic"/>
-              </a:rPr>
-              <a:t>séquence</a:t>
-            </a:r>
-            <a:endParaRPr lang="fr-FR" sz="5000" b="0" strike="noStrike" spc="-1" dirty="0">
-              <a:latin typeface="Arial"/>
-            </a:endParaRPr>
-          </a:p>
-        </p:txBody>
-      </p:sp>
-      <p:sp>
-        <p:nvSpPr>
-          <p:cNvPr id="135" name="CustomShape 2"/>
+              <a:t>Analyse du projet</a:t>
+            </a:r>
+            <a:endParaRPr lang="fr-FR" sz="5000" b="0" strike="noStrike" spc="-1">
+              <a:latin typeface="Arial"/>
+            </a:endParaRPr>
+          </a:p>
+        </p:txBody>
+      </p:sp>
+      <p:sp>
+        <p:nvSpPr>
+          <p:cNvPr id="126" name="CustomShape 2"/>
           <p:cNvSpPr/>
           <p:nvPr/>
         </p:nvSpPr>
@@ -15602,84 +15246,170 @@
           </a:effectRef>
           <a:fontRef idx="minor"/>
         </p:style>
-      </p:sp>
-      <p:pic>
-        <p:nvPicPr>
-          <p:cNvPr id="3" name="Image 2"/>
-          <p:cNvPicPr>
-            <a:picLocks noChangeAspect="1"/>
-          </p:cNvPicPr>
-          <p:nvPr/>
-        </p:nvPicPr>
-        <p:blipFill>
-          <a:blip r:embed="rId3">
-            <a:extLst>
-              <a:ext uri="{28A0092B-C50C-407E-A947-70E740481C1C}">
-                <a14:useLocalDpi xmlns:a14="http://schemas.microsoft.com/office/drawing/2010/main" val="0"/>
-              </a:ext>
-            </a:extLst>
-          </a:blip>
-          <a:stretch>
-            <a:fillRect/>
-          </a:stretch>
-        </p:blipFill>
-        <p:spPr>
-          <a:xfrm>
-            <a:off x="609480" y="1935360"/>
-            <a:ext cx="5212469" cy="5011560"/>
-          </a:xfrm>
-          <a:prstGeom prst="rect">
-            <a:avLst/>
-          </a:prstGeom>
-        </p:spPr>
-      </p:pic>
-      <p:pic>
-        <p:nvPicPr>
-          <p:cNvPr id="4" name="Image 3"/>
-          <p:cNvPicPr>
-            <a:picLocks noChangeAspect="1"/>
-          </p:cNvPicPr>
-          <p:nvPr/>
-        </p:nvPicPr>
-        <p:blipFill>
-          <a:blip r:embed="rId4">
-            <a:extLst>
-              <a:ext uri="{28A0092B-C50C-407E-A947-70E740481C1C}">
-                <a14:useLocalDpi xmlns:a14="http://schemas.microsoft.com/office/drawing/2010/main" val="0"/>
-              </a:ext>
-            </a:extLst>
-          </a:blip>
-          <a:stretch>
-            <a:fillRect/>
-          </a:stretch>
-        </p:blipFill>
-        <p:spPr>
-          <a:xfrm>
-            <a:off x="6308111" y="1935360"/>
-            <a:ext cx="5273449" cy="4922640"/>
-          </a:xfrm>
-          <a:prstGeom prst="rect">
-            <a:avLst/>
-          </a:prstGeom>
-        </p:spPr>
-      </p:pic>
+        <p:txBody>
+          <a:bodyPr lIns="90000" tIns="45000" rIns="90000" bIns="45000">
+            <a:noAutofit/>
+          </a:bodyPr>
+          <a:lstStyle/>
+          <a:p>
+            <a:pPr marL="274320" indent="-273600">
+              <a:lnSpc>
+                <a:spcPct val="100000"/>
+              </a:lnSpc>
+              <a:spcBef>
+                <a:spcPts val="519"/>
+              </a:spcBef>
+              <a:buClr>
+                <a:srgbClr val="626B1A"/>
+              </a:buClr>
+              <a:buSzPct val="95000"/>
+              <a:buFont typeface="Wingdings 2" charset="2"/>
+              <a:buChar char=""/>
+            </a:pPr>
+            <a:r>
+              <a:rPr lang="fr-FR" sz="2600" b="0" strike="noStrike" spc="-1" dirty="0">
+                <a:solidFill>
+                  <a:srgbClr val="000000"/>
+                </a:solidFill>
+                <a:latin typeface="Palatino Linotype"/>
+              </a:rPr>
+              <a:t>Les technologies :</a:t>
+            </a:r>
+            <a:endParaRPr lang="fr-FR" sz="2600" b="0" strike="noStrike" spc="-1" dirty="0">
+              <a:latin typeface="Arial"/>
+            </a:endParaRPr>
+          </a:p>
+          <a:p>
+            <a:pPr marL="640080" lvl="1" indent="-246240">
+              <a:spcBef>
+                <a:spcPts val="479"/>
+              </a:spcBef>
+              <a:buClr>
+                <a:srgbClr val="2A4F1C"/>
+              </a:buClr>
+              <a:buSzPct val="85000"/>
+              <a:buFont typeface="Wingdings 2" charset="2"/>
+              <a:buChar char=""/>
+            </a:pPr>
+            <a:r>
+              <a:rPr lang="fr-FR" sz="2400" spc="-1" dirty="0">
+                <a:solidFill>
+                  <a:srgbClr val="000000"/>
+                </a:solidFill>
+                <a:latin typeface="Palatino Linotype"/>
+              </a:rPr>
+              <a:t>HTML, CSS pour la Vue.</a:t>
+            </a:r>
+            <a:endParaRPr lang="fr-FR" sz="2400" spc="-1" dirty="0"/>
+          </a:p>
+          <a:p>
+            <a:pPr marL="640080" lvl="1" indent="-246240">
+              <a:lnSpc>
+                <a:spcPct val="100000"/>
+              </a:lnSpc>
+              <a:spcBef>
+                <a:spcPts val="479"/>
+              </a:spcBef>
+              <a:buClr>
+                <a:srgbClr val="2A4F1C"/>
+              </a:buClr>
+              <a:buSzPct val="85000"/>
+              <a:buFont typeface="Wingdings 2" charset="2"/>
+              <a:buChar char=""/>
+            </a:pPr>
+            <a:r>
+              <a:rPr lang="fr-FR" sz="2400" spc="-1" dirty="0" smtClean="0">
+                <a:solidFill>
+                  <a:srgbClr val="000000"/>
+                </a:solidFill>
+                <a:latin typeface="Palatino Linotype"/>
+              </a:rPr>
+              <a:t>Langage </a:t>
+            </a:r>
+            <a:r>
+              <a:rPr lang="fr-FR" sz="2400" spc="-1" dirty="0">
+                <a:solidFill>
+                  <a:srgbClr val="000000"/>
+                </a:solidFill>
+                <a:latin typeface="Palatino Linotype"/>
+              </a:rPr>
+              <a:t>de programmation python | BDD </a:t>
+            </a:r>
+            <a:r>
+              <a:rPr lang="fr-FR" sz="2400" spc="-1" dirty="0" err="1">
+                <a:solidFill>
+                  <a:srgbClr val="000000"/>
+                </a:solidFill>
+                <a:latin typeface="Palatino Linotype"/>
+              </a:rPr>
+              <a:t>mysql</a:t>
+            </a:r>
+            <a:r>
+              <a:rPr lang="fr-FR" sz="2400" spc="-1" dirty="0">
+                <a:solidFill>
+                  <a:srgbClr val="000000"/>
+                </a:solidFill>
+                <a:latin typeface="Palatino Linotype"/>
+              </a:rPr>
+              <a:t>..</a:t>
+            </a:r>
+            <a:endParaRPr lang="fr-FR" sz="2400" b="0" strike="noStrike" spc="-1" dirty="0" smtClean="0">
+              <a:latin typeface="Arial"/>
+            </a:endParaRPr>
+          </a:p>
+          <a:p>
+            <a:pPr>
+              <a:lnSpc>
+                <a:spcPct val="100000"/>
+              </a:lnSpc>
+              <a:spcBef>
+                <a:spcPts val="519"/>
+              </a:spcBef>
+            </a:pPr>
+            <a:endParaRPr lang="fr-FR" sz="2400" b="0" strike="noStrike" spc="-1" dirty="0">
+              <a:latin typeface="Arial"/>
+            </a:endParaRPr>
+          </a:p>
+          <a:p>
+            <a:pPr>
+              <a:lnSpc>
+                <a:spcPct val="100000"/>
+              </a:lnSpc>
+              <a:spcBef>
+                <a:spcPts val="519"/>
+              </a:spcBef>
+            </a:pPr>
+            <a:endParaRPr lang="fr-FR" sz="2400" b="0" strike="noStrike" spc="-1" dirty="0">
+              <a:latin typeface="Arial"/>
+            </a:endParaRPr>
+          </a:p>
+          <a:p>
+            <a:pPr>
+              <a:lnSpc>
+                <a:spcPct val="100000"/>
+              </a:lnSpc>
+              <a:spcBef>
+                <a:spcPts val="519"/>
+              </a:spcBef>
+            </a:pPr>
+            <a:endParaRPr lang="fr-FR" sz="2400" b="0" strike="noStrike" spc="-1" dirty="0">
+              <a:latin typeface="Arial"/>
+            </a:endParaRPr>
+          </a:p>
+        </p:txBody>
+      </p:sp>
     </p:spTree>
-    <p:extLst>
-      <p:ext uri="{BB962C8B-B14F-4D97-AF65-F5344CB8AC3E}">
-        <p14:creationId xmlns:p14="http://schemas.microsoft.com/office/powerpoint/2010/main" val="4111999080"/>
-      </p:ext>
-    </p:extLst>
   </p:cSld>
   <p:clrMapOvr>
     <a:masterClrMapping/>
   </p:clrMapOvr>
-  <mc:AlternateContent xmlns:mc="http://schemas.openxmlformats.org/markup-compatibility/2006">
-    <mc:Choice xmlns:p14="http://schemas.microsoft.com/office/powerpoint/2010/main" Requires="p14">
+  <mc:AlternateContent xmlns:mc="http://schemas.openxmlformats.org/markup-compatibility/2006" xmlns:p14="http://schemas.microsoft.com/office/powerpoint/2010/main">
+    <mc:Choice Requires="p14">
       <p:transition spd="med" p14:dur="700">
         <p:fade/>
       </p:transition>
     </mc:Choice>
-    <mc:Fallback>
+    <mc:Fallback xmlns="" xmlns:p15="http://schemas.microsoft.com/office/powerpoint/2012/main">
       <p:transition spd="med">
         <p:fade/>
       </p:transition>
@@ -15714,7 +15444,7 @@
       </p:grpSpPr>
       <p:sp>
         <p:nvSpPr>
-          <p:cNvPr id="130" name="CustomShape 1"/>
+          <p:cNvPr id="122" name="CustomShape 1"/>
           <p:cNvSpPr/>
           <p:nvPr/>
         </p:nvSpPr>
@@ -15745,7 +15475,7 @@
         </p:style>
         <p:txBody>
           <a:bodyPr lIns="0" tIns="45000" rIns="0" bIns="0" anchor="b">
-            <a:normAutofit/>
+            <a:noAutofit/>
           </a:bodyPr>
           <a:lstStyle/>
           <a:p>
@@ -15761,7 +15491,7 @@
                 </a:solidFill>
                 <a:latin typeface="Century Gothic"/>
               </a:rPr>
-              <a:t>Analyse des besoins</a:t>
+              <a:t>Analyse du projet</a:t>
             </a:r>
             <a:endParaRPr lang="fr-FR" sz="5000" b="0" strike="noStrike" spc="-1">
               <a:latin typeface="Arial"/>
@@ -15771,7 +15501,7 @@
       </p:sp>
       <p:sp>
         <p:nvSpPr>
-          <p:cNvPr id="131" name="CustomShape 2"/>
+          <p:cNvPr id="123" name="CustomShape 2"/>
           <p:cNvSpPr/>
           <p:nvPr/>
         </p:nvSpPr>
@@ -15821,74 +15551,43 @@
               <a:buChar char=""/>
             </a:pPr>
             <a:r>
-              <a:rPr lang="fr-FR" sz="2600" b="0" strike="noStrike" spc="-1" dirty="0">
+              <a:rPr lang="fr-FR" sz="2600" b="0" strike="noStrike" spc="-1">
                 <a:solidFill>
                   <a:srgbClr val="000000"/>
                 </a:solidFill>
                 <a:latin typeface="Palatino Linotype"/>
               </a:rPr>
-              <a:t>Dans un premier temps, une application rapide, pratique, et portable, utilisable depuis partout (pc, téléphone, tv).</a:t>
-            </a:r>
-            <a:endParaRPr lang="fr-FR" sz="2600" b="0" strike="noStrike" spc="-1" dirty="0">
-              <a:latin typeface="Arial"/>
-            </a:endParaRPr>
-          </a:p>
-          <a:p>
-            <a:pPr marL="640080" lvl="1" indent="-246240">
-              <a:lnSpc>
-                <a:spcPct val="100000"/>
-              </a:lnSpc>
-              <a:spcBef>
-                <a:spcPts val="479"/>
-              </a:spcBef>
-              <a:buClr>
-                <a:srgbClr val="2A4F1C"/>
-              </a:buClr>
-              <a:buSzPct val="85000"/>
-              <a:buFont typeface="Wingdings 2" charset="2"/>
-              <a:buChar char=""/>
-            </a:pPr>
-            <a:r>
-              <a:rPr lang="fr-FR" sz="2400" b="0" strike="noStrike" spc="-1" dirty="0">
-                <a:solidFill>
-                  <a:srgbClr val="000000"/>
-                </a:solidFill>
-                <a:latin typeface="Palatino Linotype"/>
-              </a:rPr>
-              <a:t>Le choix des technologies est donc fait en conformité avec ceci.</a:t>
-            </a:r>
-            <a:endParaRPr lang="fr-FR" sz="2400" b="0" strike="noStrike" spc="-1" dirty="0">
-              <a:latin typeface="Arial"/>
-            </a:endParaRPr>
-          </a:p>
-          <a:p>
-            <a:pPr>
-              <a:lnSpc>
-                <a:spcPct val="100000"/>
-              </a:lnSpc>
-              <a:spcBef>
-                <a:spcPts val="519"/>
-              </a:spcBef>
-            </a:pPr>
-            <a:endParaRPr lang="fr-FR" sz="2400" b="0" strike="noStrike" spc="-1" dirty="0">
-              <a:latin typeface="Arial"/>
-            </a:endParaRPr>
-          </a:p>
-          <a:p>
-            <a:pPr>
-              <a:lnSpc>
-                <a:spcPct val="100000"/>
-              </a:lnSpc>
-              <a:spcBef>
-                <a:spcPts val="519"/>
-              </a:spcBef>
-            </a:pPr>
-            <a:endParaRPr lang="fr-FR" sz="2400" b="0" strike="noStrike" spc="-1" dirty="0">
-              <a:latin typeface="Arial"/>
-            </a:endParaRPr>
-          </a:p>
-        </p:txBody>
-      </p:sp>
+              <a:t>Use case de façon simple</a:t>
+            </a:r>
+            <a:endParaRPr lang="fr-FR" sz="2600" b="0" strike="noStrike" spc="-1">
+              <a:latin typeface="Arial"/>
+            </a:endParaRPr>
+          </a:p>
+        </p:txBody>
+      </p:sp>
+      <p:pic>
+        <p:nvPicPr>
+          <p:cNvPr id="124" name="Image 123"/>
+          <p:cNvPicPr/>
+          <p:nvPr/>
+        </p:nvPicPr>
+        <p:blipFill>
+          <a:blip r:embed="rId3"/>
+          <a:stretch/>
+        </p:blipFill>
+        <p:spPr>
+          <a:xfrm>
+            <a:off x="5328000" y="1800000"/>
+            <a:ext cx="6643440" cy="4940640"/>
+          </a:xfrm>
+          <a:prstGeom prst="rect">
+            <a:avLst/>
+          </a:prstGeom>
+          <a:ln>
+            <a:noFill/>
+          </a:ln>
+        </p:spPr>
+      </p:pic>
     </p:spTree>
   </p:cSld>
   <p:clrMapOvr>
@@ -15900,7 +15599,7 @@
         <p:fade/>
       </p:transition>
     </mc:Choice>
-    <mc:Fallback xmlns:p15="http://schemas.microsoft.com/office/powerpoint/2012/main" xmlns="">
+    <mc:Fallback xmlns="" xmlns:p15="http://schemas.microsoft.com/office/powerpoint/2012/main">
       <p:transition spd="med">
         <p:fade/>
       </p:transition>
@@ -15935,7 +15634,7 @@
       </p:grpSpPr>
       <p:sp>
         <p:nvSpPr>
-          <p:cNvPr id="134" name="CustomShape 1"/>
+          <p:cNvPr id="127" name="CustomShape 1"/>
           <p:cNvSpPr/>
           <p:nvPr/>
         </p:nvSpPr>
@@ -15970,29 +15669,31 @@
           </a:bodyPr>
           <a:lstStyle/>
           <a:p>
-            <a:pPr>
-              <a:lnSpc>
-                <a:spcPct val="100000"/>
-              </a:lnSpc>
-            </a:pPr>
-            <a:r>
-              <a:rPr lang="fr-FR" sz="5000" b="0" strike="noStrike" spc="-1">
+            <a:r>
+              <a:rPr lang="fr-FR" sz="5000" spc="-1" dirty="0">
                 <a:solidFill>
                   <a:srgbClr val="455F51"/>
                 </a:solidFill>
                 <a:latin typeface="Century Gothic"/>
               </a:rPr>
-              <a:t>Codage d'un formulaire</a:t>
-            </a:r>
-            <a:endParaRPr lang="fr-FR" sz="5000" b="0" strike="noStrike" spc="-1">
-              <a:latin typeface="Arial"/>
-            </a:endParaRPr>
-          </a:p>
-        </p:txBody>
-      </p:sp>
-      <p:sp>
-        <p:nvSpPr>
-          <p:cNvPr id="135" name="CustomShape 2"/>
+              <a:t>MCD/ </a:t>
+            </a:r>
+            <a:r>
+              <a:rPr lang="fr-FR" sz="5000" spc="-1" dirty="0" smtClean="0">
+                <a:solidFill>
+                  <a:srgbClr val="455F51"/>
+                </a:solidFill>
+                <a:latin typeface="Century Gothic"/>
+              </a:rPr>
+              <a:t>MLD</a:t>
+            </a:r>
+            <a:endParaRPr lang="fr-FR" sz="5000" spc="-1" dirty="0"/>
+          </a:p>
+        </p:txBody>
+      </p:sp>
+      <p:sp>
+        <p:nvSpPr>
+          <p:cNvPr id="128" name="CustomShape 2"/>
           <p:cNvSpPr/>
           <p:nvPr/>
         </p:nvSpPr>
@@ -16024,7 +15725,7 @@
       </p:sp>
       <p:pic>
         <p:nvPicPr>
-          <p:cNvPr id="4" name="Image 3"/>
+          <p:cNvPr id="129" name="Image 128"/>
           <p:cNvPicPr/>
           <p:nvPr/>
         </p:nvPicPr>
@@ -16034,8 +15735,8 @@
         </p:blipFill>
         <p:spPr>
           <a:xfrm>
-            <a:off x="956160" y="1846440"/>
-            <a:ext cx="10138560" cy="5497560"/>
+            <a:off x="344709" y="2361308"/>
+            <a:ext cx="5176526" cy="3536503"/>
           </a:xfrm>
           <a:prstGeom prst="rect">
             <a:avLst/>
@@ -16043,6 +15744,36 @@
           <a:ln>
             <a:noFill/>
           </a:ln>
+        </p:spPr>
+      </p:pic>
+      <p:pic>
+        <p:nvPicPr>
+          <p:cNvPr id="5" name="Image 4"/>
+          <p:cNvPicPr>
+            <a:picLocks noChangeAspect="1"/>
+          </p:cNvPicPr>
+          <p:nvPr/>
+        </p:nvPicPr>
+        <p:blipFill>
+          <a:blip r:embed="rId4" cstate="print">
+            <a:extLst>
+              <a:ext uri="{28A0092B-C50C-407E-A947-70E740481C1C}">
+                <a14:useLocalDpi xmlns:a14="http://schemas.microsoft.com/office/drawing/2010/main" val="0"/>
+              </a:ext>
+            </a:extLst>
+          </a:blip>
+          <a:stretch>
+            <a:fillRect/>
+          </a:stretch>
+        </p:blipFill>
+        <p:spPr>
+          <a:xfrm>
+            <a:off x="5521235" y="2604634"/>
+            <a:ext cx="6132122" cy="3293177"/>
+          </a:xfrm>
+          <a:prstGeom prst="rect">
+            <a:avLst/>
+          </a:prstGeom>
         </p:spPr>
       </p:pic>
     </p:spTree>
@@ -16056,7 +15787,7 @@
         <p:fade/>
       </p:transition>
     </mc:Choice>
-    <mc:Fallback xmlns:p15="http://schemas.microsoft.com/office/powerpoint/2012/main" xmlns="">
+    <mc:Fallback xmlns="" xmlns:p15="http://schemas.microsoft.com/office/powerpoint/2012/main">
       <p:transition spd="med">
         <p:fade/>
       </p:transition>
@@ -16089,30 +15820,170 @@
           <a:chExt cx="0" cy="0"/>
         </a:xfrm>
       </p:grpSpPr>
+      <p:sp>
+        <p:nvSpPr>
+          <p:cNvPr id="134" name="CustomShape 1"/>
+          <p:cNvSpPr/>
+          <p:nvPr/>
+        </p:nvSpPr>
+        <p:spPr>
+          <a:xfrm>
+            <a:off x="609480" y="704160"/>
+            <a:ext cx="10972080" cy="1142280"/>
+          </a:xfrm>
+          <a:prstGeom prst="rect">
+            <a:avLst/>
+          </a:prstGeom>
+          <a:noFill/>
+          <a:ln>
+            <a:noFill/>
+          </a:ln>
+        </p:spPr>
+        <p:style>
+          <a:lnRef idx="0">
+            <a:scrgbClr r="0" g="0" b="0"/>
+          </a:lnRef>
+          <a:fillRef idx="0">
+            <a:scrgbClr r="0" g="0" b="0"/>
+          </a:fillRef>
+          <a:effectRef idx="0">
+            <a:scrgbClr r="0" g="0" b="0"/>
+          </a:effectRef>
+          <a:fontRef idx="minor"/>
+        </p:style>
+        <p:txBody>
+          <a:bodyPr lIns="0" tIns="45000" rIns="0" bIns="0" anchor="b">
+            <a:noAutofit/>
+          </a:bodyPr>
+          <a:lstStyle/>
+          <a:p>
+            <a:pPr>
+              <a:lnSpc>
+                <a:spcPct val="100000"/>
+              </a:lnSpc>
+            </a:pPr>
+            <a:r>
+              <a:rPr lang="fr-FR" sz="5000" b="0" strike="noStrike" spc="-1" dirty="0" smtClean="0">
+                <a:solidFill>
+                  <a:srgbClr val="455F51"/>
+                </a:solidFill>
+                <a:latin typeface="Century Gothic"/>
+              </a:rPr>
+              <a:t>Diagramme d’activité/</a:t>
+            </a:r>
+            <a:r>
+              <a:rPr lang="fr-FR" sz="5000" spc="-1" dirty="0" smtClean="0">
+                <a:solidFill>
+                  <a:srgbClr val="455F51"/>
+                </a:solidFill>
+                <a:latin typeface="Century Gothic"/>
+              </a:rPr>
+              <a:t>séquence</a:t>
+            </a:r>
+            <a:endParaRPr lang="fr-FR" sz="5000" b="0" strike="noStrike" spc="-1" dirty="0">
+              <a:latin typeface="Arial"/>
+            </a:endParaRPr>
+          </a:p>
+        </p:txBody>
+      </p:sp>
+      <p:sp>
+        <p:nvSpPr>
+          <p:cNvPr id="135" name="CustomShape 2"/>
+          <p:cNvSpPr/>
+          <p:nvPr/>
+        </p:nvSpPr>
+        <p:spPr>
+          <a:xfrm>
+            <a:off x="609480" y="1935360"/>
+            <a:ext cx="10972080" cy="4388400"/>
+          </a:xfrm>
+          <a:prstGeom prst="rect">
+            <a:avLst/>
+          </a:prstGeom>
+          <a:noFill/>
+          <a:ln>
+            <a:noFill/>
+          </a:ln>
+        </p:spPr>
+        <p:style>
+          <a:lnRef idx="0">
+            <a:scrgbClr r="0" g="0" b="0"/>
+          </a:lnRef>
+          <a:fillRef idx="0">
+            <a:scrgbClr r="0" g="0" b="0"/>
+          </a:fillRef>
+          <a:effectRef idx="0">
+            <a:scrgbClr r="0" g="0" b="0"/>
+          </a:effectRef>
+          <a:fontRef idx="minor"/>
+        </p:style>
+      </p:sp>
       <p:pic>
         <p:nvPicPr>
-          <p:cNvPr id="137" name="Image 136"/>
-          <p:cNvPicPr/>
+          <p:cNvPr id="3" name="Image 2"/>
+          <p:cNvPicPr>
+            <a:picLocks noChangeAspect="1"/>
+          </p:cNvPicPr>
           <p:nvPr/>
         </p:nvPicPr>
         <p:blipFill>
-          <a:blip r:embed="rId3"/>
-          <a:stretch/>
+          <a:blip r:embed="rId3">
+            <a:extLst>
+              <a:ext uri="{28A0092B-C50C-407E-A947-70E740481C1C}">
+                <a14:useLocalDpi xmlns:a14="http://schemas.microsoft.com/office/drawing/2010/main" val="0"/>
+              </a:ext>
+            </a:extLst>
+          </a:blip>
+          <a:stretch>
+            <a:fillRect/>
+          </a:stretch>
         </p:blipFill>
         <p:spPr>
           <a:xfrm>
-            <a:off x="1008000" y="720000"/>
-            <a:ext cx="10755720" cy="6328080"/>
-          </a:xfrm>
-          <a:prstGeom prst="rect">
-            <a:avLst/>
-          </a:prstGeom>
-          <a:ln>
-            <a:noFill/>
-          </a:ln>
+            <a:off x="609480" y="1935360"/>
+            <a:ext cx="5212469" cy="5011560"/>
+          </a:xfrm>
+          <a:prstGeom prst="rect">
+            <a:avLst/>
+          </a:prstGeom>
+        </p:spPr>
+      </p:pic>
+      <p:pic>
+        <p:nvPicPr>
+          <p:cNvPr id="4" name="Image 3"/>
+          <p:cNvPicPr>
+            <a:picLocks noChangeAspect="1"/>
+          </p:cNvPicPr>
+          <p:nvPr/>
+        </p:nvPicPr>
+        <p:blipFill>
+          <a:blip r:embed="rId4">
+            <a:extLst>
+              <a:ext uri="{28A0092B-C50C-407E-A947-70E740481C1C}">
+                <a14:useLocalDpi xmlns:a14="http://schemas.microsoft.com/office/drawing/2010/main" val="0"/>
+              </a:ext>
+            </a:extLst>
+          </a:blip>
+          <a:stretch>
+            <a:fillRect/>
+          </a:stretch>
+        </p:blipFill>
+        <p:spPr>
+          <a:xfrm>
+            <a:off x="6308111" y="1935360"/>
+            <a:ext cx="5273449" cy="4922640"/>
+          </a:xfrm>
+          <a:prstGeom prst="rect">
+            <a:avLst/>
+          </a:prstGeom>
         </p:spPr>
       </p:pic>
     </p:spTree>
+    <p:extLst>
+      <p:ext uri="{BB962C8B-B14F-4D97-AF65-F5344CB8AC3E}">
+        <p14:creationId xmlns:p14="http://schemas.microsoft.com/office/powerpoint/2010/main" val="4111999080"/>
+      </p:ext>
+    </p:extLst>
   </p:cSld>
   <p:clrMapOvr>
     <a:masterClrMapping/>
@@ -16123,7 +15994,7 @@
         <p:fade/>
       </p:transition>
     </mc:Choice>
-    <mc:Fallback xmlns:p15="http://schemas.microsoft.com/office/powerpoint/2012/main" xmlns="">
+    <mc:Fallback xmlns="">
       <p:transition spd="med">
         <p:fade/>
       </p:transition>
@@ -16516,7 +16387,7 @@
         <p:fade/>
       </p:transition>
     </mc:Choice>
-    <mc:Fallback xmlns:p15="http://schemas.microsoft.com/office/powerpoint/2012/main" xmlns="">
+    <mc:Fallback xmlns="" xmlns:p15="http://schemas.microsoft.com/office/powerpoint/2012/main">
       <p:transition spd="med">
         <p:fade/>
       </p:transition>
@@ -16551,7 +16422,7 @@
       </p:grpSpPr>
       <p:sp>
         <p:nvSpPr>
-          <p:cNvPr id="138" name="CustomShape 1"/>
+          <p:cNvPr id="130" name="CustomShape 1"/>
           <p:cNvSpPr/>
           <p:nvPr/>
         </p:nvSpPr>
@@ -16582,7 +16453,7 @@
         </p:style>
         <p:txBody>
           <a:bodyPr lIns="0" tIns="45000" rIns="0" bIns="0" anchor="b">
-            <a:noAutofit/>
+            <a:normAutofit/>
           </a:bodyPr>
           <a:lstStyle/>
           <a:p>
@@ -16598,7 +16469,7 @@
                 </a:solidFill>
                 <a:latin typeface="Century Gothic"/>
               </a:rPr>
-              <a:t>Résultat :</a:t>
+              <a:t>Analyse des besoins</a:t>
             </a:r>
             <a:endParaRPr lang="fr-FR" sz="5000" b="0" strike="noStrike" spc="-1">
               <a:latin typeface="Arial"/>
@@ -16606,29 +16477,126 @@
           </a:p>
         </p:txBody>
       </p:sp>
-      <p:pic>
-        <p:nvPicPr>
-          <p:cNvPr id="139" name="Image 138"/>
-          <p:cNvPicPr/>
+      <p:sp>
+        <p:nvSpPr>
+          <p:cNvPr id="131" name="CustomShape 2"/>
+          <p:cNvSpPr/>
           <p:nvPr/>
-        </p:nvPicPr>
-        <p:blipFill>
-          <a:blip r:embed="rId3"/>
-          <a:stretch/>
-        </p:blipFill>
-        <p:spPr>
-          <a:xfrm>
-            <a:off x="3672000" y="781560"/>
-            <a:ext cx="8280000" cy="5914440"/>
-          </a:xfrm>
-          <a:prstGeom prst="rect">
-            <a:avLst/>
-          </a:prstGeom>
+        </p:nvSpPr>
+        <p:spPr>
+          <a:xfrm>
+            <a:off x="609480" y="1935360"/>
+            <a:ext cx="10972080" cy="4388400"/>
+          </a:xfrm>
+          <a:prstGeom prst="rect">
+            <a:avLst/>
+          </a:prstGeom>
+          <a:noFill/>
           <a:ln>
             <a:noFill/>
           </a:ln>
         </p:spPr>
-      </p:pic>
+        <p:style>
+          <a:lnRef idx="0">
+            <a:scrgbClr r="0" g="0" b="0"/>
+          </a:lnRef>
+          <a:fillRef idx="0">
+            <a:scrgbClr r="0" g="0" b="0"/>
+          </a:fillRef>
+          <a:effectRef idx="0">
+            <a:scrgbClr r="0" g="0" b="0"/>
+          </a:effectRef>
+          <a:fontRef idx="minor"/>
+        </p:style>
+        <p:txBody>
+          <a:bodyPr lIns="90000" tIns="45000" rIns="90000" bIns="45000">
+            <a:noAutofit/>
+          </a:bodyPr>
+          <a:lstStyle/>
+          <a:p>
+            <a:pPr marL="274320" indent="-273600">
+              <a:lnSpc>
+                <a:spcPct val="100000"/>
+              </a:lnSpc>
+              <a:spcBef>
+                <a:spcPts val="519"/>
+              </a:spcBef>
+              <a:buClr>
+                <a:srgbClr val="626B1A"/>
+              </a:buClr>
+              <a:buSzPct val="95000"/>
+              <a:buFont typeface="Wingdings 2" charset="2"/>
+              <a:buChar char=""/>
+            </a:pPr>
+            <a:r>
+              <a:rPr lang="fr-FR" sz="2600" b="0" strike="noStrike" spc="-1" dirty="0">
+                <a:solidFill>
+                  <a:srgbClr val="000000"/>
+                </a:solidFill>
+                <a:latin typeface="Palatino Linotype"/>
+              </a:rPr>
+              <a:t>Dans un premier temps, une application rapide, pratique, et portable, utilisable depuis partout (pc, téléphone, tv).</a:t>
+            </a:r>
+            <a:endParaRPr lang="fr-FR" sz="2600" b="0" strike="noStrike" spc="-1" dirty="0">
+              <a:latin typeface="Arial"/>
+            </a:endParaRPr>
+          </a:p>
+          <a:p>
+            <a:pPr marL="640080" lvl="1" indent="-246240">
+              <a:lnSpc>
+                <a:spcPct val="100000"/>
+              </a:lnSpc>
+              <a:spcBef>
+                <a:spcPts val="479"/>
+              </a:spcBef>
+              <a:buClr>
+                <a:srgbClr val="2A4F1C"/>
+              </a:buClr>
+              <a:buSzPct val="85000"/>
+              <a:buFont typeface="Wingdings 2" charset="2"/>
+              <a:buChar char=""/>
+            </a:pPr>
+            <a:r>
+              <a:rPr lang="fr-FR" sz="2400" b="0" strike="noStrike" spc="-1" dirty="0">
+                <a:solidFill>
+                  <a:srgbClr val="000000"/>
+                </a:solidFill>
+                <a:latin typeface="Palatino Linotype"/>
+              </a:rPr>
+              <a:t>Le choix des technologies est donc fait en conformité avec ceci.</a:t>
+            </a:r>
+            <a:endParaRPr lang="fr-FR" sz="2400" b="0" strike="noStrike" spc="-1" dirty="0">
+              <a:latin typeface="Arial"/>
+            </a:endParaRPr>
+          </a:p>
+          <a:p>
+            <a:pPr>
+              <a:lnSpc>
+                <a:spcPct val="100000"/>
+              </a:lnSpc>
+              <a:spcBef>
+                <a:spcPts val="519"/>
+              </a:spcBef>
+            </a:pPr>
+            <a:endParaRPr lang="fr-FR" sz="2400" b="0" strike="noStrike" spc="-1" dirty="0">
+              <a:latin typeface="Arial"/>
+            </a:endParaRPr>
+          </a:p>
+          <a:p>
+            <a:pPr>
+              <a:lnSpc>
+                <a:spcPct val="100000"/>
+              </a:lnSpc>
+              <a:spcBef>
+                <a:spcPts val="519"/>
+              </a:spcBef>
+            </a:pPr>
+            <a:endParaRPr lang="fr-FR" sz="2400" b="0" strike="noStrike" spc="-1" dirty="0">
+              <a:latin typeface="Arial"/>
+            </a:endParaRPr>
+          </a:p>
+        </p:txBody>
+      </p:sp>
     </p:spTree>
   </p:cSld>
   <p:clrMapOvr>
@@ -16640,7 +16608,7 @@
         <p:fade/>
       </p:transition>
     </mc:Choice>
-    <mc:Fallback xmlns:p15="http://schemas.microsoft.com/office/powerpoint/2012/main" xmlns="">
+    <mc:Fallback xmlns="" xmlns:p15="http://schemas.microsoft.com/office/powerpoint/2012/main">
       <p:transition spd="med">
         <p:fade/>
       </p:transition>
@@ -16675,7 +16643,7 @@
       </p:grpSpPr>
       <p:sp>
         <p:nvSpPr>
-          <p:cNvPr id="144" name="CustomShape 1"/>
+          <p:cNvPr id="134" name="CustomShape 1"/>
           <p:cNvSpPr/>
           <p:nvPr/>
         </p:nvSpPr>
@@ -16722,7 +16690,7 @@
                 </a:solidFill>
                 <a:latin typeface="Century Gothic"/>
               </a:rPr>
-              <a:t>Synthèse et conclusion</a:t>
+              <a:t>Codage d'un formulaire</a:t>
             </a:r>
             <a:endParaRPr lang="fr-FR" sz="5000" b="0" strike="noStrike" spc="-1">
               <a:latin typeface="Arial"/>
@@ -16732,7 +16700,7 @@
       </p:sp>
       <p:sp>
         <p:nvSpPr>
-          <p:cNvPr id="145" name="CustomShape 2"/>
+          <p:cNvPr id="135" name="CustomShape 2"/>
           <p:cNvSpPr/>
           <p:nvPr/>
         </p:nvSpPr>
@@ -16761,153 +16729,30 @@
           </a:effectRef>
           <a:fontRef idx="minor"/>
         </p:style>
-        <p:txBody>
-          <a:bodyPr lIns="90000" tIns="45000" rIns="90000" bIns="45000">
-            <a:noAutofit/>
-          </a:bodyPr>
-          <a:lstStyle/>
-          <a:p>
-            <a:pPr marL="274320" indent="-273600">
-              <a:lnSpc>
-                <a:spcPct val="100000"/>
-              </a:lnSpc>
-              <a:spcBef>
-                <a:spcPts val="519"/>
-              </a:spcBef>
-              <a:buClr>
-                <a:srgbClr val="626B1A"/>
-              </a:buClr>
-              <a:buSzPct val="95000"/>
-              <a:buFont typeface="Wingdings 2" charset="2"/>
-              <a:buChar char=""/>
-            </a:pPr>
-            <a:r>
-              <a:rPr lang="fr-FR" sz="2600" b="0" strike="noStrike" spc="-1">
-                <a:solidFill>
-                  <a:srgbClr val="000000"/>
-                </a:solidFill>
-                <a:latin typeface="Palatino Linotype"/>
-              </a:rPr>
-              <a:t>Un projet passionnant.</a:t>
-            </a:r>
-            <a:endParaRPr lang="fr-FR" sz="2600" b="0" strike="noStrike" spc="-1">
-              <a:latin typeface="Arial"/>
-            </a:endParaRPr>
-          </a:p>
-          <a:p>
-            <a:pPr marL="274320" indent="-273600">
-              <a:lnSpc>
-                <a:spcPct val="100000"/>
-              </a:lnSpc>
-              <a:spcBef>
-                <a:spcPts val="519"/>
-              </a:spcBef>
-              <a:buClr>
-                <a:srgbClr val="626B1A"/>
-              </a:buClr>
-              <a:buSzPct val="95000"/>
-              <a:buFont typeface="Wingdings 2" charset="2"/>
-              <a:buChar char=""/>
-            </a:pPr>
-            <a:r>
-              <a:rPr lang="fr-FR" sz="2600" b="0" strike="noStrike" spc="-1">
-                <a:solidFill>
-                  <a:srgbClr val="000000"/>
-                </a:solidFill>
-                <a:latin typeface="Palatino Linotype"/>
-              </a:rPr>
-              <a:t>De grand challenge.</a:t>
-            </a:r>
-            <a:endParaRPr lang="fr-FR" sz="2600" b="0" strike="noStrike" spc="-1">
-              <a:latin typeface="Arial"/>
-            </a:endParaRPr>
-          </a:p>
-          <a:p>
-            <a:pPr marL="274320" indent="-273600">
-              <a:lnSpc>
-                <a:spcPct val="100000"/>
-              </a:lnSpc>
-              <a:spcBef>
-                <a:spcPts val="519"/>
-              </a:spcBef>
-              <a:buClr>
-                <a:srgbClr val="626B1A"/>
-              </a:buClr>
-              <a:buSzPct val="95000"/>
-              <a:buFont typeface="Wingdings 2" charset="2"/>
-              <a:buChar char=""/>
-            </a:pPr>
-            <a:r>
-              <a:rPr lang="fr-FR" sz="2600" b="0" strike="noStrike" spc="-1">
-                <a:solidFill>
-                  <a:srgbClr val="000000"/>
-                </a:solidFill>
-                <a:latin typeface="Palatino Linotype"/>
-              </a:rPr>
-              <a:t>Une bonne aventure.</a:t>
-            </a:r>
-            <a:endParaRPr lang="fr-FR" sz="2600" b="0" strike="noStrike" spc="-1">
-              <a:latin typeface="Arial"/>
-            </a:endParaRPr>
-          </a:p>
-          <a:p>
-            <a:pPr marL="274320" indent="-273600">
-              <a:lnSpc>
-                <a:spcPct val="100000"/>
-              </a:lnSpc>
-              <a:spcBef>
-                <a:spcPts val="519"/>
-              </a:spcBef>
-              <a:buClr>
-                <a:srgbClr val="626B1A"/>
-              </a:buClr>
-              <a:buSzPct val="95000"/>
-              <a:buFont typeface="Wingdings 2" charset="2"/>
-              <a:buChar char=""/>
-            </a:pPr>
-            <a:r>
-              <a:rPr lang="fr-FR" sz="2600" b="0" strike="noStrike" spc="-1">
-                <a:solidFill>
-                  <a:srgbClr val="000000"/>
-                </a:solidFill>
-                <a:latin typeface="Palatino Linotype"/>
-              </a:rPr>
-              <a:t>Une bonne expérience.</a:t>
-            </a:r>
-            <a:endParaRPr lang="fr-FR" sz="2600" b="0" strike="noStrike" spc="-1">
-              <a:latin typeface="Arial"/>
-            </a:endParaRPr>
-          </a:p>
-          <a:p>
-            <a:pPr marL="274320" indent="-273600">
-              <a:lnSpc>
-                <a:spcPct val="100000"/>
-              </a:lnSpc>
-              <a:spcBef>
-                <a:spcPts val="519"/>
-              </a:spcBef>
-              <a:buClr>
-                <a:srgbClr val="626B1A"/>
-              </a:buClr>
-              <a:buSzPct val="95000"/>
-              <a:buFont typeface="Wingdings 2" charset="2"/>
-              <a:buChar char=""/>
-            </a:pPr>
-            <a:r>
-              <a:rPr lang="fr-FR" sz="2600" b="0" strike="noStrike" spc="-1">
-                <a:solidFill>
-                  <a:srgbClr val="000000"/>
-                </a:solidFill>
-                <a:latin typeface="Palatino Linotype"/>
-              </a:rPr>
-              <a:t>Une grande monté en compétence.</a:t>
-            </a:r>
-            <a:endParaRPr lang="fr-FR" sz="2600" b="0" strike="noStrike" spc="-1">
-              <a:latin typeface="Arial"/>
-            </a:endParaRPr>
-          </a:p>
-        </p:txBody>
-      </p:sp>
+      </p:sp>
+      <p:pic>
+        <p:nvPicPr>
+          <p:cNvPr id="4" name="Image 3"/>
+          <p:cNvPicPr/>
+          <p:nvPr/>
+        </p:nvPicPr>
+        <p:blipFill>
+          <a:blip r:embed="rId3"/>
+          <a:stretch/>
+        </p:blipFill>
+        <p:spPr>
+          <a:xfrm>
+            <a:off x="956160" y="1846440"/>
+            <a:ext cx="10138560" cy="5497560"/>
+          </a:xfrm>
+          <a:prstGeom prst="rect">
+            <a:avLst/>
+          </a:prstGeom>
+          <a:ln>
+            <a:noFill/>
+          </a:ln>
+        </p:spPr>
+      </p:pic>
     </p:spTree>
   </p:cSld>
   <p:clrMapOvr>
@@ -16919,7 +16764,7 @@
         <p:fade/>
       </p:transition>
     </mc:Choice>
-    <mc:Fallback xmlns:p15="http://schemas.microsoft.com/office/powerpoint/2012/main" xmlns="">
+    <mc:Fallback xmlns="" xmlns:p15="http://schemas.microsoft.com/office/powerpoint/2012/main">
       <p:transition spd="med">
         <p:fade/>
       </p:transition>
@@ -16952,137 +16797,41 @@
           <a:chExt cx="0" cy="0"/>
         </a:xfrm>
       </p:grpSpPr>
-      <p:sp>
-        <p:nvSpPr>
-          <p:cNvPr id="144" name="CustomShape 1"/>
-          <p:cNvSpPr/>
+      <p:pic>
+        <p:nvPicPr>
+          <p:cNvPr id="137" name="Image 136"/>
+          <p:cNvPicPr/>
           <p:nvPr/>
-        </p:nvSpPr>
-        <p:spPr>
-          <a:xfrm>
-            <a:off x="609480" y="704160"/>
-            <a:ext cx="10972080" cy="1142280"/>
-          </a:xfrm>
-          <a:prstGeom prst="rect">
-            <a:avLst/>
-          </a:prstGeom>
-          <a:noFill/>
+        </p:nvPicPr>
+        <p:blipFill>
+          <a:blip r:embed="rId3"/>
+          <a:stretch/>
+        </p:blipFill>
+        <p:spPr>
+          <a:xfrm>
+            <a:off x="1008000" y="720000"/>
+            <a:ext cx="10755720" cy="6328080"/>
+          </a:xfrm>
+          <a:prstGeom prst="rect">
+            <a:avLst/>
+          </a:prstGeom>
           <a:ln>
             <a:noFill/>
           </a:ln>
         </p:spPr>
-        <p:style>
-          <a:lnRef idx="0">
-            <a:scrgbClr r="0" g="0" b="0"/>
-          </a:lnRef>
-          <a:fillRef idx="0">
-            <a:scrgbClr r="0" g="0" b="0"/>
-          </a:fillRef>
-          <a:effectRef idx="0">
-            <a:scrgbClr r="0" g="0" b="0"/>
-          </a:effectRef>
-          <a:fontRef idx="minor"/>
-        </p:style>
-        <p:txBody>
-          <a:bodyPr lIns="0" tIns="45000" rIns="0" bIns="0" anchor="b">
-            <a:noAutofit/>
-          </a:bodyPr>
-          <a:lstStyle/>
-          <a:p>
-            <a:pPr>
-              <a:lnSpc>
-                <a:spcPct val="100000"/>
-              </a:lnSpc>
-            </a:pPr>
-            <a:r>
-              <a:rPr lang="fr-FR" sz="5000" b="0" strike="noStrike" spc="-1" dirty="0" smtClean="0">
-                <a:solidFill>
-                  <a:srgbClr val="455F51"/>
-                </a:solidFill>
-                <a:latin typeface="Century Gothic"/>
-              </a:rPr>
-              <a:t> </a:t>
-            </a:r>
-            <a:endParaRPr lang="fr-FR" sz="5000" b="0" strike="noStrike" spc="-1" dirty="0">
-              <a:latin typeface="Arial"/>
-            </a:endParaRPr>
-          </a:p>
-        </p:txBody>
-      </p:sp>
-      <p:sp>
-        <p:nvSpPr>
-          <p:cNvPr id="145" name="CustomShape 2"/>
-          <p:cNvSpPr/>
-          <p:nvPr/>
-        </p:nvSpPr>
-        <p:spPr>
-          <a:xfrm>
-            <a:off x="609480" y="1935360"/>
-            <a:ext cx="10972080" cy="4388400"/>
-          </a:xfrm>
-          <a:prstGeom prst="rect">
-            <a:avLst/>
-          </a:prstGeom>
-          <a:noFill/>
-          <a:ln>
-            <a:noFill/>
-          </a:ln>
-        </p:spPr>
-        <p:style>
-          <a:lnRef idx="0">
-            <a:scrgbClr r="0" g="0" b="0"/>
-          </a:lnRef>
-          <a:fillRef idx="0">
-            <a:scrgbClr r="0" g="0" b="0"/>
-          </a:fillRef>
-          <a:effectRef idx="0">
-            <a:scrgbClr r="0" g="0" b="0"/>
-          </a:effectRef>
-          <a:fontRef idx="minor"/>
-        </p:style>
-        <p:txBody>
-          <a:bodyPr lIns="90000" tIns="45000" rIns="90000" bIns="45000">
-            <a:noAutofit/>
-          </a:bodyPr>
-          <a:lstStyle/>
-          <a:p>
-            <a:pPr marL="274320" indent="-273600">
-              <a:lnSpc>
-                <a:spcPct val="100000"/>
-              </a:lnSpc>
-              <a:spcBef>
-                <a:spcPts val="519"/>
-              </a:spcBef>
-              <a:buClr>
-                <a:srgbClr val="626B1A"/>
-              </a:buClr>
-              <a:buSzPct val="95000"/>
-              <a:buFont typeface="Wingdings 2" charset="2"/>
-              <a:buChar char=""/>
-            </a:pPr>
-            <a:endParaRPr lang="fr-FR" sz="2600" b="0" strike="noStrike" spc="-1" dirty="0">
-              <a:latin typeface="Arial"/>
-            </a:endParaRPr>
-          </a:p>
-        </p:txBody>
-      </p:sp>
+      </p:pic>
     </p:spTree>
-    <p:extLst>
-      <p:ext uri="{BB962C8B-B14F-4D97-AF65-F5344CB8AC3E}">
-        <p14:creationId xmlns:p14="http://schemas.microsoft.com/office/powerpoint/2010/main" val="44115267"/>
-      </p:ext>
-    </p:extLst>
   </p:cSld>
   <p:clrMapOvr>
     <a:masterClrMapping/>
   </p:clrMapOvr>
-  <mc:AlternateContent xmlns:mc="http://schemas.openxmlformats.org/markup-compatibility/2006">
-    <mc:Choice xmlns:p14="http://schemas.microsoft.com/office/powerpoint/2010/main" Requires="p14">
+  <mc:AlternateContent xmlns:mc="http://schemas.openxmlformats.org/markup-compatibility/2006" xmlns:p14="http://schemas.microsoft.com/office/powerpoint/2010/main">
+    <mc:Choice Requires="p14">
       <p:transition spd="med" p14:dur="700">
         <p:fade/>
       </p:transition>
     </mc:Choice>
-    <mc:Fallback>
+    <mc:Fallback xmlns="" xmlns:p15="http://schemas.microsoft.com/office/powerpoint/2012/main">
       <p:transition spd="med">
         <p:fade/>
       </p:transition>
@@ -17117,7 +16866,7 @@
       </p:grpSpPr>
       <p:sp>
         <p:nvSpPr>
-          <p:cNvPr id="144" name="CustomShape 1"/>
+          <p:cNvPr id="138" name="CustomShape 1"/>
           <p:cNvSpPr/>
           <p:nvPr/>
         </p:nvSpPr>
@@ -17158,94 +16907,55 @@
               </a:lnSpc>
             </a:pPr>
             <a:r>
-              <a:rPr lang="fr-FR" sz="5000" b="0" strike="noStrike" spc="-1" dirty="0" smtClean="0">
+              <a:rPr lang="fr-FR" sz="5000" b="0" strike="noStrike" spc="-1">
                 <a:solidFill>
                   <a:srgbClr val="455F51"/>
                 </a:solidFill>
                 <a:latin typeface="Century Gothic"/>
               </a:rPr>
-              <a:t> </a:t>
-            </a:r>
-            <a:endParaRPr lang="fr-FR" sz="5000" b="0" strike="noStrike" spc="-1" dirty="0">
-              <a:latin typeface="Arial"/>
-            </a:endParaRPr>
-          </a:p>
-        </p:txBody>
-      </p:sp>
-      <p:sp>
-        <p:nvSpPr>
-          <p:cNvPr id="145" name="CustomShape 2"/>
-          <p:cNvSpPr/>
+              <a:t>Résultat :</a:t>
+            </a:r>
+            <a:endParaRPr lang="fr-FR" sz="5000" b="0" strike="noStrike" spc="-1">
+              <a:latin typeface="Arial"/>
+            </a:endParaRPr>
+          </a:p>
+        </p:txBody>
+      </p:sp>
+      <p:pic>
+        <p:nvPicPr>
+          <p:cNvPr id="139" name="Image 138"/>
+          <p:cNvPicPr/>
           <p:nvPr/>
-        </p:nvSpPr>
-        <p:spPr>
-          <a:xfrm>
-            <a:off x="609480" y="1935360"/>
-            <a:ext cx="10972080" cy="4388400"/>
-          </a:xfrm>
-          <a:prstGeom prst="rect">
-            <a:avLst/>
-          </a:prstGeom>
-          <a:noFill/>
+        </p:nvPicPr>
+        <p:blipFill>
+          <a:blip r:embed="rId3"/>
+          <a:stretch/>
+        </p:blipFill>
+        <p:spPr>
+          <a:xfrm>
+            <a:off x="3672000" y="781560"/>
+            <a:ext cx="8280000" cy="5914440"/>
+          </a:xfrm>
+          <a:prstGeom prst="rect">
+            <a:avLst/>
+          </a:prstGeom>
           <a:ln>
             <a:noFill/>
           </a:ln>
         </p:spPr>
-        <p:style>
-          <a:lnRef idx="0">
-            <a:scrgbClr r="0" g="0" b="0"/>
-          </a:lnRef>
-          <a:fillRef idx="0">
-            <a:scrgbClr r="0" g="0" b="0"/>
-          </a:fillRef>
-          <a:effectRef idx="0">
-            <a:scrgbClr r="0" g="0" b="0"/>
-          </a:effectRef>
-          <a:fontRef idx="minor"/>
-        </p:style>
-        <p:txBody>
-          <a:bodyPr lIns="90000" tIns="45000" rIns="90000" bIns="45000">
-            <a:noAutofit/>
-          </a:bodyPr>
-          <a:lstStyle/>
-          <a:p>
-            <a:pPr marL="274320" indent="-273600">
-              <a:lnSpc>
-                <a:spcPct val="100000"/>
-              </a:lnSpc>
-              <a:spcBef>
-                <a:spcPts val="519"/>
-              </a:spcBef>
-              <a:buClr>
-                <a:srgbClr val="626B1A"/>
-              </a:buClr>
-              <a:buSzPct val="95000"/>
-              <a:buFont typeface="Wingdings 2" charset="2"/>
-              <a:buChar char=""/>
-            </a:pPr>
-            <a:endParaRPr lang="fr-FR" sz="2600" b="0" strike="noStrike" spc="-1" dirty="0">
-              <a:latin typeface="Arial"/>
-            </a:endParaRPr>
-          </a:p>
-        </p:txBody>
-      </p:sp>
+      </p:pic>
     </p:spTree>
-    <p:extLst>
-      <p:ext uri="{BB962C8B-B14F-4D97-AF65-F5344CB8AC3E}">
-        <p14:creationId xmlns:p14="http://schemas.microsoft.com/office/powerpoint/2010/main" val="3344790749"/>
-      </p:ext>
-    </p:extLst>
   </p:cSld>
   <p:clrMapOvr>
     <a:masterClrMapping/>
   </p:clrMapOvr>
-  <mc:AlternateContent xmlns:mc="http://schemas.openxmlformats.org/markup-compatibility/2006">
-    <mc:Choice xmlns:p14="http://schemas.microsoft.com/office/powerpoint/2010/main" Requires="p14">
+  <mc:AlternateContent xmlns:mc="http://schemas.openxmlformats.org/markup-compatibility/2006" xmlns:p14="http://schemas.microsoft.com/office/powerpoint/2010/main">
+    <mc:Choice Requires="p14">
       <p:transition spd="med" p14:dur="700">
         <p:fade/>
       </p:transition>
     </mc:Choice>
-    <mc:Fallback>
+    <mc:Fallback xmlns="" xmlns:p15="http://schemas.microsoft.com/office/powerpoint/2012/main">
       <p:transition spd="med">
         <p:fade/>
       </p:transition>
@@ -17321,15 +17031,15 @@
               </a:lnSpc>
             </a:pPr>
             <a:r>
-              <a:rPr lang="fr-FR" sz="5000" b="0" strike="noStrike" spc="-1" dirty="0" smtClean="0">
+              <a:rPr lang="fr-FR" sz="5000" b="0" strike="noStrike" spc="-1">
                 <a:solidFill>
                   <a:srgbClr val="455F51"/>
                 </a:solidFill>
                 <a:latin typeface="Century Gothic"/>
               </a:rPr>
-              <a:t> </a:t>
-            </a:r>
-            <a:endParaRPr lang="fr-FR" sz="5000" b="0" strike="noStrike" spc="-1" dirty="0">
+              <a:t>Synthèse et conclusion</a:t>
+            </a:r>
+            <a:endParaRPr lang="fr-FR" sz="5000" b="0" strike="noStrike" spc="-1">
               <a:latin typeface="Arial"/>
             </a:endParaRPr>
           </a:p>
@@ -17386,29 +17096,145 @@
               <a:buFont typeface="Wingdings 2" charset="2"/>
               <a:buChar char=""/>
             </a:pPr>
-            <a:endParaRPr lang="fr-FR" sz="2600" b="0" strike="noStrike" spc="-1" dirty="0">
+            <a:r>
+              <a:rPr lang="fr-FR" sz="2600" b="0" strike="noStrike" spc="-1">
+                <a:solidFill>
+                  <a:srgbClr val="000000"/>
+                </a:solidFill>
+                <a:latin typeface="Palatino Linotype"/>
+              </a:rPr>
+              <a:t>Un projet passionnant.</a:t>
+            </a:r>
+            <a:endParaRPr lang="fr-FR" sz="2600" b="0" strike="noStrike" spc="-1">
+              <a:latin typeface="Arial"/>
+            </a:endParaRPr>
+          </a:p>
+          <a:p>
+            <a:pPr marL="274320" indent="-273600">
+              <a:lnSpc>
+                <a:spcPct val="100000"/>
+              </a:lnSpc>
+              <a:spcBef>
+                <a:spcPts val="519"/>
+              </a:spcBef>
+              <a:buClr>
+                <a:srgbClr val="626B1A"/>
+              </a:buClr>
+              <a:buSzPct val="95000"/>
+              <a:buFont typeface="Wingdings 2" charset="2"/>
+              <a:buChar char=""/>
+            </a:pPr>
+            <a:r>
+              <a:rPr lang="fr-FR" sz="2600" b="0" strike="noStrike" spc="-1">
+                <a:solidFill>
+                  <a:srgbClr val="000000"/>
+                </a:solidFill>
+                <a:latin typeface="Palatino Linotype"/>
+              </a:rPr>
+              <a:t>De grand challenge.</a:t>
+            </a:r>
+            <a:endParaRPr lang="fr-FR" sz="2600" b="0" strike="noStrike" spc="-1">
+              <a:latin typeface="Arial"/>
+            </a:endParaRPr>
+          </a:p>
+          <a:p>
+            <a:pPr marL="274320" indent="-273600">
+              <a:lnSpc>
+                <a:spcPct val="100000"/>
+              </a:lnSpc>
+              <a:spcBef>
+                <a:spcPts val="519"/>
+              </a:spcBef>
+              <a:buClr>
+                <a:srgbClr val="626B1A"/>
+              </a:buClr>
+              <a:buSzPct val="95000"/>
+              <a:buFont typeface="Wingdings 2" charset="2"/>
+              <a:buChar char=""/>
+            </a:pPr>
+            <a:r>
+              <a:rPr lang="fr-FR" sz="2600" b="0" strike="noStrike" spc="-1">
+                <a:solidFill>
+                  <a:srgbClr val="000000"/>
+                </a:solidFill>
+                <a:latin typeface="Palatino Linotype"/>
+              </a:rPr>
+              <a:t>Une bonne aventure.</a:t>
+            </a:r>
+            <a:endParaRPr lang="fr-FR" sz="2600" b="0" strike="noStrike" spc="-1">
+              <a:latin typeface="Arial"/>
+            </a:endParaRPr>
+          </a:p>
+          <a:p>
+            <a:pPr marL="274320" indent="-273600">
+              <a:lnSpc>
+                <a:spcPct val="100000"/>
+              </a:lnSpc>
+              <a:spcBef>
+                <a:spcPts val="519"/>
+              </a:spcBef>
+              <a:buClr>
+                <a:srgbClr val="626B1A"/>
+              </a:buClr>
+              <a:buSzPct val="95000"/>
+              <a:buFont typeface="Wingdings 2" charset="2"/>
+              <a:buChar char=""/>
+            </a:pPr>
+            <a:r>
+              <a:rPr lang="fr-FR" sz="2600" b="0" strike="noStrike" spc="-1">
+                <a:solidFill>
+                  <a:srgbClr val="000000"/>
+                </a:solidFill>
+                <a:latin typeface="Palatino Linotype"/>
+              </a:rPr>
+              <a:t>Une bonne expérience.</a:t>
+            </a:r>
+            <a:endParaRPr lang="fr-FR" sz="2600" b="0" strike="noStrike" spc="-1">
+              <a:latin typeface="Arial"/>
+            </a:endParaRPr>
+          </a:p>
+          <a:p>
+            <a:pPr marL="274320" indent="-273600">
+              <a:lnSpc>
+                <a:spcPct val="100000"/>
+              </a:lnSpc>
+              <a:spcBef>
+                <a:spcPts val="519"/>
+              </a:spcBef>
+              <a:buClr>
+                <a:srgbClr val="626B1A"/>
+              </a:buClr>
+              <a:buSzPct val="95000"/>
+              <a:buFont typeface="Wingdings 2" charset="2"/>
+              <a:buChar char=""/>
+            </a:pPr>
+            <a:r>
+              <a:rPr lang="fr-FR" sz="2600" b="0" strike="noStrike" spc="-1">
+                <a:solidFill>
+                  <a:srgbClr val="000000"/>
+                </a:solidFill>
+                <a:latin typeface="Palatino Linotype"/>
+              </a:rPr>
+              <a:t>Une grande monté en compétence.</a:t>
+            </a:r>
+            <a:endParaRPr lang="fr-FR" sz="2600" b="0" strike="noStrike" spc="-1">
               <a:latin typeface="Arial"/>
             </a:endParaRPr>
           </a:p>
         </p:txBody>
       </p:sp>
     </p:spTree>
-    <p:extLst>
-      <p:ext uri="{BB962C8B-B14F-4D97-AF65-F5344CB8AC3E}">
-        <p14:creationId xmlns:p14="http://schemas.microsoft.com/office/powerpoint/2010/main" val="3261194494"/>
-      </p:ext>
-    </p:extLst>
   </p:cSld>
   <p:clrMapOvr>
     <a:masterClrMapping/>
   </p:clrMapOvr>
-  <mc:AlternateContent xmlns:mc="http://schemas.openxmlformats.org/markup-compatibility/2006">
-    <mc:Choice xmlns:p14="http://schemas.microsoft.com/office/powerpoint/2010/main" Requires="p14">
+  <mc:AlternateContent xmlns:mc="http://schemas.openxmlformats.org/markup-compatibility/2006" xmlns:p14="http://schemas.microsoft.com/office/powerpoint/2010/main">
+    <mc:Choice Requires="p14">
       <p:transition spd="med" p14:dur="700">
         <p:fade/>
       </p:transition>
     </mc:Choice>
-    <mc:Fallback>
+    <mc:Fallback xmlns="" xmlns:p15="http://schemas.microsoft.com/office/powerpoint/2012/main">
       <p:transition spd="med">
         <p:fade/>
       </p:transition>
@@ -17565,665 +17391,13 @@
   <p:clrMapOvr>
     <a:masterClrMapping/>
   </p:clrMapOvr>
-  <mc:AlternateContent xmlns:mc="http://schemas.openxmlformats.org/markup-compatibility/2006">
-    <mc:Choice xmlns:p14="http://schemas.microsoft.com/office/powerpoint/2010/main" Requires="p14">
+  <mc:AlternateContent xmlns:mc="http://schemas.openxmlformats.org/markup-compatibility/2006" xmlns:p14="http://schemas.microsoft.com/office/powerpoint/2010/main">
+    <mc:Choice Requires="p14">
       <p:transition spd="med" p14:dur="700">
         <p:fade/>
       </p:transition>
     </mc:Choice>
-    <mc:Fallback>
-      <p:transition spd="med">
-        <p:fade/>
-      </p:transition>
-    </mc:Fallback>
-  </mc:AlternateContent>
-  <p:timing>
-    <p:tnLst>
-      <p:par>
-        <p:cTn id="1" dur="indefinite" restart="never" nodeType="tmRoot"/>
-      </p:par>
-    </p:tnLst>
-  </p:timing>
-</p:sld>
-</file>
-
-<file path=ppt/slides/slide36.xml><?xml version="1.0" encoding="utf-8"?>
-<p:sld xmlns:a="http://schemas.openxmlformats.org/drawingml/2006/main" xmlns:r="http://schemas.openxmlformats.org/officeDocument/2006/relationships" xmlns:p="http://schemas.openxmlformats.org/presentationml/2006/main">
-  <p:cSld>
-    <p:spTree>
-      <p:nvGrpSpPr>
-        <p:cNvPr id="1" name=""/>
-        <p:cNvGrpSpPr/>
-        <p:nvPr/>
-      </p:nvGrpSpPr>
-      <p:grpSpPr>
-        <a:xfrm>
-          <a:off x="0" y="0"/>
-          <a:ext cx="0" cy="0"/>
-          <a:chOff x="0" y="0"/>
-          <a:chExt cx="0" cy="0"/>
-        </a:xfrm>
-      </p:grpSpPr>
-      <p:sp>
-        <p:nvSpPr>
-          <p:cNvPr id="144" name="CustomShape 1"/>
-          <p:cNvSpPr/>
-          <p:nvPr/>
-        </p:nvSpPr>
-        <p:spPr>
-          <a:xfrm>
-            <a:off x="609480" y="704160"/>
-            <a:ext cx="10972080" cy="1142280"/>
-          </a:xfrm>
-          <a:prstGeom prst="rect">
-            <a:avLst/>
-          </a:prstGeom>
-          <a:noFill/>
-          <a:ln>
-            <a:noFill/>
-          </a:ln>
-        </p:spPr>
-        <p:style>
-          <a:lnRef idx="0">
-            <a:scrgbClr r="0" g="0" b="0"/>
-          </a:lnRef>
-          <a:fillRef idx="0">
-            <a:scrgbClr r="0" g="0" b="0"/>
-          </a:fillRef>
-          <a:effectRef idx="0">
-            <a:scrgbClr r="0" g="0" b="0"/>
-          </a:effectRef>
-          <a:fontRef idx="minor"/>
-        </p:style>
-        <p:txBody>
-          <a:bodyPr lIns="0" tIns="45000" rIns="0" bIns="0" anchor="b">
-            <a:noAutofit/>
-          </a:bodyPr>
-          <a:lstStyle/>
-          <a:p>
-            <a:pPr>
-              <a:lnSpc>
-                <a:spcPct val="100000"/>
-              </a:lnSpc>
-            </a:pPr>
-            <a:r>
-              <a:rPr lang="fr-FR" sz="5000" b="0" strike="noStrike" spc="-1" dirty="0" smtClean="0">
-                <a:solidFill>
-                  <a:srgbClr val="455F51"/>
-                </a:solidFill>
-                <a:latin typeface="Century Gothic"/>
-              </a:rPr>
-              <a:t> </a:t>
-            </a:r>
-            <a:endParaRPr lang="fr-FR" sz="5000" b="0" strike="noStrike" spc="-1" dirty="0">
-              <a:latin typeface="Arial"/>
-            </a:endParaRPr>
-          </a:p>
-        </p:txBody>
-      </p:sp>
-      <p:sp>
-        <p:nvSpPr>
-          <p:cNvPr id="145" name="CustomShape 2"/>
-          <p:cNvSpPr/>
-          <p:nvPr/>
-        </p:nvSpPr>
-        <p:spPr>
-          <a:xfrm>
-            <a:off x="609480" y="1935360"/>
-            <a:ext cx="10972080" cy="4388400"/>
-          </a:xfrm>
-          <a:prstGeom prst="rect">
-            <a:avLst/>
-          </a:prstGeom>
-          <a:noFill/>
-          <a:ln>
-            <a:noFill/>
-          </a:ln>
-        </p:spPr>
-        <p:style>
-          <a:lnRef idx="0">
-            <a:scrgbClr r="0" g="0" b="0"/>
-          </a:lnRef>
-          <a:fillRef idx="0">
-            <a:scrgbClr r="0" g="0" b="0"/>
-          </a:fillRef>
-          <a:effectRef idx="0">
-            <a:scrgbClr r="0" g="0" b="0"/>
-          </a:effectRef>
-          <a:fontRef idx="minor"/>
-        </p:style>
-        <p:txBody>
-          <a:bodyPr lIns="90000" tIns="45000" rIns="90000" bIns="45000">
-            <a:noAutofit/>
-          </a:bodyPr>
-          <a:lstStyle/>
-          <a:p>
-            <a:pPr marL="274320" indent="-273600">
-              <a:lnSpc>
-                <a:spcPct val="100000"/>
-              </a:lnSpc>
-              <a:spcBef>
-                <a:spcPts val="519"/>
-              </a:spcBef>
-              <a:buClr>
-                <a:srgbClr val="626B1A"/>
-              </a:buClr>
-              <a:buSzPct val="95000"/>
-              <a:buFont typeface="Wingdings 2" charset="2"/>
-              <a:buChar char=""/>
-            </a:pPr>
-            <a:endParaRPr lang="fr-FR" sz="2600" b="0" strike="noStrike" spc="-1" dirty="0">
-              <a:latin typeface="Arial"/>
-            </a:endParaRPr>
-          </a:p>
-        </p:txBody>
-      </p:sp>
-    </p:spTree>
-    <p:extLst>
-      <p:ext uri="{BB962C8B-B14F-4D97-AF65-F5344CB8AC3E}">
-        <p14:creationId xmlns:p14="http://schemas.microsoft.com/office/powerpoint/2010/main" val="3342264112"/>
-      </p:ext>
-    </p:extLst>
-  </p:cSld>
-  <p:clrMapOvr>
-    <a:masterClrMapping/>
-  </p:clrMapOvr>
-  <mc:AlternateContent xmlns:mc="http://schemas.openxmlformats.org/markup-compatibility/2006">
-    <mc:Choice xmlns:p14="http://schemas.microsoft.com/office/powerpoint/2010/main" Requires="p14">
-      <p:transition spd="med" p14:dur="700">
-        <p:fade/>
-      </p:transition>
-    </mc:Choice>
-    <mc:Fallback>
-      <p:transition spd="med">
-        <p:fade/>
-      </p:transition>
-    </mc:Fallback>
-  </mc:AlternateContent>
-  <p:timing>
-    <p:tnLst>
-      <p:par>
-        <p:cTn id="1" dur="indefinite" restart="never" nodeType="tmRoot"/>
-      </p:par>
-    </p:tnLst>
-  </p:timing>
-</p:sld>
-</file>
-
-<file path=ppt/slides/slide37.xml><?xml version="1.0" encoding="utf-8"?>
-<p:sld xmlns:a="http://schemas.openxmlformats.org/drawingml/2006/main" xmlns:r="http://schemas.openxmlformats.org/officeDocument/2006/relationships" xmlns:p="http://schemas.openxmlformats.org/presentationml/2006/main">
-  <p:cSld>
-    <p:spTree>
-      <p:nvGrpSpPr>
-        <p:cNvPr id="1" name=""/>
-        <p:cNvGrpSpPr/>
-        <p:nvPr/>
-      </p:nvGrpSpPr>
-      <p:grpSpPr>
-        <a:xfrm>
-          <a:off x="0" y="0"/>
-          <a:ext cx="0" cy="0"/>
-          <a:chOff x="0" y="0"/>
-          <a:chExt cx="0" cy="0"/>
-        </a:xfrm>
-      </p:grpSpPr>
-      <p:sp>
-        <p:nvSpPr>
-          <p:cNvPr id="144" name="CustomShape 1"/>
-          <p:cNvSpPr/>
-          <p:nvPr/>
-        </p:nvSpPr>
-        <p:spPr>
-          <a:xfrm>
-            <a:off x="609480" y="704160"/>
-            <a:ext cx="10972080" cy="1142280"/>
-          </a:xfrm>
-          <a:prstGeom prst="rect">
-            <a:avLst/>
-          </a:prstGeom>
-          <a:noFill/>
-          <a:ln>
-            <a:noFill/>
-          </a:ln>
-        </p:spPr>
-        <p:style>
-          <a:lnRef idx="0">
-            <a:scrgbClr r="0" g="0" b="0"/>
-          </a:lnRef>
-          <a:fillRef idx="0">
-            <a:scrgbClr r="0" g="0" b="0"/>
-          </a:fillRef>
-          <a:effectRef idx="0">
-            <a:scrgbClr r="0" g="0" b="0"/>
-          </a:effectRef>
-          <a:fontRef idx="minor"/>
-        </p:style>
-        <p:txBody>
-          <a:bodyPr lIns="0" tIns="45000" rIns="0" bIns="0" anchor="b">
-            <a:noAutofit/>
-          </a:bodyPr>
-          <a:lstStyle/>
-          <a:p>
-            <a:pPr>
-              <a:lnSpc>
-                <a:spcPct val="100000"/>
-              </a:lnSpc>
-            </a:pPr>
-            <a:r>
-              <a:rPr lang="fr-FR" sz="5000" b="0" strike="noStrike" spc="-1" dirty="0" smtClean="0">
-                <a:solidFill>
-                  <a:srgbClr val="455F51"/>
-                </a:solidFill>
-                <a:latin typeface="Century Gothic"/>
-              </a:rPr>
-              <a:t> </a:t>
-            </a:r>
-            <a:endParaRPr lang="fr-FR" sz="5000" b="0" strike="noStrike" spc="-1" dirty="0">
-              <a:latin typeface="Arial"/>
-            </a:endParaRPr>
-          </a:p>
-        </p:txBody>
-      </p:sp>
-      <p:sp>
-        <p:nvSpPr>
-          <p:cNvPr id="145" name="CustomShape 2"/>
-          <p:cNvSpPr/>
-          <p:nvPr/>
-        </p:nvSpPr>
-        <p:spPr>
-          <a:xfrm>
-            <a:off x="609480" y="1935360"/>
-            <a:ext cx="10972080" cy="4388400"/>
-          </a:xfrm>
-          <a:prstGeom prst="rect">
-            <a:avLst/>
-          </a:prstGeom>
-          <a:noFill/>
-          <a:ln>
-            <a:noFill/>
-          </a:ln>
-        </p:spPr>
-        <p:style>
-          <a:lnRef idx="0">
-            <a:scrgbClr r="0" g="0" b="0"/>
-          </a:lnRef>
-          <a:fillRef idx="0">
-            <a:scrgbClr r="0" g="0" b="0"/>
-          </a:fillRef>
-          <a:effectRef idx="0">
-            <a:scrgbClr r="0" g="0" b="0"/>
-          </a:effectRef>
-          <a:fontRef idx="minor"/>
-        </p:style>
-        <p:txBody>
-          <a:bodyPr lIns="90000" tIns="45000" rIns="90000" bIns="45000">
-            <a:noAutofit/>
-          </a:bodyPr>
-          <a:lstStyle/>
-          <a:p>
-            <a:pPr marL="274320" indent="-273600">
-              <a:lnSpc>
-                <a:spcPct val="100000"/>
-              </a:lnSpc>
-              <a:spcBef>
-                <a:spcPts val="519"/>
-              </a:spcBef>
-              <a:buClr>
-                <a:srgbClr val="626B1A"/>
-              </a:buClr>
-              <a:buSzPct val="95000"/>
-              <a:buFont typeface="Wingdings 2" charset="2"/>
-              <a:buChar char=""/>
-            </a:pPr>
-            <a:endParaRPr lang="fr-FR" sz="2600" b="0" strike="noStrike" spc="-1" dirty="0">
-              <a:latin typeface="Arial"/>
-            </a:endParaRPr>
-          </a:p>
-        </p:txBody>
-      </p:sp>
-    </p:spTree>
-    <p:extLst>
-      <p:ext uri="{BB962C8B-B14F-4D97-AF65-F5344CB8AC3E}">
-        <p14:creationId xmlns:p14="http://schemas.microsoft.com/office/powerpoint/2010/main" val="4074319656"/>
-      </p:ext>
-    </p:extLst>
-  </p:cSld>
-  <p:clrMapOvr>
-    <a:masterClrMapping/>
-  </p:clrMapOvr>
-  <mc:AlternateContent xmlns:mc="http://schemas.openxmlformats.org/markup-compatibility/2006">
-    <mc:Choice xmlns:p14="http://schemas.microsoft.com/office/powerpoint/2010/main" Requires="p14">
-      <p:transition spd="med" p14:dur="700">
-        <p:fade/>
-      </p:transition>
-    </mc:Choice>
-    <mc:Fallback>
-      <p:transition spd="med">
-        <p:fade/>
-      </p:transition>
-    </mc:Fallback>
-  </mc:AlternateContent>
-  <p:timing>
-    <p:tnLst>
-      <p:par>
-        <p:cTn id="1" dur="indefinite" restart="never" nodeType="tmRoot"/>
-      </p:par>
-    </p:tnLst>
-  </p:timing>
-</p:sld>
-</file>
-
-<file path=ppt/slides/slide38.xml><?xml version="1.0" encoding="utf-8"?>
-<p:sld xmlns:a="http://schemas.openxmlformats.org/drawingml/2006/main" xmlns:r="http://schemas.openxmlformats.org/officeDocument/2006/relationships" xmlns:p="http://schemas.openxmlformats.org/presentationml/2006/main">
-  <p:cSld>
-    <p:spTree>
-      <p:nvGrpSpPr>
-        <p:cNvPr id="1" name=""/>
-        <p:cNvGrpSpPr/>
-        <p:nvPr/>
-      </p:nvGrpSpPr>
-      <p:grpSpPr>
-        <a:xfrm>
-          <a:off x="0" y="0"/>
-          <a:ext cx="0" cy="0"/>
-          <a:chOff x="0" y="0"/>
-          <a:chExt cx="0" cy="0"/>
-        </a:xfrm>
-      </p:grpSpPr>
-      <p:sp>
-        <p:nvSpPr>
-          <p:cNvPr id="144" name="CustomShape 1"/>
-          <p:cNvSpPr/>
-          <p:nvPr/>
-        </p:nvSpPr>
-        <p:spPr>
-          <a:xfrm>
-            <a:off x="609480" y="704160"/>
-            <a:ext cx="10972080" cy="1142280"/>
-          </a:xfrm>
-          <a:prstGeom prst="rect">
-            <a:avLst/>
-          </a:prstGeom>
-          <a:noFill/>
-          <a:ln>
-            <a:noFill/>
-          </a:ln>
-        </p:spPr>
-        <p:style>
-          <a:lnRef idx="0">
-            <a:scrgbClr r="0" g="0" b="0"/>
-          </a:lnRef>
-          <a:fillRef idx="0">
-            <a:scrgbClr r="0" g="0" b="0"/>
-          </a:fillRef>
-          <a:effectRef idx="0">
-            <a:scrgbClr r="0" g="0" b="0"/>
-          </a:effectRef>
-          <a:fontRef idx="minor"/>
-        </p:style>
-        <p:txBody>
-          <a:bodyPr lIns="0" tIns="45000" rIns="0" bIns="0" anchor="b">
-            <a:noAutofit/>
-          </a:bodyPr>
-          <a:lstStyle/>
-          <a:p>
-            <a:pPr>
-              <a:lnSpc>
-                <a:spcPct val="100000"/>
-              </a:lnSpc>
-            </a:pPr>
-            <a:r>
-              <a:rPr lang="fr-FR" sz="5000" b="0" strike="noStrike" spc="-1" dirty="0" smtClean="0">
-                <a:solidFill>
-                  <a:srgbClr val="455F51"/>
-                </a:solidFill>
-                <a:latin typeface="Century Gothic"/>
-              </a:rPr>
-              <a:t> </a:t>
-            </a:r>
-            <a:endParaRPr lang="fr-FR" sz="5000" b="0" strike="noStrike" spc="-1" dirty="0">
-              <a:latin typeface="Arial"/>
-            </a:endParaRPr>
-          </a:p>
-        </p:txBody>
-      </p:sp>
-      <p:sp>
-        <p:nvSpPr>
-          <p:cNvPr id="145" name="CustomShape 2"/>
-          <p:cNvSpPr/>
-          <p:nvPr/>
-        </p:nvSpPr>
-        <p:spPr>
-          <a:xfrm>
-            <a:off x="609480" y="1935360"/>
-            <a:ext cx="10972080" cy="4388400"/>
-          </a:xfrm>
-          <a:prstGeom prst="rect">
-            <a:avLst/>
-          </a:prstGeom>
-          <a:noFill/>
-          <a:ln>
-            <a:noFill/>
-          </a:ln>
-        </p:spPr>
-        <p:style>
-          <a:lnRef idx="0">
-            <a:scrgbClr r="0" g="0" b="0"/>
-          </a:lnRef>
-          <a:fillRef idx="0">
-            <a:scrgbClr r="0" g="0" b="0"/>
-          </a:fillRef>
-          <a:effectRef idx="0">
-            <a:scrgbClr r="0" g="0" b="0"/>
-          </a:effectRef>
-          <a:fontRef idx="minor"/>
-        </p:style>
-        <p:txBody>
-          <a:bodyPr lIns="90000" tIns="45000" rIns="90000" bIns="45000">
-            <a:noAutofit/>
-          </a:bodyPr>
-          <a:lstStyle/>
-          <a:p>
-            <a:pPr marL="274320" indent="-273600">
-              <a:lnSpc>
-                <a:spcPct val="100000"/>
-              </a:lnSpc>
-              <a:spcBef>
-                <a:spcPts val="519"/>
-              </a:spcBef>
-              <a:buClr>
-                <a:srgbClr val="626B1A"/>
-              </a:buClr>
-              <a:buSzPct val="95000"/>
-              <a:buFont typeface="Wingdings 2" charset="2"/>
-              <a:buChar char=""/>
-            </a:pPr>
-            <a:endParaRPr lang="fr-FR" sz="2600" b="0" strike="noStrike" spc="-1" dirty="0">
-              <a:latin typeface="Arial"/>
-            </a:endParaRPr>
-          </a:p>
-        </p:txBody>
-      </p:sp>
-    </p:spTree>
-    <p:extLst>
-      <p:ext uri="{BB962C8B-B14F-4D97-AF65-F5344CB8AC3E}">
-        <p14:creationId xmlns:p14="http://schemas.microsoft.com/office/powerpoint/2010/main" val="2959813911"/>
-      </p:ext>
-    </p:extLst>
-  </p:cSld>
-  <p:clrMapOvr>
-    <a:masterClrMapping/>
-  </p:clrMapOvr>
-  <mc:AlternateContent xmlns:mc="http://schemas.openxmlformats.org/markup-compatibility/2006">
-    <mc:Choice xmlns:p14="http://schemas.microsoft.com/office/powerpoint/2010/main" Requires="p14">
-      <p:transition spd="med" p14:dur="700">
-        <p:fade/>
-      </p:transition>
-    </mc:Choice>
-    <mc:Fallback>
-      <p:transition spd="med">
-        <p:fade/>
-      </p:transition>
-    </mc:Fallback>
-  </mc:AlternateContent>
-  <p:timing>
-    <p:tnLst>
-      <p:par>
-        <p:cTn id="1" dur="indefinite" restart="never" nodeType="tmRoot"/>
-      </p:par>
-    </p:tnLst>
-  </p:timing>
-</p:sld>
-</file>
-
-<file path=ppt/slides/slide39.xml><?xml version="1.0" encoding="utf-8"?>
-<p:sld xmlns:a="http://schemas.openxmlformats.org/drawingml/2006/main" xmlns:r="http://schemas.openxmlformats.org/officeDocument/2006/relationships" xmlns:p="http://schemas.openxmlformats.org/presentationml/2006/main">
-  <p:cSld>
-    <p:spTree>
-      <p:nvGrpSpPr>
-        <p:cNvPr id="1" name=""/>
-        <p:cNvGrpSpPr/>
-        <p:nvPr/>
-      </p:nvGrpSpPr>
-      <p:grpSpPr>
-        <a:xfrm>
-          <a:off x="0" y="0"/>
-          <a:ext cx="0" cy="0"/>
-          <a:chOff x="0" y="0"/>
-          <a:chExt cx="0" cy="0"/>
-        </a:xfrm>
-      </p:grpSpPr>
-      <p:sp>
-        <p:nvSpPr>
-          <p:cNvPr id="144" name="CustomShape 1"/>
-          <p:cNvSpPr/>
-          <p:nvPr/>
-        </p:nvSpPr>
-        <p:spPr>
-          <a:xfrm>
-            <a:off x="609480" y="704160"/>
-            <a:ext cx="10972080" cy="1142280"/>
-          </a:xfrm>
-          <a:prstGeom prst="rect">
-            <a:avLst/>
-          </a:prstGeom>
-          <a:noFill/>
-          <a:ln>
-            <a:noFill/>
-          </a:ln>
-        </p:spPr>
-        <p:style>
-          <a:lnRef idx="0">
-            <a:scrgbClr r="0" g="0" b="0"/>
-          </a:lnRef>
-          <a:fillRef idx="0">
-            <a:scrgbClr r="0" g="0" b="0"/>
-          </a:fillRef>
-          <a:effectRef idx="0">
-            <a:scrgbClr r="0" g="0" b="0"/>
-          </a:effectRef>
-          <a:fontRef idx="minor"/>
-        </p:style>
-        <p:txBody>
-          <a:bodyPr lIns="0" tIns="45000" rIns="0" bIns="0" anchor="b">
-            <a:noAutofit/>
-          </a:bodyPr>
-          <a:lstStyle/>
-          <a:p>
-            <a:pPr>
-              <a:lnSpc>
-                <a:spcPct val="100000"/>
-              </a:lnSpc>
-            </a:pPr>
-            <a:r>
-              <a:rPr lang="fr-FR" sz="5000" b="0" strike="noStrike" spc="-1" dirty="0" smtClean="0">
-                <a:solidFill>
-                  <a:srgbClr val="455F51"/>
-                </a:solidFill>
-                <a:latin typeface="Century Gothic"/>
-              </a:rPr>
-              <a:t> </a:t>
-            </a:r>
-            <a:endParaRPr lang="fr-FR" sz="5000" b="0" strike="noStrike" spc="-1" dirty="0">
-              <a:latin typeface="Arial"/>
-            </a:endParaRPr>
-          </a:p>
-        </p:txBody>
-      </p:sp>
-      <p:sp>
-        <p:nvSpPr>
-          <p:cNvPr id="145" name="CustomShape 2"/>
-          <p:cNvSpPr/>
-          <p:nvPr/>
-        </p:nvSpPr>
-        <p:spPr>
-          <a:xfrm>
-            <a:off x="609480" y="1935360"/>
-            <a:ext cx="10972080" cy="4388400"/>
-          </a:xfrm>
-          <a:prstGeom prst="rect">
-            <a:avLst/>
-          </a:prstGeom>
-          <a:noFill/>
-          <a:ln>
-            <a:noFill/>
-          </a:ln>
-        </p:spPr>
-        <p:style>
-          <a:lnRef idx="0">
-            <a:scrgbClr r="0" g="0" b="0"/>
-          </a:lnRef>
-          <a:fillRef idx="0">
-            <a:scrgbClr r="0" g="0" b="0"/>
-          </a:fillRef>
-          <a:effectRef idx="0">
-            <a:scrgbClr r="0" g="0" b="0"/>
-          </a:effectRef>
-          <a:fontRef idx="minor"/>
-        </p:style>
-        <p:txBody>
-          <a:bodyPr lIns="90000" tIns="45000" rIns="90000" bIns="45000">
-            <a:noAutofit/>
-          </a:bodyPr>
-          <a:lstStyle/>
-          <a:p>
-            <a:pPr marL="274320" indent="-273600">
-              <a:lnSpc>
-                <a:spcPct val="100000"/>
-              </a:lnSpc>
-              <a:spcBef>
-                <a:spcPts val="519"/>
-              </a:spcBef>
-              <a:buClr>
-                <a:srgbClr val="626B1A"/>
-              </a:buClr>
-              <a:buSzPct val="95000"/>
-              <a:buFont typeface="Wingdings 2" charset="2"/>
-              <a:buChar char=""/>
-            </a:pPr>
-            <a:endParaRPr lang="fr-FR" sz="2600" b="0" strike="noStrike" spc="-1" dirty="0">
-              <a:latin typeface="Arial"/>
-            </a:endParaRPr>
-          </a:p>
-        </p:txBody>
-      </p:sp>
-    </p:spTree>
-    <p:extLst>
-      <p:ext uri="{BB962C8B-B14F-4D97-AF65-F5344CB8AC3E}">
-        <p14:creationId xmlns:p14="http://schemas.microsoft.com/office/powerpoint/2010/main" val="2798129906"/>
-      </p:ext>
-    </p:extLst>
-  </p:cSld>
-  <p:clrMapOvr>
-    <a:masterClrMapping/>
-  </p:clrMapOvr>
-  <mc:AlternateContent xmlns:mc="http://schemas.openxmlformats.org/markup-compatibility/2006">
-    <mc:Choice xmlns:p14="http://schemas.microsoft.com/office/powerpoint/2010/main" Requires="p14">
-      <p:transition spd="med" p14:dur="700">
-        <p:fade/>
-      </p:transition>
-    </mc:Choice>
-    <mc:Fallback>
+    <mc:Fallback xmlns="">
       <p:transition spd="med">
         <p:fade/>
       </p:transition>
@@ -18530,170 +17704,7 @@
         <p:fade/>
       </p:transition>
     </mc:Choice>
-    <mc:Fallback xmlns:p15="http://schemas.microsoft.com/office/powerpoint/2012/main" xmlns="">
-      <p:transition spd="med">
-        <p:fade/>
-      </p:transition>
-    </mc:Fallback>
-  </mc:AlternateContent>
-  <p:timing>
-    <p:tnLst>
-      <p:par>
-        <p:cTn id="1" dur="indefinite" restart="never" nodeType="tmRoot"/>
-      </p:par>
-    </p:tnLst>
-  </p:timing>
-</p:sld>
-</file>
-
-<file path=ppt/slides/slide40.xml><?xml version="1.0" encoding="utf-8"?>
-<p:sld xmlns:a="http://schemas.openxmlformats.org/drawingml/2006/main" xmlns:r="http://schemas.openxmlformats.org/officeDocument/2006/relationships" xmlns:p="http://schemas.openxmlformats.org/presentationml/2006/main">
-  <p:cSld>
-    <p:spTree>
-      <p:nvGrpSpPr>
-        <p:cNvPr id="1" name=""/>
-        <p:cNvGrpSpPr/>
-        <p:nvPr/>
-      </p:nvGrpSpPr>
-      <p:grpSpPr>
-        <a:xfrm>
-          <a:off x="0" y="0"/>
-          <a:ext cx="0" cy="0"/>
-          <a:chOff x="0" y="0"/>
-          <a:chExt cx="0" cy="0"/>
-        </a:xfrm>
-      </p:grpSpPr>
-      <p:sp>
-        <p:nvSpPr>
-          <p:cNvPr id="144" name="CustomShape 1"/>
-          <p:cNvSpPr/>
-          <p:nvPr/>
-        </p:nvSpPr>
-        <p:spPr>
-          <a:xfrm>
-            <a:off x="609480" y="704160"/>
-            <a:ext cx="10972080" cy="1142280"/>
-          </a:xfrm>
-          <a:prstGeom prst="rect">
-            <a:avLst/>
-          </a:prstGeom>
-          <a:noFill/>
-          <a:ln>
-            <a:noFill/>
-          </a:ln>
-        </p:spPr>
-        <p:style>
-          <a:lnRef idx="0">
-            <a:scrgbClr r="0" g="0" b="0"/>
-          </a:lnRef>
-          <a:fillRef idx="0">
-            <a:scrgbClr r="0" g="0" b="0"/>
-          </a:fillRef>
-          <a:effectRef idx="0">
-            <a:scrgbClr r="0" g="0" b="0"/>
-          </a:effectRef>
-          <a:fontRef idx="minor"/>
-        </p:style>
-        <p:txBody>
-          <a:bodyPr lIns="0" tIns="45000" rIns="0" bIns="0" anchor="b">
-            <a:noAutofit/>
-          </a:bodyPr>
-          <a:lstStyle/>
-          <a:p>
-            <a:pPr>
-              <a:lnSpc>
-                <a:spcPct val="100000"/>
-              </a:lnSpc>
-            </a:pPr>
-            <a:r>
-              <a:rPr lang="fr-FR" sz="5000" b="0" strike="noStrike" spc="-1" dirty="0" smtClean="0">
-                <a:solidFill>
-                  <a:srgbClr val="455F51"/>
-                </a:solidFill>
-                <a:latin typeface="Century Gothic"/>
-              </a:rPr>
-              <a:t> </a:t>
-            </a:r>
-            <a:endParaRPr lang="fr-FR" sz="5000" b="0" strike="noStrike" spc="-1" dirty="0">
-              <a:latin typeface="Arial"/>
-            </a:endParaRPr>
-          </a:p>
-        </p:txBody>
-      </p:sp>
-      <p:sp>
-        <p:nvSpPr>
-          <p:cNvPr id="145" name="CustomShape 2"/>
-          <p:cNvSpPr/>
-          <p:nvPr/>
-        </p:nvSpPr>
-        <p:spPr>
-          <a:xfrm>
-            <a:off x="609480" y="1935360"/>
-            <a:ext cx="10972080" cy="4388400"/>
-          </a:xfrm>
-          <a:prstGeom prst="rect">
-            <a:avLst/>
-          </a:prstGeom>
-          <a:noFill/>
-          <a:ln>
-            <a:noFill/>
-          </a:ln>
-        </p:spPr>
-        <p:style>
-          <a:lnRef idx="0">
-            <a:scrgbClr r="0" g="0" b="0"/>
-          </a:lnRef>
-          <a:fillRef idx="0">
-            <a:scrgbClr r="0" g="0" b="0"/>
-          </a:fillRef>
-          <a:effectRef idx="0">
-            <a:scrgbClr r="0" g="0" b="0"/>
-          </a:effectRef>
-          <a:fontRef idx="minor"/>
-        </p:style>
-        <p:txBody>
-          <a:bodyPr lIns="90000" tIns="45000" rIns="90000" bIns="45000">
-            <a:noAutofit/>
-          </a:bodyPr>
-          <a:lstStyle/>
-          <a:p>
-            <a:pPr marL="274320" indent="-273600">
-              <a:lnSpc>
-                <a:spcPct val="100000"/>
-              </a:lnSpc>
-              <a:spcBef>
-                <a:spcPts val="519"/>
-              </a:spcBef>
-              <a:buClr>
-                <a:srgbClr val="626B1A"/>
-              </a:buClr>
-              <a:buSzPct val="95000"/>
-              <a:buFont typeface="Wingdings 2" charset="2"/>
-              <a:buChar char=""/>
-            </a:pPr>
-            <a:endParaRPr lang="fr-FR" sz="2600" b="0" strike="noStrike" spc="-1" dirty="0">
-              <a:latin typeface="Arial"/>
-            </a:endParaRPr>
-          </a:p>
-        </p:txBody>
-      </p:sp>
-    </p:spTree>
-    <p:extLst>
-      <p:ext uri="{BB962C8B-B14F-4D97-AF65-F5344CB8AC3E}">
-        <p14:creationId xmlns:p14="http://schemas.microsoft.com/office/powerpoint/2010/main" val="3437694029"/>
-      </p:ext>
-    </p:extLst>
-  </p:cSld>
-  <p:clrMapOvr>
-    <a:masterClrMapping/>
-  </p:clrMapOvr>
-  <mc:AlternateContent xmlns:mc="http://schemas.openxmlformats.org/markup-compatibility/2006">
-    <mc:Choice xmlns:p14="http://schemas.microsoft.com/office/powerpoint/2010/main" Requires="p14">
-      <p:transition spd="med" p14:dur="700">
-        <p:fade/>
-      </p:transition>
-    </mc:Choice>
-    <mc:Fallback>
+    <mc:Fallback xmlns="" xmlns:p15="http://schemas.microsoft.com/office/powerpoint/2012/main">
       <p:transition spd="med">
         <p:fade/>
       </p:transition>
@@ -19406,7 +18417,7 @@
       </p:grpSpPr>
       <p:sp>
         <p:nvSpPr>
-          <p:cNvPr id="110" name="CustomShape 1"/>
+          <p:cNvPr id="144" name="CustomShape 1"/>
           <p:cNvSpPr/>
           <p:nvPr/>
         </p:nvSpPr>
@@ -19447,13 +18458,22 @@
               </a:lnSpc>
             </a:pPr>
             <a:r>
-              <a:rPr lang="fr-FR" sz="5000" b="0" strike="noStrike" spc="-1" dirty="0">
+              <a:rPr lang="fr-FR" sz="5000" b="0" strike="noStrike" spc="-1" dirty="0" smtClean="0">
                 <a:solidFill>
                   <a:srgbClr val="455F51"/>
                 </a:solidFill>
                 <a:latin typeface="Century Gothic"/>
               </a:rPr>
-              <a:t>Contexte du projet</a:t>
+              <a:t> </a:t>
+            </a:r>
+            <a:r>
+              <a:rPr lang="fr-FR" sz="5000" b="0" strike="noStrike" spc="-1" dirty="0" smtClean="0">
+                <a:solidFill>
+                  <a:srgbClr val="455F51"/>
+                </a:solidFill>
+                <a:latin typeface="Century Gothic"/>
+              </a:rPr>
+              <a:t>La bête à cornes</a:t>
             </a:r>
             <a:endParaRPr lang="fr-FR" sz="5000" b="0" strike="noStrike" spc="-1" dirty="0">
               <a:latin typeface="Arial"/>
@@ -19463,7 +18483,7 @@
       </p:sp>
       <p:sp>
         <p:nvSpPr>
-          <p:cNvPr id="111" name="CustomShape 2"/>
+          <p:cNvPr id="145" name="CustomShape 2"/>
           <p:cNvSpPr/>
           <p:nvPr/>
         </p:nvSpPr>
@@ -19498,54 +18518,21 @@
           </a:bodyPr>
           <a:lstStyle/>
           <a:p>
-            <a:pPr>
+            <a:pPr marL="274320" indent="-273600">
               <a:lnSpc>
                 <a:spcPct val="100000"/>
               </a:lnSpc>
               <a:spcBef>
                 <a:spcPts val="519"/>
               </a:spcBef>
-            </a:pPr>
-            <a:endParaRPr lang="fr-FR" sz="2400" b="0" strike="noStrike" spc="-1" dirty="0">
-              <a:latin typeface="Arial"/>
-            </a:endParaRPr>
-          </a:p>
-          <a:p>
-            <a:pPr>
-              <a:lnSpc>
-                <a:spcPct val="100000"/>
-              </a:lnSpc>
-              <a:spcBef>
-                <a:spcPts val="519"/>
-              </a:spcBef>
-            </a:pPr>
-            <a:endParaRPr lang="fr-FR" sz="2400" b="0" strike="noStrike" spc="-1" dirty="0">
-              <a:latin typeface="Arial"/>
-            </a:endParaRPr>
-          </a:p>
-          <a:p>
-            <a:pPr>
-              <a:lnSpc>
-                <a:spcPct val="100000"/>
-              </a:lnSpc>
-              <a:spcBef>
-                <a:spcPts val="519"/>
-              </a:spcBef>
-            </a:pPr>
-            <a:endParaRPr lang="fr-FR" sz="2400" b="0" strike="noStrike" spc="-1" dirty="0">
-              <a:latin typeface="Arial"/>
-            </a:endParaRPr>
-          </a:p>
-          <a:p>
-            <a:pPr>
-              <a:lnSpc>
-                <a:spcPct val="100000"/>
-              </a:lnSpc>
-              <a:spcBef>
-                <a:spcPts val="519"/>
-              </a:spcBef>
-            </a:pPr>
-            <a:endParaRPr lang="fr-FR" sz="2400" b="0" strike="noStrike" spc="-1" dirty="0">
+              <a:buClr>
+                <a:srgbClr val="626B1A"/>
+              </a:buClr>
+              <a:buSzPct val="95000"/>
+              <a:buFont typeface="Wingdings 2" charset="2"/>
+              <a:buChar char=""/>
+            </a:pPr>
+            <a:endParaRPr lang="fr-FR" sz="2600" b="0" strike="noStrike" spc="-1" dirty="0">
               <a:latin typeface="Arial"/>
             </a:endParaRPr>
           </a:p>
@@ -19553,7 +18540,7 @@
       </p:sp>
       <p:pic>
         <p:nvPicPr>
-          <p:cNvPr id="3" name="Image 2"/>
+          <p:cNvPr id="2" name="Image 1"/>
           <p:cNvPicPr>
             <a:picLocks noChangeAspect="1"/>
           </p:cNvPicPr>
@@ -19573,8 +18560,8 @@
         </p:blipFill>
         <p:spPr>
           <a:xfrm>
-            <a:off x="1982651" y="1846440"/>
-            <a:ext cx="8225738" cy="4462463"/>
+            <a:off x="3228473" y="2033587"/>
+            <a:ext cx="5978284" cy="4379093"/>
           </a:xfrm>
           <a:prstGeom prst="rect">
             <a:avLst/>
@@ -19584,7 +18571,7 @@
     </p:spTree>
     <p:extLst>
       <p:ext uri="{BB962C8B-B14F-4D97-AF65-F5344CB8AC3E}">
-        <p14:creationId xmlns:p14="http://schemas.microsoft.com/office/powerpoint/2010/main" val="3220205706"/>
+        <p14:creationId xmlns:p14="http://schemas.microsoft.com/office/powerpoint/2010/main" val="3344790749"/>
       </p:ext>
     </p:extLst>
   </p:cSld>
@@ -19632,7 +18619,7 @@
       </p:grpSpPr>
       <p:sp>
         <p:nvSpPr>
-          <p:cNvPr id="110" name="CustomShape 1"/>
+          <p:cNvPr id="144" name="CustomShape 1"/>
           <p:cNvSpPr/>
           <p:nvPr/>
         </p:nvSpPr>
@@ -19673,13 +18660,22 @@
               </a:lnSpc>
             </a:pPr>
             <a:r>
-              <a:rPr lang="fr-FR" sz="5000" b="0" strike="noStrike" spc="-1" dirty="0">
+              <a:rPr lang="fr-FR" sz="5000" b="0" strike="noStrike" spc="-1" dirty="0" smtClean="0">
                 <a:solidFill>
                   <a:srgbClr val="455F51"/>
                 </a:solidFill>
                 <a:latin typeface="Century Gothic"/>
               </a:rPr>
-              <a:t>Contexte du projet</a:t>
+              <a:t> </a:t>
+            </a:r>
+            <a:r>
+              <a:rPr lang="fr-FR" sz="5000" b="0" strike="noStrike" spc="-1" dirty="0" smtClean="0">
+                <a:solidFill>
+                  <a:srgbClr val="455F51"/>
+                </a:solidFill>
+                <a:latin typeface="Century Gothic"/>
+              </a:rPr>
+              <a:t>Matrice SWOT</a:t>
             </a:r>
             <a:endParaRPr lang="fr-FR" sz="5000" b="0" strike="noStrike" spc="-1" dirty="0">
               <a:latin typeface="Arial"/>
@@ -19689,7 +18685,7 @@
       </p:sp>
       <p:sp>
         <p:nvSpPr>
-          <p:cNvPr id="111" name="CustomShape 2"/>
+          <p:cNvPr id="145" name="CustomShape 2"/>
           <p:cNvSpPr/>
           <p:nvPr/>
         </p:nvSpPr>
@@ -19724,54 +18720,21 @@
           </a:bodyPr>
           <a:lstStyle/>
           <a:p>
-            <a:pPr>
+            <a:pPr marL="274320" indent="-273600">
               <a:lnSpc>
                 <a:spcPct val="100000"/>
               </a:lnSpc>
               <a:spcBef>
                 <a:spcPts val="519"/>
               </a:spcBef>
-            </a:pPr>
-            <a:endParaRPr lang="fr-FR" sz="2400" b="0" strike="noStrike" spc="-1" dirty="0">
-              <a:latin typeface="Arial"/>
-            </a:endParaRPr>
-          </a:p>
-          <a:p>
-            <a:pPr>
-              <a:lnSpc>
-                <a:spcPct val="100000"/>
-              </a:lnSpc>
-              <a:spcBef>
-                <a:spcPts val="519"/>
-              </a:spcBef>
-            </a:pPr>
-            <a:endParaRPr lang="fr-FR" sz="2400" b="0" strike="noStrike" spc="-1" dirty="0">
-              <a:latin typeface="Arial"/>
-            </a:endParaRPr>
-          </a:p>
-          <a:p>
-            <a:pPr>
-              <a:lnSpc>
-                <a:spcPct val="100000"/>
-              </a:lnSpc>
-              <a:spcBef>
-                <a:spcPts val="519"/>
-              </a:spcBef>
-            </a:pPr>
-            <a:endParaRPr lang="fr-FR" sz="2400" b="0" strike="noStrike" spc="-1" dirty="0">
-              <a:latin typeface="Arial"/>
-            </a:endParaRPr>
-          </a:p>
-          <a:p>
-            <a:pPr>
-              <a:lnSpc>
-                <a:spcPct val="100000"/>
-              </a:lnSpc>
-              <a:spcBef>
-                <a:spcPts val="519"/>
-              </a:spcBef>
-            </a:pPr>
-            <a:endParaRPr lang="fr-FR" sz="2400" b="0" strike="noStrike" spc="-1" dirty="0">
+              <a:buClr>
+                <a:srgbClr val="626B1A"/>
+              </a:buClr>
+              <a:buSzPct val="95000"/>
+              <a:buFont typeface="Wingdings 2" charset="2"/>
+              <a:buChar char=""/>
+            </a:pPr>
+            <a:endParaRPr lang="fr-FR" sz="2600" b="0" strike="noStrike" spc="-1" dirty="0">
               <a:latin typeface="Arial"/>
             </a:endParaRPr>
           </a:p>
@@ -19779,68 +18742,41 @@
       </p:sp>
       <p:pic>
         <p:nvPicPr>
-          <p:cNvPr id="2" name="Image 1"/>
-          <p:cNvPicPr>
-            <a:picLocks noChangeAspect="1"/>
-          </p:cNvPicPr>
+          <p:cNvPr id="5" name="Image 4" descr="C:\Users\dev\Desktop\SPOILER_sowt.png"/>
+          <p:cNvPicPr/>
           <p:nvPr/>
         </p:nvPicPr>
         <p:blipFill>
-          <a:blip r:embed="rId3" cstate="print">
+          <a:blip r:embed="rId3">
             <a:extLst>
               <a:ext uri="{28A0092B-C50C-407E-A947-70E740481C1C}">
                 <a14:useLocalDpi xmlns:a14="http://schemas.microsoft.com/office/drawing/2010/main" val="0"/>
               </a:ext>
             </a:extLst>
           </a:blip>
+          <a:srcRect/>
           <a:stretch>
             <a:fillRect/>
           </a:stretch>
         </p:blipFill>
-        <p:spPr>
-          <a:xfrm>
-            <a:off x="609480" y="1991605"/>
-            <a:ext cx="5399434" cy="3068710"/>
-          </a:xfrm>
-          <a:prstGeom prst="rect">
-            <a:avLst/>
-          </a:prstGeom>
-        </p:spPr>
-      </p:pic>
-      <p:pic>
-        <p:nvPicPr>
-          <p:cNvPr id="3" name="Image 2"/>
-          <p:cNvPicPr>
-            <a:picLocks noChangeAspect="1"/>
-          </p:cNvPicPr>
-          <p:nvPr/>
-        </p:nvPicPr>
-        <p:blipFill>
-          <a:blip r:embed="rId4" cstate="print">
-            <a:extLst>
-              <a:ext uri="{28A0092B-C50C-407E-A947-70E740481C1C}">
-                <a14:useLocalDpi xmlns:a14="http://schemas.microsoft.com/office/drawing/2010/main" val="0"/>
-              </a:ext>
-            </a:extLst>
-          </a:blip>
-          <a:stretch>
-            <a:fillRect/>
-          </a:stretch>
-        </p:blipFill>
-        <p:spPr>
-          <a:xfrm>
-            <a:off x="6303488" y="1991605"/>
-            <a:ext cx="5791643" cy="3291617"/>
-          </a:xfrm>
-          <a:prstGeom prst="rect">
-            <a:avLst/>
-          </a:prstGeom>
+        <p:spPr bwMode="auto">
+          <a:xfrm>
+            <a:off x="2261937" y="1846440"/>
+            <a:ext cx="7523747" cy="5011560"/>
+          </a:xfrm>
+          <a:prstGeom prst="rect">
+            <a:avLst/>
+          </a:prstGeom>
+          <a:noFill/>
+          <a:ln>
+            <a:noFill/>
+          </a:ln>
         </p:spPr>
       </p:pic>
     </p:spTree>
     <p:extLst>
       <p:ext uri="{BB962C8B-B14F-4D97-AF65-F5344CB8AC3E}">
-        <p14:creationId xmlns:p14="http://schemas.microsoft.com/office/powerpoint/2010/main" val="1502206840"/>
+        <p14:creationId xmlns:p14="http://schemas.microsoft.com/office/powerpoint/2010/main" val="3261194494"/>
       </p:ext>
     </p:extLst>
   </p:cSld>

--- a/Présentation du titre pro/Dossier Professionnel v1.pptx
+++ b/Présentation du titre pro/Dossier Professionnel v1.pptx
@@ -6,7 +6,7 @@
     <p:sldMasterId id="2147483661" r:id="rId2"/>
   </p:sldMasterIdLst>
   <p:notesMasterIdLst>
-    <p:notesMasterId r:id="rId38"/>
+    <p:notesMasterId r:id="rId37"/>
   </p:notesMasterIdLst>
   <p:sldIdLst>
     <p:sldId id="256" r:id="rId3"/>
@@ -15,9 +15,9 @@
     <p:sldId id="259" r:id="rId6"/>
     <p:sldId id="284" r:id="rId7"/>
     <p:sldId id="285" r:id="rId8"/>
-    <p:sldId id="286" r:id="rId9"/>
-    <p:sldId id="300" r:id="rId10"/>
-    <p:sldId id="301" r:id="rId11"/>
+    <p:sldId id="300" r:id="rId9"/>
+    <p:sldId id="301" r:id="rId10"/>
+    <p:sldId id="268" r:id="rId11"/>
     <p:sldId id="287" r:id="rId12"/>
     <p:sldId id="299" r:id="rId13"/>
     <p:sldId id="290" r:id="rId14"/>
@@ -38,12 +38,11 @@
     <p:sldId id="265" r:id="rId29"/>
     <p:sldId id="267" r:id="rId30"/>
     <p:sldId id="298" r:id="rId31"/>
-    <p:sldId id="268" r:id="rId32"/>
-    <p:sldId id="270" r:id="rId33"/>
-    <p:sldId id="272" r:id="rId34"/>
-    <p:sldId id="275" r:id="rId35"/>
-    <p:sldId id="281" r:id="rId36"/>
-    <p:sldId id="302" r:id="rId37"/>
+    <p:sldId id="270" r:id="rId32"/>
+    <p:sldId id="272" r:id="rId33"/>
+    <p:sldId id="275" r:id="rId34"/>
+    <p:sldId id="281" r:id="rId35"/>
+    <p:sldId id="302" r:id="rId36"/>
   </p:sldIdLst>
   <p:sldSz cx="12192000" cy="6858000"/>
   <p:notesSz cx="6858000" cy="9144000"/>
@@ -763,6 +762,113 @@
               <a:rPr lang="fr-FR" sz="2000" baseline="0" dirty="0" smtClean="0"/>
               <a:t>Une partie pour les développeur est aussi présent afin qu’ils puisse consulté la liste des offres disponible est choisir l’annonce qu’ils leurs conviennent le plus </a:t>
             </a:r>
+          </a:p>
+          <a:p>
+            <a:pPr marL="0" marR="0" indent="0" algn="l" defTabSz="914400" rtl="0" eaLnBrk="1" fontAlgn="auto" latinLnBrk="0" hangingPunct="1">
+              <a:lnSpc>
+                <a:spcPct val="100000"/>
+              </a:lnSpc>
+              <a:spcBef>
+                <a:spcPts val="0"/>
+              </a:spcBef>
+              <a:spcAft>
+                <a:spcPts val="0"/>
+              </a:spcAft>
+              <a:buClrTx/>
+              <a:buSzTx/>
+              <a:buFontTx/>
+              <a:buNone/>
+              <a:tabLst/>
+              <a:defRPr/>
+            </a:pPr>
+            <a:endParaRPr lang="fr-FR" sz="2000" baseline="0" dirty="0" smtClean="0"/>
+          </a:p>
+          <a:p>
+            <a:pPr marL="0" marR="0" indent="0" algn="l" defTabSz="914400" rtl="0" eaLnBrk="1" fontAlgn="auto" latinLnBrk="0" hangingPunct="1">
+              <a:lnSpc>
+                <a:spcPct val="100000"/>
+              </a:lnSpc>
+              <a:spcBef>
+                <a:spcPts val="0"/>
+              </a:spcBef>
+              <a:spcAft>
+                <a:spcPts val="0"/>
+              </a:spcAft>
+              <a:buClrTx/>
+              <a:buSzTx/>
+              <a:buFontTx/>
+              <a:buNone/>
+              <a:tabLst/>
+              <a:defRPr/>
+            </a:pPr>
+            <a:r>
+              <a:rPr lang="fr-FR" sz="2000" baseline="0" dirty="0" smtClean="0"/>
+              <a:t>Ajouter la partie </a:t>
+            </a:r>
+            <a:r>
+              <a:rPr lang="fr-FR" sz="2000" baseline="0" dirty="0" smtClean="0"/>
+              <a:t>création </a:t>
+            </a:r>
+            <a:r>
+              <a:rPr lang="fr-FR" sz="2000" baseline="0" dirty="0" smtClean="0"/>
+              <a:t>du profil dev a l’</a:t>
+            </a:r>
+            <a:r>
+              <a:rPr lang="fr-FR" sz="2000" baseline="0" dirty="0" err="1" smtClean="0"/>
+              <a:t>arboressence</a:t>
+            </a:r>
+            <a:r>
+              <a:rPr lang="fr-FR" sz="2000" baseline="0" dirty="0" smtClean="0"/>
+              <a:t> </a:t>
+            </a:r>
+            <a:endParaRPr lang="fr-FR" sz="2000" baseline="0" dirty="0" smtClean="0"/>
+          </a:p>
+          <a:p>
+            <a:pPr marL="0" marR="0" indent="0" algn="l" defTabSz="914400" rtl="0" eaLnBrk="1" fontAlgn="auto" latinLnBrk="0" hangingPunct="1">
+              <a:lnSpc>
+                <a:spcPct val="100000"/>
+              </a:lnSpc>
+              <a:spcBef>
+                <a:spcPts val="0"/>
+              </a:spcBef>
+              <a:spcAft>
+                <a:spcPts val="0"/>
+              </a:spcAft>
+              <a:buClrTx/>
+              <a:buSzTx/>
+              <a:buFontTx/>
+              <a:buNone/>
+              <a:tabLst/>
+              <a:defRPr/>
+            </a:pPr>
+            <a:r>
+              <a:rPr lang="fr-FR" sz="2000" baseline="0" dirty="0" smtClean="0"/>
+              <a:t>Changer </a:t>
+            </a:r>
+            <a:r>
+              <a:rPr lang="fr-FR" sz="2000" baseline="0" dirty="0" err="1" smtClean="0"/>
+              <a:t>detailler</a:t>
+            </a:r>
+            <a:r>
+              <a:rPr lang="fr-FR" sz="2000" baseline="0" dirty="0" smtClean="0"/>
+              <a:t> l’</a:t>
+            </a:r>
+            <a:r>
+              <a:rPr lang="fr-FR" sz="2000" baseline="0" dirty="0" err="1" smtClean="0"/>
+              <a:t>anonce</a:t>
+            </a:r>
+            <a:r>
+              <a:rPr lang="fr-FR" sz="2000" baseline="0" dirty="0" smtClean="0"/>
+              <a:t> en création de l’</a:t>
+            </a:r>
+            <a:r>
+              <a:rPr lang="fr-FR" sz="2000" baseline="0" dirty="0" err="1" smtClean="0"/>
+              <a:t>anonce</a:t>
+            </a:r>
+            <a:r>
+              <a:rPr lang="fr-FR" sz="2000" baseline="0" dirty="0" smtClean="0"/>
+              <a:t> </a:t>
+            </a:r>
             <a:endParaRPr lang="fr-FR" sz="2000" dirty="0"/>
           </a:p>
         </p:txBody>
@@ -906,11 +1012,7 @@
             </a:pPr>
             <a:r>
               <a:rPr lang="fr-FR" dirty="0" smtClean="0"/>
-              <a:t> </a:t>
-            </a:r>
-            <a:r>
-              <a:rPr lang="fr-FR" dirty="0" smtClean="0"/>
-              <a:t>concernent l</a:t>
+              <a:t> concernent l</a:t>
             </a:r>
             <a:r>
               <a:rPr lang="fr-FR" sz="1200" kern="1200" dirty="0" smtClean="0">
@@ -3462,6 +3564,21 @@
               <a:rPr lang="fr-FR" dirty="0" err="1" smtClean="0"/>
               <a:t>css</a:t>
             </a:r>
+            <a:endParaRPr lang="fr-FR" dirty="0" smtClean="0"/>
+          </a:p>
+          <a:p>
+            <a:r>
+              <a:rPr lang="fr-FR" dirty="0" smtClean="0"/>
+              <a:t>Z-index pour le </a:t>
+            </a:r>
+            <a:r>
+              <a:rPr lang="fr-FR" dirty="0" err="1" smtClean="0"/>
+              <a:t>css</a:t>
+            </a:r>
+            <a:r>
+              <a:rPr lang="fr-FR" dirty="0" smtClean="0"/>
+              <a:t> </a:t>
+            </a:r>
             <a:endParaRPr lang="fr-FR" dirty="0"/>
           </a:p>
         </p:txBody>
@@ -3946,6 +4063,136 @@
               </a:rPr>
               <a:t>)</a:t>
             </a:r>
+          </a:p>
+          <a:p>
+            <a:endParaRPr lang="fr-FR" sz="2000" b="0" strike="noStrike" spc="-1" baseline="0" dirty="0" smtClean="0">
+              <a:latin typeface="Arial"/>
+            </a:endParaRPr>
+          </a:p>
+          <a:p>
+            <a:r>
+              <a:rPr lang="fr-FR" sz="2000" b="0" strike="noStrike" spc="-1" baseline="0" dirty="0" err="1" smtClean="0">
+                <a:latin typeface="Arial"/>
+              </a:rPr>
+              <a:t>Extend</a:t>
+            </a:r>
+            <a:r>
+              <a:rPr lang="fr-FR" sz="2000" b="0" strike="noStrike" spc="-1" baseline="0" dirty="0" smtClean="0">
+                <a:latin typeface="Arial"/>
+              </a:rPr>
+              <a:t> option non obligatoire</a:t>
+            </a:r>
+          </a:p>
+          <a:p>
+            <a:r>
+              <a:rPr lang="fr-FR" sz="2000" b="0" strike="noStrike" spc="-1" baseline="0" dirty="0" err="1" smtClean="0">
+                <a:latin typeface="Arial"/>
+              </a:rPr>
+              <a:t>Includ</a:t>
+            </a:r>
+            <a:r>
+              <a:rPr lang="fr-FR" sz="2000" b="0" strike="noStrike" spc="-1" baseline="0" dirty="0" smtClean="0">
+                <a:latin typeface="Arial"/>
+              </a:rPr>
+              <a:t> option </a:t>
+            </a:r>
+            <a:r>
+              <a:rPr lang="fr-FR" sz="2000" b="0" strike="noStrike" spc="-1" baseline="0" dirty="0" smtClean="0">
+                <a:latin typeface="Arial"/>
+              </a:rPr>
+              <a:t>obligatoire</a:t>
+            </a:r>
+          </a:p>
+          <a:p>
+            <a:r>
+              <a:rPr lang="fr-FR" sz="2000" b="0" strike="noStrike" spc="-1" baseline="0" dirty="0" err="1" smtClean="0">
+                <a:latin typeface="Arial"/>
+              </a:rPr>
+              <a:t>Admin</a:t>
+            </a:r>
+            <a:endParaRPr lang="fr-FR" sz="2000" b="0" strike="noStrike" spc="-1" baseline="0" dirty="0" smtClean="0">
+              <a:latin typeface="Arial"/>
+            </a:endParaRPr>
+          </a:p>
+          <a:p>
+            <a:r>
+              <a:rPr lang="fr-FR" sz="2000" b="0" strike="noStrike" spc="-1" baseline="0" dirty="0" smtClean="0">
+                <a:latin typeface="Arial"/>
+              </a:rPr>
+              <a:t>Dev</a:t>
+            </a:r>
+          </a:p>
+          <a:p>
+            <a:r>
+              <a:rPr lang="fr-FR" sz="2000" b="0" strike="noStrike" spc="-1" baseline="0" dirty="0" smtClean="0">
+                <a:latin typeface="Arial"/>
+              </a:rPr>
+              <a:t>Particulier</a:t>
+            </a:r>
+          </a:p>
+          <a:p>
+            <a:r>
+              <a:rPr lang="fr-FR" sz="2000" b="0" strike="noStrike" spc="-1" baseline="0" dirty="0" smtClean="0">
+                <a:latin typeface="Arial"/>
+              </a:rPr>
+              <a:t>Visiteur</a:t>
+            </a:r>
+          </a:p>
+          <a:p>
+            <a:r>
+              <a:rPr lang="fr-FR" sz="2000" b="0" strike="noStrike" spc="-1" baseline="0" dirty="0" err="1" smtClean="0">
+                <a:latin typeface="Arial"/>
+              </a:rPr>
+              <a:t>Disossicer</a:t>
+            </a:r>
+            <a:r>
+              <a:rPr lang="fr-FR" sz="2000" b="0" strike="noStrike" spc="-1" baseline="0" dirty="0" smtClean="0">
+                <a:latin typeface="Arial"/>
+              </a:rPr>
+              <a:t> utilisateur en dev/particulier</a:t>
+            </a:r>
+          </a:p>
+          <a:p>
+            <a:r>
+              <a:rPr lang="fr-FR" sz="2000" b="0" strike="noStrike" spc="-1" baseline="0" dirty="0" err="1" smtClean="0">
+                <a:latin typeface="Arial"/>
+              </a:rPr>
+              <a:t>Vusionner</a:t>
+            </a:r>
+            <a:r>
+              <a:rPr lang="fr-FR" sz="2000" b="0" strike="noStrike" spc="-1" baseline="0" dirty="0" smtClean="0">
+                <a:latin typeface="Arial"/>
+              </a:rPr>
+              <a:t> </a:t>
+            </a:r>
+            <a:r>
+              <a:rPr lang="fr-FR" sz="2000" b="0" strike="noStrike" spc="-1" baseline="0" dirty="0" err="1" smtClean="0">
+                <a:latin typeface="Arial"/>
+              </a:rPr>
+              <a:t>connecton</a:t>
+            </a:r>
+            <a:r>
+              <a:rPr lang="fr-FR" sz="2000" b="0" strike="noStrike" spc="-1" baseline="0" dirty="0" smtClean="0">
+                <a:latin typeface="Arial"/>
+              </a:rPr>
+              <a:t> utilisateur</a:t>
+            </a:r>
+          </a:p>
+          <a:p>
+            <a:r>
+              <a:rPr lang="fr-FR" sz="2000" b="0" strike="noStrike" spc="-1" baseline="0" dirty="0" err="1" smtClean="0">
+                <a:latin typeface="Arial"/>
+              </a:rPr>
+              <a:t>Vusionner</a:t>
+            </a:r>
+            <a:r>
+              <a:rPr lang="fr-FR" sz="2000" b="0" strike="noStrike" spc="-1" baseline="0" dirty="0" smtClean="0">
+                <a:latin typeface="Arial"/>
+              </a:rPr>
+              <a:t> lecteur a visiteur </a:t>
+            </a:r>
+          </a:p>
+          <a:p>
             <a:endParaRPr lang="fr-FR" sz="2000" b="0" strike="noStrike" spc="-1" dirty="0">
               <a:latin typeface="Arial"/>
             </a:endParaRPr>
@@ -4274,7 +4521,52 @@
           <a:p>
             <a:r>
               <a:rPr lang="fr-FR" baseline="0" dirty="0" smtClean="0"/>
-              <a:t>(a droite le diagramme d’activité &amp; a gauche le diagramme séquentiel) </a:t>
+              <a:t>(a gauche le diagramme d’activité &amp; a droite le diagramme séquentiel) </a:t>
+            </a:r>
+          </a:p>
+          <a:p>
+            <a:r>
+              <a:rPr lang="fr-FR" baseline="0" dirty="0" smtClean="0"/>
+              <a:t>Modifier les scenario du diagramme séquentiel </a:t>
+            </a:r>
+            <a:r>
+              <a:rPr lang="fr-FR" baseline="0" dirty="0" smtClean="0"/>
+              <a:t>(scénario d’erreur lorsque le </a:t>
+            </a:r>
+            <a:r>
+              <a:rPr lang="fr-FR" baseline="0" dirty="0" err="1" smtClean="0"/>
+              <a:t>bdd</a:t>
+            </a:r>
+            <a:r>
+              <a:rPr lang="fr-FR" baseline="0" dirty="0" smtClean="0"/>
+              <a:t> est </a:t>
+            </a:r>
+            <a:r>
+              <a:rPr lang="fr-FR" baseline="0" dirty="0" err="1" smtClean="0"/>
+              <a:t>hs</a:t>
+            </a:r>
+            <a:r>
+              <a:rPr lang="fr-FR" baseline="0" dirty="0" smtClean="0"/>
+              <a:t>)+ remplacer 8&amp;11 teste en retour de la </a:t>
+            </a:r>
+            <a:r>
+              <a:rPr lang="fr-FR" baseline="0" dirty="0" err="1" smtClean="0"/>
+              <a:t>requete</a:t>
+            </a:r>
+            <a:endParaRPr lang="fr-FR" baseline="0" dirty="0" smtClean="0"/>
+          </a:p>
+          <a:p>
+            <a:r>
+              <a:rPr lang="fr-FR" baseline="0" dirty="0" smtClean="0"/>
+              <a:t>Diagramme d’</a:t>
+            </a:r>
+            <a:r>
+              <a:rPr lang="fr-FR" baseline="0" dirty="0" err="1" smtClean="0"/>
+              <a:t>activiter</a:t>
+            </a:r>
+            <a:r>
+              <a:rPr lang="fr-FR" baseline="0" dirty="0" smtClean="0"/>
+              <a:t> faire les boucle </a:t>
             </a:r>
             <a:endParaRPr lang="fr-FR" dirty="0"/>
           </a:p>
@@ -4593,6 +4885,66 @@
           <a:bodyPr/>
           <a:lstStyle/>
           <a:p>
+            <a:r>
+              <a:rPr lang="fr-FR" dirty="0" smtClean="0"/>
+              <a:t>Je me permet de joindre</a:t>
+            </a:r>
+            <a:r>
+              <a:rPr lang="fr-FR" baseline="0" dirty="0" smtClean="0"/>
+              <a:t> a cette présentation un bout de code HTML d’un formulaire actuellement présent dans mon projet ace développeur </a:t>
+            </a:r>
+          </a:p>
+          <a:p>
+            <a:endParaRPr lang="fr-FR" baseline="0" dirty="0" smtClean="0"/>
+          </a:p>
+          <a:p>
+            <a:r>
+              <a:rPr lang="fr-FR" dirty="0" smtClean="0"/>
+              <a:t>Le voici :</a:t>
+            </a:r>
+          </a:p>
+          <a:p>
+            <a:r>
+              <a:rPr lang="fr-FR" dirty="0" smtClean="0"/>
+              <a:t>L’input de type</a:t>
+            </a:r>
+            <a:r>
+              <a:rPr lang="fr-FR" baseline="0" dirty="0" smtClean="0"/>
+              <a:t> radio permet de créer des </a:t>
+            </a:r>
+            <a:r>
+              <a:rPr lang="fr-FR" dirty="0" smtClean="0"/>
+              <a:t>boutons représentés par des cercles remplis lorsqu'ils sont sélectionnés &amp; vide quand cela n’est pas le cas</a:t>
+            </a:r>
+            <a:r>
+              <a:rPr lang="fr-FR" baseline="0" dirty="0" smtClean="0"/>
+              <a:t> </a:t>
+            </a:r>
+          </a:p>
+          <a:p>
+            <a:r>
+              <a:rPr lang="fr-FR" baseline="0" dirty="0" smtClean="0"/>
+              <a:t>Il est généralement </a:t>
+            </a:r>
+            <a:r>
+              <a:rPr lang="fr-FR" dirty="0" smtClean="0"/>
+              <a:t>utilisés pour construire des groupes d'options parmi lesquelles on ne peut choisir qu'une valeur. </a:t>
+            </a:r>
+          </a:p>
+          <a:p>
+            <a:r>
+              <a:rPr lang="fr-FR" dirty="0" smtClean="0"/>
+              <a:t>En l'occurrence pour choisir</a:t>
+            </a:r>
+            <a:r>
+              <a:rPr lang="fr-FR" baseline="0" dirty="0" smtClean="0"/>
+              <a:t> madame ou monsieur .</a:t>
+            </a:r>
+          </a:p>
+          <a:p>
+            <a:endParaRPr lang="fr-FR" baseline="0" dirty="0" smtClean="0"/>
+          </a:p>
+          <a:p>
             <a:pPr marL="0" marR="0" indent="0" algn="l" defTabSz="914400" rtl="0" eaLnBrk="1" fontAlgn="auto" latinLnBrk="0" hangingPunct="1">
               <a:lnSpc>
                 <a:spcPct val="100000"/>
@@ -4611,13 +4963,12 @@
               <a:defRPr/>
             </a:pPr>
             <a:r>
-              <a:rPr lang="fr-FR" sz="1200" b="0" strike="noStrike" spc="-1" dirty="0" smtClean="0">
-                <a:solidFill>
-                  <a:srgbClr val="000000"/>
-                </a:solidFill>
-                <a:latin typeface="Palatino Linotype"/>
-              </a:rPr>
-              <a:t>Dans un premier temps, j’aimerai une application rapide, pratique, et portable, utilisable sur tous support numérique .</a:t>
+              <a:rPr lang="fr-FR" dirty="0" smtClean="0"/>
+              <a:t>Concernent l’input de type texte des restriction on été définit afin</a:t>
+            </a:r>
+            <a:r>
+              <a:rPr lang="fr-FR" baseline="0" dirty="0" smtClean="0"/>
+              <a:t> que l’utilisateur ne puis pas faire n’importe quoi .</a:t>
             </a:r>
           </a:p>
           <a:p>
@@ -4639,26 +4990,44 @@
               <a:defRPr/>
             </a:pPr>
             <a:r>
-              <a:rPr lang="fr-FR" sz="1200" b="0" strike="noStrike" spc="-1" dirty="0" smtClean="0">
-                <a:solidFill>
-                  <a:srgbClr val="000000"/>
-                </a:solidFill>
-                <a:latin typeface="Palatino Linotype"/>
-              </a:rPr>
-              <a:t>Dans un second temps m’adapter au besoin auquel je n’ai pas encore pensais</a:t>
-            </a:r>
-            <a:r>
-              <a:rPr lang="fr-FR" sz="1200" b="0" strike="noStrike" spc="-1" baseline="0" dirty="0" smtClean="0">
-                <a:solidFill>
-                  <a:srgbClr val="000000"/>
-                </a:solidFill>
-                <a:latin typeface="Palatino Linotype"/>
-              </a:rPr>
-              <a:t> .</a:t>
-            </a:r>
-            <a:endParaRPr lang="fr-FR" sz="1200" b="0" strike="noStrike" spc="-1" dirty="0" smtClean="0">
-              <a:latin typeface="+mn-lt"/>
-            </a:endParaRPr>
+              <a:rPr lang="fr-FR" baseline="0" dirty="0" smtClean="0"/>
+              <a:t>Dans le cas du prénom le nombre de lettre maximum que l’utilisateur est autorisé a mettre est de 20  définit par « </a:t>
+            </a:r>
+            <a:r>
+              <a:rPr lang="fr-FR" baseline="0" dirty="0" err="1" smtClean="0"/>
+              <a:t>maxlength</a:t>
+            </a:r>
+            <a:r>
+              <a:rPr lang="fr-FR" baseline="0" dirty="0" smtClean="0"/>
+              <a:t> » de </a:t>
+            </a:r>
+            <a:r>
+              <a:rPr lang="fr-FR" baseline="0" dirty="0" err="1" smtClean="0"/>
+              <a:t>meme</a:t>
+            </a:r>
+            <a:r>
+              <a:rPr lang="fr-FR" baseline="0" dirty="0" smtClean="0"/>
+              <a:t> que le nombre minimum </a:t>
+            </a:r>
+            <a:r>
+              <a:rPr lang="fr-FR" baseline="0" dirty="0" err="1" smtClean="0"/>
+              <a:t>definit</a:t>
+            </a:r>
+            <a:r>
+              <a:rPr lang="fr-FR" baseline="0" dirty="0" smtClean="0"/>
+              <a:t> par « </a:t>
+            </a:r>
+            <a:r>
+              <a:rPr lang="fr-FR" baseline="0" dirty="0" err="1" smtClean="0"/>
+              <a:t>minlength</a:t>
+            </a:r>
+            <a:r>
+              <a:rPr lang="fr-FR" baseline="0" dirty="0" smtClean="0"/>
+              <a:t> » et de 2 .</a:t>
+            </a:r>
+          </a:p>
+          <a:p>
+            <a:endParaRPr lang="fr-FR" dirty="0" smtClean="0"/>
           </a:p>
           <a:p>
             <a:endParaRPr lang="fr-FR" dirty="0"/>
@@ -4696,7 +5065,7 @@
     </p:spTree>
     <p:extLst>
       <p:ext uri="{BB962C8B-B14F-4D97-AF65-F5344CB8AC3E}">
-        <p14:creationId xmlns:p14="http://schemas.microsoft.com/office/powerpoint/2010/main" val="2348629073"/>
+        <p14:creationId xmlns:p14="http://schemas.microsoft.com/office/powerpoint/2010/main" val="703020805"/>
       </p:ext>
     </p:extLst>
   </p:cSld>
@@ -4757,147 +5126,44 @@
           <a:p>
             <a:r>
               <a:rPr lang="fr-FR" dirty="0" smtClean="0"/>
-              <a:t>Je me permet de joindre</a:t>
+              <a:t>L’input de type « file » permettent à un utilisateur de sélectionner un ou plusieurs fichiers depuis leur appareil et de les uploader les fichier autorisé sont définit grâce a « </a:t>
+            </a:r>
+            <a:r>
+              <a:rPr lang="fr-FR" dirty="0" err="1" smtClean="0"/>
+              <a:t>accept</a:t>
+            </a:r>
+            <a:r>
+              <a:rPr lang="fr-FR" dirty="0" smtClean="0"/>
+              <a:t>= le nom des extension » en l’occurrence</a:t>
             </a:r>
             <a:r>
               <a:rPr lang="fr-FR" baseline="0" dirty="0" smtClean="0"/>
-              <a:t> a cette présentation un bout de code HTML d’un formulaire actuellement présent dans mon projet ace développeur </a:t>
-            </a:r>
-          </a:p>
-          <a:p>
-            <a:endParaRPr lang="fr-FR" baseline="0" dirty="0" smtClean="0"/>
-          </a:p>
-          <a:p>
-            <a:r>
-              <a:rPr lang="fr-FR" dirty="0" smtClean="0"/>
-              <a:t>Le voici :</a:t>
-            </a:r>
-          </a:p>
-          <a:p>
-            <a:r>
-              <a:rPr lang="fr-FR" dirty="0" smtClean="0"/>
-              <a:t>L’input de type</a:t>
+              <a:t> .</a:t>
+            </a:r>
+            <a:r>
+              <a:rPr lang="fr-FR" baseline="0" dirty="0" err="1" smtClean="0"/>
+              <a:t>jpg</a:t>
             </a:r>
             <a:r>
               <a:rPr lang="fr-FR" baseline="0" dirty="0" smtClean="0"/>
-              <a:t> radio permet de créer des </a:t>
-            </a:r>
-            <a:r>
-              <a:rPr lang="fr-FR" dirty="0" smtClean="0"/>
-              <a:t>boutons représentés par des cercles remplis lorsqu'ils sont sélectionnés &amp; vide quand cela n’est pas le cas</a:t>
+              <a:t> .</a:t>
+            </a:r>
+            <a:r>
+              <a:rPr lang="fr-FR" baseline="0" dirty="0" err="1" smtClean="0"/>
+              <a:t>png</a:t>
             </a:r>
             <a:r>
               <a:rPr lang="fr-FR" baseline="0" dirty="0" smtClean="0"/>
-              <a:t> </a:t>
-            </a:r>
-          </a:p>
-          <a:p>
+              <a:t> pour les images et .</a:t>
+            </a:r>
+            <a:r>
+              <a:rPr lang="fr-FR" baseline="0" dirty="0" err="1" smtClean="0"/>
+              <a:t>gif</a:t>
+            </a:r>
             <a:r>
               <a:rPr lang="fr-FR" baseline="0" dirty="0" smtClean="0"/>
-              <a:t>Il est généralement </a:t>
-            </a:r>
-            <a:r>
-              <a:rPr lang="fr-FR" dirty="0" smtClean="0"/>
-              <a:t>utilisés pour construire des groupes d'options parmi lesquelles on ne peut choisir qu'une valeur. </a:t>
-            </a:r>
-          </a:p>
-          <a:p>
-            <a:r>
-              <a:rPr lang="fr-FR" dirty="0" smtClean="0"/>
-              <a:t>En l'occurrence pour choisir</a:t>
-            </a:r>
-            <a:r>
-              <a:rPr lang="fr-FR" baseline="0" dirty="0" smtClean="0"/>
-              <a:t> madame ou monsieur .</a:t>
-            </a:r>
-          </a:p>
-          <a:p>
-            <a:endParaRPr lang="fr-FR" baseline="0" dirty="0" smtClean="0"/>
-          </a:p>
-          <a:p>
-            <a:pPr marL="0" marR="0" indent="0" algn="l" defTabSz="914400" rtl="0" eaLnBrk="1" fontAlgn="auto" latinLnBrk="0" hangingPunct="1">
-              <a:lnSpc>
-                <a:spcPct val="100000"/>
-              </a:lnSpc>
-              <a:spcBef>
-                <a:spcPts val="0"/>
-              </a:spcBef>
-              <a:spcAft>
-                <a:spcPts val="0"/>
-              </a:spcAft>
-              <a:buClrTx/>
-              <a:buSzTx/>
-              <a:buFontTx/>
-              <a:buNone/>
-              <a:tabLst/>
-              <a:defRPr/>
-            </a:pPr>
-            <a:r>
-              <a:rPr lang="fr-FR" dirty="0" smtClean="0"/>
-              <a:t>Concernent l’input de type texte des restriction on été définit afin</a:t>
-            </a:r>
-            <a:r>
-              <a:rPr lang="fr-FR" baseline="0" dirty="0" smtClean="0"/>
-              <a:t> que l’utilisateur ne puis pas faire n’importe quoi .</a:t>
-            </a:r>
-          </a:p>
-          <a:p>
-            <a:pPr marL="0" marR="0" indent="0" algn="l" defTabSz="914400" rtl="0" eaLnBrk="1" fontAlgn="auto" latinLnBrk="0" hangingPunct="1">
-              <a:lnSpc>
-                <a:spcPct val="100000"/>
-              </a:lnSpc>
-              <a:spcBef>
-                <a:spcPts val="0"/>
-              </a:spcBef>
-              <a:spcAft>
-                <a:spcPts val="0"/>
-              </a:spcAft>
-              <a:buClrTx/>
-              <a:buSzTx/>
-              <a:buFontTx/>
-              <a:buNone/>
-              <a:tabLst/>
-              <a:defRPr/>
-            </a:pPr>
-            <a:r>
-              <a:rPr lang="fr-FR" baseline="0" dirty="0" smtClean="0"/>
-              <a:t>Dans le cas du prénom le nombre de lettre maximum que l’utilisateur est autorisé a mettre est de 20  définit par « </a:t>
-            </a:r>
-            <a:r>
-              <a:rPr lang="fr-FR" baseline="0" dirty="0" err="1" smtClean="0"/>
-              <a:t>maxlength</a:t>
-            </a:r>
-            <a:r>
-              <a:rPr lang="fr-FR" baseline="0" dirty="0" smtClean="0"/>
-              <a:t> » de </a:t>
-            </a:r>
-            <a:r>
-              <a:rPr lang="fr-FR" baseline="0" dirty="0" err="1" smtClean="0"/>
-              <a:t>meme</a:t>
-            </a:r>
-            <a:r>
-              <a:rPr lang="fr-FR" baseline="0" dirty="0" smtClean="0"/>
-              <a:t> que le nombre minimum </a:t>
-            </a:r>
-            <a:r>
-              <a:rPr lang="fr-FR" baseline="0" dirty="0" err="1" smtClean="0"/>
-              <a:t>definit</a:t>
-            </a:r>
-            <a:r>
-              <a:rPr lang="fr-FR" baseline="0" dirty="0" smtClean="0"/>
-              <a:t> par « </a:t>
-            </a:r>
-            <a:r>
-              <a:rPr lang="fr-FR" baseline="0" dirty="0" err="1" smtClean="0"/>
-              <a:t>minlength</a:t>
-            </a:r>
-            <a:r>
-              <a:rPr lang="fr-FR" baseline="0" dirty="0" smtClean="0"/>
-              <a:t> » et de 2 .</a:t>
-            </a:r>
-          </a:p>
-          <a:p>
-            <a:endParaRPr lang="fr-FR" dirty="0" smtClean="0"/>
+              <a:t> pour les image animés </a:t>
+            </a:r>
           </a:p>
           <a:p>
             <a:endParaRPr lang="fr-FR" dirty="0"/>
@@ -4935,7 +5201,7 @@
     </p:spTree>
     <p:extLst>
       <p:ext uri="{BB962C8B-B14F-4D97-AF65-F5344CB8AC3E}">
-        <p14:creationId xmlns:p14="http://schemas.microsoft.com/office/powerpoint/2010/main" val="703020805"/>
+        <p14:creationId xmlns:p14="http://schemas.microsoft.com/office/powerpoint/2010/main" val="3429599279"/>
       </p:ext>
     </p:extLst>
   </p:cSld>
@@ -4996,46 +5262,26 @@
           <a:p>
             <a:r>
               <a:rPr lang="fr-FR" dirty="0" smtClean="0"/>
-              <a:t>L’input de type « file » permettent à un utilisateur de sélectionner un ou plusieurs fichiers depuis leur appareil et de les uploader les fichier autorisé sont définit grâce a « </a:t>
+              <a:t>Voici le résultat avec du </a:t>
             </a:r>
             <a:r>
               <a:rPr lang="fr-FR" dirty="0" err="1" smtClean="0"/>
-              <a:t>accept</a:t>
+              <a:t>Css</a:t>
             </a:r>
             <a:r>
               <a:rPr lang="fr-FR" dirty="0" smtClean="0"/>
-              <a:t>= le nom des extension » en l’occurrence</a:t>
+              <a:t> pour mettre un peu de la couleur aux tous .</a:t>
+            </a:r>
+          </a:p>
+          <a:p>
+            <a:r>
+              <a:rPr lang="fr-FR" dirty="0" smtClean="0"/>
+              <a:t>Mettre le</a:t>
             </a:r>
             <a:r>
               <a:rPr lang="fr-FR" baseline="0" dirty="0" smtClean="0"/>
-              <a:t> .</a:t>
-            </a:r>
-            <a:r>
-              <a:rPr lang="fr-FR" baseline="0" dirty="0" err="1" smtClean="0"/>
-              <a:t>jpg</a:t>
-            </a:r>
-            <a:r>
-              <a:rPr lang="fr-FR" baseline="0" dirty="0" smtClean="0"/>
-              <a:t> .</a:t>
-            </a:r>
-            <a:r>
-              <a:rPr lang="fr-FR" baseline="0" dirty="0" err="1" smtClean="0"/>
-              <a:t>png</a:t>
-            </a:r>
-            <a:r>
-              <a:rPr lang="fr-FR" baseline="0" dirty="0" smtClean="0"/>
-              <a:t> pour les images et .</a:t>
-            </a:r>
-            <a:r>
-              <a:rPr lang="fr-FR" baseline="0" dirty="0" err="1" smtClean="0"/>
-              <a:t>gif</a:t>
-            </a:r>
-            <a:r>
-              <a:rPr lang="fr-FR" baseline="0" dirty="0" smtClean="0"/>
-              <a:t> pour les image animés </a:t>
-            </a:r>
-          </a:p>
-          <a:p>
+              <a:t> rendu avec le code </a:t>
+            </a:r>
             <a:endParaRPr lang="fr-FR" dirty="0"/>
           </a:p>
         </p:txBody>
@@ -5071,7 +5317,7 @@
     </p:spTree>
     <p:extLst>
       <p:ext uri="{BB962C8B-B14F-4D97-AF65-F5344CB8AC3E}">
-        <p14:creationId xmlns:p14="http://schemas.microsoft.com/office/powerpoint/2010/main" val="3429599279"/>
+        <p14:creationId xmlns:p14="http://schemas.microsoft.com/office/powerpoint/2010/main" val="2625164785"/>
       </p:ext>
     </p:extLst>
   </p:cSld>
@@ -5132,15 +5378,23 @@
           <a:p>
             <a:r>
               <a:rPr lang="fr-FR" dirty="0" smtClean="0"/>
-              <a:t>Voici le résultat avec du </a:t>
-            </a:r>
-            <a:r>
-              <a:rPr lang="fr-FR" dirty="0" err="1" smtClean="0"/>
-              <a:t>Css</a:t>
-            </a:r>
+              <a:t>En conclusion cette aventure qu’est ce projet est un challenge des plus passionnant qui m’apportera une monté en compétence ainsi qu’en expérience .</a:t>
+            </a:r>
+          </a:p>
+          <a:p>
             <a:r>
               <a:rPr lang="fr-FR" dirty="0" smtClean="0"/>
-              <a:t> pour mettre un peu de la couleur aux tous .</a:t>
+              <a:t>Tous retour de votre part est la bienvenue </a:t>
+            </a:r>
+          </a:p>
+          <a:p>
+            <a:r>
+              <a:rPr lang="fr-FR" dirty="0" smtClean="0"/>
+              <a:t>Merci de votre attention</a:t>
+            </a:r>
+            <a:r>
+              <a:rPr lang="fr-FR" baseline="0" dirty="0" smtClean="0"/>
+              <a:t> </a:t>
             </a:r>
             <a:endParaRPr lang="fr-FR" dirty="0"/>
           </a:p>
@@ -5177,7 +5431,7 @@
     </p:spTree>
     <p:extLst>
       <p:ext uri="{BB962C8B-B14F-4D97-AF65-F5344CB8AC3E}">
-        <p14:creationId xmlns:p14="http://schemas.microsoft.com/office/powerpoint/2010/main" val="2625164785"/>
+        <p14:creationId xmlns:p14="http://schemas.microsoft.com/office/powerpoint/2010/main" val="3183842373"/>
       </p:ext>
     </p:extLst>
   </p:cSld>
@@ -5237,29 +5491,12 @@
           <a:lstStyle/>
           <a:p>
             <a:r>
-              <a:rPr lang="fr-FR" dirty="0" smtClean="0"/>
-              <a:t>En conclusion cette aventure qu’est ce projet est un challenge des plus passionnant qui m’apportera une monté en compétence ainsi qu’en expérience .</a:t>
-            </a:r>
-          </a:p>
-          <a:p>
-            <a:r>
-              <a:rPr lang="fr-FR" dirty="0" smtClean="0"/>
-              <a:t>Tous retour de votre part est la bienvenue </a:t>
-            </a:r>
-          </a:p>
-          <a:p>
-            <a:r>
-              <a:rPr lang="fr-FR" dirty="0" smtClean="0"/>
-              <a:t>Merci de </a:t>
-            </a:r>
-            <a:r>
               <a:rPr lang="fr-FR" smtClean="0"/>
-              <a:t>votre attention</a:t>
-            </a:r>
-            <a:r>
-              <a:rPr lang="fr-FR" baseline="0" smtClean="0"/>
               <a:t> </a:t>
             </a:r>
+            <a:endParaRPr lang="fr-FR" dirty="0" smtClean="0"/>
+          </a:p>
+          <a:p>
             <a:endParaRPr lang="fr-FR" dirty="0"/>
           </a:p>
         </p:txBody>
@@ -5285,107 +5522,6 @@
                 <a:latin typeface="Times New Roman"/>
               </a:rPr>
               <a:t>34</a:t>
-            </a:fld>
-            <a:endParaRPr lang="fr-FR" sz="1400" b="0" strike="noStrike" spc="-1">
-              <a:latin typeface="Times New Roman"/>
-            </a:endParaRPr>
-          </a:p>
-        </p:txBody>
-      </p:sp>
-    </p:spTree>
-    <p:extLst>
-      <p:ext uri="{BB962C8B-B14F-4D97-AF65-F5344CB8AC3E}">
-        <p14:creationId xmlns:p14="http://schemas.microsoft.com/office/powerpoint/2010/main" val="3183842373"/>
-      </p:ext>
-    </p:extLst>
-  </p:cSld>
-  <p:clrMapOvr>
-    <a:masterClrMapping/>
-  </p:clrMapOvr>
-</p:notes>
-</file>
-
-<file path=ppt/notesSlides/notesSlide35.xml><?xml version="1.0" encoding="utf-8"?>
-<p:notes xmlns:a="http://schemas.openxmlformats.org/drawingml/2006/main" xmlns:r="http://schemas.openxmlformats.org/officeDocument/2006/relationships" xmlns:p="http://schemas.openxmlformats.org/presentationml/2006/main">
-  <p:cSld>
-    <p:spTree>
-      <p:nvGrpSpPr>
-        <p:cNvPr id="1" name=""/>
-        <p:cNvGrpSpPr/>
-        <p:nvPr/>
-      </p:nvGrpSpPr>
-      <p:grpSpPr>
-        <a:xfrm>
-          <a:off x="0" y="0"/>
-          <a:ext cx="0" cy="0"/>
-          <a:chOff x="0" y="0"/>
-          <a:chExt cx="0" cy="0"/>
-        </a:xfrm>
-      </p:grpSpPr>
-      <p:sp>
-        <p:nvSpPr>
-          <p:cNvPr id="2" name="Espace réservé de l'image des diapositives 1"/>
-          <p:cNvSpPr>
-            <a:spLocks noGrp="1" noRot="1" noChangeAspect="1"/>
-          </p:cNvSpPr>
-          <p:nvPr>
-            <p:ph type="sldImg"/>
-          </p:nvPr>
-        </p:nvSpPr>
-        <p:spPr>
-          <a:xfrm>
-            <a:off x="217488" y="812800"/>
-            <a:ext cx="7124700" cy="4008438"/>
-          </a:xfrm>
-        </p:spPr>
-      </p:sp>
-      <p:sp>
-        <p:nvSpPr>
-          <p:cNvPr id="3" name="Espace réservé des commentaires 2"/>
-          <p:cNvSpPr>
-            <a:spLocks noGrp="1"/>
-          </p:cNvSpPr>
-          <p:nvPr>
-            <p:ph type="body" idx="1"/>
-          </p:nvPr>
-        </p:nvSpPr>
-        <p:spPr/>
-        <p:txBody>
-          <a:bodyPr/>
-          <a:lstStyle/>
-          <a:p>
-            <a:r>
-              <a:rPr lang="fr-FR" smtClean="0"/>
-              <a:t> </a:t>
-            </a:r>
-            <a:endParaRPr lang="fr-FR" dirty="0" smtClean="0"/>
-          </a:p>
-          <a:p>
-            <a:endParaRPr lang="fr-FR" dirty="0"/>
-          </a:p>
-        </p:txBody>
-      </p:sp>
-      <p:sp>
-        <p:nvSpPr>
-          <p:cNvPr id="4" name="Espace réservé du numéro de diapositive 3"/>
-          <p:cNvSpPr>
-            <a:spLocks noGrp="1"/>
-          </p:cNvSpPr>
-          <p:nvPr>
-            <p:ph type="sldNum" idx="10"/>
-          </p:nvPr>
-        </p:nvSpPr>
-        <p:spPr/>
-        <p:txBody>
-          <a:bodyPr/>
-          <a:lstStyle/>
-          <a:p>
-            <a:pPr algn="r"/>
-            <a:fld id="{4C8961B9-9BF0-44A4-A706-205F40A8B952}" type="slidenum">
-              <a:rPr lang="fr-FR" sz="1400" b="0" strike="noStrike" spc="-1" smtClean="0">
-                <a:latin typeface="Times New Roman"/>
-              </a:rPr>
-              <a:t>35</a:t>
             </a:fld>
             <a:endParaRPr lang="fr-FR" sz="1400" b="0" strike="noStrike" spc="-1">
               <a:latin typeface="Times New Roman"/>
@@ -5880,7 +6016,7 @@
       </p:grpSpPr>
       <p:sp>
         <p:nvSpPr>
-          <p:cNvPr id="155" name="PlaceHolder 1"/>
+          <p:cNvPr id="2" name="Espace réservé de l'image des diapositives 1"/>
           <p:cNvSpPr>
             <a:spLocks noGrp="1" noRot="1" noChangeAspect="1"/>
           </p:cNvSpPr>
@@ -5890,148 +6026,104 @@
         </p:nvSpPr>
         <p:spPr>
           <a:xfrm>
-            <a:off x="685800" y="1143000"/>
-            <a:ext cx="5486400" cy="3086100"/>
-          </a:xfrm>
-          <a:prstGeom prst="rect">
-            <a:avLst/>
-          </a:prstGeom>
-        </p:spPr>
-      </p:sp>
-      <p:sp>
-        <p:nvSpPr>
-          <p:cNvPr id="156" name="PlaceHolder 2"/>
+            <a:off x="217488" y="812800"/>
+            <a:ext cx="7124700" cy="4008438"/>
+          </a:xfrm>
+        </p:spPr>
+      </p:sp>
+      <p:sp>
+        <p:nvSpPr>
+          <p:cNvPr id="3" name="Espace réservé des commentaires 2"/>
           <p:cNvSpPr>
             <a:spLocks noGrp="1"/>
           </p:cNvSpPr>
           <p:nvPr>
-            <p:ph type="body"/>
+            <p:ph type="body" idx="1"/>
           </p:nvPr>
         </p:nvSpPr>
-        <p:spPr>
-          <a:xfrm>
-            <a:off x="685800" y="4400640"/>
-            <a:ext cx="5485680" cy="3599640"/>
-          </a:xfrm>
-          <a:prstGeom prst="rect">
-            <a:avLst/>
-          </a:prstGeom>
-        </p:spPr>
-        <p:txBody>
-          <a:bodyPr lIns="0" tIns="0" rIns="0" bIns="0">
-            <a:noAutofit/>
-          </a:bodyPr>
-          <a:lstStyle/>
-          <a:p>
-            <a:pPr marL="0" marR="0" indent="0" algn="l" defTabSz="914400" rtl="0" eaLnBrk="1" fontAlgn="auto" latinLnBrk="0" hangingPunct="1">
-              <a:lnSpc>
-                <a:spcPct val="100000"/>
-              </a:lnSpc>
-              <a:spcBef>
-                <a:spcPts val="0"/>
-              </a:spcBef>
-              <a:spcAft>
-                <a:spcPts val="0"/>
-              </a:spcAft>
-              <a:buClrTx/>
-              <a:buSzTx/>
-              <a:buFontTx/>
-              <a:buNone/>
-              <a:tabLst/>
-              <a:defRPr/>
-            </a:pPr>
-            <a:r>
-              <a:rPr lang="fr-FR" sz="2000" dirty="0" smtClean="0"/>
-              <a:t>Voir même un</a:t>
-            </a:r>
-            <a:r>
-              <a:rPr lang="fr-FR" sz="2000" baseline="0" dirty="0" smtClean="0"/>
-              <a:t> particulier qui désire juste un site vitrine afin de promouvoir un événement …</a:t>
-            </a:r>
-          </a:p>
-          <a:p>
-            <a:pPr marL="0" marR="0" indent="0" algn="l" defTabSz="914400" rtl="0" eaLnBrk="1" fontAlgn="auto" latinLnBrk="0" hangingPunct="1">
-              <a:lnSpc>
-                <a:spcPct val="100000"/>
-              </a:lnSpc>
-              <a:spcBef>
-                <a:spcPts val="0"/>
-              </a:spcBef>
-              <a:spcAft>
-                <a:spcPts val="0"/>
-              </a:spcAft>
-              <a:buClrTx/>
-              <a:buSzTx/>
-              <a:buFontTx/>
-              <a:buNone/>
-              <a:tabLst/>
-              <a:defRPr/>
-            </a:pPr>
-            <a:r>
-              <a:rPr lang="fr-FR" sz="2000" baseline="0" dirty="0" smtClean="0"/>
-              <a:t>bref toute personne souhaitent avoir un site web et ne sachant pas comment procéder .</a:t>
-            </a:r>
-            <a:endParaRPr lang="fr-FR" sz="2000" dirty="0" smtClean="0"/>
-          </a:p>
-          <a:p>
-            <a:endParaRPr lang="fr-FR" sz="2000" dirty="0"/>
-          </a:p>
-        </p:txBody>
-      </p:sp>
-      <p:sp>
-        <p:nvSpPr>
-          <p:cNvPr id="157" name="CustomShape 3"/>
-          <p:cNvSpPr/>
-          <p:nvPr/>
-        </p:nvSpPr>
-        <p:spPr>
-          <a:xfrm>
-            <a:off x="3884760" y="8685360"/>
-            <a:ext cx="2971080" cy="457920"/>
-          </a:xfrm>
-          <a:prstGeom prst="rect">
-            <a:avLst/>
-          </a:prstGeom>
-          <a:noFill/>
-          <a:ln>
-            <a:noFill/>
-          </a:ln>
-        </p:spPr>
-        <p:style>
-          <a:lnRef idx="0">
-            <a:scrgbClr r="0" g="0" b="0"/>
-          </a:lnRef>
-          <a:fillRef idx="0">
-            <a:scrgbClr r="0" g="0" b="0"/>
-          </a:fillRef>
-          <a:effectRef idx="0">
-            <a:scrgbClr r="0" g="0" b="0"/>
-          </a:effectRef>
-          <a:fontRef idx="minor"/>
-        </p:style>
-        <p:txBody>
-          <a:bodyPr lIns="90000" tIns="45000" rIns="90000" bIns="45000" anchor="b">
-            <a:noAutofit/>
-          </a:bodyPr>
-          <a:lstStyle/>
-          <a:p>
-            <a:pPr algn="r">
-              <a:lnSpc>
-                <a:spcPct val="100000"/>
-              </a:lnSpc>
-            </a:pPr>
-            <a:fld id="{7DFA6E54-7A15-4764-ACBB-0422FDEFF671}" type="slidenum">
-              <a:rPr lang="fr-FR" sz="1200" b="0" strike="noStrike" spc="-1">
-                <a:solidFill>
-                  <a:srgbClr val="000000"/>
-                </a:solidFill>
-                <a:latin typeface="+mn-lt"/>
-                <a:ea typeface="+mn-ea"/>
+        <p:spPr/>
+        <p:txBody>
+          <a:bodyPr/>
+          <a:lstStyle/>
+          <a:p>
+            <a:r>
+              <a:rPr lang="fr-FR" dirty="0" smtClean="0"/>
+              <a:t> </a:t>
+            </a:r>
+          </a:p>
+          <a:p>
+            <a:r>
+              <a:rPr lang="fr-FR" dirty="0" smtClean="0"/>
+              <a:t>Refaire au propre la </a:t>
+            </a:r>
+            <a:r>
+              <a:rPr lang="fr-FR" dirty="0" err="1" smtClean="0"/>
+              <a:t>bete</a:t>
+            </a:r>
+            <a:r>
+              <a:rPr lang="fr-FR" dirty="0" smtClean="0"/>
+              <a:t> a corne</a:t>
+            </a:r>
+          </a:p>
+          <a:p>
+            <a:r>
+              <a:rPr lang="fr-FR" dirty="0" smtClean="0"/>
+              <a:t>Quesque</a:t>
+            </a:r>
+            <a:r>
+              <a:rPr lang="fr-FR" baseline="0" dirty="0" smtClean="0"/>
+              <a:t> la </a:t>
+            </a:r>
+            <a:r>
+              <a:rPr lang="fr-FR" baseline="0" dirty="0" err="1" smtClean="0"/>
+              <a:t>bete</a:t>
+            </a:r>
+            <a:r>
+              <a:rPr lang="fr-FR" baseline="0" dirty="0" smtClean="0"/>
+              <a:t> a corne (définition)</a:t>
+            </a:r>
+          </a:p>
+          <a:p>
+            <a:r>
+              <a:rPr lang="fr-FR" baseline="0" dirty="0" err="1" smtClean="0"/>
+              <a:t>Siter</a:t>
+            </a:r>
+            <a:r>
+              <a:rPr lang="fr-FR" baseline="0" dirty="0" smtClean="0"/>
+              <a:t> </a:t>
+            </a:r>
+            <a:r>
+              <a:rPr lang="fr-FR" baseline="0" smtClean="0"/>
+              <a:t>les source </a:t>
+            </a:r>
+            <a:endParaRPr lang="fr-FR" dirty="0"/>
+          </a:p>
+        </p:txBody>
+      </p:sp>
+      <p:sp>
+        <p:nvSpPr>
+          <p:cNvPr id="4" name="Espace réservé du numéro de diapositive 3"/>
+          <p:cNvSpPr>
+            <a:spLocks noGrp="1"/>
+          </p:cNvSpPr>
+          <p:nvPr>
+            <p:ph type="sldNum" idx="10"/>
+          </p:nvPr>
+        </p:nvSpPr>
+        <p:spPr/>
+        <p:txBody>
+          <a:bodyPr/>
+          <a:lstStyle/>
+          <a:p>
+            <a:pPr algn="r"/>
+            <a:fld id="{4C8961B9-9BF0-44A4-A706-205F40A8B952}" type="slidenum">
+              <a:rPr lang="fr-FR" sz="1400" b="0" strike="noStrike" spc="-1" smtClean="0">
+                <a:latin typeface="Times New Roman"/>
               </a:rPr>
               <a:t>7</a:t>
             </a:fld>
-            <a:endParaRPr lang="fr-FR" sz="1200" b="0" strike="noStrike" spc="-1">
-              <a:latin typeface="Arial"/>
+            <a:endParaRPr lang="fr-FR" sz="1400" b="0" strike="noStrike" spc="-1">
+              <a:latin typeface="Times New Roman"/>
             </a:endParaRPr>
           </a:p>
         </p:txBody>
@@ -6039,7 +6131,7 @@
     </p:spTree>
     <p:extLst>
       <p:ext uri="{BB962C8B-B14F-4D97-AF65-F5344CB8AC3E}">
-        <p14:creationId xmlns:p14="http://schemas.microsoft.com/office/powerpoint/2010/main" val="3617550498"/>
+        <p14:creationId xmlns:p14="http://schemas.microsoft.com/office/powerpoint/2010/main" val="1775862669"/>
       </p:ext>
     </p:extLst>
   </p:cSld>
@@ -6098,10 +6190,41 @@
           <a:bodyPr/>
           <a:lstStyle/>
           <a:p>
-            <a:r>
-              <a:rPr lang="fr-FR" smtClean="0"/>
+            <a:pPr marL="0" marR="0" indent="0" algn="l" defTabSz="914400" rtl="0" eaLnBrk="1" fontAlgn="auto" latinLnBrk="0" hangingPunct="1">
+              <a:lnSpc>
+                <a:spcPct val="100000"/>
+              </a:lnSpc>
+              <a:spcBef>
+                <a:spcPts val="0"/>
+              </a:spcBef>
+              <a:spcAft>
+                <a:spcPts val="0"/>
+              </a:spcAft>
+              <a:buClrTx/>
+              <a:buSzTx/>
+              <a:buFontTx/>
+              <a:buNone/>
+              <a:tabLst/>
+              <a:defRPr/>
+            </a:pPr>
+            <a:r>
+              <a:rPr lang="fr-FR" dirty="0" smtClean="0"/>
               <a:t> </a:t>
             </a:r>
+            <a:r>
+              <a:rPr lang="fr-FR" sz="1200" kern="1200" dirty="0" smtClean="0">
+                <a:solidFill>
+                  <a:schemeClr val="tx1"/>
+                </a:solidFill>
+                <a:effectLst/>
+                <a:latin typeface="+mn-lt"/>
+                <a:ea typeface="+mn-ea"/>
+                <a:cs typeface="+mn-cs"/>
+              </a:rPr>
+              <a:t>les concurrents Service à domicile (bricolage, jardinage, administratif, aide à la personne, événementiel, informatique etc…)</a:t>
+            </a:r>
+          </a:p>
+          <a:p>
             <a:endParaRPr lang="fr-FR" dirty="0" smtClean="0"/>
           </a:p>
           <a:p>
@@ -6140,7 +6263,7 @@
     </p:spTree>
     <p:extLst>
       <p:ext uri="{BB962C8B-B14F-4D97-AF65-F5344CB8AC3E}">
-        <p14:creationId xmlns:p14="http://schemas.microsoft.com/office/powerpoint/2010/main" val="1775862669"/>
+        <p14:creationId xmlns:p14="http://schemas.microsoft.com/office/powerpoint/2010/main" val="3632931389"/>
       </p:ext>
     </p:extLst>
   </p:cSld>
@@ -6217,24 +6340,54 @@
               <a:defRPr/>
             </a:pPr>
             <a:r>
-              <a:rPr lang="fr-FR" dirty="0" smtClean="0"/>
-              <a:t> </a:t>
-            </a:r>
-            <a:r>
-              <a:rPr lang="fr-FR" sz="1200" kern="1200" dirty="0" smtClean="0">
+              <a:rPr lang="fr-FR" sz="1200" b="0" strike="noStrike" spc="-1" dirty="0" smtClean="0">
                 <a:solidFill>
-                  <a:schemeClr val="tx1"/>
+                  <a:srgbClr val="000000"/>
                 </a:solidFill>
-                <a:effectLst/>
-                <a:latin typeface="+mn-lt"/>
-                <a:ea typeface="+mn-ea"/>
-                <a:cs typeface="+mn-cs"/>
-              </a:rPr>
-              <a:t>les concurrents Service à domicile (bricolage, jardinage, administratif, aide à la personne, événementiel, informatique etc…)</a:t>
-            </a:r>
-          </a:p>
-          <a:p>
-            <a:endParaRPr lang="fr-FR" dirty="0" smtClean="0"/>
+                <a:latin typeface="Palatino Linotype"/>
+              </a:rPr>
+              <a:t>Dans un premier temps, j’aimerai une application rapide, pratique, et portable, utilisable sur tous support numérique .</a:t>
+            </a:r>
+          </a:p>
+          <a:p>
+            <a:pPr marL="0" marR="0" indent="0" algn="l" defTabSz="914400" rtl="0" eaLnBrk="1" fontAlgn="auto" latinLnBrk="0" hangingPunct="1">
+              <a:lnSpc>
+                <a:spcPct val="100000"/>
+              </a:lnSpc>
+              <a:spcBef>
+                <a:spcPts val="0"/>
+              </a:spcBef>
+              <a:spcAft>
+                <a:spcPts val="0"/>
+              </a:spcAft>
+              <a:buClrTx/>
+              <a:buSzTx/>
+              <a:buFontTx/>
+              <a:buNone/>
+              <a:tabLst/>
+              <a:defRPr/>
+            </a:pPr>
+            <a:r>
+              <a:rPr lang="fr-FR" sz="1200" b="0" strike="noStrike" spc="-1" dirty="0" smtClean="0">
+                <a:solidFill>
+                  <a:srgbClr val="000000"/>
+                </a:solidFill>
+                <a:latin typeface="Palatino Linotype"/>
+              </a:rPr>
+              <a:t>Dans un second temps m’adapter au besoin auquel je n’ai pas encore pensais</a:t>
+            </a:r>
+            <a:r>
+              <a:rPr lang="fr-FR" sz="1200" b="0" strike="noStrike" spc="-1" baseline="0" dirty="0" smtClean="0">
+                <a:solidFill>
+                  <a:srgbClr val="000000"/>
+                </a:solidFill>
+                <a:latin typeface="Palatino Linotype"/>
+              </a:rPr>
+              <a:t> .</a:t>
+            </a:r>
+            <a:endParaRPr lang="fr-FR" sz="1200" b="0" strike="noStrike" spc="-1" dirty="0" smtClean="0">
+              <a:latin typeface="+mn-lt"/>
+            </a:endParaRPr>
           </a:p>
           <a:p>
             <a:endParaRPr lang="fr-FR" dirty="0"/>
@@ -6272,7 +6425,7 @@
     </p:spTree>
     <p:extLst>
       <p:ext uri="{BB962C8B-B14F-4D97-AF65-F5344CB8AC3E}">
-        <p14:creationId xmlns:p14="http://schemas.microsoft.com/office/powerpoint/2010/main" val="3632931389"/>
+        <p14:creationId xmlns:p14="http://schemas.microsoft.com/office/powerpoint/2010/main" val="2348629073"/>
       </p:ext>
     </p:extLst>
   </p:cSld>
@@ -11230,7 +11383,7 @@
         <p:fade/>
       </p:transition>
     </mc:Choice>
-    <mc:Fallback xmlns="" xmlns:p15="http://schemas.microsoft.com/office/powerpoint/2012/main">
+    <mc:Fallback xmlns:p15="http://schemas.microsoft.com/office/powerpoint/2012/main" xmlns="">
       <p:transition spd="med">
         <p:fade/>
       </p:transition>
@@ -13958,7 +14111,7 @@
         <p:fade/>
       </p:transition>
     </mc:Choice>
-    <mc:Fallback xmlns="" xmlns:p15="http://schemas.microsoft.com/office/powerpoint/2012/main">
+    <mc:Fallback xmlns:p15="http://schemas.microsoft.com/office/powerpoint/2012/main" xmlns="">
       <p:transition spd="med">
         <p:fade/>
       </p:transition>
@@ -14676,7 +14829,7 @@
         <p:fade/>
       </p:transition>
     </mc:Choice>
-    <mc:Fallback xmlns="" xmlns:p15="http://schemas.microsoft.com/office/powerpoint/2012/main">
+    <mc:Fallback xmlns:p15="http://schemas.microsoft.com/office/powerpoint/2012/main" xmlns="">
       <p:transition spd="med">
         <p:fade/>
       </p:transition>
@@ -14843,7 +14996,7 @@
         <p:fade/>
       </p:transition>
     </mc:Choice>
-    <mc:Fallback xmlns="" xmlns:p15="http://schemas.microsoft.com/office/powerpoint/2012/main">
+    <mc:Fallback xmlns:p15="http://schemas.microsoft.com/office/powerpoint/2012/main" xmlns="">
       <p:transition spd="med">
         <p:fade/>
       </p:transition>
@@ -14910,7 +15063,7 @@
         <p:fade/>
       </p:transition>
     </mc:Choice>
-    <mc:Fallback xmlns="" xmlns:p15="http://schemas.microsoft.com/office/powerpoint/2012/main">
+    <mc:Fallback xmlns:p15="http://schemas.microsoft.com/office/powerpoint/2012/main" xmlns="">
       <p:transition spd="med">
         <p:fade/>
       </p:transition>
@@ -15125,7 +15278,7 @@
         <p:fade/>
       </p:transition>
     </mc:Choice>
-    <mc:Fallback xmlns="" xmlns:p15="http://schemas.microsoft.com/office/powerpoint/2012/main">
+    <mc:Fallback xmlns:p15="http://schemas.microsoft.com/office/powerpoint/2012/main" xmlns="">
       <p:transition spd="med">
         <p:fade/>
       </p:transition>
@@ -15409,7 +15562,7 @@
         <p:fade/>
       </p:transition>
     </mc:Choice>
-    <mc:Fallback xmlns="" xmlns:p15="http://schemas.microsoft.com/office/powerpoint/2012/main">
+    <mc:Fallback xmlns:p15="http://schemas.microsoft.com/office/powerpoint/2012/main" xmlns="">
       <p:transition spd="med">
         <p:fade/>
       </p:transition>
@@ -15599,7 +15752,7 @@
         <p:fade/>
       </p:transition>
     </mc:Choice>
-    <mc:Fallback xmlns="" xmlns:p15="http://schemas.microsoft.com/office/powerpoint/2012/main">
+    <mc:Fallback xmlns:p15="http://schemas.microsoft.com/office/powerpoint/2012/main" xmlns="">
       <p:transition spd="med">
         <p:fade/>
       </p:transition>
@@ -15787,7 +15940,7 @@
         <p:fade/>
       </p:transition>
     </mc:Choice>
-    <mc:Fallback xmlns="" xmlns:p15="http://schemas.microsoft.com/office/powerpoint/2012/main">
+    <mc:Fallback xmlns:p15="http://schemas.microsoft.com/office/powerpoint/2012/main" xmlns="">
       <p:transition spd="med">
         <p:fade/>
       </p:transition>
@@ -16387,7 +16540,7 @@
         <p:fade/>
       </p:transition>
     </mc:Choice>
-    <mc:Fallback xmlns="" xmlns:p15="http://schemas.microsoft.com/office/powerpoint/2012/main">
+    <mc:Fallback xmlns:p15="http://schemas.microsoft.com/office/powerpoint/2012/main" xmlns="">
       <p:transition spd="med">
         <p:fade/>
       </p:transition>
@@ -16422,7 +16575,7 @@
       </p:grpSpPr>
       <p:sp>
         <p:nvSpPr>
-          <p:cNvPr id="130" name="CustomShape 1"/>
+          <p:cNvPr id="134" name="CustomShape 1"/>
           <p:cNvSpPr/>
           <p:nvPr/>
         </p:nvSpPr>
@@ -16453,7 +16606,7 @@
         </p:style>
         <p:txBody>
           <a:bodyPr lIns="0" tIns="45000" rIns="0" bIns="0" anchor="b">
-            <a:normAutofit/>
+            <a:noAutofit/>
           </a:bodyPr>
           <a:lstStyle/>
           <a:p>
@@ -16469,7 +16622,7 @@
                 </a:solidFill>
                 <a:latin typeface="Century Gothic"/>
               </a:rPr>
-              <a:t>Analyse des besoins</a:t>
+              <a:t>Codage d'un formulaire</a:t>
             </a:r>
             <a:endParaRPr lang="fr-FR" sz="5000" b="0" strike="noStrike" spc="-1">
               <a:latin typeface="Arial"/>
@@ -16479,7 +16632,7 @@
       </p:sp>
       <p:sp>
         <p:nvSpPr>
-          <p:cNvPr id="131" name="CustomShape 2"/>
+          <p:cNvPr id="135" name="CustomShape 2"/>
           <p:cNvSpPr/>
           <p:nvPr/>
         </p:nvSpPr>
@@ -16508,95 +16661,30 @@
           </a:effectRef>
           <a:fontRef idx="minor"/>
         </p:style>
-        <p:txBody>
-          <a:bodyPr lIns="90000" tIns="45000" rIns="90000" bIns="45000">
-            <a:noAutofit/>
-          </a:bodyPr>
-          <a:lstStyle/>
-          <a:p>
-            <a:pPr marL="274320" indent="-273600">
-              <a:lnSpc>
-                <a:spcPct val="100000"/>
-              </a:lnSpc>
-              <a:spcBef>
-                <a:spcPts val="519"/>
-              </a:spcBef>
-              <a:buClr>
-                <a:srgbClr val="626B1A"/>
-              </a:buClr>
-              <a:buSzPct val="95000"/>
-              <a:buFont typeface="Wingdings 2" charset="2"/>
-              <a:buChar char=""/>
-            </a:pPr>
-            <a:r>
-              <a:rPr lang="fr-FR" sz="2600" b="0" strike="noStrike" spc="-1" dirty="0">
-                <a:solidFill>
-                  <a:srgbClr val="000000"/>
-                </a:solidFill>
-                <a:latin typeface="Palatino Linotype"/>
-              </a:rPr>
-              <a:t>Dans un premier temps, une application rapide, pratique, et portable, utilisable depuis partout (pc, téléphone, tv).</a:t>
-            </a:r>
-            <a:endParaRPr lang="fr-FR" sz="2600" b="0" strike="noStrike" spc="-1" dirty="0">
-              <a:latin typeface="Arial"/>
-            </a:endParaRPr>
-          </a:p>
-          <a:p>
-            <a:pPr marL="640080" lvl="1" indent="-246240">
-              <a:lnSpc>
-                <a:spcPct val="100000"/>
-              </a:lnSpc>
-              <a:spcBef>
-                <a:spcPts val="479"/>
-              </a:spcBef>
-              <a:buClr>
-                <a:srgbClr val="2A4F1C"/>
-              </a:buClr>
-              <a:buSzPct val="85000"/>
-              <a:buFont typeface="Wingdings 2" charset="2"/>
-              <a:buChar char=""/>
-            </a:pPr>
-            <a:r>
-              <a:rPr lang="fr-FR" sz="2400" b="0" strike="noStrike" spc="-1" dirty="0">
-                <a:solidFill>
-                  <a:srgbClr val="000000"/>
-                </a:solidFill>
-                <a:latin typeface="Palatino Linotype"/>
-              </a:rPr>
-              <a:t>Le choix des technologies est donc fait en conformité avec ceci.</a:t>
-            </a:r>
-            <a:endParaRPr lang="fr-FR" sz="2400" b="0" strike="noStrike" spc="-1" dirty="0">
-              <a:latin typeface="Arial"/>
-            </a:endParaRPr>
-          </a:p>
-          <a:p>
-            <a:pPr>
-              <a:lnSpc>
-                <a:spcPct val="100000"/>
-              </a:lnSpc>
-              <a:spcBef>
-                <a:spcPts val="519"/>
-              </a:spcBef>
-            </a:pPr>
-            <a:endParaRPr lang="fr-FR" sz="2400" b="0" strike="noStrike" spc="-1" dirty="0">
-              <a:latin typeface="Arial"/>
-            </a:endParaRPr>
-          </a:p>
-          <a:p>
-            <a:pPr>
-              <a:lnSpc>
-                <a:spcPct val="100000"/>
-              </a:lnSpc>
-              <a:spcBef>
-                <a:spcPts val="519"/>
-              </a:spcBef>
-            </a:pPr>
-            <a:endParaRPr lang="fr-FR" sz="2400" b="0" strike="noStrike" spc="-1" dirty="0">
-              <a:latin typeface="Arial"/>
-            </a:endParaRPr>
-          </a:p>
-        </p:txBody>
-      </p:sp>
+      </p:sp>
+      <p:pic>
+        <p:nvPicPr>
+          <p:cNvPr id="4" name="Image 3"/>
+          <p:cNvPicPr/>
+          <p:nvPr/>
+        </p:nvPicPr>
+        <p:blipFill>
+          <a:blip r:embed="rId3"/>
+          <a:stretch/>
+        </p:blipFill>
+        <p:spPr>
+          <a:xfrm>
+            <a:off x="956160" y="1846440"/>
+            <a:ext cx="10138560" cy="5497560"/>
+          </a:xfrm>
+          <a:prstGeom prst="rect">
+            <a:avLst/>
+          </a:prstGeom>
+          <a:ln>
+            <a:noFill/>
+          </a:ln>
+        </p:spPr>
+      </p:pic>
     </p:spTree>
   </p:cSld>
   <p:clrMapOvr>
@@ -16608,7 +16696,7 @@
         <p:fade/>
       </p:transition>
     </mc:Choice>
-    <mc:Fallback xmlns="" xmlns:p15="http://schemas.microsoft.com/office/powerpoint/2012/main">
+    <mc:Fallback xmlns:p15="http://schemas.microsoft.com/office/powerpoint/2012/main" xmlns="">
       <p:transition spd="med">
         <p:fade/>
       </p:transition>
@@ -16641,98 +16729,9 @@
           <a:chExt cx="0" cy="0"/>
         </a:xfrm>
       </p:grpSpPr>
-      <p:sp>
-        <p:nvSpPr>
-          <p:cNvPr id="134" name="CustomShape 1"/>
-          <p:cNvSpPr/>
-          <p:nvPr/>
-        </p:nvSpPr>
-        <p:spPr>
-          <a:xfrm>
-            <a:off x="609480" y="704160"/>
-            <a:ext cx="10972080" cy="1142280"/>
-          </a:xfrm>
-          <a:prstGeom prst="rect">
-            <a:avLst/>
-          </a:prstGeom>
-          <a:noFill/>
-          <a:ln>
-            <a:noFill/>
-          </a:ln>
-        </p:spPr>
-        <p:style>
-          <a:lnRef idx="0">
-            <a:scrgbClr r="0" g="0" b="0"/>
-          </a:lnRef>
-          <a:fillRef idx="0">
-            <a:scrgbClr r="0" g="0" b="0"/>
-          </a:fillRef>
-          <a:effectRef idx="0">
-            <a:scrgbClr r="0" g="0" b="0"/>
-          </a:effectRef>
-          <a:fontRef idx="minor"/>
-        </p:style>
-        <p:txBody>
-          <a:bodyPr lIns="0" tIns="45000" rIns="0" bIns="0" anchor="b">
-            <a:noAutofit/>
-          </a:bodyPr>
-          <a:lstStyle/>
-          <a:p>
-            <a:pPr>
-              <a:lnSpc>
-                <a:spcPct val="100000"/>
-              </a:lnSpc>
-            </a:pPr>
-            <a:r>
-              <a:rPr lang="fr-FR" sz="5000" b="0" strike="noStrike" spc="-1">
-                <a:solidFill>
-                  <a:srgbClr val="455F51"/>
-                </a:solidFill>
-                <a:latin typeface="Century Gothic"/>
-              </a:rPr>
-              <a:t>Codage d'un formulaire</a:t>
-            </a:r>
-            <a:endParaRPr lang="fr-FR" sz="5000" b="0" strike="noStrike" spc="-1">
-              <a:latin typeface="Arial"/>
-            </a:endParaRPr>
-          </a:p>
-        </p:txBody>
-      </p:sp>
-      <p:sp>
-        <p:nvSpPr>
-          <p:cNvPr id="135" name="CustomShape 2"/>
-          <p:cNvSpPr/>
-          <p:nvPr/>
-        </p:nvSpPr>
-        <p:spPr>
-          <a:xfrm>
-            <a:off x="609480" y="1935360"/>
-            <a:ext cx="10972080" cy="4388400"/>
-          </a:xfrm>
-          <a:prstGeom prst="rect">
-            <a:avLst/>
-          </a:prstGeom>
-          <a:noFill/>
-          <a:ln>
-            <a:noFill/>
-          </a:ln>
-        </p:spPr>
-        <p:style>
-          <a:lnRef idx="0">
-            <a:scrgbClr r="0" g="0" b="0"/>
-          </a:lnRef>
-          <a:fillRef idx="0">
-            <a:scrgbClr r="0" g="0" b="0"/>
-          </a:fillRef>
-          <a:effectRef idx="0">
-            <a:scrgbClr r="0" g="0" b="0"/>
-          </a:effectRef>
-          <a:fontRef idx="minor"/>
-        </p:style>
-      </p:sp>
       <p:pic>
         <p:nvPicPr>
-          <p:cNvPr id="4" name="Image 3"/>
+          <p:cNvPr id="137" name="Image 136"/>
           <p:cNvPicPr/>
           <p:nvPr/>
         </p:nvPicPr>
@@ -16742,8 +16741,8 @@
         </p:blipFill>
         <p:spPr>
           <a:xfrm>
-            <a:off x="956160" y="1846440"/>
-            <a:ext cx="10138560" cy="5497560"/>
+            <a:off x="1008000" y="720000"/>
+            <a:ext cx="10755720" cy="6328080"/>
           </a:xfrm>
           <a:prstGeom prst="rect">
             <a:avLst/>
@@ -16764,7 +16763,7 @@
         <p:fade/>
       </p:transition>
     </mc:Choice>
-    <mc:Fallback xmlns="" xmlns:p15="http://schemas.microsoft.com/office/powerpoint/2012/main">
+    <mc:Fallback xmlns:p15="http://schemas.microsoft.com/office/powerpoint/2012/main" xmlns="">
       <p:transition spd="med">
         <p:fade/>
       </p:transition>
@@ -16797,9 +16796,66 @@
           <a:chExt cx="0" cy="0"/>
         </a:xfrm>
       </p:grpSpPr>
+      <p:sp>
+        <p:nvSpPr>
+          <p:cNvPr id="138" name="CustomShape 1"/>
+          <p:cNvSpPr/>
+          <p:nvPr/>
+        </p:nvSpPr>
+        <p:spPr>
+          <a:xfrm>
+            <a:off x="609480" y="704160"/>
+            <a:ext cx="10972080" cy="1142280"/>
+          </a:xfrm>
+          <a:prstGeom prst="rect">
+            <a:avLst/>
+          </a:prstGeom>
+          <a:noFill/>
+          <a:ln>
+            <a:noFill/>
+          </a:ln>
+        </p:spPr>
+        <p:style>
+          <a:lnRef idx="0">
+            <a:scrgbClr r="0" g="0" b="0"/>
+          </a:lnRef>
+          <a:fillRef idx="0">
+            <a:scrgbClr r="0" g="0" b="0"/>
+          </a:fillRef>
+          <a:effectRef idx="0">
+            <a:scrgbClr r="0" g="0" b="0"/>
+          </a:effectRef>
+          <a:fontRef idx="minor"/>
+        </p:style>
+        <p:txBody>
+          <a:bodyPr lIns="0" tIns="45000" rIns="0" bIns="0" anchor="b">
+            <a:noAutofit/>
+          </a:bodyPr>
+          <a:lstStyle/>
+          <a:p>
+            <a:pPr>
+              <a:lnSpc>
+                <a:spcPct val="100000"/>
+              </a:lnSpc>
+            </a:pPr>
+            <a:r>
+              <a:rPr lang="fr-FR" sz="5000" b="0" strike="noStrike" spc="-1">
+                <a:solidFill>
+                  <a:srgbClr val="455F51"/>
+                </a:solidFill>
+                <a:latin typeface="Century Gothic"/>
+              </a:rPr>
+              <a:t>Résultat :</a:t>
+            </a:r>
+            <a:endParaRPr lang="fr-FR" sz="5000" b="0" strike="noStrike" spc="-1">
+              <a:latin typeface="Arial"/>
+            </a:endParaRPr>
+          </a:p>
+        </p:txBody>
+      </p:sp>
       <p:pic>
         <p:nvPicPr>
-          <p:cNvPr id="137" name="Image 136"/>
+          <p:cNvPr id="139" name="Image 138"/>
           <p:cNvPicPr/>
           <p:nvPr/>
         </p:nvPicPr>
@@ -16809,8 +16865,8 @@
         </p:blipFill>
         <p:spPr>
           <a:xfrm>
-            <a:off x="1008000" y="720000"/>
-            <a:ext cx="10755720" cy="6328080"/>
+            <a:off x="3672000" y="781560"/>
+            <a:ext cx="8280000" cy="5914440"/>
           </a:xfrm>
           <a:prstGeom prst="rect">
             <a:avLst/>
@@ -16831,7 +16887,7 @@
         <p:fade/>
       </p:transition>
     </mc:Choice>
-    <mc:Fallback xmlns="" xmlns:p15="http://schemas.microsoft.com/office/powerpoint/2012/main">
+    <mc:Fallback xmlns:p15="http://schemas.microsoft.com/office/powerpoint/2012/main" xmlns="">
       <p:transition spd="med">
         <p:fade/>
       </p:transition>
@@ -16866,7 +16922,7 @@
       </p:grpSpPr>
       <p:sp>
         <p:nvSpPr>
-          <p:cNvPr id="138" name="CustomShape 1"/>
+          <p:cNvPr id="144" name="CustomShape 1"/>
           <p:cNvSpPr/>
           <p:nvPr/>
         </p:nvSpPr>
@@ -16913,7 +16969,7 @@
                 </a:solidFill>
                 <a:latin typeface="Century Gothic"/>
               </a:rPr>
-              <a:t>Résultat :</a:t>
+              <a:t>Synthèse et conclusion</a:t>
             </a:r>
             <a:endParaRPr lang="fr-FR" sz="5000" b="0" strike="noStrike" spc="-1">
               <a:latin typeface="Arial"/>
@@ -16921,29 +16977,184 @@
           </a:p>
         </p:txBody>
       </p:sp>
-      <p:pic>
-        <p:nvPicPr>
-          <p:cNvPr id="139" name="Image 138"/>
-          <p:cNvPicPr/>
+      <p:sp>
+        <p:nvSpPr>
+          <p:cNvPr id="145" name="CustomShape 2"/>
+          <p:cNvSpPr/>
           <p:nvPr/>
-        </p:nvPicPr>
-        <p:blipFill>
-          <a:blip r:embed="rId3"/>
-          <a:stretch/>
-        </p:blipFill>
-        <p:spPr>
-          <a:xfrm>
-            <a:off x="3672000" y="781560"/>
-            <a:ext cx="8280000" cy="5914440"/>
-          </a:xfrm>
-          <a:prstGeom prst="rect">
-            <a:avLst/>
-          </a:prstGeom>
+        </p:nvSpPr>
+        <p:spPr>
+          <a:xfrm>
+            <a:off x="609480" y="1935360"/>
+            <a:ext cx="10972080" cy="4388400"/>
+          </a:xfrm>
+          <a:prstGeom prst="rect">
+            <a:avLst/>
+          </a:prstGeom>
+          <a:noFill/>
           <a:ln>
             <a:noFill/>
           </a:ln>
         </p:spPr>
-      </p:pic>
+        <p:style>
+          <a:lnRef idx="0">
+            <a:scrgbClr r="0" g="0" b="0"/>
+          </a:lnRef>
+          <a:fillRef idx="0">
+            <a:scrgbClr r="0" g="0" b="0"/>
+          </a:fillRef>
+          <a:effectRef idx="0">
+            <a:scrgbClr r="0" g="0" b="0"/>
+          </a:effectRef>
+          <a:fontRef idx="minor"/>
+        </p:style>
+        <p:txBody>
+          <a:bodyPr lIns="90000" tIns="45000" rIns="90000" bIns="45000">
+            <a:noAutofit/>
+          </a:bodyPr>
+          <a:lstStyle/>
+          <a:p>
+            <a:pPr marL="274320" indent="-273600">
+              <a:lnSpc>
+                <a:spcPct val="100000"/>
+              </a:lnSpc>
+              <a:spcBef>
+                <a:spcPts val="519"/>
+              </a:spcBef>
+              <a:buClr>
+                <a:srgbClr val="626B1A"/>
+              </a:buClr>
+              <a:buSzPct val="95000"/>
+              <a:buFont typeface="Wingdings 2" charset="2"/>
+              <a:buChar char=""/>
+            </a:pPr>
+            <a:r>
+              <a:rPr lang="fr-FR" sz="2600" b="0" strike="noStrike" spc="-1">
+                <a:solidFill>
+                  <a:srgbClr val="000000"/>
+                </a:solidFill>
+                <a:latin typeface="Palatino Linotype"/>
+              </a:rPr>
+              <a:t>Un projet passionnant.</a:t>
+            </a:r>
+            <a:endParaRPr lang="fr-FR" sz="2600" b="0" strike="noStrike" spc="-1">
+              <a:latin typeface="Arial"/>
+            </a:endParaRPr>
+          </a:p>
+          <a:p>
+            <a:pPr marL="274320" indent="-273600">
+              <a:lnSpc>
+                <a:spcPct val="100000"/>
+              </a:lnSpc>
+              <a:spcBef>
+                <a:spcPts val="519"/>
+              </a:spcBef>
+              <a:buClr>
+                <a:srgbClr val="626B1A"/>
+              </a:buClr>
+              <a:buSzPct val="95000"/>
+              <a:buFont typeface="Wingdings 2" charset="2"/>
+              <a:buChar char=""/>
+            </a:pPr>
+            <a:r>
+              <a:rPr lang="fr-FR" sz="2600" b="0" strike="noStrike" spc="-1">
+                <a:solidFill>
+                  <a:srgbClr val="000000"/>
+                </a:solidFill>
+                <a:latin typeface="Palatino Linotype"/>
+              </a:rPr>
+              <a:t>De grand challenge.</a:t>
+            </a:r>
+            <a:endParaRPr lang="fr-FR" sz="2600" b="0" strike="noStrike" spc="-1">
+              <a:latin typeface="Arial"/>
+            </a:endParaRPr>
+          </a:p>
+          <a:p>
+            <a:pPr marL="274320" indent="-273600">
+              <a:lnSpc>
+                <a:spcPct val="100000"/>
+              </a:lnSpc>
+              <a:spcBef>
+                <a:spcPts val="519"/>
+              </a:spcBef>
+              <a:buClr>
+                <a:srgbClr val="626B1A"/>
+              </a:buClr>
+              <a:buSzPct val="95000"/>
+              <a:buFont typeface="Wingdings 2" charset="2"/>
+              <a:buChar char=""/>
+            </a:pPr>
+            <a:r>
+              <a:rPr lang="fr-FR" sz="2600" b="0" strike="noStrike" spc="-1">
+                <a:solidFill>
+                  <a:srgbClr val="000000"/>
+                </a:solidFill>
+                <a:latin typeface="Palatino Linotype"/>
+              </a:rPr>
+              <a:t>Une bonne aventure.</a:t>
+            </a:r>
+            <a:endParaRPr lang="fr-FR" sz="2600" b="0" strike="noStrike" spc="-1">
+              <a:latin typeface="Arial"/>
+            </a:endParaRPr>
+          </a:p>
+          <a:p>
+            <a:pPr marL="274320" indent="-273600">
+              <a:lnSpc>
+                <a:spcPct val="100000"/>
+              </a:lnSpc>
+              <a:spcBef>
+                <a:spcPts val="519"/>
+              </a:spcBef>
+              <a:buClr>
+                <a:srgbClr val="626B1A"/>
+              </a:buClr>
+              <a:buSzPct val="95000"/>
+              <a:buFont typeface="Wingdings 2" charset="2"/>
+              <a:buChar char=""/>
+            </a:pPr>
+            <a:r>
+              <a:rPr lang="fr-FR" sz="2600" b="0" strike="noStrike" spc="-1">
+                <a:solidFill>
+                  <a:srgbClr val="000000"/>
+                </a:solidFill>
+                <a:latin typeface="Palatino Linotype"/>
+              </a:rPr>
+              <a:t>Une bonne expérience.</a:t>
+            </a:r>
+            <a:endParaRPr lang="fr-FR" sz="2600" b="0" strike="noStrike" spc="-1">
+              <a:latin typeface="Arial"/>
+            </a:endParaRPr>
+          </a:p>
+          <a:p>
+            <a:pPr marL="274320" indent="-273600">
+              <a:lnSpc>
+                <a:spcPct val="100000"/>
+              </a:lnSpc>
+              <a:spcBef>
+                <a:spcPts val="519"/>
+              </a:spcBef>
+              <a:buClr>
+                <a:srgbClr val="626B1A"/>
+              </a:buClr>
+              <a:buSzPct val="95000"/>
+              <a:buFont typeface="Wingdings 2" charset="2"/>
+              <a:buChar char=""/>
+            </a:pPr>
+            <a:r>
+              <a:rPr lang="fr-FR" sz="2600" b="0" strike="noStrike" spc="-1">
+                <a:solidFill>
+                  <a:srgbClr val="000000"/>
+                </a:solidFill>
+                <a:latin typeface="Palatino Linotype"/>
+              </a:rPr>
+              <a:t>Une grande monté en compétence.</a:t>
+            </a:r>
+            <a:endParaRPr lang="fr-FR" sz="2600" b="0" strike="noStrike" spc="-1">
+              <a:latin typeface="Arial"/>
+            </a:endParaRPr>
+          </a:p>
+        </p:txBody>
+      </p:sp>
     </p:spTree>
   </p:cSld>
   <p:clrMapOvr>
@@ -16955,7 +17166,7 @@
         <p:fade/>
       </p:transition>
     </mc:Choice>
-    <mc:Fallback xmlns="" xmlns:p15="http://schemas.microsoft.com/office/powerpoint/2012/main">
+    <mc:Fallback xmlns:p15="http://schemas.microsoft.com/office/powerpoint/2012/main" xmlns="">
       <p:transition spd="med">
         <p:fade/>
       </p:transition>
@@ -16972,285 +17183,6 @@
 </file>
 
 <file path=ppt/slides/slide34.xml><?xml version="1.0" encoding="utf-8"?>
-<p:sld xmlns:a="http://schemas.openxmlformats.org/drawingml/2006/main" xmlns:r="http://schemas.openxmlformats.org/officeDocument/2006/relationships" xmlns:p="http://schemas.openxmlformats.org/presentationml/2006/main">
-  <p:cSld>
-    <p:spTree>
-      <p:nvGrpSpPr>
-        <p:cNvPr id="1" name=""/>
-        <p:cNvGrpSpPr/>
-        <p:nvPr/>
-      </p:nvGrpSpPr>
-      <p:grpSpPr>
-        <a:xfrm>
-          <a:off x="0" y="0"/>
-          <a:ext cx="0" cy="0"/>
-          <a:chOff x="0" y="0"/>
-          <a:chExt cx="0" cy="0"/>
-        </a:xfrm>
-      </p:grpSpPr>
-      <p:sp>
-        <p:nvSpPr>
-          <p:cNvPr id="144" name="CustomShape 1"/>
-          <p:cNvSpPr/>
-          <p:nvPr/>
-        </p:nvSpPr>
-        <p:spPr>
-          <a:xfrm>
-            <a:off x="609480" y="704160"/>
-            <a:ext cx="10972080" cy="1142280"/>
-          </a:xfrm>
-          <a:prstGeom prst="rect">
-            <a:avLst/>
-          </a:prstGeom>
-          <a:noFill/>
-          <a:ln>
-            <a:noFill/>
-          </a:ln>
-        </p:spPr>
-        <p:style>
-          <a:lnRef idx="0">
-            <a:scrgbClr r="0" g="0" b="0"/>
-          </a:lnRef>
-          <a:fillRef idx="0">
-            <a:scrgbClr r="0" g="0" b="0"/>
-          </a:fillRef>
-          <a:effectRef idx="0">
-            <a:scrgbClr r="0" g="0" b="0"/>
-          </a:effectRef>
-          <a:fontRef idx="minor"/>
-        </p:style>
-        <p:txBody>
-          <a:bodyPr lIns="0" tIns="45000" rIns="0" bIns="0" anchor="b">
-            <a:noAutofit/>
-          </a:bodyPr>
-          <a:lstStyle/>
-          <a:p>
-            <a:pPr>
-              <a:lnSpc>
-                <a:spcPct val="100000"/>
-              </a:lnSpc>
-            </a:pPr>
-            <a:r>
-              <a:rPr lang="fr-FR" sz="5000" b="0" strike="noStrike" spc="-1">
-                <a:solidFill>
-                  <a:srgbClr val="455F51"/>
-                </a:solidFill>
-                <a:latin typeface="Century Gothic"/>
-              </a:rPr>
-              <a:t>Synthèse et conclusion</a:t>
-            </a:r>
-            <a:endParaRPr lang="fr-FR" sz="5000" b="0" strike="noStrike" spc="-1">
-              <a:latin typeface="Arial"/>
-            </a:endParaRPr>
-          </a:p>
-        </p:txBody>
-      </p:sp>
-      <p:sp>
-        <p:nvSpPr>
-          <p:cNvPr id="145" name="CustomShape 2"/>
-          <p:cNvSpPr/>
-          <p:nvPr/>
-        </p:nvSpPr>
-        <p:spPr>
-          <a:xfrm>
-            <a:off x="609480" y="1935360"/>
-            <a:ext cx="10972080" cy="4388400"/>
-          </a:xfrm>
-          <a:prstGeom prst="rect">
-            <a:avLst/>
-          </a:prstGeom>
-          <a:noFill/>
-          <a:ln>
-            <a:noFill/>
-          </a:ln>
-        </p:spPr>
-        <p:style>
-          <a:lnRef idx="0">
-            <a:scrgbClr r="0" g="0" b="0"/>
-          </a:lnRef>
-          <a:fillRef idx="0">
-            <a:scrgbClr r="0" g="0" b="0"/>
-          </a:fillRef>
-          <a:effectRef idx="0">
-            <a:scrgbClr r="0" g="0" b="0"/>
-          </a:effectRef>
-          <a:fontRef idx="minor"/>
-        </p:style>
-        <p:txBody>
-          <a:bodyPr lIns="90000" tIns="45000" rIns="90000" bIns="45000">
-            <a:noAutofit/>
-          </a:bodyPr>
-          <a:lstStyle/>
-          <a:p>
-            <a:pPr marL="274320" indent="-273600">
-              <a:lnSpc>
-                <a:spcPct val="100000"/>
-              </a:lnSpc>
-              <a:spcBef>
-                <a:spcPts val="519"/>
-              </a:spcBef>
-              <a:buClr>
-                <a:srgbClr val="626B1A"/>
-              </a:buClr>
-              <a:buSzPct val="95000"/>
-              <a:buFont typeface="Wingdings 2" charset="2"/>
-              <a:buChar char=""/>
-            </a:pPr>
-            <a:r>
-              <a:rPr lang="fr-FR" sz="2600" b="0" strike="noStrike" spc="-1">
-                <a:solidFill>
-                  <a:srgbClr val="000000"/>
-                </a:solidFill>
-                <a:latin typeface="Palatino Linotype"/>
-              </a:rPr>
-              <a:t>Un projet passionnant.</a:t>
-            </a:r>
-            <a:endParaRPr lang="fr-FR" sz="2600" b="0" strike="noStrike" spc="-1">
-              <a:latin typeface="Arial"/>
-            </a:endParaRPr>
-          </a:p>
-          <a:p>
-            <a:pPr marL="274320" indent="-273600">
-              <a:lnSpc>
-                <a:spcPct val="100000"/>
-              </a:lnSpc>
-              <a:spcBef>
-                <a:spcPts val="519"/>
-              </a:spcBef>
-              <a:buClr>
-                <a:srgbClr val="626B1A"/>
-              </a:buClr>
-              <a:buSzPct val="95000"/>
-              <a:buFont typeface="Wingdings 2" charset="2"/>
-              <a:buChar char=""/>
-            </a:pPr>
-            <a:r>
-              <a:rPr lang="fr-FR" sz="2600" b="0" strike="noStrike" spc="-1">
-                <a:solidFill>
-                  <a:srgbClr val="000000"/>
-                </a:solidFill>
-                <a:latin typeface="Palatino Linotype"/>
-              </a:rPr>
-              <a:t>De grand challenge.</a:t>
-            </a:r>
-            <a:endParaRPr lang="fr-FR" sz="2600" b="0" strike="noStrike" spc="-1">
-              <a:latin typeface="Arial"/>
-            </a:endParaRPr>
-          </a:p>
-          <a:p>
-            <a:pPr marL="274320" indent="-273600">
-              <a:lnSpc>
-                <a:spcPct val="100000"/>
-              </a:lnSpc>
-              <a:spcBef>
-                <a:spcPts val="519"/>
-              </a:spcBef>
-              <a:buClr>
-                <a:srgbClr val="626B1A"/>
-              </a:buClr>
-              <a:buSzPct val="95000"/>
-              <a:buFont typeface="Wingdings 2" charset="2"/>
-              <a:buChar char=""/>
-            </a:pPr>
-            <a:r>
-              <a:rPr lang="fr-FR" sz="2600" b="0" strike="noStrike" spc="-1">
-                <a:solidFill>
-                  <a:srgbClr val="000000"/>
-                </a:solidFill>
-                <a:latin typeface="Palatino Linotype"/>
-              </a:rPr>
-              <a:t>Une bonne aventure.</a:t>
-            </a:r>
-            <a:endParaRPr lang="fr-FR" sz="2600" b="0" strike="noStrike" spc="-1">
-              <a:latin typeface="Arial"/>
-            </a:endParaRPr>
-          </a:p>
-          <a:p>
-            <a:pPr marL="274320" indent="-273600">
-              <a:lnSpc>
-                <a:spcPct val="100000"/>
-              </a:lnSpc>
-              <a:spcBef>
-                <a:spcPts val="519"/>
-              </a:spcBef>
-              <a:buClr>
-                <a:srgbClr val="626B1A"/>
-              </a:buClr>
-              <a:buSzPct val="95000"/>
-              <a:buFont typeface="Wingdings 2" charset="2"/>
-              <a:buChar char=""/>
-            </a:pPr>
-            <a:r>
-              <a:rPr lang="fr-FR" sz="2600" b="0" strike="noStrike" spc="-1">
-                <a:solidFill>
-                  <a:srgbClr val="000000"/>
-                </a:solidFill>
-                <a:latin typeface="Palatino Linotype"/>
-              </a:rPr>
-              <a:t>Une bonne expérience.</a:t>
-            </a:r>
-            <a:endParaRPr lang="fr-FR" sz="2600" b="0" strike="noStrike" spc="-1">
-              <a:latin typeface="Arial"/>
-            </a:endParaRPr>
-          </a:p>
-          <a:p>
-            <a:pPr marL="274320" indent="-273600">
-              <a:lnSpc>
-                <a:spcPct val="100000"/>
-              </a:lnSpc>
-              <a:spcBef>
-                <a:spcPts val="519"/>
-              </a:spcBef>
-              <a:buClr>
-                <a:srgbClr val="626B1A"/>
-              </a:buClr>
-              <a:buSzPct val="95000"/>
-              <a:buFont typeface="Wingdings 2" charset="2"/>
-              <a:buChar char=""/>
-            </a:pPr>
-            <a:r>
-              <a:rPr lang="fr-FR" sz="2600" b="0" strike="noStrike" spc="-1">
-                <a:solidFill>
-                  <a:srgbClr val="000000"/>
-                </a:solidFill>
-                <a:latin typeface="Palatino Linotype"/>
-              </a:rPr>
-              <a:t>Une grande monté en compétence.</a:t>
-            </a:r>
-            <a:endParaRPr lang="fr-FR" sz="2600" b="0" strike="noStrike" spc="-1">
-              <a:latin typeface="Arial"/>
-            </a:endParaRPr>
-          </a:p>
-        </p:txBody>
-      </p:sp>
-    </p:spTree>
-  </p:cSld>
-  <p:clrMapOvr>
-    <a:masterClrMapping/>
-  </p:clrMapOvr>
-  <mc:AlternateContent xmlns:mc="http://schemas.openxmlformats.org/markup-compatibility/2006" xmlns:p14="http://schemas.microsoft.com/office/powerpoint/2010/main">
-    <mc:Choice Requires="p14">
-      <p:transition spd="med" p14:dur="700">
-        <p:fade/>
-      </p:transition>
-    </mc:Choice>
-    <mc:Fallback xmlns="" xmlns:p15="http://schemas.microsoft.com/office/powerpoint/2012/main">
-      <p:transition spd="med">
-        <p:fade/>
-      </p:transition>
-    </mc:Fallback>
-  </mc:AlternateContent>
-  <p:timing>
-    <p:tnLst>
-      <p:par>
-        <p:cTn id="1" dur="indefinite" restart="never" nodeType="tmRoot"/>
-      </p:par>
-    </p:tnLst>
-  </p:timing>
-</p:sld>
-</file>
-
-<file path=ppt/slides/slide35.xml><?xml version="1.0" encoding="utf-8"?>
 <p:sld xmlns:a="http://schemas.openxmlformats.org/drawingml/2006/main" xmlns:r="http://schemas.openxmlformats.org/officeDocument/2006/relationships" xmlns:p="http://schemas.openxmlformats.org/presentationml/2006/main">
   <p:cSld>
     <p:spTree>
@@ -17704,7 +17636,7 @@
         <p:fade/>
       </p:transition>
     </mc:Choice>
-    <mc:Fallback xmlns="" xmlns:p15="http://schemas.microsoft.com/office/powerpoint/2012/main">
+    <mc:Fallback xmlns:p15="http://schemas.microsoft.com/office/powerpoint/2012/main" xmlns="">
       <p:transition spd="med">
         <p:fade/>
       </p:transition>
@@ -18191,7 +18123,7 @@
       </p:grpSpPr>
       <p:sp>
         <p:nvSpPr>
-          <p:cNvPr id="110" name="CustomShape 1"/>
+          <p:cNvPr id="144" name="CustomShape 1"/>
           <p:cNvSpPr/>
           <p:nvPr/>
         </p:nvSpPr>
@@ -18232,13 +18164,13 @@
               </a:lnSpc>
             </a:pPr>
             <a:r>
-              <a:rPr lang="fr-FR" sz="5000" b="0" strike="noStrike" spc="-1" dirty="0">
+              <a:rPr lang="fr-FR" sz="5000" b="0" strike="noStrike" spc="-1" dirty="0" smtClean="0">
                 <a:solidFill>
                   <a:srgbClr val="455F51"/>
                 </a:solidFill>
                 <a:latin typeface="Century Gothic"/>
               </a:rPr>
-              <a:t>Contexte du projet</a:t>
+              <a:t> La bête à cornes</a:t>
             </a:r>
             <a:endParaRPr lang="fr-FR" sz="5000" b="0" strike="noStrike" spc="-1" dirty="0">
               <a:latin typeface="Arial"/>
@@ -18248,7 +18180,7 @@
       </p:sp>
       <p:sp>
         <p:nvSpPr>
-          <p:cNvPr id="111" name="CustomShape 2"/>
+          <p:cNvPr id="145" name="CustomShape 2"/>
           <p:cNvSpPr/>
           <p:nvPr/>
         </p:nvSpPr>
@@ -18283,54 +18215,21 @@
           </a:bodyPr>
           <a:lstStyle/>
           <a:p>
-            <a:pPr>
+            <a:pPr marL="274320" indent="-273600">
               <a:lnSpc>
                 <a:spcPct val="100000"/>
               </a:lnSpc>
               <a:spcBef>
                 <a:spcPts val="519"/>
               </a:spcBef>
-            </a:pPr>
-            <a:endParaRPr lang="fr-FR" sz="2400" b="0" strike="noStrike" spc="-1" dirty="0">
-              <a:latin typeface="Arial"/>
-            </a:endParaRPr>
-          </a:p>
-          <a:p>
-            <a:pPr>
-              <a:lnSpc>
-                <a:spcPct val="100000"/>
-              </a:lnSpc>
-              <a:spcBef>
-                <a:spcPts val="519"/>
-              </a:spcBef>
-            </a:pPr>
-            <a:endParaRPr lang="fr-FR" sz="2400" b="0" strike="noStrike" spc="-1" dirty="0">
-              <a:latin typeface="Arial"/>
-            </a:endParaRPr>
-          </a:p>
-          <a:p>
-            <a:pPr>
-              <a:lnSpc>
-                <a:spcPct val="100000"/>
-              </a:lnSpc>
-              <a:spcBef>
-                <a:spcPts val="519"/>
-              </a:spcBef>
-            </a:pPr>
-            <a:endParaRPr lang="fr-FR" sz="2400" b="0" strike="noStrike" spc="-1" dirty="0">
-              <a:latin typeface="Arial"/>
-            </a:endParaRPr>
-          </a:p>
-          <a:p>
-            <a:pPr>
-              <a:lnSpc>
-                <a:spcPct val="100000"/>
-              </a:lnSpc>
-              <a:spcBef>
-                <a:spcPts val="519"/>
-              </a:spcBef>
-            </a:pPr>
-            <a:endParaRPr lang="fr-FR" sz="2400" b="0" strike="noStrike" spc="-1" dirty="0">
+              <a:buClr>
+                <a:srgbClr val="626B1A"/>
+              </a:buClr>
+              <a:buSzPct val="95000"/>
+              <a:buFont typeface="Wingdings 2" charset="2"/>
+              <a:buChar char=""/>
+            </a:pPr>
+            <a:endParaRPr lang="fr-FR" sz="2600" b="0" strike="noStrike" spc="-1" dirty="0">
               <a:latin typeface="Arial"/>
             </a:endParaRPr>
           </a:p>
@@ -18358,8 +18257,8 @@
         </p:blipFill>
         <p:spPr>
           <a:xfrm>
-            <a:off x="1448027" y="1935360"/>
-            <a:ext cx="7730807" cy="4492513"/>
+            <a:off x="3228473" y="2033587"/>
+            <a:ext cx="5978284" cy="4379093"/>
           </a:xfrm>
           <a:prstGeom prst="rect">
             <a:avLst/>
@@ -18369,7 +18268,7 @@
     </p:spTree>
     <p:extLst>
       <p:ext uri="{BB962C8B-B14F-4D97-AF65-F5344CB8AC3E}">
-        <p14:creationId xmlns:p14="http://schemas.microsoft.com/office/powerpoint/2010/main" val="3441433021"/>
+        <p14:creationId xmlns:p14="http://schemas.microsoft.com/office/powerpoint/2010/main" val="3344790749"/>
       </p:ext>
     </p:extLst>
   </p:cSld>
@@ -18464,16 +18363,7 @@
                 </a:solidFill>
                 <a:latin typeface="Century Gothic"/>
               </a:rPr>
-              <a:t> </a:t>
-            </a:r>
-            <a:r>
-              <a:rPr lang="fr-FR" sz="5000" b="0" strike="noStrike" spc="-1" dirty="0" smtClean="0">
-                <a:solidFill>
-                  <a:srgbClr val="455F51"/>
-                </a:solidFill>
-                <a:latin typeface="Century Gothic"/>
-              </a:rPr>
-              <a:t>La bête à cornes</a:t>
+              <a:t> Matrice SWOT</a:t>
             </a:r>
             <a:endParaRPr lang="fr-FR" sz="5000" b="0" strike="noStrike" spc="-1" dirty="0">
               <a:latin typeface="Arial"/>
@@ -18540,10 +18430,8 @@
       </p:sp>
       <p:pic>
         <p:nvPicPr>
-          <p:cNvPr id="2" name="Image 1"/>
-          <p:cNvPicPr>
-            <a:picLocks noChangeAspect="1"/>
-          </p:cNvPicPr>
+          <p:cNvPr id="5" name="Image 4" descr="C:\Users\dev\Desktop\SPOILER_sowt.png"/>
+          <p:cNvPicPr/>
           <p:nvPr/>
         </p:nvPicPr>
         <p:blipFill>
@@ -18554,24 +18442,29 @@
               </a:ext>
             </a:extLst>
           </a:blip>
+          <a:srcRect/>
           <a:stretch>
             <a:fillRect/>
           </a:stretch>
         </p:blipFill>
-        <p:spPr>
-          <a:xfrm>
-            <a:off x="3228473" y="2033587"/>
-            <a:ext cx="5978284" cy="4379093"/>
-          </a:xfrm>
-          <a:prstGeom prst="rect">
-            <a:avLst/>
-          </a:prstGeom>
+        <p:spPr bwMode="auto">
+          <a:xfrm>
+            <a:off x="2261937" y="1846440"/>
+            <a:ext cx="7523747" cy="5011560"/>
+          </a:xfrm>
+          <a:prstGeom prst="rect">
+            <a:avLst/>
+          </a:prstGeom>
+          <a:noFill/>
+          <a:ln>
+            <a:noFill/>
+          </a:ln>
         </p:spPr>
       </p:pic>
     </p:spTree>
     <p:extLst>
       <p:ext uri="{BB962C8B-B14F-4D97-AF65-F5344CB8AC3E}">
-        <p14:creationId xmlns:p14="http://schemas.microsoft.com/office/powerpoint/2010/main" val="3344790749"/>
+        <p14:creationId xmlns:p14="http://schemas.microsoft.com/office/powerpoint/2010/main" val="3261194494"/>
       </p:ext>
     </p:extLst>
   </p:cSld>
@@ -18619,7 +18512,7 @@
       </p:grpSpPr>
       <p:sp>
         <p:nvSpPr>
-          <p:cNvPr id="144" name="CustomShape 1"/>
+          <p:cNvPr id="130" name="CustomShape 1"/>
           <p:cNvSpPr/>
           <p:nvPr/>
         </p:nvSpPr>
@@ -18650,7 +18543,7 @@
         </p:style>
         <p:txBody>
           <a:bodyPr lIns="0" tIns="45000" rIns="0" bIns="0" anchor="b">
-            <a:noAutofit/>
+            <a:normAutofit/>
           </a:bodyPr>
           <a:lstStyle/>
           <a:p>
@@ -18660,32 +18553,23 @@
               </a:lnSpc>
             </a:pPr>
             <a:r>
-              <a:rPr lang="fr-FR" sz="5000" b="0" strike="noStrike" spc="-1" dirty="0" smtClean="0">
+              <a:rPr lang="fr-FR" sz="5000" b="0" strike="noStrike" spc="-1">
                 <a:solidFill>
                   <a:srgbClr val="455F51"/>
                 </a:solidFill>
                 <a:latin typeface="Century Gothic"/>
               </a:rPr>
-              <a:t> </a:t>
-            </a:r>
-            <a:r>
-              <a:rPr lang="fr-FR" sz="5000" b="0" strike="noStrike" spc="-1" dirty="0" smtClean="0">
-                <a:solidFill>
-                  <a:srgbClr val="455F51"/>
-                </a:solidFill>
-                <a:latin typeface="Century Gothic"/>
-              </a:rPr>
-              <a:t>Matrice SWOT</a:t>
-            </a:r>
-            <a:endParaRPr lang="fr-FR" sz="5000" b="0" strike="noStrike" spc="-1" dirty="0">
-              <a:latin typeface="Arial"/>
-            </a:endParaRPr>
-          </a:p>
-        </p:txBody>
-      </p:sp>
-      <p:sp>
-        <p:nvSpPr>
-          <p:cNvPr id="145" name="CustomShape 2"/>
+              <a:t>Analyse des besoins</a:t>
+            </a:r>
+            <a:endParaRPr lang="fr-FR" sz="5000" b="0" strike="noStrike" spc="-1">
+              <a:latin typeface="Arial"/>
+            </a:endParaRPr>
+          </a:p>
+        </p:txBody>
+      </p:sp>
+      <p:sp>
+        <p:nvSpPr>
+          <p:cNvPr id="131" name="CustomShape 2"/>
           <p:cNvSpPr/>
           <p:nvPr/>
         </p:nvSpPr>
@@ -18734,51 +18618,76 @@
               <a:buFont typeface="Wingdings 2" charset="2"/>
               <a:buChar char=""/>
             </a:pPr>
+            <a:r>
+              <a:rPr lang="fr-FR" sz="2600" b="0" strike="noStrike" spc="-1" dirty="0">
+                <a:solidFill>
+                  <a:srgbClr val="000000"/>
+                </a:solidFill>
+                <a:latin typeface="Palatino Linotype"/>
+              </a:rPr>
+              <a:t>Dans un premier temps, une application rapide, pratique, et portable, utilisable depuis partout (pc, téléphone, tv).</a:t>
+            </a:r>
             <a:endParaRPr lang="fr-FR" sz="2600" b="0" strike="noStrike" spc="-1" dirty="0">
               <a:latin typeface="Arial"/>
             </a:endParaRPr>
           </a:p>
-        </p:txBody>
-      </p:sp>
-      <p:pic>
-        <p:nvPicPr>
-          <p:cNvPr id="5" name="Image 4" descr="C:\Users\dev\Desktop\SPOILER_sowt.png"/>
-          <p:cNvPicPr/>
-          <p:nvPr/>
-        </p:nvPicPr>
-        <p:blipFill>
-          <a:blip r:embed="rId3">
-            <a:extLst>
-              <a:ext uri="{28A0092B-C50C-407E-A947-70E740481C1C}">
-                <a14:useLocalDpi xmlns:a14="http://schemas.microsoft.com/office/drawing/2010/main" val="0"/>
-              </a:ext>
-            </a:extLst>
-          </a:blip>
-          <a:srcRect/>
-          <a:stretch>
-            <a:fillRect/>
-          </a:stretch>
-        </p:blipFill>
-        <p:spPr bwMode="auto">
-          <a:xfrm>
-            <a:off x="2261937" y="1846440"/>
-            <a:ext cx="7523747" cy="5011560"/>
-          </a:xfrm>
-          <a:prstGeom prst="rect">
-            <a:avLst/>
-          </a:prstGeom>
-          <a:noFill/>
-          <a:ln>
-            <a:noFill/>
-          </a:ln>
-        </p:spPr>
-      </p:pic>
+          <a:p>
+            <a:pPr marL="640080" lvl="1" indent="-246240">
+              <a:lnSpc>
+                <a:spcPct val="100000"/>
+              </a:lnSpc>
+              <a:spcBef>
+                <a:spcPts val="479"/>
+              </a:spcBef>
+              <a:buClr>
+                <a:srgbClr val="2A4F1C"/>
+              </a:buClr>
+              <a:buSzPct val="85000"/>
+              <a:buFont typeface="Wingdings 2" charset="2"/>
+              <a:buChar char=""/>
+            </a:pPr>
+            <a:r>
+              <a:rPr lang="fr-FR" sz="2400" b="0" strike="noStrike" spc="-1" dirty="0">
+                <a:solidFill>
+                  <a:srgbClr val="000000"/>
+                </a:solidFill>
+                <a:latin typeface="Palatino Linotype"/>
+              </a:rPr>
+              <a:t>Le choix des technologies est donc fait en conformité avec ceci.</a:t>
+            </a:r>
+            <a:endParaRPr lang="fr-FR" sz="2400" b="0" strike="noStrike" spc="-1" dirty="0">
+              <a:latin typeface="Arial"/>
+            </a:endParaRPr>
+          </a:p>
+          <a:p>
+            <a:pPr>
+              <a:lnSpc>
+                <a:spcPct val="100000"/>
+              </a:lnSpc>
+              <a:spcBef>
+                <a:spcPts val="519"/>
+              </a:spcBef>
+            </a:pPr>
+            <a:endParaRPr lang="fr-FR" sz="2400" b="0" strike="noStrike" spc="-1" dirty="0">
+              <a:latin typeface="Arial"/>
+            </a:endParaRPr>
+          </a:p>
+          <a:p>
+            <a:pPr>
+              <a:lnSpc>
+                <a:spcPct val="100000"/>
+              </a:lnSpc>
+              <a:spcBef>
+                <a:spcPts val="519"/>
+              </a:spcBef>
+            </a:pPr>
+            <a:endParaRPr lang="fr-FR" sz="2400" b="0" strike="noStrike" spc="-1" dirty="0">
+              <a:latin typeface="Arial"/>
+            </a:endParaRPr>
+          </a:p>
+        </p:txBody>
+      </p:sp>
     </p:spTree>
-    <p:extLst>
-      <p:ext uri="{BB962C8B-B14F-4D97-AF65-F5344CB8AC3E}">
-        <p14:creationId xmlns:p14="http://schemas.microsoft.com/office/powerpoint/2010/main" val="3261194494"/>
-      </p:ext>
-    </p:extLst>
   </p:cSld>
   <p:clrMapOvr>
     <a:masterClrMapping/>
@@ -18789,7 +18698,7 @@
         <p:fade/>
       </p:transition>
     </mc:Choice>
-    <mc:Fallback xmlns="">
+    <mc:Fallback xmlns:p15="http://schemas.microsoft.com/office/powerpoint/2012/main" xmlns="">
       <p:transition spd="med">
         <p:fade/>
       </p:transition>

--- a/Présentation du titre pro/Dossier Professionnel v1.pptx
+++ b/Présentation du titre pro/Dossier Professionnel v1.pptx
@@ -803,15 +803,7 @@
             </a:pPr>
             <a:r>
               <a:rPr lang="fr-FR" sz="2000" baseline="0" dirty="0" smtClean="0"/>
-              <a:t>Ajouter la partie </a:t>
-            </a:r>
-            <a:r>
-              <a:rPr lang="fr-FR" sz="2000" baseline="0" dirty="0" smtClean="0"/>
-              <a:t>création </a:t>
-            </a:r>
-            <a:r>
-              <a:rPr lang="fr-FR" sz="2000" baseline="0" dirty="0" smtClean="0"/>
-              <a:t>du profil dev a l’</a:t>
+              <a:t>Ajouter la partie création du profil dev a l’</a:t>
             </a:r>
             <a:r>
               <a:rPr lang="fr-FR" sz="2000" baseline="0" dirty="0" err="1" smtClean="0"/>
@@ -821,7 +813,6 @@
               <a:rPr lang="fr-FR" sz="2000" baseline="0" dirty="0" smtClean="0"/>
               <a:t> </a:t>
             </a:r>
-            <a:endParaRPr lang="fr-FR" sz="2000" baseline="0" dirty="0" smtClean="0"/>
           </a:p>
           <a:p>
             <a:pPr marL="0" marR="0" indent="0" algn="l" defTabSz="914400" rtl="0" eaLnBrk="1" fontAlgn="auto" latinLnBrk="0" hangingPunct="1">
@@ -4094,13 +4085,7 @@
               <a:rPr lang="fr-FR" sz="2000" b="0" strike="noStrike" spc="-1" baseline="0" dirty="0" smtClean="0">
                 <a:latin typeface="Arial"/>
               </a:rPr>
-              <a:t> option </a:t>
-            </a:r>
-            <a:r>
-              <a:rPr lang="fr-FR" sz="2000" b="0" strike="noStrike" spc="-1" baseline="0" dirty="0" smtClean="0">
-                <a:latin typeface="Arial"/>
-              </a:rPr>
-              <a:t>obligatoire</a:t>
+              <a:t> option obligatoire</a:t>
             </a:r>
           </a:p>
           <a:p>
@@ -4321,8 +4306,21 @@
           <a:p>
             <a:r>
               <a:rPr lang="fr-FR" dirty="0" smtClean="0"/>
-              <a:t>Modèle Conceptuel des Données modéliser des objet a stocker aussi appeler attribut </a:t>
-            </a:r>
+              <a:t>Modèle Conceptuel des Données modéliser des objet a stocker aussi appeler attribut (représentation</a:t>
+            </a:r>
+            <a:r>
+              <a:rPr lang="fr-FR" baseline="0" dirty="0" smtClean="0"/>
+              <a:t> d’une </a:t>
+            </a:r>
+            <a:r>
+              <a:rPr lang="fr-FR" baseline="0" dirty="0" err="1" smtClean="0"/>
+              <a:t>bdd</a:t>
+            </a:r>
+            <a:r>
+              <a:rPr lang="fr-FR" baseline="0" dirty="0" smtClean="0"/>
+              <a:t>)</a:t>
+            </a:r>
+            <a:endParaRPr lang="fr-FR" dirty="0" smtClean="0"/>
           </a:p>
           <a:p>
             <a:r>
@@ -4527,11 +4525,7 @@
           <a:p>
             <a:r>
               <a:rPr lang="fr-FR" baseline="0" dirty="0" smtClean="0"/>
-              <a:t>Modifier les scenario du diagramme séquentiel </a:t>
-            </a:r>
-            <a:r>
-              <a:rPr lang="fr-FR" baseline="0" dirty="0" smtClean="0"/>
-              <a:t>(scénario d’erreur lorsque le </a:t>
+              <a:t>Modifier les scenario du diagramme séquentiel (scénario d’erreur lorsque le </a:t>
             </a:r>
             <a:r>
               <a:rPr lang="fr-FR" baseline="0" dirty="0" err="1" smtClean="0"/>
@@ -4567,6 +4561,20 @@
             <a:r>
               <a:rPr lang="fr-FR" baseline="0" dirty="0" smtClean="0"/>
               <a:t> faire les boucle </a:t>
+            </a:r>
+          </a:p>
+          <a:p>
+            <a:r>
+              <a:rPr lang="fr-FR" baseline="0" dirty="0" smtClean="0"/>
+              <a:t>Dia séquence </a:t>
+            </a:r>
+            <a:r>
+              <a:rPr lang="fr-FR" baseline="0" dirty="0" err="1" smtClean="0"/>
+              <a:t>Representation</a:t>
+            </a:r>
+            <a:r>
+              <a:rPr lang="fr-FR" baseline="0" dirty="0" smtClean="0"/>
+              <a:t> dans le temps</a:t>
             </a:r>
             <a:endParaRPr lang="fr-FR" dirty="0"/>
           </a:p>
@@ -11383,7 +11391,7 @@
         <p:fade/>
       </p:transition>
     </mc:Choice>
-    <mc:Fallback xmlns:p15="http://schemas.microsoft.com/office/powerpoint/2012/main" xmlns="">
+    <mc:Fallback xmlns="" xmlns:p15="http://schemas.microsoft.com/office/powerpoint/2012/main">
       <p:transition spd="med">
         <p:fade/>
       </p:transition>
@@ -14111,7 +14119,7 @@
         <p:fade/>
       </p:transition>
     </mc:Choice>
-    <mc:Fallback xmlns:p15="http://schemas.microsoft.com/office/powerpoint/2012/main" xmlns="">
+    <mc:Fallback xmlns="" xmlns:p15="http://schemas.microsoft.com/office/powerpoint/2012/main">
       <p:transition spd="med">
         <p:fade/>
       </p:transition>
@@ -14829,7 +14837,7 @@
         <p:fade/>
       </p:transition>
     </mc:Choice>
-    <mc:Fallback xmlns:p15="http://schemas.microsoft.com/office/powerpoint/2012/main" xmlns="">
+    <mc:Fallback xmlns="" xmlns:p15="http://schemas.microsoft.com/office/powerpoint/2012/main">
       <p:transition spd="med">
         <p:fade/>
       </p:transition>
@@ -14996,7 +15004,7 @@
         <p:fade/>
       </p:transition>
     </mc:Choice>
-    <mc:Fallback xmlns:p15="http://schemas.microsoft.com/office/powerpoint/2012/main" xmlns="">
+    <mc:Fallback xmlns="" xmlns:p15="http://schemas.microsoft.com/office/powerpoint/2012/main">
       <p:transition spd="med">
         <p:fade/>
       </p:transition>
@@ -15063,7 +15071,7 @@
         <p:fade/>
       </p:transition>
     </mc:Choice>
-    <mc:Fallback xmlns:p15="http://schemas.microsoft.com/office/powerpoint/2012/main" xmlns="">
+    <mc:Fallback xmlns="" xmlns:p15="http://schemas.microsoft.com/office/powerpoint/2012/main">
       <p:transition spd="med">
         <p:fade/>
       </p:transition>
@@ -15278,7 +15286,7 @@
         <p:fade/>
       </p:transition>
     </mc:Choice>
-    <mc:Fallback xmlns:p15="http://schemas.microsoft.com/office/powerpoint/2012/main" xmlns="">
+    <mc:Fallback xmlns="" xmlns:p15="http://schemas.microsoft.com/office/powerpoint/2012/main">
       <p:transition spd="med">
         <p:fade/>
       </p:transition>
@@ -15562,7 +15570,7 @@
         <p:fade/>
       </p:transition>
     </mc:Choice>
-    <mc:Fallback xmlns:p15="http://schemas.microsoft.com/office/powerpoint/2012/main" xmlns="">
+    <mc:Fallback xmlns="" xmlns:p15="http://schemas.microsoft.com/office/powerpoint/2012/main">
       <p:transition spd="med">
         <p:fade/>
       </p:transition>
@@ -15752,7 +15760,7 @@
         <p:fade/>
       </p:transition>
     </mc:Choice>
-    <mc:Fallback xmlns:p15="http://schemas.microsoft.com/office/powerpoint/2012/main" xmlns="">
+    <mc:Fallback xmlns="" xmlns:p15="http://schemas.microsoft.com/office/powerpoint/2012/main">
       <p:transition spd="med">
         <p:fade/>
       </p:transition>
@@ -15940,7 +15948,7 @@
         <p:fade/>
       </p:transition>
     </mc:Choice>
-    <mc:Fallback xmlns:p15="http://schemas.microsoft.com/office/powerpoint/2012/main" xmlns="">
+    <mc:Fallback xmlns="" xmlns:p15="http://schemas.microsoft.com/office/powerpoint/2012/main">
       <p:transition spd="med">
         <p:fade/>
       </p:transition>
@@ -16540,7 +16548,7 @@
         <p:fade/>
       </p:transition>
     </mc:Choice>
-    <mc:Fallback xmlns:p15="http://schemas.microsoft.com/office/powerpoint/2012/main" xmlns="">
+    <mc:Fallback xmlns="" xmlns:p15="http://schemas.microsoft.com/office/powerpoint/2012/main">
       <p:transition spd="med">
         <p:fade/>
       </p:transition>
@@ -16696,7 +16704,7 @@
         <p:fade/>
       </p:transition>
     </mc:Choice>
-    <mc:Fallback xmlns:p15="http://schemas.microsoft.com/office/powerpoint/2012/main" xmlns="">
+    <mc:Fallback xmlns="" xmlns:p15="http://schemas.microsoft.com/office/powerpoint/2012/main">
       <p:transition spd="med">
         <p:fade/>
       </p:transition>
@@ -16763,7 +16771,7 @@
         <p:fade/>
       </p:transition>
     </mc:Choice>
-    <mc:Fallback xmlns:p15="http://schemas.microsoft.com/office/powerpoint/2012/main" xmlns="">
+    <mc:Fallback xmlns="" xmlns:p15="http://schemas.microsoft.com/office/powerpoint/2012/main">
       <p:transition spd="med">
         <p:fade/>
       </p:transition>
@@ -16887,7 +16895,7 @@
         <p:fade/>
       </p:transition>
     </mc:Choice>
-    <mc:Fallback xmlns:p15="http://schemas.microsoft.com/office/powerpoint/2012/main" xmlns="">
+    <mc:Fallback xmlns="" xmlns:p15="http://schemas.microsoft.com/office/powerpoint/2012/main">
       <p:transition spd="med">
         <p:fade/>
       </p:transition>
@@ -17166,7 +17174,7 @@
         <p:fade/>
       </p:transition>
     </mc:Choice>
-    <mc:Fallback xmlns:p15="http://schemas.microsoft.com/office/powerpoint/2012/main" xmlns="">
+    <mc:Fallback xmlns="" xmlns:p15="http://schemas.microsoft.com/office/powerpoint/2012/main">
       <p:transition spd="med">
         <p:fade/>
       </p:transition>
@@ -17636,7 +17644,7 @@
         <p:fade/>
       </p:transition>
     </mc:Choice>
-    <mc:Fallback xmlns:p15="http://schemas.microsoft.com/office/powerpoint/2012/main" xmlns="">
+    <mc:Fallback xmlns="" xmlns:p15="http://schemas.microsoft.com/office/powerpoint/2012/main">
       <p:transition spd="med">
         <p:fade/>
       </p:transition>
@@ -18698,7 +18706,7 @@
         <p:fade/>
       </p:transition>
     </mc:Choice>
-    <mc:Fallback xmlns:p15="http://schemas.microsoft.com/office/powerpoint/2012/main" xmlns="">
+    <mc:Fallback xmlns="" xmlns:p15="http://schemas.microsoft.com/office/powerpoint/2012/main">
       <p:transition spd="med">
         <p:fade/>
       </p:transition>

--- a/Présentation du titre pro/Dossier Professionnel v1.pptx
+++ b/Présentation du titre pro/Dossier Professionnel v1.pptx
@@ -3837,10 +3837,10 @@
                 <a:ea typeface="+mn-ea"/>
                 <a:cs typeface="+mn-cs"/>
               </a:rPr>
-              <a:t> le front end &amp; python/</a:t>
-            </a:r>
-            <a:r>
-              <a:rPr lang="fr-FR" sz="1200" kern="1200" baseline="0" dirty="0" err="1" smtClean="0">
+              <a:t> le front end </a:t>
+            </a:r>
+            <a:r>
+              <a:rPr lang="fr-FR" sz="1200" kern="1200" baseline="0" smtClean="0">
                 <a:solidFill>
                   <a:schemeClr val="tx1"/>
                 </a:solidFill>
@@ -3849,7 +3849,19 @@
                 <a:ea typeface="+mn-ea"/>
                 <a:cs typeface="+mn-cs"/>
               </a:rPr>
-              <a:t>mysql</a:t>
+              <a:t>&amp; </a:t>
+            </a:r>
+            <a:r>
+              <a:rPr lang="fr-FR" sz="1200" kern="1200" baseline="0" smtClean="0">
+                <a:solidFill>
+                  <a:schemeClr val="tx1"/>
+                </a:solidFill>
+                <a:effectLst/>
+                <a:latin typeface="+mn-lt"/>
+                <a:ea typeface="+mn-ea"/>
+                <a:cs typeface="+mn-cs"/>
+              </a:rPr>
+              <a:t>python/Django </a:t>
             </a:r>
             <a:r>
               <a:rPr lang="fr-FR" sz="1200" kern="1200" baseline="0" dirty="0" smtClean="0">
@@ -3861,7 +3873,7 @@
                 <a:ea typeface="+mn-ea"/>
                 <a:cs typeface="+mn-cs"/>
               </a:rPr>
-              <a:t> pour le back end</a:t>
+              <a:t>pour le back end</a:t>
             </a:r>
             <a:endParaRPr lang="fr-FR" sz="2000" b="0" strike="noStrike" spc="-1" dirty="0">
               <a:latin typeface="Arial"/>
@@ -5499,10 +5511,9 @@
           <a:lstStyle/>
           <a:p>
             <a:r>
-              <a:rPr lang="fr-FR" smtClean="0"/>
+              <a:rPr lang="fr-FR" dirty="0" smtClean="0"/>
               <a:t> </a:t>
             </a:r>
-            <a:endParaRPr lang="fr-FR" dirty="0" smtClean="0"/>
           </a:p>
           <a:p>
             <a:endParaRPr lang="fr-FR" dirty="0"/>
@@ -6098,11 +6109,7 @@
             </a:r>
             <a:r>
               <a:rPr lang="fr-FR" baseline="0" dirty="0" smtClean="0"/>
-              <a:t> </a:t>
-            </a:r>
-            <a:r>
-              <a:rPr lang="fr-FR" baseline="0" smtClean="0"/>
-              <a:t>les source </a:t>
+              <a:t> les source </a:t>
             </a:r>
             <a:endParaRPr lang="fr-FR" dirty="0"/>
           </a:p>
@@ -13002,7 +13009,7 @@
       </p:sp>
       <p:pic>
         <p:nvPicPr>
-          <p:cNvPr id="2" name="Image 1"/>
+          <p:cNvPr id="3" name="Image 2"/>
           <p:cNvPicPr>
             <a:picLocks noChangeAspect="1"/>
           </p:cNvPicPr>
@@ -13022,7 +13029,7 @@
         </p:blipFill>
         <p:spPr>
           <a:xfrm>
-            <a:off x="609480" y="1935360"/>
+            <a:off x="6095520" y="1935360"/>
             <a:ext cx="4953000" cy="6667500"/>
           </a:xfrm>
           <a:prstGeom prst="rect">
@@ -13032,14 +13039,14 @@
       </p:pic>
       <p:pic>
         <p:nvPicPr>
-          <p:cNvPr id="3" name="Image 2"/>
+          <p:cNvPr id="4" name="Image 3"/>
           <p:cNvPicPr>
             <a:picLocks noChangeAspect="1"/>
           </p:cNvPicPr>
           <p:nvPr/>
         </p:nvPicPr>
         <p:blipFill>
-          <a:blip r:embed="rId4">
+          <a:blip r:embed="rId4" cstate="print">
             <a:extLst>
               <a:ext uri="{28A0092B-C50C-407E-A947-70E740481C1C}">
                 <a14:useLocalDpi xmlns:a14="http://schemas.microsoft.com/office/drawing/2010/main" val="0"/>
@@ -13052,8 +13059,8 @@
         </p:blipFill>
         <p:spPr>
           <a:xfrm>
-            <a:off x="6095520" y="1935360"/>
-            <a:ext cx="4953000" cy="6667500"/>
+            <a:off x="609480" y="1840110"/>
+            <a:ext cx="4848606" cy="6762750"/>
           </a:xfrm>
           <a:prstGeom prst="rect">
             <a:avLst/>
@@ -13484,7 +13491,7 @@
       </p:sp>
       <p:pic>
         <p:nvPicPr>
-          <p:cNvPr id="5" name="Image 4"/>
+          <p:cNvPr id="6" name="Image 5"/>
           <p:cNvPicPr>
             <a:picLocks noChangeAspect="1"/>
           </p:cNvPicPr>
@@ -13504,8 +13511,8 @@
         </p:blipFill>
         <p:spPr>
           <a:xfrm>
-            <a:off x="609480" y="1935360"/>
-            <a:ext cx="4953000" cy="6667500"/>
+            <a:off x="6190770" y="1935360"/>
+            <a:ext cx="4762500" cy="6667500"/>
           </a:xfrm>
           <a:prstGeom prst="rect">
             <a:avLst/>
@@ -13514,14 +13521,14 @@
       </p:pic>
       <p:pic>
         <p:nvPicPr>
-          <p:cNvPr id="6" name="Image 5"/>
+          <p:cNvPr id="2" name="Image 1"/>
           <p:cNvPicPr>
             <a:picLocks noChangeAspect="1"/>
           </p:cNvPicPr>
           <p:nvPr/>
         </p:nvPicPr>
         <p:blipFill>
-          <a:blip r:embed="rId4">
+          <a:blip r:embed="rId4" cstate="print">
             <a:extLst>
               <a:ext uri="{28A0092B-C50C-407E-A947-70E740481C1C}">
                 <a14:useLocalDpi xmlns:a14="http://schemas.microsoft.com/office/drawing/2010/main" val="0"/>
@@ -13534,8 +13541,8 @@
         </p:blipFill>
         <p:spPr>
           <a:xfrm>
-            <a:off x="6190770" y="1935360"/>
-            <a:ext cx="4762500" cy="6667500"/>
+            <a:off x="609480" y="1935360"/>
+            <a:ext cx="4848606" cy="6667500"/>
           </a:xfrm>
           <a:prstGeom prst="rect">
             <a:avLst/>
@@ -14301,7 +14308,7 @@
       </p:sp>
       <p:pic>
         <p:nvPicPr>
-          <p:cNvPr id="2" name="Image 1"/>
+          <p:cNvPr id="3" name="Image 2"/>
           <p:cNvPicPr>
             <a:picLocks noChangeAspect="1"/>
           </p:cNvPicPr>
@@ -14321,8 +14328,8 @@
         </p:blipFill>
         <p:spPr>
           <a:xfrm>
-            <a:off x="527957" y="1846440"/>
-            <a:ext cx="4953000" cy="6667500"/>
+            <a:off x="6150008" y="1935360"/>
+            <a:ext cx="4762500" cy="6667500"/>
           </a:xfrm>
           <a:prstGeom prst="rect">
             <a:avLst/>
@@ -14331,14 +14338,14 @@
       </p:pic>
       <p:pic>
         <p:nvPicPr>
-          <p:cNvPr id="3" name="Image 2"/>
+          <p:cNvPr id="4" name="Image 3"/>
           <p:cNvPicPr>
             <a:picLocks noChangeAspect="1"/>
           </p:cNvPicPr>
           <p:nvPr/>
         </p:nvPicPr>
         <p:blipFill>
-          <a:blip r:embed="rId4">
+          <a:blip r:embed="rId4" cstate="print">
             <a:extLst>
               <a:ext uri="{28A0092B-C50C-407E-A947-70E740481C1C}">
                 <a14:useLocalDpi xmlns:a14="http://schemas.microsoft.com/office/drawing/2010/main" val="0"/>
@@ -14351,8 +14358,8 @@
         </p:blipFill>
         <p:spPr>
           <a:xfrm>
-            <a:off x="6150008" y="1935360"/>
-            <a:ext cx="4762500" cy="6667500"/>
+            <a:off x="609480" y="1935360"/>
+            <a:ext cx="4848606" cy="6667500"/>
           </a:xfrm>
           <a:prstGeom prst="rect">
             <a:avLst/>
